--- a/presentation.pptx
+++ b/presentation.pptx
@@ -9,6 +9,9 @@
     <p:sldId id="257" r:id="rId3"/>
     <p:sldId id="258" r:id="rId4"/>
     <p:sldId id="259" r:id="rId5"/>
+    <p:sldId id="260" r:id="rId6"/>
+    <p:sldId id="261" r:id="rId7"/>
+    <p:sldId id="262" r:id="rId8"/>
   </p:sldIdLst>
   <p:sldSz cx="12192000" cy="6858000"/>
   <p:notesSz cx="6858000" cy="9144000"/>
@@ -108,6 +111,6763 @@
     </a:lvl9pPr>
   </p:defaultTextStyle>
 </p:presentation>
+</file>
+
+<file path=ppt/diagrams/colors1.xml><?xml version="1.0" encoding="utf-8"?>
+<dgm:colorsDef xmlns:dgm="http://schemas.openxmlformats.org/drawingml/2006/diagram" xmlns:a="http://schemas.openxmlformats.org/drawingml/2006/main" uniqueId="urn:microsoft.com/office/officeart/2005/8/colors/accent1_2">
+  <dgm:title val=""/>
+  <dgm:desc val=""/>
+  <dgm:catLst>
+    <dgm:cat type="accent1" pri="11200"/>
+  </dgm:catLst>
+  <dgm:styleLbl name="node0">
+    <dgm:fillClrLst meth="repeat">
+      <a:schemeClr val="accent1"/>
+    </dgm:fillClrLst>
+    <dgm:linClrLst meth="repeat">
+      <a:schemeClr val="lt1"/>
+    </dgm:linClrLst>
+    <dgm:effectClrLst/>
+    <dgm:txLinClrLst/>
+    <dgm:txFillClrLst/>
+    <dgm:txEffectClrLst/>
+  </dgm:styleLbl>
+  <dgm:styleLbl name="alignNode1">
+    <dgm:fillClrLst meth="repeat">
+      <a:schemeClr val="accent1"/>
+    </dgm:fillClrLst>
+    <dgm:linClrLst meth="repeat">
+      <a:schemeClr val="accent1"/>
+    </dgm:linClrLst>
+    <dgm:effectClrLst/>
+    <dgm:txLinClrLst/>
+    <dgm:txFillClrLst/>
+    <dgm:txEffectClrLst/>
+  </dgm:styleLbl>
+  <dgm:styleLbl name="node1">
+    <dgm:fillClrLst meth="repeat">
+      <a:schemeClr val="accent1"/>
+    </dgm:fillClrLst>
+    <dgm:linClrLst meth="repeat">
+      <a:schemeClr val="lt1"/>
+    </dgm:linClrLst>
+    <dgm:effectClrLst/>
+    <dgm:txLinClrLst/>
+    <dgm:txFillClrLst/>
+    <dgm:txEffectClrLst/>
+  </dgm:styleLbl>
+  <dgm:styleLbl name="lnNode1">
+    <dgm:fillClrLst meth="repeat">
+      <a:schemeClr val="accent1"/>
+    </dgm:fillClrLst>
+    <dgm:linClrLst meth="repeat">
+      <a:schemeClr val="lt1"/>
+    </dgm:linClrLst>
+    <dgm:effectClrLst/>
+    <dgm:txLinClrLst/>
+    <dgm:txFillClrLst/>
+    <dgm:txEffectClrLst/>
+  </dgm:styleLbl>
+  <dgm:styleLbl name="vennNode1">
+    <dgm:fillClrLst meth="repeat">
+      <a:schemeClr val="accent1">
+        <a:alpha val="50000"/>
+      </a:schemeClr>
+    </dgm:fillClrLst>
+    <dgm:linClrLst meth="repeat">
+      <a:schemeClr val="lt1"/>
+    </dgm:linClrLst>
+    <dgm:effectClrLst/>
+    <dgm:txLinClrLst/>
+    <dgm:txFillClrLst/>
+    <dgm:txEffectClrLst/>
+  </dgm:styleLbl>
+  <dgm:styleLbl name="node2">
+    <dgm:fillClrLst meth="repeat">
+      <a:schemeClr val="accent1"/>
+    </dgm:fillClrLst>
+    <dgm:linClrLst meth="repeat">
+      <a:schemeClr val="lt1"/>
+    </dgm:linClrLst>
+    <dgm:effectClrLst/>
+    <dgm:txLinClrLst/>
+    <dgm:txFillClrLst/>
+    <dgm:txEffectClrLst/>
+  </dgm:styleLbl>
+  <dgm:styleLbl name="node3">
+    <dgm:fillClrLst meth="repeat">
+      <a:schemeClr val="accent1"/>
+    </dgm:fillClrLst>
+    <dgm:linClrLst meth="repeat">
+      <a:schemeClr val="lt1"/>
+    </dgm:linClrLst>
+    <dgm:effectClrLst/>
+    <dgm:txLinClrLst/>
+    <dgm:txFillClrLst/>
+    <dgm:txEffectClrLst/>
+  </dgm:styleLbl>
+  <dgm:styleLbl name="node4">
+    <dgm:fillClrLst meth="repeat">
+      <a:schemeClr val="accent1"/>
+    </dgm:fillClrLst>
+    <dgm:linClrLst meth="repeat">
+      <a:schemeClr val="lt1"/>
+    </dgm:linClrLst>
+    <dgm:effectClrLst/>
+    <dgm:txLinClrLst/>
+    <dgm:txFillClrLst/>
+    <dgm:txEffectClrLst/>
+  </dgm:styleLbl>
+  <dgm:styleLbl name="fgImgPlace1">
+    <dgm:fillClrLst meth="repeat">
+      <a:schemeClr val="accent1">
+        <a:tint val="50000"/>
+      </a:schemeClr>
+    </dgm:fillClrLst>
+    <dgm:linClrLst meth="repeat">
+      <a:schemeClr val="lt1"/>
+    </dgm:linClrLst>
+    <dgm:effectClrLst/>
+    <dgm:txLinClrLst/>
+    <dgm:txFillClrLst meth="repeat">
+      <a:schemeClr val="lt1"/>
+    </dgm:txFillClrLst>
+    <dgm:txEffectClrLst/>
+  </dgm:styleLbl>
+  <dgm:styleLbl name="alignImgPlace1">
+    <dgm:fillClrLst meth="repeat">
+      <a:schemeClr val="accent1">
+        <a:tint val="50000"/>
+      </a:schemeClr>
+    </dgm:fillClrLst>
+    <dgm:linClrLst meth="repeat">
+      <a:schemeClr val="lt1"/>
+    </dgm:linClrLst>
+    <dgm:effectClrLst/>
+    <dgm:txLinClrLst/>
+    <dgm:txFillClrLst meth="repeat">
+      <a:schemeClr val="lt1"/>
+    </dgm:txFillClrLst>
+    <dgm:txEffectClrLst/>
+  </dgm:styleLbl>
+  <dgm:styleLbl name="bgImgPlace1">
+    <dgm:fillClrLst meth="repeat">
+      <a:schemeClr val="accent1">
+        <a:tint val="50000"/>
+      </a:schemeClr>
+    </dgm:fillClrLst>
+    <dgm:linClrLst meth="repeat">
+      <a:schemeClr val="lt1"/>
+    </dgm:linClrLst>
+    <dgm:effectClrLst/>
+    <dgm:txLinClrLst/>
+    <dgm:txFillClrLst meth="repeat">
+      <a:schemeClr val="lt1"/>
+    </dgm:txFillClrLst>
+    <dgm:txEffectClrLst/>
+  </dgm:styleLbl>
+  <dgm:styleLbl name="sibTrans2D1">
+    <dgm:fillClrLst meth="repeat">
+      <a:schemeClr val="accent1">
+        <a:tint val="60000"/>
+      </a:schemeClr>
+    </dgm:fillClrLst>
+    <dgm:linClrLst meth="repeat">
+      <a:schemeClr val="accent1">
+        <a:tint val="60000"/>
+      </a:schemeClr>
+    </dgm:linClrLst>
+    <dgm:effectClrLst/>
+    <dgm:txLinClrLst/>
+    <dgm:txFillClrLst/>
+    <dgm:txEffectClrLst/>
+  </dgm:styleLbl>
+  <dgm:styleLbl name="fgSibTrans2D1">
+    <dgm:fillClrLst meth="repeat">
+      <a:schemeClr val="accent1">
+        <a:tint val="60000"/>
+      </a:schemeClr>
+    </dgm:fillClrLst>
+    <dgm:linClrLst meth="repeat">
+      <a:schemeClr val="accent1">
+        <a:tint val="60000"/>
+      </a:schemeClr>
+    </dgm:linClrLst>
+    <dgm:effectClrLst/>
+    <dgm:txLinClrLst/>
+    <dgm:txFillClrLst/>
+    <dgm:txEffectClrLst/>
+  </dgm:styleLbl>
+  <dgm:styleLbl name="bgSibTrans2D1">
+    <dgm:fillClrLst meth="repeat">
+      <a:schemeClr val="accent1">
+        <a:tint val="60000"/>
+      </a:schemeClr>
+    </dgm:fillClrLst>
+    <dgm:linClrLst meth="repeat">
+      <a:schemeClr val="accent1">
+        <a:tint val="60000"/>
+      </a:schemeClr>
+    </dgm:linClrLst>
+    <dgm:effectClrLst/>
+    <dgm:txLinClrLst/>
+    <dgm:txFillClrLst/>
+    <dgm:txEffectClrLst/>
+  </dgm:styleLbl>
+  <dgm:styleLbl name="sibTrans1D1">
+    <dgm:fillClrLst meth="repeat">
+      <a:schemeClr val="accent1"/>
+    </dgm:fillClrLst>
+    <dgm:linClrLst meth="repeat">
+      <a:schemeClr val="accent1"/>
+    </dgm:linClrLst>
+    <dgm:effectClrLst/>
+    <dgm:txLinClrLst/>
+    <dgm:txFillClrLst meth="repeat">
+      <a:schemeClr val="tx1"/>
+    </dgm:txFillClrLst>
+    <dgm:txEffectClrLst/>
+  </dgm:styleLbl>
+  <dgm:styleLbl name="callout">
+    <dgm:fillClrLst meth="repeat">
+      <a:schemeClr val="accent1"/>
+    </dgm:fillClrLst>
+    <dgm:linClrLst meth="repeat">
+      <a:schemeClr val="accent1">
+        <a:tint val="50000"/>
+      </a:schemeClr>
+    </dgm:linClrLst>
+    <dgm:effectClrLst/>
+    <dgm:txLinClrLst/>
+    <dgm:txFillClrLst meth="repeat">
+      <a:schemeClr val="tx1"/>
+    </dgm:txFillClrLst>
+    <dgm:txEffectClrLst/>
+  </dgm:styleLbl>
+  <dgm:styleLbl name="asst0">
+    <dgm:fillClrLst meth="repeat">
+      <a:schemeClr val="accent1"/>
+    </dgm:fillClrLst>
+    <dgm:linClrLst meth="repeat">
+      <a:schemeClr val="lt1"/>
+    </dgm:linClrLst>
+    <dgm:effectClrLst/>
+    <dgm:txLinClrLst/>
+    <dgm:txFillClrLst/>
+    <dgm:txEffectClrLst/>
+  </dgm:styleLbl>
+  <dgm:styleLbl name="asst1">
+    <dgm:fillClrLst meth="repeat">
+      <a:schemeClr val="accent1"/>
+    </dgm:fillClrLst>
+    <dgm:linClrLst meth="repeat">
+      <a:schemeClr val="lt1"/>
+    </dgm:linClrLst>
+    <dgm:effectClrLst/>
+    <dgm:txLinClrLst/>
+    <dgm:txFillClrLst/>
+    <dgm:txEffectClrLst/>
+  </dgm:styleLbl>
+  <dgm:styleLbl name="asst2">
+    <dgm:fillClrLst meth="repeat">
+      <a:schemeClr val="accent1"/>
+    </dgm:fillClrLst>
+    <dgm:linClrLst meth="repeat">
+      <a:schemeClr val="lt1"/>
+    </dgm:linClrLst>
+    <dgm:effectClrLst/>
+    <dgm:txLinClrLst/>
+    <dgm:txFillClrLst/>
+    <dgm:txEffectClrLst/>
+  </dgm:styleLbl>
+  <dgm:styleLbl name="asst3">
+    <dgm:fillClrLst meth="repeat">
+      <a:schemeClr val="accent1"/>
+    </dgm:fillClrLst>
+    <dgm:linClrLst meth="repeat">
+      <a:schemeClr val="lt1"/>
+    </dgm:linClrLst>
+    <dgm:effectClrLst/>
+    <dgm:txLinClrLst/>
+    <dgm:txFillClrLst/>
+    <dgm:txEffectClrLst/>
+  </dgm:styleLbl>
+  <dgm:styleLbl name="asst4">
+    <dgm:fillClrLst meth="repeat">
+      <a:schemeClr val="accent1"/>
+    </dgm:fillClrLst>
+    <dgm:linClrLst meth="repeat">
+      <a:schemeClr val="lt1"/>
+    </dgm:linClrLst>
+    <dgm:effectClrLst/>
+    <dgm:txLinClrLst/>
+    <dgm:txFillClrLst/>
+    <dgm:txEffectClrLst/>
+  </dgm:styleLbl>
+  <dgm:styleLbl name="parChTrans2D1">
+    <dgm:fillClrLst meth="repeat">
+      <a:schemeClr val="accent1">
+        <a:tint val="60000"/>
+      </a:schemeClr>
+    </dgm:fillClrLst>
+    <dgm:linClrLst meth="repeat">
+      <a:schemeClr val="accent1">
+        <a:tint val="60000"/>
+      </a:schemeClr>
+    </dgm:linClrLst>
+    <dgm:effectClrLst/>
+    <dgm:txLinClrLst/>
+    <dgm:txFillClrLst meth="repeat">
+      <a:schemeClr val="lt1"/>
+    </dgm:txFillClrLst>
+    <dgm:txEffectClrLst/>
+  </dgm:styleLbl>
+  <dgm:styleLbl name="parChTrans2D2">
+    <dgm:fillClrLst meth="repeat">
+      <a:schemeClr val="accent1"/>
+    </dgm:fillClrLst>
+    <dgm:linClrLst meth="repeat">
+      <a:schemeClr val="accent1"/>
+    </dgm:linClrLst>
+    <dgm:effectClrLst/>
+    <dgm:txLinClrLst/>
+    <dgm:txFillClrLst meth="repeat">
+      <a:schemeClr val="lt1"/>
+    </dgm:txFillClrLst>
+    <dgm:txEffectClrLst/>
+  </dgm:styleLbl>
+  <dgm:styleLbl name="parChTrans2D3">
+    <dgm:fillClrLst meth="repeat">
+      <a:schemeClr val="accent1"/>
+    </dgm:fillClrLst>
+    <dgm:linClrLst meth="repeat">
+      <a:schemeClr val="accent1"/>
+    </dgm:linClrLst>
+    <dgm:effectClrLst/>
+    <dgm:txLinClrLst/>
+    <dgm:txFillClrLst meth="repeat">
+      <a:schemeClr val="lt1"/>
+    </dgm:txFillClrLst>
+    <dgm:txEffectClrLst/>
+  </dgm:styleLbl>
+  <dgm:styleLbl name="parChTrans2D4">
+    <dgm:fillClrLst meth="repeat">
+      <a:schemeClr val="accent1"/>
+    </dgm:fillClrLst>
+    <dgm:linClrLst meth="repeat">
+      <a:schemeClr val="accent1"/>
+    </dgm:linClrLst>
+    <dgm:effectClrLst/>
+    <dgm:txLinClrLst/>
+    <dgm:txFillClrLst meth="repeat">
+      <a:schemeClr val="lt1"/>
+    </dgm:txFillClrLst>
+    <dgm:txEffectClrLst/>
+  </dgm:styleLbl>
+  <dgm:styleLbl name="parChTrans1D1">
+    <dgm:fillClrLst meth="repeat">
+      <a:schemeClr val="accent1"/>
+    </dgm:fillClrLst>
+    <dgm:linClrLst meth="repeat">
+      <a:schemeClr val="accent1">
+        <a:shade val="60000"/>
+      </a:schemeClr>
+    </dgm:linClrLst>
+    <dgm:effectClrLst/>
+    <dgm:txLinClrLst/>
+    <dgm:txFillClrLst meth="repeat">
+      <a:schemeClr val="tx1"/>
+    </dgm:txFillClrLst>
+    <dgm:txEffectClrLst/>
+  </dgm:styleLbl>
+  <dgm:styleLbl name="parChTrans1D2">
+    <dgm:fillClrLst meth="repeat">
+      <a:schemeClr val="accent1"/>
+    </dgm:fillClrLst>
+    <dgm:linClrLst meth="repeat">
+      <a:schemeClr val="accent1">
+        <a:shade val="60000"/>
+      </a:schemeClr>
+    </dgm:linClrLst>
+    <dgm:effectClrLst/>
+    <dgm:txLinClrLst/>
+    <dgm:txFillClrLst meth="repeat">
+      <a:schemeClr val="tx1"/>
+    </dgm:txFillClrLst>
+    <dgm:txEffectClrLst/>
+  </dgm:styleLbl>
+  <dgm:styleLbl name="parChTrans1D3">
+    <dgm:fillClrLst meth="repeat">
+      <a:schemeClr val="accent1"/>
+    </dgm:fillClrLst>
+    <dgm:linClrLst meth="repeat">
+      <a:schemeClr val="accent1">
+        <a:shade val="80000"/>
+      </a:schemeClr>
+    </dgm:linClrLst>
+    <dgm:effectClrLst/>
+    <dgm:txLinClrLst/>
+    <dgm:txFillClrLst meth="repeat">
+      <a:schemeClr val="tx1"/>
+    </dgm:txFillClrLst>
+    <dgm:txEffectClrLst/>
+  </dgm:styleLbl>
+  <dgm:styleLbl name="parChTrans1D4">
+    <dgm:fillClrLst meth="repeat">
+      <a:schemeClr val="accent1"/>
+    </dgm:fillClrLst>
+    <dgm:linClrLst meth="repeat">
+      <a:schemeClr val="accent1">
+        <a:shade val="80000"/>
+      </a:schemeClr>
+    </dgm:linClrLst>
+    <dgm:effectClrLst/>
+    <dgm:txLinClrLst/>
+    <dgm:txFillClrLst meth="repeat">
+      <a:schemeClr val="tx1"/>
+    </dgm:txFillClrLst>
+    <dgm:txEffectClrLst/>
+  </dgm:styleLbl>
+  <dgm:styleLbl name="fgAcc1">
+    <dgm:fillClrLst meth="repeat">
+      <a:schemeClr val="lt1">
+        <a:alpha val="90000"/>
+      </a:schemeClr>
+    </dgm:fillClrLst>
+    <dgm:linClrLst meth="repeat">
+      <a:schemeClr val="accent1"/>
+    </dgm:linClrLst>
+    <dgm:effectClrLst/>
+    <dgm:txLinClrLst/>
+    <dgm:txFillClrLst meth="repeat">
+      <a:schemeClr val="dk1"/>
+    </dgm:txFillClrLst>
+    <dgm:txEffectClrLst/>
+  </dgm:styleLbl>
+  <dgm:styleLbl name="conFgAcc1">
+    <dgm:fillClrLst meth="repeat">
+      <a:schemeClr val="lt1">
+        <a:alpha val="90000"/>
+      </a:schemeClr>
+    </dgm:fillClrLst>
+    <dgm:linClrLst meth="repeat">
+      <a:schemeClr val="accent1"/>
+    </dgm:linClrLst>
+    <dgm:effectClrLst/>
+    <dgm:txLinClrLst/>
+    <dgm:txFillClrLst meth="repeat">
+      <a:schemeClr val="dk1"/>
+    </dgm:txFillClrLst>
+    <dgm:txEffectClrLst/>
+  </dgm:styleLbl>
+  <dgm:styleLbl name="alignAcc1">
+    <dgm:fillClrLst meth="repeat">
+      <a:schemeClr val="lt1">
+        <a:alpha val="90000"/>
+      </a:schemeClr>
+    </dgm:fillClrLst>
+    <dgm:linClrLst meth="repeat">
+      <a:schemeClr val="accent1"/>
+    </dgm:linClrLst>
+    <dgm:effectClrLst/>
+    <dgm:txLinClrLst/>
+    <dgm:txFillClrLst meth="repeat">
+      <a:schemeClr val="dk1"/>
+    </dgm:txFillClrLst>
+    <dgm:txEffectClrLst/>
+  </dgm:styleLbl>
+  <dgm:styleLbl name="trAlignAcc1">
+    <dgm:fillClrLst meth="repeat">
+      <a:schemeClr val="lt1">
+        <a:alpha val="40000"/>
+      </a:schemeClr>
+    </dgm:fillClrLst>
+    <dgm:linClrLst meth="repeat">
+      <a:schemeClr val="accent1"/>
+    </dgm:linClrLst>
+    <dgm:effectClrLst/>
+    <dgm:txLinClrLst/>
+    <dgm:txFillClrLst meth="repeat">
+      <a:schemeClr val="dk1"/>
+    </dgm:txFillClrLst>
+    <dgm:txEffectClrLst/>
+  </dgm:styleLbl>
+  <dgm:styleLbl name="bgAcc1">
+    <dgm:fillClrLst meth="repeat">
+      <a:schemeClr val="lt1">
+        <a:alpha val="90000"/>
+      </a:schemeClr>
+    </dgm:fillClrLst>
+    <dgm:linClrLst meth="repeat">
+      <a:schemeClr val="accent1"/>
+    </dgm:linClrLst>
+    <dgm:effectClrLst/>
+    <dgm:txLinClrLst/>
+    <dgm:txFillClrLst meth="repeat">
+      <a:schemeClr val="dk1"/>
+    </dgm:txFillClrLst>
+    <dgm:txEffectClrLst/>
+  </dgm:styleLbl>
+  <dgm:styleLbl name="solidFgAcc1">
+    <dgm:fillClrLst meth="repeat">
+      <a:schemeClr val="lt1"/>
+    </dgm:fillClrLst>
+    <dgm:linClrLst meth="repeat">
+      <a:schemeClr val="accent1"/>
+    </dgm:linClrLst>
+    <dgm:effectClrLst/>
+    <dgm:txLinClrLst/>
+    <dgm:txFillClrLst meth="repeat">
+      <a:schemeClr val="dk1"/>
+    </dgm:txFillClrLst>
+    <dgm:txEffectClrLst/>
+  </dgm:styleLbl>
+  <dgm:styleLbl name="solidAlignAcc1">
+    <dgm:fillClrLst meth="repeat">
+      <a:schemeClr val="lt1"/>
+    </dgm:fillClrLst>
+    <dgm:linClrLst meth="repeat">
+      <a:schemeClr val="accent1"/>
+    </dgm:linClrLst>
+    <dgm:effectClrLst/>
+    <dgm:txLinClrLst/>
+    <dgm:txFillClrLst meth="repeat">
+      <a:schemeClr val="dk1"/>
+    </dgm:txFillClrLst>
+    <dgm:txEffectClrLst/>
+  </dgm:styleLbl>
+  <dgm:styleLbl name="solidBgAcc1">
+    <dgm:fillClrLst meth="repeat">
+      <a:schemeClr val="lt1"/>
+    </dgm:fillClrLst>
+    <dgm:linClrLst meth="repeat">
+      <a:schemeClr val="accent1"/>
+    </dgm:linClrLst>
+    <dgm:effectClrLst/>
+    <dgm:txLinClrLst/>
+    <dgm:txFillClrLst meth="repeat">
+      <a:schemeClr val="dk1"/>
+    </dgm:txFillClrLst>
+    <dgm:txEffectClrLst/>
+  </dgm:styleLbl>
+  <dgm:styleLbl name="fgAccFollowNode1">
+    <dgm:fillClrLst meth="repeat">
+      <a:schemeClr val="accent1">
+        <a:alpha val="90000"/>
+        <a:tint val="40000"/>
+      </a:schemeClr>
+    </dgm:fillClrLst>
+    <dgm:linClrLst meth="repeat">
+      <a:schemeClr val="accent1">
+        <a:alpha val="90000"/>
+        <a:tint val="40000"/>
+      </a:schemeClr>
+    </dgm:linClrLst>
+    <dgm:effectClrLst/>
+    <dgm:txLinClrLst/>
+    <dgm:txFillClrLst meth="repeat">
+      <a:schemeClr val="dk1"/>
+    </dgm:txFillClrLst>
+    <dgm:txEffectClrLst/>
+  </dgm:styleLbl>
+  <dgm:styleLbl name="alignAccFollowNode1">
+    <dgm:fillClrLst meth="repeat">
+      <a:schemeClr val="accent1">
+        <a:alpha val="90000"/>
+        <a:tint val="40000"/>
+      </a:schemeClr>
+    </dgm:fillClrLst>
+    <dgm:linClrLst meth="repeat">
+      <a:schemeClr val="accent1">
+        <a:alpha val="90000"/>
+        <a:tint val="40000"/>
+      </a:schemeClr>
+    </dgm:linClrLst>
+    <dgm:effectClrLst/>
+    <dgm:txLinClrLst/>
+    <dgm:txFillClrLst meth="repeat">
+      <a:schemeClr val="dk1"/>
+    </dgm:txFillClrLst>
+    <dgm:txEffectClrLst/>
+  </dgm:styleLbl>
+  <dgm:styleLbl name="bgAccFollowNode1">
+    <dgm:fillClrLst meth="repeat">
+      <a:schemeClr val="accent1">
+        <a:alpha val="90000"/>
+        <a:tint val="40000"/>
+      </a:schemeClr>
+    </dgm:fillClrLst>
+    <dgm:linClrLst meth="repeat">
+      <a:schemeClr val="accent1">
+        <a:alpha val="90000"/>
+        <a:tint val="40000"/>
+      </a:schemeClr>
+    </dgm:linClrLst>
+    <dgm:effectClrLst/>
+    <dgm:txLinClrLst/>
+    <dgm:txFillClrLst meth="repeat">
+      <a:schemeClr val="dk1"/>
+    </dgm:txFillClrLst>
+    <dgm:txEffectClrLst/>
+  </dgm:styleLbl>
+  <dgm:styleLbl name="fgAcc0">
+    <dgm:fillClrLst meth="repeat">
+      <a:schemeClr val="lt1">
+        <a:alpha val="90000"/>
+      </a:schemeClr>
+    </dgm:fillClrLst>
+    <dgm:linClrLst meth="repeat">
+      <a:schemeClr val="accent1"/>
+    </dgm:linClrLst>
+    <dgm:effectClrLst/>
+    <dgm:txLinClrLst/>
+    <dgm:txFillClrLst meth="repeat">
+      <a:schemeClr val="dk1"/>
+    </dgm:txFillClrLst>
+    <dgm:txEffectClrLst/>
+  </dgm:styleLbl>
+  <dgm:styleLbl name="fgAcc2">
+    <dgm:fillClrLst meth="repeat">
+      <a:schemeClr val="lt1">
+        <a:alpha val="90000"/>
+      </a:schemeClr>
+    </dgm:fillClrLst>
+    <dgm:linClrLst meth="repeat">
+      <a:schemeClr val="accent1"/>
+    </dgm:linClrLst>
+    <dgm:effectClrLst/>
+    <dgm:txLinClrLst/>
+    <dgm:txFillClrLst meth="repeat">
+      <a:schemeClr val="dk1"/>
+    </dgm:txFillClrLst>
+    <dgm:txEffectClrLst/>
+  </dgm:styleLbl>
+  <dgm:styleLbl name="fgAcc3">
+    <dgm:fillClrLst meth="repeat">
+      <a:schemeClr val="lt1">
+        <a:alpha val="90000"/>
+      </a:schemeClr>
+    </dgm:fillClrLst>
+    <dgm:linClrLst meth="repeat">
+      <a:schemeClr val="accent1"/>
+    </dgm:linClrLst>
+    <dgm:effectClrLst/>
+    <dgm:txLinClrLst/>
+    <dgm:txFillClrLst meth="repeat">
+      <a:schemeClr val="dk1"/>
+    </dgm:txFillClrLst>
+    <dgm:txEffectClrLst/>
+  </dgm:styleLbl>
+  <dgm:styleLbl name="fgAcc4">
+    <dgm:fillClrLst meth="repeat">
+      <a:schemeClr val="lt1">
+        <a:alpha val="90000"/>
+      </a:schemeClr>
+    </dgm:fillClrLst>
+    <dgm:linClrLst meth="repeat">
+      <a:schemeClr val="accent1"/>
+    </dgm:linClrLst>
+    <dgm:effectClrLst/>
+    <dgm:txLinClrLst/>
+    <dgm:txFillClrLst meth="repeat">
+      <a:schemeClr val="dk1"/>
+    </dgm:txFillClrLst>
+    <dgm:txEffectClrLst/>
+  </dgm:styleLbl>
+  <dgm:styleLbl name="bgShp">
+    <dgm:fillClrLst meth="repeat">
+      <a:schemeClr val="accent1">
+        <a:tint val="40000"/>
+      </a:schemeClr>
+    </dgm:fillClrLst>
+    <dgm:linClrLst meth="repeat">
+      <a:schemeClr val="accent1"/>
+    </dgm:linClrLst>
+    <dgm:effectClrLst/>
+    <dgm:txLinClrLst/>
+    <dgm:txFillClrLst meth="repeat">
+      <a:schemeClr val="dk1"/>
+    </dgm:txFillClrLst>
+    <dgm:txEffectClrLst/>
+  </dgm:styleLbl>
+  <dgm:styleLbl name="dkBgShp">
+    <dgm:fillClrLst meth="repeat">
+      <a:schemeClr val="accent1">
+        <a:shade val="80000"/>
+      </a:schemeClr>
+    </dgm:fillClrLst>
+    <dgm:linClrLst meth="repeat">
+      <a:schemeClr val="accent1"/>
+    </dgm:linClrLst>
+    <dgm:effectClrLst/>
+    <dgm:txLinClrLst/>
+    <dgm:txFillClrLst meth="repeat">
+      <a:schemeClr val="lt1"/>
+    </dgm:txFillClrLst>
+    <dgm:txEffectClrLst/>
+  </dgm:styleLbl>
+  <dgm:styleLbl name="trBgShp">
+    <dgm:fillClrLst meth="repeat">
+      <a:schemeClr val="accent1">
+        <a:tint val="50000"/>
+        <a:alpha val="40000"/>
+      </a:schemeClr>
+    </dgm:fillClrLst>
+    <dgm:linClrLst meth="repeat">
+      <a:schemeClr val="accent1"/>
+    </dgm:linClrLst>
+    <dgm:effectClrLst/>
+    <dgm:txLinClrLst/>
+    <dgm:txFillClrLst meth="repeat">
+      <a:schemeClr val="lt1"/>
+    </dgm:txFillClrLst>
+    <dgm:txEffectClrLst/>
+  </dgm:styleLbl>
+  <dgm:styleLbl name="fgShp">
+    <dgm:fillClrLst meth="repeat">
+      <a:schemeClr val="accent1">
+        <a:tint val="60000"/>
+      </a:schemeClr>
+    </dgm:fillClrLst>
+    <dgm:linClrLst meth="repeat">
+      <a:schemeClr val="lt1"/>
+    </dgm:linClrLst>
+    <dgm:effectClrLst/>
+    <dgm:txLinClrLst/>
+    <dgm:txFillClrLst meth="repeat">
+      <a:schemeClr val="dk1"/>
+    </dgm:txFillClrLst>
+    <dgm:txEffectClrLst/>
+  </dgm:styleLbl>
+  <dgm:styleLbl name="revTx">
+    <dgm:fillClrLst meth="repeat">
+      <a:schemeClr val="lt1">
+        <a:alpha val="0"/>
+      </a:schemeClr>
+    </dgm:fillClrLst>
+    <dgm:linClrLst meth="repeat">
+      <a:schemeClr val="dk1">
+        <a:alpha val="0"/>
+      </a:schemeClr>
+    </dgm:linClrLst>
+    <dgm:effectClrLst/>
+    <dgm:txLinClrLst/>
+    <dgm:txFillClrLst meth="repeat">
+      <a:schemeClr val="tx1"/>
+    </dgm:txFillClrLst>
+    <dgm:txEffectClrLst/>
+  </dgm:styleLbl>
+</dgm:colorsDef>
+</file>
+
+<file path=ppt/diagrams/data1.xml><?xml version="1.0" encoding="utf-8"?>
+<dgm:dataModel xmlns:dgm="http://schemas.openxmlformats.org/drawingml/2006/diagram" xmlns:a="http://schemas.openxmlformats.org/drawingml/2006/main">
+  <dgm:ptLst>
+    <dgm:pt modelId="{D1FB2890-B15A-5240-9233-38D363F9F85E}" type="doc">
+      <dgm:prSet loTypeId="urn:microsoft.com/office/officeart/2005/8/layout/orgChart1" loCatId="" qsTypeId="urn:microsoft.com/office/officeart/2005/8/quickstyle/simple3" qsCatId="simple" csTypeId="urn:microsoft.com/office/officeart/2005/8/colors/accent1_2" csCatId="accent1" phldr="1"/>
+      <dgm:spPr/>
+      <dgm:t>
+        <a:bodyPr/>
+        <a:lstStyle/>
+        <a:p>
+          <a:endParaRPr lang="en-US"/>
+        </a:p>
+      </dgm:t>
+    </dgm:pt>
+    <dgm:pt modelId="{BE661E2D-7B08-4646-B905-EACAC2E869F6}">
+      <dgm:prSet phldrT="[Text]" custT="1"/>
+      <dgm:spPr/>
+      <dgm:t>
+        <a:bodyPr/>
+        <a:lstStyle/>
+        <a:p>
+          <a:r>
+            <a:rPr lang="en-US" sz="3600" dirty="0" smtClean="0"/>
+            <a:t>[]</a:t>
+          </a:r>
+          <a:endParaRPr lang="en-US" sz="3600" dirty="0"/>
+        </a:p>
+      </dgm:t>
+    </dgm:pt>
+    <dgm:pt modelId="{06FD722F-658C-C040-A8CF-C506C06E0F11}" type="parTrans" cxnId="{A37077D2-105E-F64C-BD0D-74294E1051F1}">
+      <dgm:prSet/>
+      <dgm:spPr/>
+      <dgm:t>
+        <a:bodyPr/>
+        <a:lstStyle/>
+        <a:p>
+          <a:endParaRPr lang="en-US"/>
+        </a:p>
+      </dgm:t>
+    </dgm:pt>
+    <dgm:pt modelId="{0BAD7845-607F-DF43-A42B-82C594D732AD}" type="sibTrans" cxnId="{A37077D2-105E-F64C-BD0D-74294E1051F1}">
+      <dgm:prSet/>
+      <dgm:spPr/>
+      <dgm:t>
+        <a:bodyPr/>
+        <a:lstStyle/>
+        <a:p>
+          <a:endParaRPr lang="en-US"/>
+        </a:p>
+      </dgm:t>
+    </dgm:pt>
+    <dgm:pt modelId="{D894F136-8341-E344-8B33-15CBA7D30160}">
+      <dgm:prSet custT="1"/>
+      <dgm:spPr/>
+      <dgm:t>
+        <a:bodyPr/>
+        <a:lstStyle/>
+        <a:p>
+          <a:r>
+            <a:rPr lang="en-US" sz="3600" dirty="0" smtClean="0"/>
+            <a:t>[0]</a:t>
+          </a:r>
+          <a:endParaRPr lang="en-US" sz="3600" dirty="0"/>
+        </a:p>
+      </dgm:t>
+    </dgm:pt>
+    <dgm:pt modelId="{2FA61BA0-34ED-FB40-979F-17A4AEEC4016}" type="parTrans" cxnId="{3D614DD7-CE9E-5B45-AF72-9A94269C5DFE}">
+      <dgm:prSet/>
+      <dgm:spPr/>
+      <dgm:t>
+        <a:bodyPr/>
+        <a:lstStyle/>
+        <a:p>
+          <a:endParaRPr lang="en-US" sz="1100"/>
+        </a:p>
+      </dgm:t>
+    </dgm:pt>
+    <dgm:pt modelId="{4C2EC860-3FA9-2545-A7A2-0096CB172C07}" type="sibTrans" cxnId="{3D614DD7-CE9E-5B45-AF72-9A94269C5DFE}">
+      <dgm:prSet/>
+      <dgm:spPr/>
+      <dgm:t>
+        <a:bodyPr/>
+        <a:lstStyle/>
+        <a:p>
+          <a:endParaRPr lang="en-US"/>
+        </a:p>
+      </dgm:t>
+    </dgm:pt>
+    <dgm:pt modelId="{DF0F7D3B-2D38-2945-BFC8-C31D8776AD58}">
+      <dgm:prSet custT="1"/>
+      <dgm:spPr/>
+      <dgm:t>
+        <a:bodyPr/>
+        <a:lstStyle/>
+        <a:p>
+          <a:r>
+            <a:rPr lang="en-US" sz="3600" dirty="0" smtClean="0"/>
+            <a:t>[1]</a:t>
+          </a:r>
+          <a:endParaRPr lang="en-US" sz="3600" dirty="0"/>
+        </a:p>
+      </dgm:t>
+    </dgm:pt>
+    <dgm:pt modelId="{46936D1F-F2CE-EA46-89FD-74D5EEC741E6}" type="parTrans" cxnId="{A6F1D45C-AD80-8E4B-9E56-59C24BB18404}">
+      <dgm:prSet/>
+      <dgm:spPr/>
+      <dgm:t>
+        <a:bodyPr/>
+        <a:lstStyle/>
+        <a:p>
+          <a:endParaRPr lang="en-US" sz="1100"/>
+        </a:p>
+      </dgm:t>
+    </dgm:pt>
+    <dgm:pt modelId="{90C17F59-762E-884B-8530-D49EC069D512}" type="sibTrans" cxnId="{A6F1D45C-AD80-8E4B-9E56-59C24BB18404}">
+      <dgm:prSet/>
+      <dgm:spPr/>
+      <dgm:t>
+        <a:bodyPr/>
+        <a:lstStyle/>
+        <a:p>
+          <a:endParaRPr lang="en-US"/>
+        </a:p>
+      </dgm:t>
+    </dgm:pt>
+    <dgm:pt modelId="{5FBAC690-4BBF-9441-9601-1E9E1F0F55F8}">
+      <dgm:prSet custT="1"/>
+      <dgm:spPr/>
+      <dgm:t>
+        <a:bodyPr/>
+        <a:lstStyle/>
+        <a:p>
+          <a:r>
+            <a:rPr lang="en-US" sz="3600" dirty="0" smtClean="0"/>
+            <a:t>[1,0]</a:t>
+          </a:r>
+          <a:endParaRPr lang="en-US" sz="3600" dirty="0"/>
+        </a:p>
+      </dgm:t>
+    </dgm:pt>
+    <dgm:pt modelId="{D46D63F9-42C3-D14E-84BD-D84A5EE71305}" type="parTrans" cxnId="{2762F78F-58E8-7D4A-A47A-320BD07CAF69}">
+      <dgm:prSet/>
+      <dgm:spPr/>
+      <dgm:t>
+        <a:bodyPr/>
+        <a:lstStyle/>
+        <a:p>
+          <a:endParaRPr lang="en-US" sz="1100"/>
+        </a:p>
+      </dgm:t>
+    </dgm:pt>
+    <dgm:pt modelId="{F0B9A012-18FD-F64C-852B-9ECC07CF2B84}" type="sibTrans" cxnId="{2762F78F-58E8-7D4A-A47A-320BD07CAF69}">
+      <dgm:prSet/>
+      <dgm:spPr/>
+      <dgm:t>
+        <a:bodyPr/>
+        <a:lstStyle/>
+        <a:p>
+          <a:endParaRPr lang="en-US"/>
+        </a:p>
+      </dgm:t>
+    </dgm:pt>
+    <dgm:pt modelId="{9A72F04F-7BAA-C747-B609-D452DDDA070A}">
+      <dgm:prSet custT="1"/>
+      <dgm:spPr/>
+      <dgm:t>
+        <a:bodyPr/>
+        <a:lstStyle/>
+        <a:p>
+          <a:r>
+            <a:rPr lang="en-US" sz="3600" dirty="0" smtClean="0"/>
+            <a:t>[0,1]</a:t>
+          </a:r>
+          <a:endParaRPr lang="en-US" sz="3600" dirty="0"/>
+        </a:p>
+      </dgm:t>
+    </dgm:pt>
+    <dgm:pt modelId="{C8034C4B-B336-D341-B9A4-C8EC113BE81C}" type="parTrans" cxnId="{A702D20F-1E92-C646-BBD1-995D2201397A}">
+      <dgm:prSet/>
+      <dgm:spPr/>
+      <dgm:t>
+        <a:bodyPr/>
+        <a:lstStyle/>
+        <a:p>
+          <a:endParaRPr lang="en-US" sz="1100"/>
+        </a:p>
+      </dgm:t>
+    </dgm:pt>
+    <dgm:pt modelId="{6F4A839C-0173-8349-999D-48BE5A99D4C7}" type="sibTrans" cxnId="{A702D20F-1E92-C646-BBD1-995D2201397A}">
+      <dgm:prSet/>
+      <dgm:spPr/>
+      <dgm:t>
+        <a:bodyPr/>
+        <a:lstStyle/>
+        <a:p>
+          <a:endParaRPr lang="en-US"/>
+        </a:p>
+      </dgm:t>
+    </dgm:pt>
+    <dgm:pt modelId="{7A941D53-C83A-4441-87B0-67E16680B03D}">
+      <dgm:prSet custT="1"/>
+      <dgm:spPr/>
+      <dgm:t>
+        <a:bodyPr/>
+        <a:lstStyle/>
+        <a:p>
+          <a:r>
+            <a:rPr lang="en-US" sz="3600" dirty="0" smtClean="0"/>
+            <a:t>[0,0]</a:t>
+          </a:r>
+          <a:endParaRPr lang="en-US" sz="3600" dirty="0"/>
+        </a:p>
+      </dgm:t>
+    </dgm:pt>
+    <dgm:pt modelId="{3619400D-614E-2D41-8985-087808581911}" type="parTrans" cxnId="{2548F3EC-AD24-2343-8AE2-9FABA83E94EE}">
+      <dgm:prSet/>
+      <dgm:spPr/>
+      <dgm:t>
+        <a:bodyPr/>
+        <a:lstStyle/>
+        <a:p>
+          <a:endParaRPr lang="en-US" sz="1100"/>
+        </a:p>
+      </dgm:t>
+    </dgm:pt>
+    <dgm:pt modelId="{BEAC14AA-F674-B246-A02B-324F50F3598F}" type="sibTrans" cxnId="{2548F3EC-AD24-2343-8AE2-9FABA83E94EE}">
+      <dgm:prSet/>
+      <dgm:spPr/>
+      <dgm:t>
+        <a:bodyPr/>
+        <a:lstStyle/>
+        <a:p>
+          <a:endParaRPr lang="en-US"/>
+        </a:p>
+      </dgm:t>
+    </dgm:pt>
+    <dgm:pt modelId="{CDE6D69E-B278-CB45-A57E-AC4DCF797400}">
+      <dgm:prSet custT="1"/>
+      <dgm:spPr/>
+      <dgm:t>
+        <a:bodyPr/>
+        <a:lstStyle/>
+        <a:p>
+          <a:r>
+            <a:rPr lang="en-US" sz="3600" dirty="0" smtClean="0"/>
+            <a:t>[1,1]</a:t>
+          </a:r>
+          <a:endParaRPr lang="en-US" sz="3600" dirty="0"/>
+        </a:p>
+      </dgm:t>
+    </dgm:pt>
+    <dgm:pt modelId="{F31E602B-392F-AE49-9BD6-0F698E4E6505}" type="parTrans" cxnId="{DBB6EA75-56EB-0240-87F6-15F5CF168AC6}">
+      <dgm:prSet/>
+      <dgm:spPr/>
+      <dgm:t>
+        <a:bodyPr/>
+        <a:lstStyle/>
+        <a:p>
+          <a:endParaRPr lang="en-US" sz="1100"/>
+        </a:p>
+      </dgm:t>
+    </dgm:pt>
+    <dgm:pt modelId="{B6E0127C-A9AD-9C4C-BA42-4C1ABB75425C}" type="sibTrans" cxnId="{DBB6EA75-56EB-0240-87F6-15F5CF168AC6}">
+      <dgm:prSet/>
+      <dgm:spPr/>
+      <dgm:t>
+        <a:bodyPr/>
+        <a:lstStyle/>
+        <a:p>
+          <a:endParaRPr lang="en-US"/>
+        </a:p>
+      </dgm:t>
+    </dgm:pt>
+    <dgm:pt modelId="{66D22F5B-0E45-E344-B511-4057343269F2}">
+      <dgm:prSet custT="1"/>
+      <dgm:spPr/>
+      <dgm:t>
+        <a:bodyPr/>
+        <a:lstStyle/>
+        <a:p>
+          <a:r>
+            <a:rPr lang="en-US" sz="3600" dirty="0" smtClean="0"/>
+            <a:t>[0,1,1]</a:t>
+          </a:r>
+          <a:endParaRPr lang="en-US" sz="3600" dirty="0"/>
+        </a:p>
+      </dgm:t>
+    </dgm:pt>
+    <dgm:pt modelId="{EE7E8D70-CFEC-0940-A202-E3EBB1EFA5C5}" type="parTrans" cxnId="{4AF6AD22-A891-3F43-868E-7D54668C9E8D}">
+      <dgm:prSet/>
+      <dgm:spPr/>
+      <dgm:t>
+        <a:bodyPr/>
+        <a:lstStyle/>
+        <a:p>
+          <a:endParaRPr lang="en-US" sz="1100"/>
+        </a:p>
+      </dgm:t>
+    </dgm:pt>
+    <dgm:pt modelId="{7E655707-B9A8-5647-B9C4-08A0CCB9E278}" type="sibTrans" cxnId="{4AF6AD22-A891-3F43-868E-7D54668C9E8D}">
+      <dgm:prSet/>
+      <dgm:spPr/>
+      <dgm:t>
+        <a:bodyPr/>
+        <a:lstStyle/>
+        <a:p>
+          <a:endParaRPr lang="en-US"/>
+        </a:p>
+      </dgm:t>
+    </dgm:pt>
+    <dgm:pt modelId="{2374F45D-45BE-4243-94BA-7C1C3CE4BD1B}">
+      <dgm:prSet custT="1"/>
+      <dgm:spPr/>
+      <dgm:t>
+        <a:bodyPr/>
+        <a:lstStyle/>
+        <a:p>
+          <a:r>
+            <a:rPr lang="en-US" sz="3600" dirty="0" smtClean="0"/>
+            <a:t>[0,1,0]</a:t>
+          </a:r>
+          <a:endParaRPr lang="en-US" sz="3600" dirty="0"/>
+        </a:p>
+      </dgm:t>
+    </dgm:pt>
+    <dgm:pt modelId="{67A6B9DE-D9B2-2A45-A2F8-52990DD85FB7}" type="parTrans" cxnId="{0C852E21-7C9E-C348-91D3-F660C1238E86}">
+      <dgm:prSet/>
+      <dgm:spPr/>
+      <dgm:t>
+        <a:bodyPr/>
+        <a:lstStyle/>
+        <a:p>
+          <a:endParaRPr lang="en-US" sz="1100"/>
+        </a:p>
+      </dgm:t>
+    </dgm:pt>
+    <dgm:pt modelId="{1BD3655F-0E25-EB4F-8949-7C239F9BCD21}" type="sibTrans" cxnId="{0C852E21-7C9E-C348-91D3-F660C1238E86}">
+      <dgm:prSet/>
+      <dgm:spPr/>
+      <dgm:t>
+        <a:bodyPr/>
+        <a:lstStyle/>
+        <a:p>
+          <a:endParaRPr lang="en-US"/>
+        </a:p>
+      </dgm:t>
+    </dgm:pt>
+    <dgm:pt modelId="{E7C07DBA-7262-FD42-8528-FE33A36545F9}">
+      <dgm:prSet custT="1"/>
+      <dgm:spPr/>
+      <dgm:t>
+        <a:bodyPr/>
+        <a:lstStyle/>
+        <a:p>
+          <a:r>
+            <a:rPr lang="en-US" sz="3600" dirty="0" smtClean="0"/>
+            <a:t>[0,0,1]</a:t>
+          </a:r>
+          <a:endParaRPr lang="en-US" sz="3600" dirty="0"/>
+        </a:p>
+      </dgm:t>
+    </dgm:pt>
+    <dgm:pt modelId="{4F7564C3-549A-FF42-B64D-FB0F83209F4C}" type="parTrans" cxnId="{DFEA674B-0EF0-4748-A79F-C0AE18AD88F1}">
+      <dgm:prSet/>
+      <dgm:spPr/>
+      <dgm:t>
+        <a:bodyPr/>
+        <a:lstStyle/>
+        <a:p>
+          <a:endParaRPr lang="en-US" sz="1100"/>
+        </a:p>
+      </dgm:t>
+    </dgm:pt>
+    <dgm:pt modelId="{9391E1BD-E73B-2A48-989A-DC2D6EA50BA7}" type="sibTrans" cxnId="{DFEA674B-0EF0-4748-A79F-C0AE18AD88F1}">
+      <dgm:prSet/>
+      <dgm:spPr/>
+      <dgm:t>
+        <a:bodyPr/>
+        <a:lstStyle/>
+        <a:p>
+          <a:endParaRPr lang="en-US"/>
+        </a:p>
+      </dgm:t>
+    </dgm:pt>
+    <dgm:pt modelId="{45E4C7F9-F12D-2B49-9E02-7ABFB0FF3AC1}">
+      <dgm:prSet custT="1"/>
+      <dgm:spPr/>
+      <dgm:t>
+        <a:bodyPr/>
+        <a:lstStyle/>
+        <a:p>
+          <a:r>
+            <a:rPr lang="en-US" sz="3600" dirty="0" smtClean="0"/>
+            <a:t>[0,0,0]</a:t>
+          </a:r>
+          <a:endParaRPr lang="en-US" sz="3600" dirty="0"/>
+        </a:p>
+      </dgm:t>
+    </dgm:pt>
+    <dgm:pt modelId="{307ABA71-1E54-0D4D-83DA-C7B734D3ACA6}" type="parTrans" cxnId="{F9B8E180-3CDE-3C4B-94A8-226410E29BC0}">
+      <dgm:prSet/>
+      <dgm:spPr/>
+      <dgm:t>
+        <a:bodyPr/>
+        <a:lstStyle/>
+        <a:p>
+          <a:endParaRPr lang="en-US" sz="1100"/>
+        </a:p>
+      </dgm:t>
+    </dgm:pt>
+    <dgm:pt modelId="{C2CDED29-BD53-6542-B680-AA60C7D26471}" type="sibTrans" cxnId="{F9B8E180-3CDE-3C4B-94A8-226410E29BC0}">
+      <dgm:prSet/>
+      <dgm:spPr/>
+      <dgm:t>
+        <a:bodyPr/>
+        <a:lstStyle/>
+        <a:p>
+          <a:endParaRPr lang="en-US"/>
+        </a:p>
+      </dgm:t>
+    </dgm:pt>
+    <dgm:pt modelId="{D4CC8CD4-B029-E945-AECB-18A26F09C639}">
+      <dgm:prSet custT="1"/>
+      <dgm:spPr/>
+      <dgm:t>
+        <a:bodyPr/>
+        <a:lstStyle/>
+        <a:p>
+          <a:r>
+            <a:rPr lang="en-US" sz="3600" dirty="0" smtClean="0"/>
+            <a:t>[1,0,1]</a:t>
+          </a:r>
+          <a:endParaRPr lang="en-US" sz="3600" dirty="0"/>
+        </a:p>
+      </dgm:t>
+    </dgm:pt>
+    <dgm:pt modelId="{24520E86-B339-FA41-B0B0-41F9EE8A2FD5}" type="parTrans" cxnId="{B37897D9-77D7-7248-9C18-7AB558AF74AB}">
+      <dgm:prSet/>
+      <dgm:spPr/>
+      <dgm:t>
+        <a:bodyPr/>
+        <a:lstStyle/>
+        <a:p>
+          <a:endParaRPr lang="en-US" sz="1100"/>
+        </a:p>
+      </dgm:t>
+    </dgm:pt>
+    <dgm:pt modelId="{27BC3FE3-B928-B541-947A-9B868FF9C671}" type="sibTrans" cxnId="{B37897D9-77D7-7248-9C18-7AB558AF74AB}">
+      <dgm:prSet/>
+      <dgm:spPr/>
+      <dgm:t>
+        <a:bodyPr/>
+        <a:lstStyle/>
+        <a:p>
+          <a:endParaRPr lang="en-US"/>
+        </a:p>
+      </dgm:t>
+    </dgm:pt>
+    <dgm:pt modelId="{3716F946-96D6-F544-B2B3-6EF1B56F4F68}">
+      <dgm:prSet custT="1"/>
+      <dgm:spPr/>
+      <dgm:t>
+        <a:bodyPr/>
+        <a:lstStyle/>
+        <a:p>
+          <a:r>
+            <a:rPr lang="en-US" sz="3600" dirty="0" smtClean="0"/>
+            <a:t>[1,0,0]</a:t>
+          </a:r>
+          <a:endParaRPr lang="en-US" sz="3600" dirty="0"/>
+        </a:p>
+      </dgm:t>
+    </dgm:pt>
+    <dgm:pt modelId="{3995AC03-DEBD-804E-9410-B8E1A2249815}" type="parTrans" cxnId="{0F308529-B059-2144-AE68-D9CBD7F94032}">
+      <dgm:prSet/>
+      <dgm:spPr/>
+      <dgm:t>
+        <a:bodyPr/>
+        <a:lstStyle/>
+        <a:p>
+          <a:endParaRPr lang="en-US" sz="1100"/>
+        </a:p>
+      </dgm:t>
+    </dgm:pt>
+    <dgm:pt modelId="{F99F9781-D052-FA46-93ED-DDAD54AF8942}" type="sibTrans" cxnId="{0F308529-B059-2144-AE68-D9CBD7F94032}">
+      <dgm:prSet/>
+      <dgm:spPr/>
+      <dgm:t>
+        <a:bodyPr/>
+        <a:lstStyle/>
+        <a:p>
+          <a:endParaRPr lang="en-US"/>
+        </a:p>
+      </dgm:t>
+    </dgm:pt>
+    <dgm:pt modelId="{3B521A98-FC9F-FE4B-A37D-9EB65295D83A}">
+      <dgm:prSet custT="1"/>
+      <dgm:spPr/>
+      <dgm:t>
+        <a:bodyPr/>
+        <a:lstStyle/>
+        <a:p>
+          <a:r>
+            <a:rPr lang="en-US" sz="3600" dirty="0" smtClean="0"/>
+            <a:t>[1,1,1]</a:t>
+          </a:r>
+          <a:endParaRPr lang="en-US" sz="3600" dirty="0"/>
+        </a:p>
+      </dgm:t>
+    </dgm:pt>
+    <dgm:pt modelId="{1A9FE87E-D2D7-4643-BDB8-476DCEC4B36D}" type="parTrans" cxnId="{CF8BA7E0-DCD4-634C-B442-85CD87C46BBA}">
+      <dgm:prSet/>
+      <dgm:spPr/>
+      <dgm:t>
+        <a:bodyPr/>
+        <a:lstStyle/>
+        <a:p>
+          <a:endParaRPr lang="en-US" sz="1100"/>
+        </a:p>
+      </dgm:t>
+    </dgm:pt>
+    <dgm:pt modelId="{0814651E-6DAC-BB4E-BEC2-871B4617EDF1}" type="sibTrans" cxnId="{CF8BA7E0-DCD4-634C-B442-85CD87C46BBA}">
+      <dgm:prSet/>
+      <dgm:spPr/>
+      <dgm:t>
+        <a:bodyPr/>
+        <a:lstStyle/>
+        <a:p>
+          <a:endParaRPr lang="en-US"/>
+        </a:p>
+      </dgm:t>
+    </dgm:pt>
+    <dgm:pt modelId="{8F03BB4A-AEA8-3C4E-BBB5-1A5BA9506EAB}">
+      <dgm:prSet custT="1"/>
+      <dgm:spPr/>
+      <dgm:t>
+        <a:bodyPr/>
+        <a:lstStyle/>
+        <a:p>
+          <a:r>
+            <a:rPr lang="en-US" sz="3600" dirty="0" smtClean="0"/>
+            <a:t>[1,1,0]</a:t>
+          </a:r>
+          <a:endParaRPr lang="en-US" sz="3600" dirty="0"/>
+        </a:p>
+      </dgm:t>
+    </dgm:pt>
+    <dgm:pt modelId="{0FA25222-AA97-4048-B52C-0D239E827729}" type="parTrans" cxnId="{966547C3-1890-6D45-9346-B3BC88DE94EE}">
+      <dgm:prSet/>
+      <dgm:spPr/>
+      <dgm:t>
+        <a:bodyPr/>
+        <a:lstStyle/>
+        <a:p>
+          <a:endParaRPr lang="en-US" sz="1100"/>
+        </a:p>
+      </dgm:t>
+    </dgm:pt>
+    <dgm:pt modelId="{B869DDEB-F604-164F-95B9-04F5ECA29473}" type="sibTrans" cxnId="{966547C3-1890-6D45-9346-B3BC88DE94EE}">
+      <dgm:prSet/>
+      <dgm:spPr/>
+      <dgm:t>
+        <a:bodyPr/>
+        <a:lstStyle/>
+        <a:p>
+          <a:endParaRPr lang="en-US"/>
+        </a:p>
+      </dgm:t>
+    </dgm:pt>
+    <dgm:pt modelId="{D2237D17-41C8-6B4B-BF4B-236F7438739E}" type="pres">
+      <dgm:prSet presAssocID="{D1FB2890-B15A-5240-9233-38D363F9F85E}" presName="hierChild1" presStyleCnt="0">
+        <dgm:presLayoutVars>
+          <dgm:orgChart val="1"/>
+          <dgm:chPref val="1"/>
+          <dgm:dir/>
+          <dgm:animOne val="branch"/>
+          <dgm:animLvl val="lvl"/>
+          <dgm:resizeHandles/>
+        </dgm:presLayoutVars>
+      </dgm:prSet>
+      <dgm:spPr/>
+    </dgm:pt>
+    <dgm:pt modelId="{8CE7171B-FBC8-E247-A8FF-DB2AAB6C3802}" type="pres">
+      <dgm:prSet presAssocID="{BE661E2D-7B08-4646-B905-EACAC2E869F6}" presName="hierRoot1" presStyleCnt="0">
+        <dgm:presLayoutVars>
+          <dgm:hierBranch/>
+        </dgm:presLayoutVars>
+      </dgm:prSet>
+      <dgm:spPr/>
+    </dgm:pt>
+    <dgm:pt modelId="{FEA89005-CAA2-894F-BCAC-BD604ADA0328}" type="pres">
+      <dgm:prSet presAssocID="{BE661E2D-7B08-4646-B905-EACAC2E869F6}" presName="rootComposite1" presStyleCnt="0"/>
+      <dgm:spPr/>
+    </dgm:pt>
+    <dgm:pt modelId="{7FEB9243-7480-8543-A0FE-919918F1C78B}" type="pres">
+      <dgm:prSet presAssocID="{BE661E2D-7B08-4646-B905-EACAC2E869F6}" presName="rootText1" presStyleLbl="node0" presStyleIdx="0" presStyleCnt="1" custScaleX="24703" custScaleY="38140">
+        <dgm:presLayoutVars>
+          <dgm:chPref val="3"/>
+        </dgm:presLayoutVars>
+      </dgm:prSet>
+      <dgm:spPr/>
+    </dgm:pt>
+    <dgm:pt modelId="{F560D28B-6C26-974F-89AD-5F4F1B234609}" type="pres">
+      <dgm:prSet presAssocID="{BE661E2D-7B08-4646-B905-EACAC2E869F6}" presName="rootConnector1" presStyleLbl="node1" presStyleIdx="0" presStyleCnt="0"/>
+      <dgm:spPr/>
+    </dgm:pt>
+    <dgm:pt modelId="{1E7005DD-BD10-E648-BB7F-4D8F817B8F16}" type="pres">
+      <dgm:prSet presAssocID="{BE661E2D-7B08-4646-B905-EACAC2E869F6}" presName="hierChild2" presStyleCnt="0"/>
+      <dgm:spPr/>
+    </dgm:pt>
+    <dgm:pt modelId="{C2EF8487-C903-E340-A302-7F09F63B21D3}" type="pres">
+      <dgm:prSet presAssocID="{2FA61BA0-34ED-FB40-979F-17A4AEEC4016}" presName="Name35" presStyleLbl="parChTrans1D2" presStyleIdx="0" presStyleCnt="2"/>
+      <dgm:spPr/>
+    </dgm:pt>
+    <dgm:pt modelId="{2D4FBBB1-F0AC-974F-9E97-CE0F9F0678C3}" type="pres">
+      <dgm:prSet presAssocID="{D894F136-8341-E344-8B33-15CBA7D30160}" presName="hierRoot2" presStyleCnt="0">
+        <dgm:presLayoutVars>
+          <dgm:hierBranch val="init"/>
+        </dgm:presLayoutVars>
+      </dgm:prSet>
+      <dgm:spPr/>
+    </dgm:pt>
+    <dgm:pt modelId="{04038F57-BDEF-9A4F-9C6F-BBA6820C1E93}" type="pres">
+      <dgm:prSet presAssocID="{D894F136-8341-E344-8B33-15CBA7D30160}" presName="rootComposite" presStyleCnt="0"/>
+      <dgm:spPr/>
+    </dgm:pt>
+    <dgm:pt modelId="{5801197C-BC99-214B-8682-B8134F254D91}" type="pres">
+      <dgm:prSet presAssocID="{D894F136-8341-E344-8B33-15CBA7D30160}" presName="rootText" presStyleLbl="node2" presStyleIdx="0" presStyleCnt="2" custScaleX="24703" custScaleY="38140">
+        <dgm:presLayoutVars>
+          <dgm:chPref val="3"/>
+        </dgm:presLayoutVars>
+      </dgm:prSet>
+      <dgm:spPr/>
+    </dgm:pt>
+    <dgm:pt modelId="{2C6D8BDE-D9AD-6B42-B505-782BB73697ED}" type="pres">
+      <dgm:prSet presAssocID="{D894F136-8341-E344-8B33-15CBA7D30160}" presName="rootConnector" presStyleLbl="node2" presStyleIdx="0" presStyleCnt="2"/>
+      <dgm:spPr/>
+    </dgm:pt>
+    <dgm:pt modelId="{1E583D54-97C0-1A43-91BB-AB10FE251B6E}" type="pres">
+      <dgm:prSet presAssocID="{D894F136-8341-E344-8B33-15CBA7D30160}" presName="hierChild4" presStyleCnt="0"/>
+      <dgm:spPr/>
+    </dgm:pt>
+    <dgm:pt modelId="{F9EEC0E2-9562-804A-A317-534405DDEC70}" type="pres">
+      <dgm:prSet presAssocID="{C8034C4B-B336-D341-B9A4-C8EC113BE81C}" presName="Name37" presStyleLbl="parChTrans1D3" presStyleIdx="0" presStyleCnt="4" custSzX="824899" custSzY="264780"/>
+      <dgm:spPr/>
+    </dgm:pt>
+    <dgm:pt modelId="{4A6A6BDC-29F3-4041-82D7-3473CF0A4F7E}" type="pres">
+      <dgm:prSet presAssocID="{9A72F04F-7BAA-C747-B609-D452DDDA070A}" presName="hierRoot2" presStyleCnt="0">
+        <dgm:presLayoutVars>
+          <dgm:hierBranch val="init"/>
+        </dgm:presLayoutVars>
+      </dgm:prSet>
+      <dgm:spPr/>
+    </dgm:pt>
+    <dgm:pt modelId="{28431DE4-1CDF-F24A-92BB-9912DDE09BF0}" type="pres">
+      <dgm:prSet presAssocID="{9A72F04F-7BAA-C747-B609-D452DDDA070A}" presName="rootComposite" presStyleCnt="0"/>
+      <dgm:spPr/>
+    </dgm:pt>
+    <dgm:pt modelId="{2C6E31B7-021E-8844-B97C-943F547F2889}" type="pres">
+      <dgm:prSet presAssocID="{9A72F04F-7BAA-C747-B609-D452DDDA070A}" presName="rootText" presStyleLbl="node3" presStyleIdx="0" presStyleCnt="4" custScaleX="40929" custScaleY="40147">
+        <dgm:presLayoutVars>
+          <dgm:chPref val="3"/>
+        </dgm:presLayoutVars>
+      </dgm:prSet>
+      <dgm:spPr/>
+      <dgm:t>
+        <a:bodyPr/>
+        <a:lstStyle/>
+        <a:p>
+          <a:endParaRPr lang="en-US"/>
+        </a:p>
+      </dgm:t>
+    </dgm:pt>
+    <dgm:pt modelId="{131D7EDF-ABD5-A64C-92E6-2766C790EE99}" type="pres">
+      <dgm:prSet presAssocID="{9A72F04F-7BAA-C747-B609-D452DDDA070A}" presName="rootConnector" presStyleLbl="node3" presStyleIdx="0" presStyleCnt="4"/>
+      <dgm:spPr/>
+    </dgm:pt>
+    <dgm:pt modelId="{E174F97D-E524-C944-8B98-4F466021818C}" type="pres">
+      <dgm:prSet presAssocID="{9A72F04F-7BAA-C747-B609-D452DDDA070A}" presName="hierChild4" presStyleCnt="0"/>
+      <dgm:spPr/>
+    </dgm:pt>
+    <dgm:pt modelId="{A808BC81-39BE-9B40-8E5E-F598660E2907}" type="pres">
+      <dgm:prSet presAssocID="{EE7E8D70-CFEC-0940-A202-E3EBB1EFA5C5}" presName="Name37" presStyleLbl="parChTrans1D4" presStyleIdx="0" presStyleCnt="8" custSzX="204520" custSzY="579995"/>
+      <dgm:spPr/>
+    </dgm:pt>
+    <dgm:pt modelId="{13D0C2C3-1D56-0140-ABBD-0F12730464FA}" type="pres">
+      <dgm:prSet presAssocID="{66D22F5B-0E45-E344-B511-4057343269F2}" presName="hierRoot2" presStyleCnt="0">
+        <dgm:presLayoutVars>
+          <dgm:hierBranch val="init"/>
+        </dgm:presLayoutVars>
+      </dgm:prSet>
+      <dgm:spPr/>
+    </dgm:pt>
+    <dgm:pt modelId="{34D397EF-7061-F144-B76E-8110BDBB9DE9}" type="pres">
+      <dgm:prSet presAssocID="{66D22F5B-0E45-E344-B511-4057343269F2}" presName="rootComposite" presStyleCnt="0"/>
+      <dgm:spPr/>
+    </dgm:pt>
+    <dgm:pt modelId="{95380FE9-C934-1D4F-AA5E-4F54B1E8BA9A}" type="pres">
+      <dgm:prSet presAssocID="{66D22F5B-0E45-E344-B511-4057343269F2}" presName="rootText" presStyleLbl="node4" presStyleIdx="0" presStyleCnt="8" custScaleX="50397" custScaleY="42282">
+        <dgm:presLayoutVars>
+          <dgm:chPref val="3"/>
+        </dgm:presLayoutVars>
+      </dgm:prSet>
+      <dgm:spPr/>
+      <dgm:t>
+        <a:bodyPr/>
+        <a:lstStyle/>
+        <a:p>
+          <a:endParaRPr lang="en-US"/>
+        </a:p>
+      </dgm:t>
+    </dgm:pt>
+    <dgm:pt modelId="{6985B0FE-A59A-BB4B-9DB8-A6E73F3BE71C}" type="pres">
+      <dgm:prSet presAssocID="{66D22F5B-0E45-E344-B511-4057343269F2}" presName="rootConnector" presStyleLbl="node4" presStyleIdx="0" presStyleCnt="8"/>
+      <dgm:spPr/>
+    </dgm:pt>
+    <dgm:pt modelId="{FD08A2BB-57F8-A24E-B7E4-659955DFACA6}" type="pres">
+      <dgm:prSet presAssocID="{66D22F5B-0E45-E344-B511-4057343269F2}" presName="hierChild4" presStyleCnt="0"/>
+      <dgm:spPr/>
+    </dgm:pt>
+    <dgm:pt modelId="{C3BB9DE3-86C5-384E-860B-9A1730CD1E83}" type="pres">
+      <dgm:prSet presAssocID="{66D22F5B-0E45-E344-B511-4057343269F2}" presName="hierChild5" presStyleCnt="0"/>
+      <dgm:spPr/>
+    </dgm:pt>
+    <dgm:pt modelId="{6D427525-AAC2-D947-BF99-1293E1AA06B4}" type="pres">
+      <dgm:prSet presAssocID="{67A6B9DE-D9B2-2A45-A2F8-52990DD85FB7}" presName="Name37" presStyleLbl="parChTrans1D4" presStyleIdx="1" presStyleCnt="8" custSzX="204520" custSzY="1475206"/>
+      <dgm:spPr/>
+    </dgm:pt>
+    <dgm:pt modelId="{63C15614-70C9-2843-B9BE-8560B94CAD1B}" type="pres">
+      <dgm:prSet presAssocID="{2374F45D-45BE-4243-94BA-7C1C3CE4BD1B}" presName="hierRoot2" presStyleCnt="0">
+        <dgm:presLayoutVars>
+          <dgm:hierBranch val="init"/>
+        </dgm:presLayoutVars>
+      </dgm:prSet>
+      <dgm:spPr/>
+    </dgm:pt>
+    <dgm:pt modelId="{B90DAE92-07EA-6247-8A81-D4DEEC711613}" type="pres">
+      <dgm:prSet presAssocID="{2374F45D-45BE-4243-94BA-7C1C3CE4BD1B}" presName="rootComposite" presStyleCnt="0"/>
+      <dgm:spPr/>
+    </dgm:pt>
+    <dgm:pt modelId="{26B5A8C5-809F-304D-853E-8DE78F5D19CF}" type="pres">
+      <dgm:prSet presAssocID="{2374F45D-45BE-4243-94BA-7C1C3CE4BD1B}" presName="rootText" presStyleLbl="node4" presStyleIdx="1" presStyleCnt="8" custScaleX="50397" custScaleY="42282">
+        <dgm:presLayoutVars>
+          <dgm:chPref val="3"/>
+        </dgm:presLayoutVars>
+      </dgm:prSet>
+      <dgm:spPr/>
+      <dgm:t>
+        <a:bodyPr/>
+        <a:lstStyle/>
+        <a:p>
+          <a:endParaRPr lang="en-US"/>
+        </a:p>
+      </dgm:t>
+    </dgm:pt>
+    <dgm:pt modelId="{D65E18D1-340A-8A45-A209-BED5D6DCA462}" type="pres">
+      <dgm:prSet presAssocID="{2374F45D-45BE-4243-94BA-7C1C3CE4BD1B}" presName="rootConnector" presStyleLbl="node4" presStyleIdx="1" presStyleCnt="8"/>
+      <dgm:spPr/>
+    </dgm:pt>
+    <dgm:pt modelId="{7ED737A0-7EBE-404D-8DFA-430AA787ED8A}" type="pres">
+      <dgm:prSet presAssocID="{2374F45D-45BE-4243-94BA-7C1C3CE4BD1B}" presName="hierChild4" presStyleCnt="0"/>
+      <dgm:spPr/>
+    </dgm:pt>
+    <dgm:pt modelId="{DECFA622-8CFA-454B-8FCB-C9BD569EA4FC}" type="pres">
+      <dgm:prSet presAssocID="{2374F45D-45BE-4243-94BA-7C1C3CE4BD1B}" presName="hierChild5" presStyleCnt="0"/>
+      <dgm:spPr/>
+    </dgm:pt>
+    <dgm:pt modelId="{1BBF419E-D455-6144-9676-3DD22DDBFB16}" type="pres">
+      <dgm:prSet presAssocID="{9A72F04F-7BAA-C747-B609-D452DDDA070A}" presName="hierChild5" presStyleCnt="0"/>
+      <dgm:spPr/>
+    </dgm:pt>
+    <dgm:pt modelId="{AB60A778-05D9-7844-97E2-6D6F1FC36617}" type="pres">
+      <dgm:prSet presAssocID="{3619400D-614E-2D41-8985-087808581911}" presName="Name37" presStyleLbl="parChTrans1D3" presStyleIdx="1" presStyleCnt="4" custSzX="824899" custSzY="264780"/>
+      <dgm:spPr/>
+    </dgm:pt>
+    <dgm:pt modelId="{8C164A7F-E8A9-214D-AD56-9D3ED4DF9547}" type="pres">
+      <dgm:prSet presAssocID="{7A941D53-C83A-4441-87B0-67E16680B03D}" presName="hierRoot2" presStyleCnt="0">
+        <dgm:presLayoutVars>
+          <dgm:hierBranch val="init"/>
+        </dgm:presLayoutVars>
+      </dgm:prSet>
+      <dgm:spPr/>
+    </dgm:pt>
+    <dgm:pt modelId="{E82C5E6A-09CD-7942-A205-1A149A1B73B3}" type="pres">
+      <dgm:prSet presAssocID="{7A941D53-C83A-4441-87B0-67E16680B03D}" presName="rootComposite" presStyleCnt="0"/>
+      <dgm:spPr/>
+    </dgm:pt>
+    <dgm:pt modelId="{B7D3FF03-8855-8645-B482-03CC79594B53}" type="pres">
+      <dgm:prSet presAssocID="{7A941D53-C83A-4441-87B0-67E16680B03D}" presName="rootText" presStyleLbl="node3" presStyleIdx="1" presStyleCnt="4" custScaleX="40929" custScaleY="40147" custLinFactNeighborY="-1875">
+        <dgm:presLayoutVars>
+          <dgm:chPref val="3"/>
+        </dgm:presLayoutVars>
+      </dgm:prSet>
+      <dgm:spPr/>
+    </dgm:pt>
+    <dgm:pt modelId="{8C658670-A080-A24C-80A1-B6815665E2F3}" type="pres">
+      <dgm:prSet presAssocID="{7A941D53-C83A-4441-87B0-67E16680B03D}" presName="rootConnector" presStyleLbl="node3" presStyleIdx="1" presStyleCnt="4"/>
+      <dgm:spPr/>
+    </dgm:pt>
+    <dgm:pt modelId="{C6FAEBF1-FE41-D64B-8031-B19152B8F6E1}" type="pres">
+      <dgm:prSet presAssocID="{7A941D53-C83A-4441-87B0-67E16680B03D}" presName="hierChild4" presStyleCnt="0"/>
+      <dgm:spPr/>
+    </dgm:pt>
+    <dgm:pt modelId="{10219ED2-316A-0A4F-B3D4-CB34C339DF91}" type="pres">
+      <dgm:prSet presAssocID="{4F7564C3-549A-FF42-B64D-FB0F83209F4C}" presName="Name37" presStyleLbl="parChTrans1D4" presStyleIdx="2" presStyleCnt="8" custSzX="204520" custSzY="579995"/>
+      <dgm:spPr/>
+    </dgm:pt>
+    <dgm:pt modelId="{2B63862D-D2BC-CF4B-B9D3-7F9A9504D120}" type="pres">
+      <dgm:prSet presAssocID="{E7C07DBA-7262-FD42-8528-FE33A36545F9}" presName="hierRoot2" presStyleCnt="0">
+        <dgm:presLayoutVars>
+          <dgm:hierBranch val="init"/>
+        </dgm:presLayoutVars>
+      </dgm:prSet>
+      <dgm:spPr/>
+    </dgm:pt>
+    <dgm:pt modelId="{9EC5DC2E-AAB7-E043-90AF-912A1C42A55D}" type="pres">
+      <dgm:prSet presAssocID="{E7C07DBA-7262-FD42-8528-FE33A36545F9}" presName="rootComposite" presStyleCnt="0"/>
+      <dgm:spPr/>
+    </dgm:pt>
+    <dgm:pt modelId="{7F4F86E2-B39E-C441-9A52-5D62E3A3F065}" type="pres">
+      <dgm:prSet presAssocID="{E7C07DBA-7262-FD42-8528-FE33A36545F9}" presName="rootText" presStyleLbl="node4" presStyleIdx="2" presStyleCnt="8" custScaleX="50397" custScaleY="42282">
+        <dgm:presLayoutVars>
+          <dgm:chPref val="3"/>
+        </dgm:presLayoutVars>
+      </dgm:prSet>
+      <dgm:spPr/>
+      <dgm:t>
+        <a:bodyPr/>
+        <a:lstStyle/>
+        <a:p>
+          <a:endParaRPr lang="en-US"/>
+        </a:p>
+      </dgm:t>
+    </dgm:pt>
+    <dgm:pt modelId="{DEB39931-02A0-1244-ACCC-FB04B3B71E47}" type="pres">
+      <dgm:prSet presAssocID="{E7C07DBA-7262-FD42-8528-FE33A36545F9}" presName="rootConnector" presStyleLbl="node4" presStyleIdx="2" presStyleCnt="8"/>
+      <dgm:spPr/>
+    </dgm:pt>
+    <dgm:pt modelId="{A002EE9E-B829-3849-90D1-608105A05333}" type="pres">
+      <dgm:prSet presAssocID="{E7C07DBA-7262-FD42-8528-FE33A36545F9}" presName="hierChild4" presStyleCnt="0"/>
+      <dgm:spPr/>
+    </dgm:pt>
+    <dgm:pt modelId="{9F30795B-930F-3F40-8880-E0EAEE1A381C}" type="pres">
+      <dgm:prSet presAssocID="{E7C07DBA-7262-FD42-8528-FE33A36545F9}" presName="hierChild5" presStyleCnt="0"/>
+      <dgm:spPr/>
+    </dgm:pt>
+    <dgm:pt modelId="{98BCD90C-56AE-F04D-AB20-C13498047065}" type="pres">
+      <dgm:prSet presAssocID="{307ABA71-1E54-0D4D-83DA-C7B734D3ACA6}" presName="Name37" presStyleLbl="parChTrans1D4" presStyleIdx="3" presStyleCnt="8" custSzX="204520" custSzY="1475206"/>
+      <dgm:spPr/>
+    </dgm:pt>
+    <dgm:pt modelId="{63098276-5E71-E445-99D8-7B95994AE991}" type="pres">
+      <dgm:prSet presAssocID="{45E4C7F9-F12D-2B49-9E02-7ABFB0FF3AC1}" presName="hierRoot2" presStyleCnt="0">
+        <dgm:presLayoutVars>
+          <dgm:hierBranch val="init"/>
+        </dgm:presLayoutVars>
+      </dgm:prSet>
+      <dgm:spPr/>
+    </dgm:pt>
+    <dgm:pt modelId="{0D0D3846-C254-0D4A-86CA-AC43D424265D}" type="pres">
+      <dgm:prSet presAssocID="{45E4C7F9-F12D-2B49-9E02-7ABFB0FF3AC1}" presName="rootComposite" presStyleCnt="0"/>
+      <dgm:spPr/>
+    </dgm:pt>
+    <dgm:pt modelId="{6825C15C-56EE-F043-980D-776B1E39F1B9}" type="pres">
+      <dgm:prSet presAssocID="{45E4C7F9-F12D-2B49-9E02-7ABFB0FF3AC1}" presName="rootText" presStyleLbl="node4" presStyleIdx="3" presStyleCnt="8" custScaleX="50397" custScaleY="42282">
+        <dgm:presLayoutVars>
+          <dgm:chPref val="3"/>
+        </dgm:presLayoutVars>
+      </dgm:prSet>
+      <dgm:spPr/>
+      <dgm:t>
+        <a:bodyPr/>
+        <a:lstStyle/>
+        <a:p>
+          <a:endParaRPr lang="en-US"/>
+        </a:p>
+      </dgm:t>
+    </dgm:pt>
+    <dgm:pt modelId="{31396A0D-6990-EF4C-90C2-8B2FB39706E1}" type="pres">
+      <dgm:prSet presAssocID="{45E4C7F9-F12D-2B49-9E02-7ABFB0FF3AC1}" presName="rootConnector" presStyleLbl="node4" presStyleIdx="3" presStyleCnt="8"/>
+      <dgm:spPr/>
+    </dgm:pt>
+    <dgm:pt modelId="{467BAE9E-C42D-E34B-8649-F4FBCAE1B60A}" type="pres">
+      <dgm:prSet presAssocID="{45E4C7F9-F12D-2B49-9E02-7ABFB0FF3AC1}" presName="hierChild4" presStyleCnt="0"/>
+      <dgm:spPr/>
+    </dgm:pt>
+    <dgm:pt modelId="{4F1B72DB-C4DB-B04F-BB57-6708D2526C69}" type="pres">
+      <dgm:prSet presAssocID="{45E4C7F9-F12D-2B49-9E02-7ABFB0FF3AC1}" presName="hierChild5" presStyleCnt="0"/>
+      <dgm:spPr/>
+    </dgm:pt>
+    <dgm:pt modelId="{17BD73AC-804E-7541-8B5C-6EAD857800DE}" type="pres">
+      <dgm:prSet presAssocID="{7A941D53-C83A-4441-87B0-67E16680B03D}" presName="hierChild5" presStyleCnt="0"/>
+      <dgm:spPr/>
+    </dgm:pt>
+    <dgm:pt modelId="{959DE388-EFB8-5140-B50F-EB5F0372E110}" type="pres">
+      <dgm:prSet presAssocID="{D894F136-8341-E344-8B33-15CBA7D30160}" presName="hierChild5" presStyleCnt="0"/>
+      <dgm:spPr/>
+    </dgm:pt>
+    <dgm:pt modelId="{977BDEFF-CC5A-B94D-814B-C4354D51AA89}" type="pres">
+      <dgm:prSet presAssocID="{46936D1F-F2CE-EA46-89FD-74D5EEC741E6}" presName="Name35" presStyleLbl="parChTrans1D2" presStyleIdx="1" presStyleCnt="2"/>
+      <dgm:spPr/>
+    </dgm:pt>
+    <dgm:pt modelId="{4187E09A-5B84-D341-931C-00CBF72BF3F5}" type="pres">
+      <dgm:prSet presAssocID="{DF0F7D3B-2D38-2945-BFC8-C31D8776AD58}" presName="hierRoot2" presStyleCnt="0">
+        <dgm:presLayoutVars>
+          <dgm:hierBranch val="init"/>
+        </dgm:presLayoutVars>
+      </dgm:prSet>
+      <dgm:spPr/>
+    </dgm:pt>
+    <dgm:pt modelId="{FD9F0B88-F579-9343-BF72-428E0E13B0AE}" type="pres">
+      <dgm:prSet presAssocID="{DF0F7D3B-2D38-2945-BFC8-C31D8776AD58}" presName="rootComposite" presStyleCnt="0"/>
+      <dgm:spPr/>
+    </dgm:pt>
+    <dgm:pt modelId="{042C0AA5-B545-294B-ABBB-768548FD46E5}" type="pres">
+      <dgm:prSet presAssocID="{DF0F7D3B-2D38-2945-BFC8-C31D8776AD58}" presName="rootText" presStyleLbl="node2" presStyleIdx="1" presStyleCnt="2" custScaleX="24703" custScaleY="38140" custLinFactNeighborX="2186" custLinFactNeighborY="-1863">
+        <dgm:presLayoutVars>
+          <dgm:chPref val="3"/>
+        </dgm:presLayoutVars>
+      </dgm:prSet>
+      <dgm:spPr/>
+    </dgm:pt>
+    <dgm:pt modelId="{9C83B84C-29C5-464C-B6D1-3385FCE4447A}" type="pres">
+      <dgm:prSet presAssocID="{DF0F7D3B-2D38-2945-BFC8-C31D8776AD58}" presName="rootConnector" presStyleLbl="node2" presStyleIdx="1" presStyleCnt="2"/>
+      <dgm:spPr/>
+    </dgm:pt>
+    <dgm:pt modelId="{7DCD73A0-6FDF-5F41-AAE0-2010DAF6F6AB}" type="pres">
+      <dgm:prSet presAssocID="{DF0F7D3B-2D38-2945-BFC8-C31D8776AD58}" presName="hierChild4" presStyleCnt="0"/>
+      <dgm:spPr/>
+    </dgm:pt>
+    <dgm:pt modelId="{F3738F5C-BCEE-E54D-BFD4-8BA56264A257}" type="pres">
+      <dgm:prSet presAssocID="{D46D63F9-42C3-D14E-84BD-D84A5EE71305}" presName="Name37" presStyleLbl="parChTrans1D3" presStyleIdx="2" presStyleCnt="4" custSzX="824899" custSzY="426744"/>
+      <dgm:spPr/>
+    </dgm:pt>
+    <dgm:pt modelId="{61707D59-45FE-A441-B910-A16672C5A475}" type="pres">
+      <dgm:prSet presAssocID="{5FBAC690-4BBF-9441-9601-1E9E1F0F55F8}" presName="hierRoot2" presStyleCnt="0">
+        <dgm:presLayoutVars>
+          <dgm:hierBranch val="init"/>
+        </dgm:presLayoutVars>
+      </dgm:prSet>
+      <dgm:spPr/>
+    </dgm:pt>
+    <dgm:pt modelId="{EE97B4D4-7980-7845-8055-CB7B194AD1F2}" type="pres">
+      <dgm:prSet presAssocID="{5FBAC690-4BBF-9441-9601-1E9E1F0F55F8}" presName="rootComposite" presStyleCnt="0"/>
+      <dgm:spPr/>
+    </dgm:pt>
+    <dgm:pt modelId="{71D74AC4-BC3D-9E4E-A21C-8EFD75A18074}" type="pres">
+      <dgm:prSet presAssocID="{5FBAC690-4BBF-9441-9601-1E9E1F0F55F8}" presName="rootText" presStyleLbl="node3" presStyleIdx="2" presStyleCnt="4" custScaleX="40929" custScaleY="40147" custLinFactNeighborY="-625">
+        <dgm:presLayoutVars>
+          <dgm:chPref val="3"/>
+        </dgm:presLayoutVars>
+      </dgm:prSet>
+      <dgm:spPr/>
+      <dgm:t>
+        <a:bodyPr/>
+        <a:lstStyle/>
+        <a:p>
+          <a:endParaRPr lang="en-US"/>
+        </a:p>
+      </dgm:t>
+    </dgm:pt>
+    <dgm:pt modelId="{7E0AA1AA-E8E6-2844-BD0A-5C00C64D1C5F}" type="pres">
+      <dgm:prSet presAssocID="{5FBAC690-4BBF-9441-9601-1E9E1F0F55F8}" presName="rootConnector" presStyleLbl="node3" presStyleIdx="2" presStyleCnt="4"/>
+      <dgm:spPr/>
+    </dgm:pt>
+    <dgm:pt modelId="{4AD87228-C17D-A146-A11C-0A8C45E0DA25}" type="pres">
+      <dgm:prSet presAssocID="{5FBAC690-4BBF-9441-9601-1E9E1F0F55F8}" presName="hierChild4" presStyleCnt="0"/>
+      <dgm:spPr/>
+    </dgm:pt>
+    <dgm:pt modelId="{CC7E676F-DC03-4E46-BD75-E2977450D26B}" type="pres">
+      <dgm:prSet presAssocID="{24520E86-B339-FA41-B0B0-41F9EE8A2FD5}" presName="Name37" presStyleLbl="parChTrans1D4" presStyleIdx="4" presStyleCnt="8" custSzX="204520" custSzY="579995"/>
+      <dgm:spPr/>
+    </dgm:pt>
+    <dgm:pt modelId="{342C381B-5A00-D944-AE3C-25FD97710691}" type="pres">
+      <dgm:prSet presAssocID="{D4CC8CD4-B029-E945-AECB-18A26F09C639}" presName="hierRoot2" presStyleCnt="0">
+        <dgm:presLayoutVars>
+          <dgm:hierBranch val="init"/>
+        </dgm:presLayoutVars>
+      </dgm:prSet>
+      <dgm:spPr/>
+    </dgm:pt>
+    <dgm:pt modelId="{673C73A0-096B-3848-BD3B-0B6571A92515}" type="pres">
+      <dgm:prSet presAssocID="{D4CC8CD4-B029-E945-AECB-18A26F09C639}" presName="rootComposite" presStyleCnt="0"/>
+      <dgm:spPr/>
+    </dgm:pt>
+    <dgm:pt modelId="{066B489B-9E54-A84F-9D75-836EBAEE58CB}" type="pres">
+      <dgm:prSet presAssocID="{D4CC8CD4-B029-E945-AECB-18A26F09C639}" presName="rootText" presStyleLbl="node4" presStyleIdx="4" presStyleCnt="8" custScaleX="50397" custScaleY="42282">
+        <dgm:presLayoutVars>
+          <dgm:chPref val="3"/>
+        </dgm:presLayoutVars>
+      </dgm:prSet>
+      <dgm:spPr/>
+      <dgm:t>
+        <a:bodyPr/>
+        <a:lstStyle/>
+        <a:p>
+          <a:endParaRPr lang="en-US"/>
+        </a:p>
+      </dgm:t>
+    </dgm:pt>
+    <dgm:pt modelId="{FDE5B3E5-A8D3-114C-9981-006B21C61C36}" type="pres">
+      <dgm:prSet presAssocID="{D4CC8CD4-B029-E945-AECB-18A26F09C639}" presName="rootConnector" presStyleLbl="node4" presStyleIdx="4" presStyleCnt="8"/>
+      <dgm:spPr/>
+    </dgm:pt>
+    <dgm:pt modelId="{28E88D47-8E6C-D84B-8659-5E4CDA77E013}" type="pres">
+      <dgm:prSet presAssocID="{D4CC8CD4-B029-E945-AECB-18A26F09C639}" presName="hierChild4" presStyleCnt="0"/>
+      <dgm:spPr/>
+    </dgm:pt>
+    <dgm:pt modelId="{B253010E-0396-FB41-BA90-1A951E9451D8}" type="pres">
+      <dgm:prSet presAssocID="{D4CC8CD4-B029-E945-AECB-18A26F09C639}" presName="hierChild5" presStyleCnt="0"/>
+      <dgm:spPr/>
+    </dgm:pt>
+    <dgm:pt modelId="{70DA1B39-B43F-E348-A288-3AEB3A46E2DB}" type="pres">
+      <dgm:prSet presAssocID="{3995AC03-DEBD-804E-9410-B8E1A2249815}" presName="Name37" presStyleLbl="parChTrans1D4" presStyleIdx="5" presStyleCnt="8" custSzX="204520" custSzY="1475206"/>
+      <dgm:spPr/>
+    </dgm:pt>
+    <dgm:pt modelId="{7E26C2A9-AB0D-D646-B8FE-B48BEF420AEB}" type="pres">
+      <dgm:prSet presAssocID="{3716F946-96D6-F544-B2B3-6EF1B56F4F68}" presName="hierRoot2" presStyleCnt="0">
+        <dgm:presLayoutVars>
+          <dgm:hierBranch val="init"/>
+        </dgm:presLayoutVars>
+      </dgm:prSet>
+      <dgm:spPr/>
+    </dgm:pt>
+    <dgm:pt modelId="{BFE3CF65-FBE5-6E40-955F-B205AF7A844B}" type="pres">
+      <dgm:prSet presAssocID="{3716F946-96D6-F544-B2B3-6EF1B56F4F68}" presName="rootComposite" presStyleCnt="0"/>
+      <dgm:spPr/>
+    </dgm:pt>
+    <dgm:pt modelId="{B6D86815-5BD8-9D47-8A32-A76F967072E4}" type="pres">
+      <dgm:prSet presAssocID="{3716F946-96D6-F544-B2B3-6EF1B56F4F68}" presName="rootText" presStyleLbl="node4" presStyleIdx="5" presStyleCnt="8" custScaleX="50397" custScaleY="42282">
+        <dgm:presLayoutVars>
+          <dgm:chPref val="3"/>
+        </dgm:presLayoutVars>
+      </dgm:prSet>
+      <dgm:spPr/>
+      <dgm:t>
+        <a:bodyPr/>
+        <a:lstStyle/>
+        <a:p>
+          <a:endParaRPr lang="en-US"/>
+        </a:p>
+      </dgm:t>
+    </dgm:pt>
+    <dgm:pt modelId="{80579EBD-D8F7-064F-9A3F-EFD5144CEC78}" type="pres">
+      <dgm:prSet presAssocID="{3716F946-96D6-F544-B2B3-6EF1B56F4F68}" presName="rootConnector" presStyleLbl="node4" presStyleIdx="5" presStyleCnt="8"/>
+      <dgm:spPr/>
+    </dgm:pt>
+    <dgm:pt modelId="{218DB688-8FC6-5946-A22E-8DF09AFE59DB}" type="pres">
+      <dgm:prSet presAssocID="{3716F946-96D6-F544-B2B3-6EF1B56F4F68}" presName="hierChild4" presStyleCnt="0"/>
+      <dgm:spPr/>
+    </dgm:pt>
+    <dgm:pt modelId="{CF7EB555-87CB-4844-9CC0-9DDDDB8271AC}" type="pres">
+      <dgm:prSet presAssocID="{3716F946-96D6-F544-B2B3-6EF1B56F4F68}" presName="hierChild5" presStyleCnt="0"/>
+      <dgm:spPr/>
+    </dgm:pt>
+    <dgm:pt modelId="{06279947-55DD-3947-B2CD-8E5F15552F66}" type="pres">
+      <dgm:prSet presAssocID="{5FBAC690-4BBF-9441-9601-1E9E1F0F55F8}" presName="hierChild5" presStyleCnt="0"/>
+      <dgm:spPr/>
+    </dgm:pt>
+    <dgm:pt modelId="{89045225-1E5E-434E-B02D-890D276D1404}" type="pres">
+      <dgm:prSet presAssocID="{F31E602B-392F-AE49-9BD6-0F698E4E6505}" presName="Name37" presStyleLbl="parChTrans1D3" presStyleIdx="3" presStyleCnt="4" custSzX="824899" custSzY="426744"/>
+      <dgm:spPr/>
+    </dgm:pt>
+    <dgm:pt modelId="{D8A2D6CF-6388-1E47-80FB-49E9DA27C1F4}" type="pres">
+      <dgm:prSet presAssocID="{CDE6D69E-B278-CB45-A57E-AC4DCF797400}" presName="hierRoot2" presStyleCnt="0">
+        <dgm:presLayoutVars>
+          <dgm:hierBranch val="init"/>
+        </dgm:presLayoutVars>
+      </dgm:prSet>
+      <dgm:spPr/>
+    </dgm:pt>
+    <dgm:pt modelId="{D72E8726-7753-934D-A636-3C0F2384D009}" type="pres">
+      <dgm:prSet presAssocID="{CDE6D69E-B278-CB45-A57E-AC4DCF797400}" presName="rootComposite" presStyleCnt="0"/>
+      <dgm:spPr/>
+    </dgm:pt>
+    <dgm:pt modelId="{F814CC68-E827-5445-8462-5BC2332BD4D8}" type="pres">
+      <dgm:prSet presAssocID="{CDE6D69E-B278-CB45-A57E-AC4DCF797400}" presName="rootText" presStyleLbl="node3" presStyleIdx="3" presStyleCnt="4" custScaleX="40929" custScaleY="40147" custLinFactNeighborX="-312" custLinFactNeighborY="-2338">
+        <dgm:presLayoutVars>
+          <dgm:chPref val="3"/>
+        </dgm:presLayoutVars>
+      </dgm:prSet>
+      <dgm:spPr/>
+      <dgm:t>
+        <a:bodyPr/>
+        <a:lstStyle/>
+        <a:p>
+          <a:endParaRPr lang="en-US"/>
+        </a:p>
+      </dgm:t>
+    </dgm:pt>
+    <dgm:pt modelId="{03668B94-EDB2-2142-9C49-F0629A7501CD}" type="pres">
+      <dgm:prSet presAssocID="{CDE6D69E-B278-CB45-A57E-AC4DCF797400}" presName="rootConnector" presStyleLbl="node3" presStyleIdx="3" presStyleCnt="4"/>
+      <dgm:spPr/>
+    </dgm:pt>
+    <dgm:pt modelId="{B6AB7784-B1B1-1944-9B6D-0182AA4F41A5}" type="pres">
+      <dgm:prSet presAssocID="{CDE6D69E-B278-CB45-A57E-AC4DCF797400}" presName="hierChild4" presStyleCnt="0"/>
+      <dgm:spPr/>
+    </dgm:pt>
+    <dgm:pt modelId="{A214400D-511F-C84D-A851-F3BC32CD8DBB}" type="pres">
+      <dgm:prSet presAssocID="{1A9FE87E-D2D7-4643-BDB8-476DCEC4B36D}" presName="Name37" presStyleLbl="parChTrans1D4" presStyleIdx="6" presStyleCnt="8" custSzX="204520" custSzY="579995"/>
+      <dgm:spPr/>
+    </dgm:pt>
+    <dgm:pt modelId="{BB0E4EB5-1E0C-7A49-917F-9BEB7BCF84D0}" type="pres">
+      <dgm:prSet presAssocID="{3B521A98-FC9F-FE4B-A37D-9EB65295D83A}" presName="hierRoot2" presStyleCnt="0">
+        <dgm:presLayoutVars>
+          <dgm:hierBranch val="init"/>
+        </dgm:presLayoutVars>
+      </dgm:prSet>
+      <dgm:spPr/>
+    </dgm:pt>
+    <dgm:pt modelId="{F7D197B4-67C5-C544-AA34-944C9F2855F6}" type="pres">
+      <dgm:prSet presAssocID="{3B521A98-FC9F-FE4B-A37D-9EB65295D83A}" presName="rootComposite" presStyleCnt="0"/>
+      <dgm:spPr/>
+    </dgm:pt>
+    <dgm:pt modelId="{764BD3A7-8FA4-5D4E-B731-FCE111AA504A}" type="pres">
+      <dgm:prSet presAssocID="{3B521A98-FC9F-FE4B-A37D-9EB65295D83A}" presName="rootText" presStyleLbl="node4" presStyleIdx="6" presStyleCnt="8" custScaleX="50397" custScaleY="42282">
+        <dgm:presLayoutVars>
+          <dgm:chPref val="3"/>
+        </dgm:presLayoutVars>
+      </dgm:prSet>
+      <dgm:spPr/>
+      <dgm:t>
+        <a:bodyPr/>
+        <a:lstStyle/>
+        <a:p>
+          <a:endParaRPr lang="en-US"/>
+        </a:p>
+      </dgm:t>
+    </dgm:pt>
+    <dgm:pt modelId="{9B251D42-3A26-7A4C-B7D4-F89DC4502CA4}" type="pres">
+      <dgm:prSet presAssocID="{3B521A98-FC9F-FE4B-A37D-9EB65295D83A}" presName="rootConnector" presStyleLbl="node4" presStyleIdx="6" presStyleCnt="8"/>
+      <dgm:spPr/>
+    </dgm:pt>
+    <dgm:pt modelId="{69191DAA-00C6-BB4F-8319-418E53BBAEDA}" type="pres">
+      <dgm:prSet presAssocID="{3B521A98-FC9F-FE4B-A37D-9EB65295D83A}" presName="hierChild4" presStyleCnt="0"/>
+      <dgm:spPr/>
+    </dgm:pt>
+    <dgm:pt modelId="{04745647-7350-834F-A986-F48AC6819F49}" type="pres">
+      <dgm:prSet presAssocID="{3B521A98-FC9F-FE4B-A37D-9EB65295D83A}" presName="hierChild5" presStyleCnt="0"/>
+      <dgm:spPr/>
+    </dgm:pt>
+    <dgm:pt modelId="{E561028F-4286-BF49-AE97-73478C0E2FC8}" type="pres">
+      <dgm:prSet presAssocID="{0FA25222-AA97-4048-B52C-0D239E827729}" presName="Name37" presStyleLbl="parChTrans1D4" presStyleIdx="7" presStyleCnt="8" custSzX="204520" custSzY="1475206"/>
+      <dgm:spPr/>
+    </dgm:pt>
+    <dgm:pt modelId="{4C69A3E5-9E5B-4940-A1C9-32635E648FC6}" type="pres">
+      <dgm:prSet presAssocID="{8F03BB4A-AEA8-3C4E-BBB5-1A5BA9506EAB}" presName="hierRoot2" presStyleCnt="0">
+        <dgm:presLayoutVars>
+          <dgm:hierBranch val="init"/>
+        </dgm:presLayoutVars>
+      </dgm:prSet>
+      <dgm:spPr/>
+    </dgm:pt>
+    <dgm:pt modelId="{97587D15-C6F1-374D-A455-151E70096735}" type="pres">
+      <dgm:prSet presAssocID="{8F03BB4A-AEA8-3C4E-BBB5-1A5BA9506EAB}" presName="rootComposite" presStyleCnt="0"/>
+      <dgm:spPr/>
+    </dgm:pt>
+    <dgm:pt modelId="{28A339C8-7EA8-924D-BCE4-45982A1C7BB8}" type="pres">
+      <dgm:prSet presAssocID="{8F03BB4A-AEA8-3C4E-BBB5-1A5BA9506EAB}" presName="rootText" presStyleLbl="node4" presStyleIdx="7" presStyleCnt="8" custScaleX="50397" custScaleY="42282">
+        <dgm:presLayoutVars>
+          <dgm:chPref val="3"/>
+        </dgm:presLayoutVars>
+      </dgm:prSet>
+      <dgm:spPr/>
+      <dgm:t>
+        <a:bodyPr/>
+        <a:lstStyle/>
+        <a:p>
+          <a:endParaRPr lang="en-US"/>
+        </a:p>
+      </dgm:t>
+    </dgm:pt>
+    <dgm:pt modelId="{C5DDF83F-9529-0745-AFCC-69C1F7DB9214}" type="pres">
+      <dgm:prSet presAssocID="{8F03BB4A-AEA8-3C4E-BBB5-1A5BA9506EAB}" presName="rootConnector" presStyleLbl="node4" presStyleIdx="7" presStyleCnt="8"/>
+      <dgm:spPr/>
+    </dgm:pt>
+    <dgm:pt modelId="{ABA81FC0-1921-BE40-AC44-E2FBE92FE99C}" type="pres">
+      <dgm:prSet presAssocID="{8F03BB4A-AEA8-3C4E-BBB5-1A5BA9506EAB}" presName="hierChild4" presStyleCnt="0"/>
+      <dgm:spPr/>
+    </dgm:pt>
+    <dgm:pt modelId="{D5F45448-82A6-3346-9576-7EBFB22FA59F}" type="pres">
+      <dgm:prSet presAssocID="{8F03BB4A-AEA8-3C4E-BBB5-1A5BA9506EAB}" presName="hierChild5" presStyleCnt="0"/>
+      <dgm:spPr/>
+    </dgm:pt>
+    <dgm:pt modelId="{5B844AE5-3A02-674F-A2BA-EA77C39C0F24}" type="pres">
+      <dgm:prSet presAssocID="{CDE6D69E-B278-CB45-A57E-AC4DCF797400}" presName="hierChild5" presStyleCnt="0"/>
+      <dgm:spPr/>
+    </dgm:pt>
+    <dgm:pt modelId="{8C122C40-181F-FC4A-8C70-DDEB439F9FC4}" type="pres">
+      <dgm:prSet presAssocID="{DF0F7D3B-2D38-2945-BFC8-C31D8776AD58}" presName="hierChild5" presStyleCnt="0"/>
+      <dgm:spPr/>
+    </dgm:pt>
+    <dgm:pt modelId="{55286AB5-53FD-2B42-86C6-B3081196A873}" type="pres">
+      <dgm:prSet presAssocID="{BE661E2D-7B08-4646-B905-EACAC2E869F6}" presName="hierChild3" presStyleCnt="0"/>
+      <dgm:spPr/>
+    </dgm:pt>
+  </dgm:ptLst>
+  <dgm:cxnLst>
+    <dgm:cxn modelId="{46C9CC80-15B4-2F4E-92DC-3806924E7C32}" type="presOf" srcId="{3716F946-96D6-F544-B2B3-6EF1B56F4F68}" destId="{80579EBD-D8F7-064F-9A3F-EFD5144CEC78}" srcOrd="1" destOrd="0" presId="urn:microsoft.com/office/officeart/2005/8/layout/orgChart1"/>
+    <dgm:cxn modelId="{D1CDB45F-59F4-D94A-81DD-C2557EE48157}" type="presOf" srcId="{45E4C7F9-F12D-2B49-9E02-7ABFB0FF3AC1}" destId="{31396A0D-6990-EF4C-90C2-8B2FB39706E1}" srcOrd="1" destOrd="0" presId="urn:microsoft.com/office/officeart/2005/8/layout/orgChart1"/>
+    <dgm:cxn modelId="{1BDDA61E-F065-4E47-8141-D4E4E71DA5A2}" type="presOf" srcId="{1A9FE87E-D2D7-4643-BDB8-476DCEC4B36D}" destId="{A214400D-511F-C84D-A851-F3BC32CD8DBB}" srcOrd="0" destOrd="0" presId="urn:microsoft.com/office/officeart/2005/8/layout/orgChart1"/>
+    <dgm:cxn modelId="{BADEC025-380D-6645-87D5-F8E1F7A06B69}" type="presOf" srcId="{D894F136-8341-E344-8B33-15CBA7D30160}" destId="{2C6D8BDE-D9AD-6B42-B505-782BB73697ED}" srcOrd="1" destOrd="0" presId="urn:microsoft.com/office/officeart/2005/8/layout/orgChart1"/>
+    <dgm:cxn modelId="{CF8BA7E0-DCD4-634C-B442-85CD87C46BBA}" srcId="{CDE6D69E-B278-CB45-A57E-AC4DCF797400}" destId="{3B521A98-FC9F-FE4B-A37D-9EB65295D83A}" srcOrd="0" destOrd="0" parTransId="{1A9FE87E-D2D7-4643-BDB8-476DCEC4B36D}" sibTransId="{0814651E-6DAC-BB4E-BEC2-871B4617EDF1}"/>
+    <dgm:cxn modelId="{895DB9B1-CB4A-2D4A-A8AA-62EA9D97DB0F}" type="presOf" srcId="{C8034C4B-B336-D341-B9A4-C8EC113BE81C}" destId="{F9EEC0E2-9562-804A-A317-534405DDEC70}" srcOrd="0" destOrd="0" presId="urn:microsoft.com/office/officeart/2005/8/layout/orgChart1"/>
+    <dgm:cxn modelId="{31959F89-73D3-F14D-8934-DE8902F7B39A}" type="presOf" srcId="{DF0F7D3B-2D38-2945-BFC8-C31D8776AD58}" destId="{9C83B84C-29C5-464C-B6D1-3385FCE4447A}" srcOrd="1" destOrd="0" presId="urn:microsoft.com/office/officeart/2005/8/layout/orgChart1"/>
+    <dgm:cxn modelId="{A9A82D5C-7E3D-9B46-8906-90D7584030C2}" type="presOf" srcId="{2374F45D-45BE-4243-94BA-7C1C3CE4BD1B}" destId="{D65E18D1-340A-8A45-A209-BED5D6DCA462}" srcOrd="1" destOrd="0" presId="urn:microsoft.com/office/officeart/2005/8/layout/orgChart1"/>
+    <dgm:cxn modelId="{EF82FD78-F27A-7047-850A-33974D796452}" type="presOf" srcId="{3995AC03-DEBD-804E-9410-B8E1A2249815}" destId="{70DA1B39-B43F-E348-A288-3AEB3A46E2DB}" srcOrd="0" destOrd="0" presId="urn:microsoft.com/office/officeart/2005/8/layout/orgChart1"/>
+    <dgm:cxn modelId="{2548F3EC-AD24-2343-8AE2-9FABA83E94EE}" srcId="{D894F136-8341-E344-8B33-15CBA7D30160}" destId="{7A941D53-C83A-4441-87B0-67E16680B03D}" srcOrd="1" destOrd="0" parTransId="{3619400D-614E-2D41-8985-087808581911}" sibTransId="{BEAC14AA-F674-B246-A02B-324F50F3598F}"/>
+    <dgm:cxn modelId="{0C852E21-7C9E-C348-91D3-F660C1238E86}" srcId="{9A72F04F-7BAA-C747-B609-D452DDDA070A}" destId="{2374F45D-45BE-4243-94BA-7C1C3CE4BD1B}" srcOrd="1" destOrd="0" parTransId="{67A6B9DE-D9B2-2A45-A2F8-52990DD85FB7}" sibTransId="{1BD3655F-0E25-EB4F-8949-7C239F9BCD21}"/>
+    <dgm:cxn modelId="{30678543-B39A-8B48-B82D-023AAB66B239}" type="presOf" srcId="{D4CC8CD4-B029-E945-AECB-18A26F09C639}" destId="{FDE5B3E5-A8D3-114C-9981-006B21C61C36}" srcOrd="1" destOrd="0" presId="urn:microsoft.com/office/officeart/2005/8/layout/orgChart1"/>
+    <dgm:cxn modelId="{DFEA674B-0EF0-4748-A79F-C0AE18AD88F1}" srcId="{7A941D53-C83A-4441-87B0-67E16680B03D}" destId="{E7C07DBA-7262-FD42-8528-FE33A36545F9}" srcOrd="0" destOrd="0" parTransId="{4F7564C3-549A-FF42-B64D-FB0F83209F4C}" sibTransId="{9391E1BD-E73B-2A48-989A-DC2D6EA50BA7}"/>
+    <dgm:cxn modelId="{49973A2A-87B1-B84E-AF3C-136B270B6662}" type="presOf" srcId="{46936D1F-F2CE-EA46-89FD-74D5EEC741E6}" destId="{977BDEFF-CC5A-B94D-814B-C4354D51AA89}" srcOrd="0" destOrd="0" presId="urn:microsoft.com/office/officeart/2005/8/layout/orgChart1"/>
+    <dgm:cxn modelId="{C160AE48-BB26-C940-84CF-BDF270751F76}" type="presOf" srcId="{E7C07DBA-7262-FD42-8528-FE33A36545F9}" destId="{7F4F86E2-B39E-C441-9A52-5D62E3A3F065}" srcOrd="0" destOrd="0" presId="urn:microsoft.com/office/officeart/2005/8/layout/orgChart1"/>
+    <dgm:cxn modelId="{DBB6EA75-56EB-0240-87F6-15F5CF168AC6}" srcId="{DF0F7D3B-2D38-2945-BFC8-C31D8776AD58}" destId="{CDE6D69E-B278-CB45-A57E-AC4DCF797400}" srcOrd="1" destOrd="0" parTransId="{F31E602B-392F-AE49-9BD6-0F698E4E6505}" sibTransId="{B6E0127C-A9AD-9C4C-BA42-4C1ABB75425C}"/>
+    <dgm:cxn modelId="{A37077D2-105E-F64C-BD0D-74294E1051F1}" srcId="{D1FB2890-B15A-5240-9233-38D363F9F85E}" destId="{BE661E2D-7B08-4646-B905-EACAC2E869F6}" srcOrd="0" destOrd="0" parTransId="{06FD722F-658C-C040-A8CF-C506C06E0F11}" sibTransId="{0BAD7845-607F-DF43-A42B-82C594D732AD}"/>
+    <dgm:cxn modelId="{3D614DD7-CE9E-5B45-AF72-9A94269C5DFE}" srcId="{BE661E2D-7B08-4646-B905-EACAC2E869F6}" destId="{D894F136-8341-E344-8B33-15CBA7D30160}" srcOrd="0" destOrd="0" parTransId="{2FA61BA0-34ED-FB40-979F-17A4AEEC4016}" sibTransId="{4C2EC860-3FA9-2545-A7A2-0096CB172C07}"/>
+    <dgm:cxn modelId="{4AF6AD22-A891-3F43-868E-7D54668C9E8D}" srcId="{9A72F04F-7BAA-C747-B609-D452DDDA070A}" destId="{66D22F5B-0E45-E344-B511-4057343269F2}" srcOrd="0" destOrd="0" parTransId="{EE7E8D70-CFEC-0940-A202-E3EBB1EFA5C5}" sibTransId="{7E655707-B9A8-5647-B9C4-08A0CCB9E278}"/>
+    <dgm:cxn modelId="{A702D20F-1E92-C646-BBD1-995D2201397A}" srcId="{D894F136-8341-E344-8B33-15CBA7D30160}" destId="{9A72F04F-7BAA-C747-B609-D452DDDA070A}" srcOrd="0" destOrd="0" parTransId="{C8034C4B-B336-D341-B9A4-C8EC113BE81C}" sibTransId="{6F4A839C-0173-8349-999D-48BE5A99D4C7}"/>
+    <dgm:cxn modelId="{60AB683F-F94D-3C4D-A930-7CF8C5656C91}" type="presOf" srcId="{8F03BB4A-AEA8-3C4E-BBB5-1A5BA9506EAB}" destId="{28A339C8-7EA8-924D-BCE4-45982A1C7BB8}" srcOrd="0" destOrd="0" presId="urn:microsoft.com/office/officeart/2005/8/layout/orgChart1"/>
+    <dgm:cxn modelId="{F9B8E180-3CDE-3C4B-94A8-226410E29BC0}" srcId="{7A941D53-C83A-4441-87B0-67E16680B03D}" destId="{45E4C7F9-F12D-2B49-9E02-7ABFB0FF3AC1}" srcOrd="1" destOrd="0" parTransId="{307ABA71-1E54-0D4D-83DA-C7B734D3ACA6}" sibTransId="{C2CDED29-BD53-6542-B680-AA60C7D26471}"/>
+    <dgm:cxn modelId="{A47911DC-E6A7-6F44-907B-B01C1F41099C}" type="presOf" srcId="{8F03BB4A-AEA8-3C4E-BBB5-1A5BA9506EAB}" destId="{C5DDF83F-9529-0745-AFCC-69C1F7DB9214}" srcOrd="1" destOrd="0" presId="urn:microsoft.com/office/officeart/2005/8/layout/orgChart1"/>
+    <dgm:cxn modelId="{37482A2C-5215-EF4C-9FA6-79AD96204219}" type="presOf" srcId="{D894F136-8341-E344-8B33-15CBA7D30160}" destId="{5801197C-BC99-214B-8682-B8134F254D91}" srcOrd="0" destOrd="0" presId="urn:microsoft.com/office/officeart/2005/8/layout/orgChart1"/>
+    <dgm:cxn modelId="{F2CA2F18-7440-C343-AB79-624493504332}" type="presOf" srcId="{3716F946-96D6-F544-B2B3-6EF1B56F4F68}" destId="{B6D86815-5BD8-9D47-8A32-A76F967072E4}" srcOrd="0" destOrd="0" presId="urn:microsoft.com/office/officeart/2005/8/layout/orgChart1"/>
+    <dgm:cxn modelId="{E1C8C998-8231-9843-A352-631DE0C6C05A}" type="presOf" srcId="{5FBAC690-4BBF-9441-9601-1E9E1F0F55F8}" destId="{7E0AA1AA-E8E6-2844-BD0A-5C00C64D1C5F}" srcOrd="1" destOrd="0" presId="urn:microsoft.com/office/officeart/2005/8/layout/orgChart1"/>
+    <dgm:cxn modelId="{EB47749F-6AE1-7D4B-8C97-253A044AC95D}" type="presOf" srcId="{66D22F5B-0E45-E344-B511-4057343269F2}" destId="{95380FE9-C934-1D4F-AA5E-4F54B1E8BA9A}" srcOrd="0" destOrd="0" presId="urn:microsoft.com/office/officeart/2005/8/layout/orgChart1"/>
+    <dgm:cxn modelId="{E4E2A74E-0837-4F4D-BDDE-011F7F4A9D82}" type="presOf" srcId="{24520E86-B339-FA41-B0B0-41F9EE8A2FD5}" destId="{CC7E676F-DC03-4E46-BD75-E2977450D26B}" srcOrd="0" destOrd="0" presId="urn:microsoft.com/office/officeart/2005/8/layout/orgChart1"/>
+    <dgm:cxn modelId="{966547C3-1890-6D45-9346-B3BC88DE94EE}" srcId="{CDE6D69E-B278-CB45-A57E-AC4DCF797400}" destId="{8F03BB4A-AEA8-3C4E-BBB5-1A5BA9506EAB}" srcOrd="1" destOrd="0" parTransId="{0FA25222-AA97-4048-B52C-0D239E827729}" sibTransId="{B869DDEB-F604-164F-95B9-04F5ECA29473}"/>
+    <dgm:cxn modelId="{135DC53D-1DAF-0549-9619-06D0805207EA}" type="presOf" srcId="{5FBAC690-4BBF-9441-9601-1E9E1F0F55F8}" destId="{71D74AC4-BC3D-9E4E-A21C-8EFD75A18074}" srcOrd="0" destOrd="0" presId="urn:microsoft.com/office/officeart/2005/8/layout/orgChart1"/>
+    <dgm:cxn modelId="{32A5D744-E493-4541-8ADF-813134262391}" type="presOf" srcId="{66D22F5B-0E45-E344-B511-4057343269F2}" destId="{6985B0FE-A59A-BB4B-9DB8-A6E73F3BE71C}" srcOrd="1" destOrd="0" presId="urn:microsoft.com/office/officeart/2005/8/layout/orgChart1"/>
+    <dgm:cxn modelId="{6B08E616-CDF3-9F47-A889-2528935EE28E}" type="presOf" srcId="{3619400D-614E-2D41-8985-087808581911}" destId="{AB60A778-05D9-7844-97E2-6D6F1FC36617}" srcOrd="0" destOrd="0" presId="urn:microsoft.com/office/officeart/2005/8/layout/orgChart1"/>
+    <dgm:cxn modelId="{A9D38C94-4C56-F249-AFDF-5E542A9D7477}" type="presOf" srcId="{2FA61BA0-34ED-FB40-979F-17A4AEEC4016}" destId="{C2EF8487-C903-E340-A302-7F09F63B21D3}" srcOrd="0" destOrd="0" presId="urn:microsoft.com/office/officeart/2005/8/layout/orgChart1"/>
+    <dgm:cxn modelId="{0F308529-B059-2144-AE68-D9CBD7F94032}" srcId="{5FBAC690-4BBF-9441-9601-1E9E1F0F55F8}" destId="{3716F946-96D6-F544-B2B3-6EF1B56F4F68}" srcOrd="1" destOrd="0" parTransId="{3995AC03-DEBD-804E-9410-B8E1A2249815}" sibTransId="{F99F9781-D052-FA46-93ED-DDAD54AF8942}"/>
+    <dgm:cxn modelId="{21DA0372-E423-4D4D-AFF5-9BCF4FA406C3}" type="presOf" srcId="{D46D63F9-42C3-D14E-84BD-D84A5EE71305}" destId="{F3738F5C-BCEE-E54D-BFD4-8BA56264A257}" srcOrd="0" destOrd="0" presId="urn:microsoft.com/office/officeart/2005/8/layout/orgChart1"/>
+    <dgm:cxn modelId="{6FA838DA-703A-EC45-9338-177707E2C6B4}" type="presOf" srcId="{9A72F04F-7BAA-C747-B609-D452DDDA070A}" destId="{2C6E31B7-021E-8844-B97C-943F547F2889}" srcOrd="0" destOrd="0" presId="urn:microsoft.com/office/officeart/2005/8/layout/orgChart1"/>
+    <dgm:cxn modelId="{0CA91D2C-A73B-A641-824F-C94778B4C23F}" type="presOf" srcId="{DF0F7D3B-2D38-2945-BFC8-C31D8776AD58}" destId="{042C0AA5-B545-294B-ABBB-768548FD46E5}" srcOrd="0" destOrd="0" presId="urn:microsoft.com/office/officeart/2005/8/layout/orgChart1"/>
+    <dgm:cxn modelId="{B37897D9-77D7-7248-9C18-7AB558AF74AB}" srcId="{5FBAC690-4BBF-9441-9601-1E9E1F0F55F8}" destId="{D4CC8CD4-B029-E945-AECB-18A26F09C639}" srcOrd="0" destOrd="0" parTransId="{24520E86-B339-FA41-B0B0-41F9EE8A2FD5}" sibTransId="{27BC3FE3-B928-B541-947A-9B868FF9C671}"/>
+    <dgm:cxn modelId="{2AF4165C-6ECD-E64B-8EC8-23BC0DF96B57}" type="presOf" srcId="{45E4C7F9-F12D-2B49-9E02-7ABFB0FF3AC1}" destId="{6825C15C-56EE-F043-980D-776B1E39F1B9}" srcOrd="0" destOrd="0" presId="urn:microsoft.com/office/officeart/2005/8/layout/orgChart1"/>
+    <dgm:cxn modelId="{10182B8F-69D3-874F-87C7-9C82D4C9C268}" type="presOf" srcId="{CDE6D69E-B278-CB45-A57E-AC4DCF797400}" destId="{F814CC68-E827-5445-8462-5BC2332BD4D8}" srcOrd="0" destOrd="0" presId="urn:microsoft.com/office/officeart/2005/8/layout/orgChart1"/>
+    <dgm:cxn modelId="{5B8ED4D7-E4A7-7049-A7CE-1EF62B828A01}" type="presOf" srcId="{9A72F04F-7BAA-C747-B609-D452DDDA070A}" destId="{131D7EDF-ABD5-A64C-92E6-2766C790EE99}" srcOrd="1" destOrd="0" presId="urn:microsoft.com/office/officeart/2005/8/layout/orgChart1"/>
+    <dgm:cxn modelId="{5E1FB6E1-72B0-7E49-9C46-EB0BC343E0F9}" type="presOf" srcId="{D1FB2890-B15A-5240-9233-38D363F9F85E}" destId="{D2237D17-41C8-6B4B-BF4B-236F7438739E}" srcOrd="0" destOrd="0" presId="urn:microsoft.com/office/officeart/2005/8/layout/orgChart1"/>
+    <dgm:cxn modelId="{BE28C991-405D-564B-A050-62F2FD7E0F88}" type="presOf" srcId="{67A6B9DE-D9B2-2A45-A2F8-52990DD85FB7}" destId="{6D427525-AAC2-D947-BF99-1293E1AA06B4}" srcOrd="0" destOrd="0" presId="urn:microsoft.com/office/officeart/2005/8/layout/orgChart1"/>
+    <dgm:cxn modelId="{2762F78F-58E8-7D4A-A47A-320BD07CAF69}" srcId="{DF0F7D3B-2D38-2945-BFC8-C31D8776AD58}" destId="{5FBAC690-4BBF-9441-9601-1E9E1F0F55F8}" srcOrd="0" destOrd="0" parTransId="{D46D63F9-42C3-D14E-84BD-D84A5EE71305}" sibTransId="{F0B9A012-18FD-F64C-852B-9ECC07CF2B84}"/>
+    <dgm:cxn modelId="{35E18986-9FCD-EB4D-9746-EE2E3E93A97C}" type="presOf" srcId="{3B521A98-FC9F-FE4B-A37D-9EB65295D83A}" destId="{9B251D42-3A26-7A4C-B7D4-F89DC4502CA4}" srcOrd="1" destOrd="0" presId="urn:microsoft.com/office/officeart/2005/8/layout/orgChart1"/>
+    <dgm:cxn modelId="{342F0FEF-5D0C-BB43-BBB9-E77689616F32}" type="presOf" srcId="{BE661E2D-7B08-4646-B905-EACAC2E869F6}" destId="{7FEB9243-7480-8543-A0FE-919918F1C78B}" srcOrd="0" destOrd="0" presId="urn:microsoft.com/office/officeart/2005/8/layout/orgChart1"/>
+    <dgm:cxn modelId="{2E7C01E8-D1FE-3A47-8D5C-EBC99566F8BC}" type="presOf" srcId="{EE7E8D70-CFEC-0940-A202-E3EBB1EFA5C5}" destId="{A808BC81-39BE-9B40-8E5E-F598660E2907}" srcOrd="0" destOrd="0" presId="urn:microsoft.com/office/officeart/2005/8/layout/orgChart1"/>
+    <dgm:cxn modelId="{68E520C4-3F6D-464F-8EF1-9F4016C2905D}" type="presOf" srcId="{2374F45D-45BE-4243-94BA-7C1C3CE4BD1B}" destId="{26B5A8C5-809F-304D-853E-8DE78F5D19CF}" srcOrd="0" destOrd="0" presId="urn:microsoft.com/office/officeart/2005/8/layout/orgChart1"/>
+    <dgm:cxn modelId="{C0A69BD2-7A83-9147-BF8E-A289397B2500}" type="presOf" srcId="{CDE6D69E-B278-CB45-A57E-AC4DCF797400}" destId="{03668B94-EDB2-2142-9C49-F0629A7501CD}" srcOrd="1" destOrd="0" presId="urn:microsoft.com/office/officeart/2005/8/layout/orgChart1"/>
+    <dgm:cxn modelId="{CE267F07-F051-EB46-9D53-505ACBE39E35}" type="presOf" srcId="{E7C07DBA-7262-FD42-8528-FE33A36545F9}" destId="{DEB39931-02A0-1244-ACCC-FB04B3B71E47}" srcOrd="1" destOrd="0" presId="urn:microsoft.com/office/officeart/2005/8/layout/orgChart1"/>
+    <dgm:cxn modelId="{222DA8E3-D48E-0041-8D4C-0EE8EB8CBCC9}" type="presOf" srcId="{7A941D53-C83A-4441-87B0-67E16680B03D}" destId="{B7D3FF03-8855-8645-B482-03CC79594B53}" srcOrd="0" destOrd="0" presId="urn:microsoft.com/office/officeart/2005/8/layout/orgChart1"/>
+    <dgm:cxn modelId="{7BF1CB20-E1AC-9441-88E7-22C1ADF3ED1B}" type="presOf" srcId="{F31E602B-392F-AE49-9BD6-0F698E4E6505}" destId="{89045225-1E5E-434E-B02D-890D276D1404}" srcOrd="0" destOrd="0" presId="urn:microsoft.com/office/officeart/2005/8/layout/orgChart1"/>
+    <dgm:cxn modelId="{ECA7293A-B2CB-A145-BF44-5F7E794CE9F0}" type="presOf" srcId="{D4CC8CD4-B029-E945-AECB-18A26F09C639}" destId="{066B489B-9E54-A84F-9D75-836EBAEE58CB}" srcOrd="0" destOrd="0" presId="urn:microsoft.com/office/officeart/2005/8/layout/orgChart1"/>
+    <dgm:cxn modelId="{793A8C6B-9042-FC42-B412-F48E9301A014}" type="presOf" srcId="{3B521A98-FC9F-FE4B-A37D-9EB65295D83A}" destId="{764BD3A7-8FA4-5D4E-B731-FCE111AA504A}" srcOrd="0" destOrd="0" presId="urn:microsoft.com/office/officeart/2005/8/layout/orgChart1"/>
+    <dgm:cxn modelId="{3F169855-0AE5-2F4D-880D-2E49C78696D5}" type="presOf" srcId="{307ABA71-1E54-0D4D-83DA-C7B734D3ACA6}" destId="{98BCD90C-56AE-F04D-AB20-C13498047065}" srcOrd="0" destOrd="0" presId="urn:microsoft.com/office/officeart/2005/8/layout/orgChart1"/>
+    <dgm:cxn modelId="{C2AC5852-2679-6A47-B087-110F737CEE4E}" type="presOf" srcId="{4F7564C3-549A-FF42-B64D-FB0F83209F4C}" destId="{10219ED2-316A-0A4F-B3D4-CB34C339DF91}" srcOrd="0" destOrd="0" presId="urn:microsoft.com/office/officeart/2005/8/layout/orgChart1"/>
+    <dgm:cxn modelId="{7FBB3739-BF46-BD45-B86C-3FAEB4B548EC}" type="presOf" srcId="{0FA25222-AA97-4048-B52C-0D239E827729}" destId="{E561028F-4286-BF49-AE97-73478C0E2FC8}" srcOrd="0" destOrd="0" presId="urn:microsoft.com/office/officeart/2005/8/layout/orgChart1"/>
+    <dgm:cxn modelId="{9BC12A88-A67F-1D4F-A3A5-803AA64F472F}" type="presOf" srcId="{7A941D53-C83A-4441-87B0-67E16680B03D}" destId="{8C658670-A080-A24C-80A1-B6815665E2F3}" srcOrd="1" destOrd="0" presId="urn:microsoft.com/office/officeart/2005/8/layout/orgChart1"/>
+    <dgm:cxn modelId="{2342AE86-6653-8A45-BB75-3601044C3B6A}" type="presOf" srcId="{BE661E2D-7B08-4646-B905-EACAC2E869F6}" destId="{F560D28B-6C26-974F-89AD-5F4F1B234609}" srcOrd="1" destOrd="0" presId="urn:microsoft.com/office/officeart/2005/8/layout/orgChart1"/>
+    <dgm:cxn modelId="{A6F1D45C-AD80-8E4B-9E56-59C24BB18404}" srcId="{BE661E2D-7B08-4646-B905-EACAC2E869F6}" destId="{DF0F7D3B-2D38-2945-BFC8-C31D8776AD58}" srcOrd="1" destOrd="0" parTransId="{46936D1F-F2CE-EA46-89FD-74D5EEC741E6}" sibTransId="{90C17F59-762E-884B-8530-D49EC069D512}"/>
+    <dgm:cxn modelId="{4F6C9110-264A-B043-9DA9-FE73DDDA6EC6}" type="presParOf" srcId="{D2237D17-41C8-6B4B-BF4B-236F7438739E}" destId="{8CE7171B-FBC8-E247-A8FF-DB2AAB6C3802}" srcOrd="0" destOrd="0" presId="urn:microsoft.com/office/officeart/2005/8/layout/orgChart1"/>
+    <dgm:cxn modelId="{5A3D9B83-50F4-BC46-ACAD-351C53E3774E}" type="presParOf" srcId="{8CE7171B-FBC8-E247-A8FF-DB2AAB6C3802}" destId="{FEA89005-CAA2-894F-BCAC-BD604ADA0328}" srcOrd="0" destOrd="0" presId="urn:microsoft.com/office/officeart/2005/8/layout/orgChart1"/>
+    <dgm:cxn modelId="{00BD3EC2-124C-F244-8023-B96F02394C86}" type="presParOf" srcId="{FEA89005-CAA2-894F-BCAC-BD604ADA0328}" destId="{7FEB9243-7480-8543-A0FE-919918F1C78B}" srcOrd="0" destOrd="0" presId="urn:microsoft.com/office/officeart/2005/8/layout/orgChart1"/>
+    <dgm:cxn modelId="{7F643E11-E5AC-514F-A169-7BF140A6DD0D}" type="presParOf" srcId="{FEA89005-CAA2-894F-BCAC-BD604ADA0328}" destId="{F560D28B-6C26-974F-89AD-5F4F1B234609}" srcOrd="1" destOrd="0" presId="urn:microsoft.com/office/officeart/2005/8/layout/orgChart1"/>
+    <dgm:cxn modelId="{A23CA1FF-0618-114F-A530-1727B994225F}" type="presParOf" srcId="{8CE7171B-FBC8-E247-A8FF-DB2AAB6C3802}" destId="{1E7005DD-BD10-E648-BB7F-4D8F817B8F16}" srcOrd="1" destOrd="0" presId="urn:microsoft.com/office/officeart/2005/8/layout/orgChart1"/>
+    <dgm:cxn modelId="{344C37D1-19D0-6B43-84F6-68C21DCEC4AC}" type="presParOf" srcId="{1E7005DD-BD10-E648-BB7F-4D8F817B8F16}" destId="{C2EF8487-C903-E340-A302-7F09F63B21D3}" srcOrd="0" destOrd="0" presId="urn:microsoft.com/office/officeart/2005/8/layout/orgChart1"/>
+    <dgm:cxn modelId="{C2590157-5932-7F49-A603-130F5CDBC441}" type="presParOf" srcId="{1E7005DD-BD10-E648-BB7F-4D8F817B8F16}" destId="{2D4FBBB1-F0AC-974F-9E97-CE0F9F0678C3}" srcOrd="1" destOrd="0" presId="urn:microsoft.com/office/officeart/2005/8/layout/orgChart1"/>
+    <dgm:cxn modelId="{442907A4-D68A-614B-9FE2-7A42617FD9CE}" type="presParOf" srcId="{2D4FBBB1-F0AC-974F-9E97-CE0F9F0678C3}" destId="{04038F57-BDEF-9A4F-9C6F-BBA6820C1E93}" srcOrd="0" destOrd="0" presId="urn:microsoft.com/office/officeart/2005/8/layout/orgChart1"/>
+    <dgm:cxn modelId="{F0D529D2-FF42-2E44-9EA1-05B453330BAA}" type="presParOf" srcId="{04038F57-BDEF-9A4F-9C6F-BBA6820C1E93}" destId="{5801197C-BC99-214B-8682-B8134F254D91}" srcOrd="0" destOrd="0" presId="urn:microsoft.com/office/officeart/2005/8/layout/orgChart1"/>
+    <dgm:cxn modelId="{63ED6522-BE1E-C448-8791-C6692AA90B94}" type="presParOf" srcId="{04038F57-BDEF-9A4F-9C6F-BBA6820C1E93}" destId="{2C6D8BDE-D9AD-6B42-B505-782BB73697ED}" srcOrd="1" destOrd="0" presId="urn:microsoft.com/office/officeart/2005/8/layout/orgChart1"/>
+    <dgm:cxn modelId="{C0EAB08C-D1DA-2D49-AFF2-560F2BC68276}" type="presParOf" srcId="{2D4FBBB1-F0AC-974F-9E97-CE0F9F0678C3}" destId="{1E583D54-97C0-1A43-91BB-AB10FE251B6E}" srcOrd="1" destOrd="0" presId="urn:microsoft.com/office/officeart/2005/8/layout/orgChart1"/>
+    <dgm:cxn modelId="{5FC08D4A-D468-3D43-B457-4468257689B6}" type="presParOf" srcId="{1E583D54-97C0-1A43-91BB-AB10FE251B6E}" destId="{F9EEC0E2-9562-804A-A317-534405DDEC70}" srcOrd="0" destOrd="0" presId="urn:microsoft.com/office/officeart/2005/8/layout/orgChart1"/>
+    <dgm:cxn modelId="{7A137F2E-D9E2-CF45-9317-3248AE46A429}" type="presParOf" srcId="{1E583D54-97C0-1A43-91BB-AB10FE251B6E}" destId="{4A6A6BDC-29F3-4041-82D7-3473CF0A4F7E}" srcOrd="1" destOrd="0" presId="urn:microsoft.com/office/officeart/2005/8/layout/orgChart1"/>
+    <dgm:cxn modelId="{58F408EE-1EA9-8E49-8A23-926D0AA3776F}" type="presParOf" srcId="{4A6A6BDC-29F3-4041-82D7-3473CF0A4F7E}" destId="{28431DE4-1CDF-F24A-92BB-9912DDE09BF0}" srcOrd="0" destOrd="0" presId="urn:microsoft.com/office/officeart/2005/8/layout/orgChart1"/>
+    <dgm:cxn modelId="{D7DB1AF4-DABA-AB46-8FF1-CF57D06716D0}" type="presParOf" srcId="{28431DE4-1CDF-F24A-92BB-9912DDE09BF0}" destId="{2C6E31B7-021E-8844-B97C-943F547F2889}" srcOrd="0" destOrd="0" presId="urn:microsoft.com/office/officeart/2005/8/layout/orgChart1"/>
+    <dgm:cxn modelId="{F8C3C9C0-98BC-7441-BB88-C023B4C57292}" type="presParOf" srcId="{28431DE4-1CDF-F24A-92BB-9912DDE09BF0}" destId="{131D7EDF-ABD5-A64C-92E6-2766C790EE99}" srcOrd="1" destOrd="0" presId="urn:microsoft.com/office/officeart/2005/8/layout/orgChart1"/>
+    <dgm:cxn modelId="{B71EF00C-3926-AF44-872C-26280BF2A0F1}" type="presParOf" srcId="{4A6A6BDC-29F3-4041-82D7-3473CF0A4F7E}" destId="{E174F97D-E524-C944-8B98-4F466021818C}" srcOrd="1" destOrd="0" presId="urn:microsoft.com/office/officeart/2005/8/layout/orgChart1"/>
+    <dgm:cxn modelId="{255F4CAA-5AD3-6141-BB1C-7098DF27EEDA}" type="presParOf" srcId="{E174F97D-E524-C944-8B98-4F466021818C}" destId="{A808BC81-39BE-9B40-8E5E-F598660E2907}" srcOrd="0" destOrd="0" presId="urn:microsoft.com/office/officeart/2005/8/layout/orgChart1"/>
+    <dgm:cxn modelId="{D4BFE57D-FEAF-F745-98DC-F4FFDD8E9389}" type="presParOf" srcId="{E174F97D-E524-C944-8B98-4F466021818C}" destId="{13D0C2C3-1D56-0140-ABBD-0F12730464FA}" srcOrd="1" destOrd="0" presId="urn:microsoft.com/office/officeart/2005/8/layout/orgChart1"/>
+    <dgm:cxn modelId="{29A5A124-FF43-9641-9B02-11DED6C808A1}" type="presParOf" srcId="{13D0C2C3-1D56-0140-ABBD-0F12730464FA}" destId="{34D397EF-7061-F144-B76E-8110BDBB9DE9}" srcOrd="0" destOrd="0" presId="urn:microsoft.com/office/officeart/2005/8/layout/orgChart1"/>
+    <dgm:cxn modelId="{774BF465-EF4A-D848-B421-6C2E6A8774FF}" type="presParOf" srcId="{34D397EF-7061-F144-B76E-8110BDBB9DE9}" destId="{95380FE9-C934-1D4F-AA5E-4F54B1E8BA9A}" srcOrd="0" destOrd="0" presId="urn:microsoft.com/office/officeart/2005/8/layout/orgChart1"/>
+    <dgm:cxn modelId="{42F450C2-98DF-F844-B750-D5AC7EAC2FF1}" type="presParOf" srcId="{34D397EF-7061-F144-B76E-8110BDBB9DE9}" destId="{6985B0FE-A59A-BB4B-9DB8-A6E73F3BE71C}" srcOrd="1" destOrd="0" presId="urn:microsoft.com/office/officeart/2005/8/layout/orgChart1"/>
+    <dgm:cxn modelId="{EAE817E7-E352-6A45-AE51-57412A99499B}" type="presParOf" srcId="{13D0C2C3-1D56-0140-ABBD-0F12730464FA}" destId="{FD08A2BB-57F8-A24E-B7E4-659955DFACA6}" srcOrd="1" destOrd="0" presId="urn:microsoft.com/office/officeart/2005/8/layout/orgChart1"/>
+    <dgm:cxn modelId="{FBC566D6-475A-F645-877A-EF3F498CE4E0}" type="presParOf" srcId="{13D0C2C3-1D56-0140-ABBD-0F12730464FA}" destId="{C3BB9DE3-86C5-384E-860B-9A1730CD1E83}" srcOrd="2" destOrd="0" presId="urn:microsoft.com/office/officeart/2005/8/layout/orgChart1"/>
+    <dgm:cxn modelId="{BD404EBA-D723-C743-8FD6-24D9867CA5BF}" type="presParOf" srcId="{E174F97D-E524-C944-8B98-4F466021818C}" destId="{6D427525-AAC2-D947-BF99-1293E1AA06B4}" srcOrd="2" destOrd="0" presId="urn:microsoft.com/office/officeart/2005/8/layout/orgChart1"/>
+    <dgm:cxn modelId="{4C4DB3B6-A555-8346-B914-0C978243B439}" type="presParOf" srcId="{E174F97D-E524-C944-8B98-4F466021818C}" destId="{63C15614-70C9-2843-B9BE-8560B94CAD1B}" srcOrd="3" destOrd="0" presId="urn:microsoft.com/office/officeart/2005/8/layout/orgChart1"/>
+    <dgm:cxn modelId="{BCA76394-34AC-2B4A-9AFC-D014B353660C}" type="presParOf" srcId="{63C15614-70C9-2843-B9BE-8560B94CAD1B}" destId="{B90DAE92-07EA-6247-8A81-D4DEEC711613}" srcOrd="0" destOrd="0" presId="urn:microsoft.com/office/officeart/2005/8/layout/orgChart1"/>
+    <dgm:cxn modelId="{34E3E5B6-E97E-A144-9286-03C94ED789A9}" type="presParOf" srcId="{B90DAE92-07EA-6247-8A81-D4DEEC711613}" destId="{26B5A8C5-809F-304D-853E-8DE78F5D19CF}" srcOrd="0" destOrd="0" presId="urn:microsoft.com/office/officeart/2005/8/layout/orgChart1"/>
+    <dgm:cxn modelId="{8C35C693-C3F7-CE43-8B2D-1D9AE97D539A}" type="presParOf" srcId="{B90DAE92-07EA-6247-8A81-D4DEEC711613}" destId="{D65E18D1-340A-8A45-A209-BED5D6DCA462}" srcOrd="1" destOrd="0" presId="urn:microsoft.com/office/officeart/2005/8/layout/orgChart1"/>
+    <dgm:cxn modelId="{8F9480CC-1034-A742-BC67-93A62B28B6A6}" type="presParOf" srcId="{63C15614-70C9-2843-B9BE-8560B94CAD1B}" destId="{7ED737A0-7EBE-404D-8DFA-430AA787ED8A}" srcOrd="1" destOrd="0" presId="urn:microsoft.com/office/officeart/2005/8/layout/orgChart1"/>
+    <dgm:cxn modelId="{2F4F84A8-29C3-9F4B-BAF9-5237DBDC91CA}" type="presParOf" srcId="{63C15614-70C9-2843-B9BE-8560B94CAD1B}" destId="{DECFA622-8CFA-454B-8FCB-C9BD569EA4FC}" srcOrd="2" destOrd="0" presId="urn:microsoft.com/office/officeart/2005/8/layout/orgChart1"/>
+    <dgm:cxn modelId="{C896231F-9DB1-5843-888C-9EDF549DC9C3}" type="presParOf" srcId="{4A6A6BDC-29F3-4041-82D7-3473CF0A4F7E}" destId="{1BBF419E-D455-6144-9676-3DD22DDBFB16}" srcOrd="2" destOrd="0" presId="urn:microsoft.com/office/officeart/2005/8/layout/orgChart1"/>
+    <dgm:cxn modelId="{F8FB0AEC-67F1-4845-96CE-AEC60E181D71}" type="presParOf" srcId="{1E583D54-97C0-1A43-91BB-AB10FE251B6E}" destId="{AB60A778-05D9-7844-97E2-6D6F1FC36617}" srcOrd="2" destOrd="0" presId="urn:microsoft.com/office/officeart/2005/8/layout/orgChart1"/>
+    <dgm:cxn modelId="{63B01D34-489F-9444-A6D4-C512B2DC5B38}" type="presParOf" srcId="{1E583D54-97C0-1A43-91BB-AB10FE251B6E}" destId="{8C164A7F-E8A9-214D-AD56-9D3ED4DF9547}" srcOrd="3" destOrd="0" presId="urn:microsoft.com/office/officeart/2005/8/layout/orgChart1"/>
+    <dgm:cxn modelId="{5386194A-4B41-7542-B81F-1BF0E041D824}" type="presParOf" srcId="{8C164A7F-E8A9-214D-AD56-9D3ED4DF9547}" destId="{E82C5E6A-09CD-7942-A205-1A149A1B73B3}" srcOrd="0" destOrd="0" presId="urn:microsoft.com/office/officeart/2005/8/layout/orgChart1"/>
+    <dgm:cxn modelId="{01AA3894-2AD8-BB48-B793-599F558529A2}" type="presParOf" srcId="{E82C5E6A-09CD-7942-A205-1A149A1B73B3}" destId="{B7D3FF03-8855-8645-B482-03CC79594B53}" srcOrd="0" destOrd="0" presId="urn:microsoft.com/office/officeart/2005/8/layout/orgChart1"/>
+    <dgm:cxn modelId="{BD52ED70-B1A5-8947-B61E-4FA34156FE0D}" type="presParOf" srcId="{E82C5E6A-09CD-7942-A205-1A149A1B73B3}" destId="{8C658670-A080-A24C-80A1-B6815665E2F3}" srcOrd="1" destOrd="0" presId="urn:microsoft.com/office/officeart/2005/8/layout/orgChart1"/>
+    <dgm:cxn modelId="{D7FE7F4F-F318-6D4B-893F-CD1E4E8ADCC9}" type="presParOf" srcId="{8C164A7F-E8A9-214D-AD56-9D3ED4DF9547}" destId="{C6FAEBF1-FE41-D64B-8031-B19152B8F6E1}" srcOrd="1" destOrd="0" presId="urn:microsoft.com/office/officeart/2005/8/layout/orgChart1"/>
+    <dgm:cxn modelId="{B2879C53-60E1-3F43-9053-1829B26F13E6}" type="presParOf" srcId="{C6FAEBF1-FE41-D64B-8031-B19152B8F6E1}" destId="{10219ED2-316A-0A4F-B3D4-CB34C339DF91}" srcOrd="0" destOrd="0" presId="urn:microsoft.com/office/officeart/2005/8/layout/orgChart1"/>
+    <dgm:cxn modelId="{D53ECCDF-CE3C-E249-BD84-CBFBF7401E1D}" type="presParOf" srcId="{C6FAEBF1-FE41-D64B-8031-B19152B8F6E1}" destId="{2B63862D-D2BC-CF4B-B9D3-7F9A9504D120}" srcOrd="1" destOrd="0" presId="urn:microsoft.com/office/officeart/2005/8/layout/orgChart1"/>
+    <dgm:cxn modelId="{B0233889-8924-D34D-BC8C-C7E397A8536F}" type="presParOf" srcId="{2B63862D-D2BC-CF4B-B9D3-7F9A9504D120}" destId="{9EC5DC2E-AAB7-E043-90AF-912A1C42A55D}" srcOrd="0" destOrd="0" presId="urn:microsoft.com/office/officeart/2005/8/layout/orgChart1"/>
+    <dgm:cxn modelId="{D4D96BCE-A286-D340-84A0-228BEC387DE3}" type="presParOf" srcId="{9EC5DC2E-AAB7-E043-90AF-912A1C42A55D}" destId="{7F4F86E2-B39E-C441-9A52-5D62E3A3F065}" srcOrd="0" destOrd="0" presId="urn:microsoft.com/office/officeart/2005/8/layout/orgChart1"/>
+    <dgm:cxn modelId="{EA403F19-3C23-374F-8ED3-3B0AE8F9287A}" type="presParOf" srcId="{9EC5DC2E-AAB7-E043-90AF-912A1C42A55D}" destId="{DEB39931-02A0-1244-ACCC-FB04B3B71E47}" srcOrd="1" destOrd="0" presId="urn:microsoft.com/office/officeart/2005/8/layout/orgChart1"/>
+    <dgm:cxn modelId="{A0046703-2B73-764B-B821-CF915286AB0B}" type="presParOf" srcId="{2B63862D-D2BC-CF4B-B9D3-7F9A9504D120}" destId="{A002EE9E-B829-3849-90D1-608105A05333}" srcOrd="1" destOrd="0" presId="urn:microsoft.com/office/officeart/2005/8/layout/orgChart1"/>
+    <dgm:cxn modelId="{56D814AC-92D2-4A47-AFA3-3487EEC21B5D}" type="presParOf" srcId="{2B63862D-D2BC-CF4B-B9D3-7F9A9504D120}" destId="{9F30795B-930F-3F40-8880-E0EAEE1A381C}" srcOrd="2" destOrd="0" presId="urn:microsoft.com/office/officeart/2005/8/layout/orgChart1"/>
+    <dgm:cxn modelId="{182AF4AC-4598-9D41-9CD4-BE26BDF729EE}" type="presParOf" srcId="{C6FAEBF1-FE41-D64B-8031-B19152B8F6E1}" destId="{98BCD90C-56AE-F04D-AB20-C13498047065}" srcOrd="2" destOrd="0" presId="urn:microsoft.com/office/officeart/2005/8/layout/orgChart1"/>
+    <dgm:cxn modelId="{92F1F376-8400-4946-A48A-D950C6E571EE}" type="presParOf" srcId="{C6FAEBF1-FE41-D64B-8031-B19152B8F6E1}" destId="{63098276-5E71-E445-99D8-7B95994AE991}" srcOrd="3" destOrd="0" presId="urn:microsoft.com/office/officeart/2005/8/layout/orgChart1"/>
+    <dgm:cxn modelId="{883771BF-270D-C84E-A87B-3EAF81873AB7}" type="presParOf" srcId="{63098276-5E71-E445-99D8-7B95994AE991}" destId="{0D0D3846-C254-0D4A-86CA-AC43D424265D}" srcOrd="0" destOrd="0" presId="urn:microsoft.com/office/officeart/2005/8/layout/orgChart1"/>
+    <dgm:cxn modelId="{20B635B3-5E07-EA4C-BAD3-D4644E1D700E}" type="presParOf" srcId="{0D0D3846-C254-0D4A-86CA-AC43D424265D}" destId="{6825C15C-56EE-F043-980D-776B1E39F1B9}" srcOrd="0" destOrd="0" presId="urn:microsoft.com/office/officeart/2005/8/layout/orgChart1"/>
+    <dgm:cxn modelId="{BFAA139D-34CA-B048-9D76-6191B183B962}" type="presParOf" srcId="{0D0D3846-C254-0D4A-86CA-AC43D424265D}" destId="{31396A0D-6990-EF4C-90C2-8B2FB39706E1}" srcOrd="1" destOrd="0" presId="urn:microsoft.com/office/officeart/2005/8/layout/orgChart1"/>
+    <dgm:cxn modelId="{5DA96002-6B97-904B-A24B-D82F4F837215}" type="presParOf" srcId="{63098276-5E71-E445-99D8-7B95994AE991}" destId="{467BAE9E-C42D-E34B-8649-F4FBCAE1B60A}" srcOrd="1" destOrd="0" presId="urn:microsoft.com/office/officeart/2005/8/layout/orgChart1"/>
+    <dgm:cxn modelId="{07483738-6003-2C49-B0A5-810886180DA0}" type="presParOf" srcId="{63098276-5E71-E445-99D8-7B95994AE991}" destId="{4F1B72DB-C4DB-B04F-BB57-6708D2526C69}" srcOrd="2" destOrd="0" presId="urn:microsoft.com/office/officeart/2005/8/layout/orgChart1"/>
+    <dgm:cxn modelId="{52ADF0EE-8496-364F-904C-442D38F66C4D}" type="presParOf" srcId="{8C164A7F-E8A9-214D-AD56-9D3ED4DF9547}" destId="{17BD73AC-804E-7541-8B5C-6EAD857800DE}" srcOrd="2" destOrd="0" presId="urn:microsoft.com/office/officeart/2005/8/layout/orgChart1"/>
+    <dgm:cxn modelId="{BB1D423A-90DF-D744-BC1C-FFDEAF19F4BB}" type="presParOf" srcId="{2D4FBBB1-F0AC-974F-9E97-CE0F9F0678C3}" destId="{959DE388-EFB8-5140-B50F-EB5F0372E110}" srcOrd="2" destOrd="0" presId="urn:microsoft.com/office/officeart/2005/8/layout/orgChart1"/>
+    <dgm:cxn modelId="{21866D71-8105-4144-9105-45163B644F4A}" type="presParOf" srcId="{1E7005DD-BD10-E648-BB7F-4D8F817B8F16}" destId="{977BDEFF-CC5A-B94D-814B-C4354D51AA89}" srcOrd="2" destOrd="0" presId="urn:microsoft.com/office/officeart/2005/8/layout/orgChart1"/>
+    <dgm:cxn modelId="{4B95EBDD-2669-8940-9785-FAE09D18BC49}" type="presParOf" srcId="{1E7005DD-BD10-E648-BB7F-4D8F817B8F16}" destId="{4187E09A-5B84-D341-931C-00CBF72BF3F5}" srcOrd="3" destOrd="0" presId="urn:microsoft.com/office/officeart/2005/8/layout/orgChart1"/>
+    <dgm:cxn modelId="{CFA3A43D-E4C0-4440-BABA-FCA2AEBE899B}" type="presParOf" srcId="{4187E09A-5B84-D341-931C-00CBF72BF3F5}" destId="{FD9F0B88-F579-9343-BF72-428E0E13B0AE}" srcOrd="0" destOrd="0" presId="urn:microsoft.com/office/officeart/2005/8/layout/orgChart1"/>
+    <dgm:cxn modelId="{2209DCB8-566D-EB49-9D4B-B89D7D91E73F}" type="presParOf" srcId="{FD9F0B88-F579-9343-BF72-428E0E13B0AE}" destId="{042C0AA5-B545-294B-ABBB-768548FD46E5}" srcOrd="0" destOrd="0" presId="urn:microsoft.com/office/officeart/2005/8/layout/orgChart1"/>
+    <dgm:cxn modelId="{980059A5-8059-6545-B230-57BA9031DF2D}" type="presParOf" srcId="{FD9F0B88-F579-9343-BF72-428E0E13B0AE}" destId="{9C83B84C-29C5-464C-B6D1-3385FCE4447A}" srcOrd="1" destOrd="0" presId="urn:microsoft.com/office/officeart/2005/8/layout/orgChart1"/>
+    <dgm:cxn modelId="{E762E84A-43E6-C642-A753-5930F5E1965B}" type="presParOf" srcId="{4187E09A-5B84-D341-931C-00CBF72BF3F5}" destId="{7DCD73A0-6FDF-5F41-AAE0-2010DAF6F6AB}" srcOrd="1" destOrd="0" presId="urn:microsoft.com/office/officeart/2005/8/layout/orgChart1"/>
+    <dgm:cxn modelId="{63298C4B-B371-5E49-8291-8612AA2A08E4}" type="presParOf" srcId="{7DCD73A0-6FDF-5F41-AAE0-2010DAF6F6AB}" destId="{F3738F5C-BCEE-E54D-BFD4-8BA56264A257}" srcOrd="0" destOrd="0" presId="urn:microsoft.com/office/officeart/2005/8/layout/orgChart1"/>
+    <dgm:cxn modelId="{C81B5900-B833-CC4D-A03C-CA87E02454D7}" type="presParOf" srcId="{7DCD73A0-6FDF-5F41-AAE0-2010DAF6F6AB}" destId="{61707D59-45FE-A441-B910-A16672C5A475}" srcOrd="1" destOrd="0" presId="urn:microsoft.com/office/officeart/2005/8/layout/orgChart1"/>
+    <dgm:cxn modelId="{277C1730-5BCB-0140-954D-A4128C46E990}" type="presParOf" srcId="{61707D59-45FE-A441-B910-A16672C5A475}" destId="{EE97B4D4-7980-7845-8055-CB7B194AD1F2}" srcOrd="0" destOrd="0" presId="urn:microsoft.com/office/officeart/2005/8/layout/orgChart1"/>
+    <dgm:cxn modelId="{ABDD5BC7-E4E2-634F-88E0-5591182D115B}" type="presParOf" srcId="{EE97B4D4-7980-7845-8055-CB7B194AD1F2}" destId="{71D74AC4-BC3D-9E4E-A21C-8EFD75A18074}" srcOrd="0" destOrd="0" presId="urn:microsoft.com/office/officeart/2005/8/layout/orgChart1"/>
+    <dgm:cxn modelId="{21CB479E-FF21-234C-8743-5551C5203142}" type="presParOf" srcId="{EE97B4D4-7980-7845-8055-CB7B194AD1F2}" destId="{7E0AA1AA-E8E6-2844-BD0A-5C00C64D1C5F}" srcOrd="1" destOrd="0" presId="urn:microsoft.com/office/officeart/2005/8/layout/orgChart1"/>
+    <dgm:cxn modelId="{983A43E8-5C07-E841-BF8F-D0A06F1ECF5B}" type="presParOf" srcId="{61707D59-45FE-A441-B910-A16672C5A475}" destId="{4AD87228-C17D-A146-A11C-0A8C45E0DA25}" srcOrd="1" destOrd="0" presId="urn:microsoft.com/office/officeart/2005/8/layout/orgChart1"/>
+    <dgm:cxn modelId="{11246540-8AC3-4444-976B-FDA4BADB0694}" type="presParOf" srcId="{4AD87228-C17D-A146-A11C-0A8C45E0DA25}" destId="{CC7E676F-DC03-4E46-BD75-E2977450D26B}" srcOrd="0" destOrd="0" presId="urn:microsoft.com/office/officeart/2005/8/layout/orgChart1"/>
+    <dgm:cxn modelId="{7A450FCF-492B-074A-8AC8-B1E1CFEB1517}" type="presParOf" srcId="{4AD87228-C17D-A146-A11C-0A8C45E0DA25}" destId="{342C381B-5A00-D944-AE3C-25FD97710691}" srcOrd="1" destOrd="0" presId="urn:microsoft.com/office/officeart/2005/8/layout/orgChart1"/>
+    <dgm:cxn modelId="{AAD33E3D-F320-B348-99CE-141B88C19C70}" type="presParOf" srcId="{342C381B-5A00-D944-AE3C-25FD97710691}" destId="{673C73A0-096B-3848-BD3B-0B6571A92515}" srcOrd="0" destOrd="0" presId="urn:microsoft.com/office/officeart/2005/8/layout/orgChart1"/>
+    <dgm:cxn modelId="{1C662A08-D77F-B043-8F50-9276C7DA3B12}" type="presParOf" srcId="{673C73A0-096B-3848-BD3B-0B6571A92515}" destId="{066B489B-9E54-A84F-9D75-836EBAEE58CB}" srcOrd="0" destOrd="0" presId="urn:microsoft.com/office/officeart/2005/8/layout/orgChart1"/>
+    <dgm:cxn modelId="{92058C93-17A9-EC4E-9E62-CA3DAC549C44}" type="presParOf" srcId="{673C73A0-096B-3848-BD3B-0B6571A92515}" destId="{FDE5B3E5-A8D3-114C-9981-006B21C61C36}" srcOrd="1" destOrd="0" presId="urn:microsoft.com/office/officeart/2005/8/layout/orgChart1"/>
+    <dgm:cxn modelId="{7EB46784-D1BB-FF47-902E-E2BF1F2340B8}" type="presParOf" srcId="{342C381B-5A00-D944-AE3C-25FD97710691}" destId="{28E88D47-8E6C-D84B-8659-5E4CDA77E013}" srcOrd="1" destOrd="0" presId="urn:microsoft.com/office/officeart/2005/8/layout/orgChart1"/>
+    <dgm:cxn modelId="{B5C72BAA-25D9-F243-B697-75ECC00BC1D8}" type="presParOf" srcId="{342C381B-5A00-D944-AE3C-25FD97710691}" destId="{B253010E-0396-FB41-BA90-1A951E9451D8}" srcOrd="2" destOrd="0" presId="urn:microsoft.com/office/officeart/2005/8/layout/orgChart1"/>
+    <dgm:cxn modelId="{97A86DA5-70BA-E84C-A485-5A81A009BCA5}" type="presParOf" srcId="{4AD87228-C17D-A146-A11C-0A8C45E0DA25}" destId="{70DA1B39-B43F-E348-A288-3AEB3A46E2DB}" srcOrd="2" destOrd="0" presId="urn:microsoft.com/office/officeart/2005/8/layout/orgChart1"/>
+    <dgm:cxn modelId="{E3050E34-32C6-BB4D-99C6-A70C0E93E718}" type="presParOf" srcId="{4AD87228-C17D-A146-A11C-0A8C45E0DA25}" destId="{7E26C2A9-AB0D-D646-B8FE-B48BEF420AEB}" srcOrd="3" destOrd="0" presId="urn:microsoft.com/office/officeart/2005/8/layout/orgChart1"/>
+    <dgm:cxn modelId="{0C1B0CEA-241B-D246-8F07-12D9F920A4D8}" type="presParOf" srcId="{7E26C2A9-AB0D-D646-B8FE-B48BEF420AEB}" destId="{BFE3CF65-FBE5-6E40-955F-B205AF7A844B}" srcOrd="0" destOrd="0" presId="urn:microsoft.com/office/officeart/2005/8/layout/orgChart1"/>
+    <dgm:cxn modelId="{81DF8731-34E4-BE4F-ABDC-6A314C07990F}" type="presParOf" srcId="{BFE3CF65-FBE5-6E40-955F-B205AF7A844B}" destId="{B6D86815-5BD8-9D47-8A32-A76F967072E4}" srcOrd="0" destOrd="0" presId="urn:microsoft.com/office/officeart/2005/8/layout/orgChart1"/>
+    <dgm:cxn modelId="{D5F67394-73E0-5741-85DE-2B08B900B8EC}" type="presParOf" srcId="{BFE3CF65-FBE5-6E40-955F-B205AF7A844B}" destId="{80579EBD-D8F7-064F-9A3F-EFD5144CEC78}" srcOrd="1" destOrd="0" presId="urn:microsoft.com/office/officeart/2005/8/layout/orgChart1"/>
+    <dgm:cxn modelId="{FD2E2E16-D37E-824A-BD9A-09448A6BCC7F}" type="presParOf" srcId="{7E26C2A9-AB0D-D646-B8FE-B48BEF420AEB}" destId="{218DB688-8FC6-5946-A22E-8DF09AFE59DB}" srcOrd="1" destOrd="0" presId="urn:microsoft.com/office/officeart/2005/8/layout/orgChart1"/>
+    <dgm:cxn modelId="{124A41F8-F2EB-6C42-9FD1-B95FCEB3880E}" type="presParOf" srcId="{7E26C2A9-AB0D-D646-B8FE-B48BEF420AEB}" destId="{CF7EB555-87CB-4844-9CC0-9DDDDB8271AC}" srcOrd="2" destOrd="0" presId="urn:microsoft.com/office/officeart/2005/8/layout/orgChart1"/>
+    <dgm:cxn modelId="{C3B6A42B-694A-B949-9686-FAA81BD1A05D}" type="presParOf" srcId="{61707D59-45FE-A441-B910-A16672C5A475}" destId="{06279947-55DD-3947-B2CD-8E5F15552F66}" srcOrd="2" destOrd="0" presId="urn:microsoft.com/office/officeart/2005/8/layout/orgChart1"/>
+    <dgm:cxn modelId="{8729C655-2264-244F-BD99-C1B9559F8C2A}" type="presParOf" srcId="{7DCD73A0-6FDF-5F41-AAE0-2010DAF6F6AB}" destId="{89045225-1E5E-434E-B02D-890D276D1404}" srcOrd="2" destOrd="0" presId="urn:microsoft.com/office/officeart/2005/8/layout/orgChart1"/>
+    <dgm:cxn modelId="{37CB88B6-0CF3-B345-A97B-2EBD947867C5}" type="presParOf" srcId="{7DCD73A0-6FDF-5F41-AAE0-2010DAF6F6AB}" destId="{D8A2D6CF-6388-1E47-80FB-49E9DA27C1F4}" srcOrd="3" destOrd="0" presId="urn:microsoft.com/office/officeart/2005/8/layout/orgChart1"/>
+    <dgm:cxn modelId="{E92D1527-790A-2941-8A4C-E00EA315BE2C}" type="presParOf" srcId="{D8A2D6CF-6388-1E47-80FB-49E9DA27C1F4}" destId="{D72E8726-7753-934D-A636-3C0F2384D009}" srcOrd="0" destOrd="0" presId="urn:microsoft.com/office/officeart/2005/8/layout/orgChart1"/>
+    <dgm:cxn modelId="{310D6542-0129-9F40-9AA0-A62175474C5D}" type="presParOf" srcId="{D72E8726-7753-934D-A636-3C0F2384D009}" destId="{F814CC68-E827-5445-8462-5BC2332BD4D8}" srcOrd="0" destOrd="0" presId="urn:microsoft.com/office/officeart/2005/8/layout/orgChart1"/>
+    <dgm:cxn modelId="{F87A65B6-C9B9-A948-890E-E557C3D69E23}" type="presParOf" srcId="{D72E8726-7753-934D-A636-3C0F2384D009}" destId="{03668B94-EDB2-2142-9C49-F0629A7501CD}" srcOrd="1" destOrd="0" presId="urn:microsoft.com/office/officeart/2005/8/layout/orgChart1"/>
+    <dgm:cxn modelId="{04AC5F58-CF6F-C448-BD4B-0A9F2B5CB5D6}" type="presParOf" srcId="{D8A2D6CF-6388-1E47-80FB-49E9DA27C1F4}" destId="{B6AB7784-B1B1-1944-9B6D-0182AA4F41A5}" srcOrd="1" destOrd="0" presId="urn:microsoft.com/office/officeart/2005/8/layout/orgChart1"/>
+    <dgm:cxn modelId="{41CC646C-0DD2-D147-83B7-C57AF6320674}" type="presParOf" srcId="{B6AB7784-B1B1-1944-9B6D-0182AA4F41A5}" destId="{A214400D-511F-C84D-A851-F3BC32CD8DBB}" srcOrd="0" destOrd="0" presId="urn:microsoft.com/office/officeart/2005/8/layout/orgChart1"/>
+    <dgm:cxn modelId="{5C4BB7AE-A573-DE4A-AEFB-4BFC22C914B2}" type="presParOf" srcId="{B6AB7784-B1B1-1944-9B6D-0182AA4F41A5}" destId="{BB0E4EB5-1E0C-7A49-917F-9BEB7BCF84D0}" srcOrd="1" destOrd="0" presId="urn:microsoft.com/office/officeart/2005/8/layout/orgChart1"/>
+    <dgm:cxn modelId="{44010682-117F-EA4B-9DD5-D51C5966BB64}" type="presParOf" srcId="{BB0E4EB5-1E0C-7A49-917F-9BEB7BCF84D0}" destId="{F7D197B4-67C5-C544-AA34-944C9F2855F6}" srcOrd="0" destOrd="0" presId="urn:microsoft.com/office/officeart/2005/8/layout/orgChart1"/>
+    <dgm:cxn modelId="{F6AC658D-8A8C-FB4C-86F9-A7F7317F1416}" type="presParOf" srcId="{F7D197B4-67C5-C544-AA34-944C9F2855F6}" destId="{764BD3A7-8FA4-5D4E-B731-FCE111AA504A}" srcOrd="0" destOrd="0" presId="urn:microsoft.com/office/officeart/2005/8/layout/orgChart1"/>
+    <dgm:cxn modelId="{5B79F194-84C4-3141-887E-3FE9946950E1}" type="presParOf" srcId="{F7D197B4-67C5-C544-AA34-944C9F2855F6}" destId="{9B251D42-3A26-7A4C-B7D4-F89DC4502CA4}" srcOrd="1" destOrd="0" presId="urn:microsoft.com/office/officeart/2005/8/layout/orgChart1"/>
+    <dgm:cxn modelId="{3253FA3B-1C54-6F40-B369-A9121B4124DB}" type="presParOf" srcId="{BB0E4EB5-1E0C-7A49-917F-9BEB7BCF84D0}" destId="{69191DAA-00C6-BB4F-8319-418E53BBAEDA}" srcOrd="1" destOrd="0" presId="urn:microsoft.com/office/officeart/2005/8/layout/orgChart1"/>
+    <dgm:cxn modelId="{58D61900-DB97-0842-8473-71BB938F5C2C}" type="presParOf" srcId="{BB0E4EB5-1E0C-7A49-917F-9BEB7BCF84D0}" destId="{04745647-7350-834F-A986-F48AC6819F49}" srcOrd="2" destOrd="0" presId="urn:microsoft.com/office/officeart/2005/8/layout/orgChart1"/>
+    <dgm:cxn modelId="{0942542B-1DA2-F84B-8D61-0F87F11B0D74}" type="presParOf" srcId="{B6AB7784-B1B1-1944-9B6D-0182AA4F41A5}" destId="{E561028F-4286-BF49-AE97-73478C0E2FC8}" srcOrd="2" destOrd="0" presId="urn:microsoft.com/office/officeart/2005/8/layout/orgChart1"/>
+    <dgm:cxn modelId="{4C27D22F-AC9D-8047-9ACE-E10624F064A8}" type="presParOf" srcId="{B6AB7784-B1B1-1944-9B6D-0182AA4F41A5}" destId="{4C69A3E5-9E5B-4940-A1C9-32635E648FC6}" srcOrd="3" destOrd="0" presId="urn:microsoft.com/office/officeart/2005/8/layout/orgChart1"/>
+    <dgm:cxn modelId="{CFC72218-D3D3-A64E-81B0-762957B49978}" type="presParOf" srcId="{4C69A3E5-9E5B-4940-A1C9-32635E648FC6}" destId="{97587D15-C6F1-374D-A455-151E70096735}" srcOrd="0" destOrd="0" presId="urn:microsoft.com/office/officeart/2005/8/layout/orgChart1"/>
+    <dgm:cxn modelId="{D56D051A-01D1-D943-B49C-521E2907F2C1}" type="presParOf" srcId="{97587D15-C6F1-374D-A455-151E70096735}" destId="{28A339C8-7EA8-924D-BCE4-45982A1C7BB8}" srcOrd="0" destOrd="0" presId="urn:microsoft.com/office/officeart/2005/8/layout/orgChart1"/>
+    <dgm:cxn modelId="{5FE0DDB2-2B4A-A445-B4F4-8E90AD42C0F6}" type="presParOf" srcId="{97587D15-C6F1-374D-A455-151E70096735}" destId="{C5DDF83F-9529-0745-AFCC-69C1F7DB9214}" srcOrd="1" destOrd="0" presId="urn:microsoft.com/office/officeart/2005/8/layout/orgChart1"/>
+    <dgm:cxn modelId="{D499485B-B119-B442-B73F-E785F104D8C1}" type="presParOf" srcId="{4C69A3E5-9E5B-4940-A1C9-32635E648FC6}" destId="{ABA81FC0-1921-BE40-AC44-E2FBE92FE99C}" srcOrd="1" destOrd="0" presId="urn:microsoft.com/office/officeart/2005/8/layout/orgChart1"/>
+    <dgm:cxn modelId="{46AF1F48-28BF-9348-B87A-701E29A2C1C4}" type="presParOf" srcId="{4C69A3E5-9E5B-4940-A1C9-32635E648FC6}" destId="{D5F45448-82A6-3346-9576-7EBFB22FA59F}" srcOrd="2" destOrd="0" presId="urn:microsoft.com/office/officeart/2005/8/layout/orgChart1"/>
+    <dgm:cxn modelId="{CF645848-33AA-7C40-A8B3-9A9D88D3B292}" type="presParOf" srcId="{D8A2D6CF-6388-1E47-80FB-49E9DA27C1F4}" destId="{5B844AE5-3A02-674F-A2BA-EA77C39C0F24}" srcOrd="2" destOrd="0" presId="urn:microsoft.com/office/officeart/2005/8/layout/orgChart1"/>
+    <dgm:cxn modelId="{3A3ABB6E-84D9-4F42-9F04-310D1ED1E6C2}" type="presParOf" srcId="{4187E09A-5B84-D341-931C-00CBF72BF3F5}" destId="{8C122C40-181F-FC4A-8C70-DDEB439F9FC4}" srcOrd="2" destOrd="0" presId="urn:microsoft.com/office/officeart/2005/8/layout/orgChart1"/>
+    <dgm:cxn modelId="{AFF4CC7F-916A-FF47-8CE0-5A421607E9C5}" type="presParOf" srcId="{8CE7171B-FBC8-E247-A8FF-DB2AAB6C3802}" destId="{55286AB5-53FD-2B42-86C6-B3081196A873}" srcOrd="2" destOrd="0" presId="urn:microsoft.com/office/officeart/2005/8/layout/orgChart1"/>
+  </dgm:cxnLst>
+  <dgm:bg/>
+  <dgm:whole/>
+  <dgm:extLst>
+    <a:ext uri="http://schemas.microsoft.com/office/drawing/2008/diagram">
+      <dsp:dataModelExt xmlns:dsp="http://schemas.microsoft.com/office/drawing/2008/diagram" relId="rId6" minVer="http://schemas.openxmlformats.org/drawingml/2006/diagram"/>
+    </a:ext>
+  </dgm:extLst>
+</dgm:dataModel>
+</file>
+
+<file path=ppt/diagrams/drawing1.xml><?xml version="1.0" encoding="utf-8"?>
+<dsp:drawing xmlns:dgm="http://schemas.openxmlformats.org/drawingml/2006/diagram" xmlns:dsp="http://schemas.microsoft.com/office/drawing/2008/diagram" xmlns:a="http://schemas.openxmlformats.org/drawingml/2006/main">
+  <dsp:spTree>
+    <dsp:nvGrpSpPr>
+      <dsp:cNvPr id="0" name=""/>
+      <dsp:cNvGrpSpPr/>
+    </dsp:nvGrpSpPr>
+    <dsp:grpSpPr/>
+    <dsp:sp modelId="{E561028F-4286-BF49-AE97-73478C0E2FC8}">
+      <dsp:nvSpPr>
+        <dsp:cNvPr id="0" name=""/>
+        <dsp:cNvSpPr/>
+      </dsp:nvSpPr>
+      <dsp:spPr>
+        <a:xfrm>
+          <a:off x="7904111" y="3415650"/>
+          <a:ext cx="222181" cy="2578845"/>
+        </a:xfrm>
+        <a:custGeom>
+          <a:avLst/>
+          <a:gdLst/>
+          <a:ahLst/>
+          <a:cxnLst/>
+          <a:rect l="0" t="0" r="0" b="0"/>
+          <a:pathLst>
+            <a:path>
+              <a:moveTo>
+                <a:pt x="0" y="0"/>
+              </a:moveTo>
+              <a:lnTo>
+                <a:pt x="0" y="2578845"/>
+              </a:lnTo>
+              <a:lnTo>
+                <a:pt x="222181" y="2578845"/>
+              </a:lnTo>
+            </a:path>
+          </a:pathLst>
+        </a:custGeom>
+        <a:noFill/>
+        <a:ln w="34925" cap="flat" cmpd="sng" algn="in">
+          <a:solidFill>
+            <a:schemeClr val="accent1">
+              <a:shade val="80000"/>
+              <a:hueOff val="0"/>
+              <a:satOff val="0"/>
+              <a:lumOff val="0"/>
+              <a:alphaOff val="0"/>
+            </a:schemeClr>
+          </a:solidFill>
+          <a:prstDash val="solid"/>
+        </a:ln>
+        <a:effectLst/>
+      </dsp:spPr>
+      <dsp:style>
+        <a:lnRef idx="2">
+          <a:scrgbClr r="0" g="0" b="0"/>
+        </a:lnRef>
+        <a:fillRef idx="0">
+          <a:scrgbClr r="0" g="0" b="0"/>
+        </a:fillRef>
+        <a:effectRef idx="0">
+          <a:scrgbClr r="0" g="0" b="0"/>
+        </a:effectRef>
+        <a:fontRef idx="minor"/>
+      </dsp:style>
+    </dsp:sp>
+    <dsp:sp modelId="{A214400D-511F-C84D-A851-F3BC32CD8DBB}">
+      <dsp:nvSpPr>
+        <dsp:cNvPr id="0" name=""/>
+        <dsp:cNvSpPr/>
+      </dsp:nvSpPr>
+      <dsp:spPr>
+        <a:xfrm>
+          <a:off x="7904111" y="3415650"/>
+          <a:ext cx="222181" cy="1127531"/>
+        </a:xfrm>
+        <a:custGeom>
+          <a:avLst/>
+          <a:gdLst/>
+          <a:ahLst/>
+          <a:cxnLst/>
+          <a:rect l="0" t="0" r="0" b="0"/>
+          <a:pathLst>
+            <a:path>
+              <a:moveTo>
+                <a:pt x="0" y="0"/>
+              </a:moveTo>
+              <a:lnTo>
+                <a:pt x="0" y="1127531"/>
+              </a:lnTo>
+              <a:lnTo>
+                <a:pt x="222181" y="1127531"/>
+              </a:lnTo>
+            </a:path>
+          </a:pathLst>
+        </a:custGeom>
+        <a:noFill/>
+        <a:ln w="34925" cap="flat" cmpd="sng" algn="in">
+          <a:solidFill>
+            <a:schemeClr val="accent1">
+              <a:shade val="80000"/>
+              <a:hueOff val="0"/>
+              <a:satOff val="0"/>
+              <a:lumOff val="0"/>
+              <a:alphaOff val="0"/>
+            </a:schemeClr>
+          </a:solidFill>
+          <a:prstDash val="solid"/>
+        </a:ln>
+        <a:effectLst/>
+      </dsp:spPr>
+      <dsp:style>
+        <a:lnRef idx="2">
+          <a:scrgbClr r="0" g="0" b="0"/>
+        </a:lnRef>
+        <a:fillRef idx="0">
+          <a:scrgbClr r="0" g="0" b="0"/>
+        </a:fillRef>
+        <a:effectRef idx="0">
+          <a:scrgbClr r="0" g="0" b="0"/>
+        </a:effectRef>
+        <a:fontRef idx="minor"/>
+      </dsp:style>
+    </dsp:sp>
+    <dsp:sp modelId="{89045225-1E5E-434E-B02D-890D276D1404}">
+      <dsp:nvSpPr>
+        <dsp:cNvPr id="0" name=""/>
+        <dsp:cNvSpPr/>
+      </dsp:nvSpPr>
+      <dsp:spPr>
+        <a:xfrm>
+          <a:off x="7324532" y="2009279"/>
+          <a:ext cx="1143408" cy="715049"/>
+        </a:xfrm>
+        <a:custGeom>
+          <a:avLst/>
+          <a:gdLst/>
+          <a:ahLst/>
+          <a:cxnLst/>
+          <a:rect l="0" t="0" r="0" b="0"/>
+          <a:pathLst>
+            <a:path>
+              <a:moveTo>
+                <a:pt x="0" y="0"/>
+              </a:moveTo>
+              <a:lnTo>
+                <a:pt x="0" y="353435"/>
+              </a:lnTo>
+              <a:lnTo>
+                <a:pt x="1143408" y="353435"/>
+              </a:lnTo>
+              <a:lnTo>
+                <a:pt x="1143408" y="715049"/>
+              </a:lnTo>
+            </a:path>
+          </a:pathLst>
+        </a:custGeom>
+        <a:noFill/>
+        <a:ln w="34925" cap="flat" cmpd="sng" algn="in">
+          <a:solidFill>
+            <a:schemeClr val="accent1">
+              <a:shade val="80000"/>
+              <a:hueOff val="0"/>
+              <a:satOff val="0"/>
+              <a:lumOff val="0"/>
+              <a:alphaOff val="0"/>
+            </a:schemeClr>
+          </a:solidFill>
+          <a:prstDash val="solid"/>
+        </a:ln>
+        <a:effectLst/>
+      </dsp:spPr>
+      <dsp:style>
+        <a:lnRef idx="2">
+          <a:scrgbClr r="0" g="0" b="0"/>
+        </a:lnRef>
+        <a:fillRef idx="0">
+          <a:scrgbClr r="0" g="0" b="0"/>
+        </a:fillRef>
+        <a:effectRef idx="0">
+          <a:scrgbClr r="0" g="0" b="0"/>
+        </a:effectRef>
+        <a:fontRef idx="minor"/>
+      </dsp:style>
+    </dsp:sp>
+    <dsp:sp modelId="{70DA1B39-B43F-E348-A288-3AEB3A46E2DB}">
+      <dsp:nvSpPr>
+        <dsp:cNvPr id="0" name=""/>
+        <dsp:cNvSpPr/>
+      </dsp:nvSpPr>
+      <dsp:spPr>
+        <a:xfrm>
+          <a:off x="5455980" y="3445148"/>
+          <a:ext cx="211436" cy="2549348"/>
+        </a:xfrm>
+        <a:custGeom>
+          <a:avLst/>
+          <a:gdLst/>
+          <a:ahLst/>
+          <a:cxnLst/>
+          <a:rect l="0" t="0" r="0" b="0"/>
+          <a:pathLst>
+            <a:path>
+              <a:moveTo>
+                <a:pt x="0" y="0"/>
+              </a:moveTo>
+              <a:lnTo>
+                <a:pt x="0" y="2549348"/>
+              </a:lnTo>
+              <a:lnTo>
+                <a:pt x="211436" y="2549348"/>
+              </a:lnTo>
+            </a:path>
+          </a:pathLst>
+        </a:custGeom>
+        <a:noFill/>
+        <a:ln w="34925" cap="flat" cmpd="sng" algn="in">
+          <a:solidFill>
+            <a:schemeClr val="accent1">
+              <a:shade val="80000"/>
+              <a:hueOff val="0"/>
+              <a:satOff val="0"/>
+              <a:lumOff val="0"/>
+              <a:alphaOff val="0"/>
+            </a:schemeClr>
+          </a:solidFill>
+          <a:prstDash val="solid"/>
+        </a:ln>
+        <a:effectLst/>
+      </dsp:spPr>
+      <dsp:style>
+        <a:lnRef idx="2">
+          <a:scrgbClr r="0" g="0" b="0"/>
+        </a:lnRef>
+        <a:fillRef idx="0">
+          <a:scrgbClr r="0" g="0" b="0"/>
+        </a:fillRef>
+        <a:effectRef idx="0">
+          <a:scrgbClr r="0" g="0" b="0"/>
+        </a:effectRef>
+        <a:fontRef idx="minor"/>
+      </dsp:style>
+    </dsp:sp>
+    <dsp:sp modelId="{CC7E676F-DC03-4E46-BD75-E2977450D26B}">
+      <dsp:nvSpPr>
+        <dsp:cNvPr id="0" name=""/>
+        <dsp:cNvSpPr/>
+      </dsp:nvSpPr>
+      <dsp:spPr>
+        <a:xfrm>
+          <a:off x="5455980" y="3445148"/>
+          <a:ext cx="211436" cy="1098034"/>
+        </a:xfrm>
+        <a:custGeom>
+          <a:avLst/>
+          <a:gdLst/>
+          <a:ahLst/>
+          <a:cxnLst/>
+          <a:rect l="0" t="0" r="0" b="0"/>
+          <a:pathLst>
+            <a:path>
+              <a:moveTo>
+                <a:pt x="0" y="0"/>
+              </a:moveTo>
+              <a:lnTo>
+                <a:pt x="0" y="1098034"/>
+              </a:lnTo>
+              <a:lnTo>
+                <a:pt x="211436" y="1098034"/>
+              </a:lnTo>
+            </a:path>
+          </a:pathLst>
+        </a:custGeom>
+        <a:noFill/>
+        <a:ln w="34925" cap="flat" cmpd="sng" algn="in">
+          <a:solidFill>
+            <a:schemeClr val="accent1">
+              <a:shade val="80000"/>
+              <a:hueOff val="0"/>
+              <a:satOff val="0"/>
+              <a:lumOff val="0"/>
+              <a:alphaOff val="0"/>
+            </a:schemeClr>
+          </a:solidFill>
+          <a:prstDash val="solid"/>
+        </a:ln>
+        <a:effectLst/>
+      </dsp:spPr>
+      <dsp:style>
+        <a:lnRef idx="2">
+          <a:scrgbClr r="0" g="0" b="0"/>
+        </a:lnRef>
+        <a:fillRef idx="0">
+          <a:scrgbClr r="0" g="0" b="0"/>
+        </a:fillRef>
+        <a:effectRef idx="0">
+          <a:scrgbClr r="0" g="0" b="0"/>
+        </a:effectRef>
+        <a:fontRef idx="minor"/>
+      </dsp:style>
+    </dsp:sp>
+    <dsp:sp modelId="{F3738F5C-BCEE-E54D-BFD4-8BA56264A257}">
+      <dsp:nvSpPr>
+        <dsp:cNvPr id="0" name=""/>
+        <dsp:cNvSpPr/>
+      </dsp:nvSpPr>
+      <dsp:spPr>
+        <a:xfrm>
+          <a:off x="6019809" y="2009279"/>
+          <a:ext cx="1304722" cy="744547"/>
+        </a:xfrm>
+        <a:custGeom>
+          <a:avLst/>
+          <a:gdLst/>
+          <a:ahLst/>
+          <a:cxnLst/>
+          <a:rect l="0" t="0" r="0" b="0"/>
+          <a:pathLst>
+            <a:path>
+              <a:moveTo>
+                <a:pt x="1304722" y="0"/>
+              </a:moveTo>
+              <a:lnTo>
+                <a:pt x="1304722" y="382932"/>
+              </a:lnTo>
+              <a:lnTo>
+                <a:pt x="0" y="382932"/>
+              </a:lnTo>
+              <a:lnTo>
+                <a:pt x="0" y="744547"/>
+              </a:lnTo>
+            </a:path>
+          </a:pathLst>
+        </a:custGeom>
+        <a:noFill/>
+        <a:ln w="34925" cap="flat" cmpd="sng" algn="in">
+          <a:solidFill>
+            <a:schemeClr val="accent1">
+              <a:shade val="80000"/>
+              <a:hueOff val="0"/>
+              <a:satOff val="0"/>
+              <a:lumOff val="0"/>
+              <a:alphaOff val="0"/>
+            </a:schemeClr>
+          </a:solidFill>
+          <a:prstDash val="solid"/>
+        </a:ln>
+        <a:effectLst/>
+      </dsp:spPr>
+      <dsp:style>
+        <a:lnRef idx="2">
+          <a:scrgbClr r="0" g="0" b="0"/>
+        </a:lnRef>
+        <a:fillRef idx="0">
+          <a:scrgbClr r="0" g="0" b="0"/>
+        </a:fillRef>
+        <a:effectRef idx="0">
+          <a:scrgbClr r="0" g="0" b="0"/>
+        </a:effectRef>
+        <a:fontRef idx="minor"/>
+      </dsp:style>
+    </dsp:sp>
+    <dsp:sp modelId="{977BDEFF-CC5A-B94D-814B-C4354D51AA89}">
+      <dsp:nvSpPr>
+        <dsp:cNvPr id="0" name=""/>
+        <dsp:cNvSpPr/>
+      </dsp:nvSpPr>
+      <dsp:spPr>
+        <a:xfrm>
+          <a:off x="4790371" y="661369"/>
+          <a:ext cx="2534160" cy="691148"/>
+        </a:xfrm>
+        <a:custGeom>
+          <a:avLst/>
+          <a:gdLst/>
+          <a:ahLst/>
+          <a:cxnLst/>
+          <a:rect l="0" t="0" r="0" b="0"/>
+          <a:pathLst>
+            <a:path>
+              <a:moveTo>
+                <a:pt x="0" y="0"/>
+              </a:moveTo>
+              <a:lnTo>
+                <a:pt x="0" y="329534"/>
+              </a:lnTo>
+              <a:lnTo>
+                <a:pt x="2534160" y="329534"/>
+              </a:lnTo>
+              <a:lnTo>
+                <a:pt x="2534160" y="691148"/>
+              </a:lnTo>
+            </a:path>
+          </a:pathLst>
+        </a:custGeom>
+        <a:noFill/>
+        <a:ln w="34925" cap="flat" cmpd="sng" algn="in">
+          <a:solidFill>
+            <a:schemeClr val="accent1">
+              <a:shade val="60000"/>
+              <a:hueOff val="0"/>
+              <a:satOff val="0"/>
+              <a:lumOff val="0"/>
+              <a:alphaOff val="0"/>
+            </a:schemeClr>
+          </a:solidFill>
+          <a:prstDash val="solid"/>
+        </a:ln>
+        <a:effectLst/>
+      </dsp:spPr>
+      <dsp:style>
+        <a:lnRef idx="2">
+          <a:scrgbClr r="0" g="0" b="0"/>
+        </a:lnRef>
+        <a:fillRef idx="0">
+          <a:scrgbClr r="0" g="0" b="0"/>
+        </a:fillRef>
+        <a:effectRef idx="0">
+          <a:scrgbClr r="0" g="0" b="0"/>
+        </a:effectRef>
+        <a:fontRef idx="minor"/>
+      </dsp:style>
+    </dsp:sp>
+    <dsp:sp modelId="{98BCD90C-56AE-F04D-AB20-C13498047065}">
+      <dsp:nvSpPr>
+        <dsp:cNvPr id="0" name=""/>
+        <dsp:cNvSpPr/>
+      </dsp:nvSpPr>
+      <dsp:spPr>
+        <a:xfrm>
+          <a:off x="2997104" y="3423623"/>
+          <a:ext cx="211436" cy="2570873"/>
+        </a:xfrm>
+        <a:custGeom>
+          <a:avLst/>
+          <a:gdLst/>
+          <a:ahLst/>
+          <a:cxnLst/>
+          <a:rect l="0" t="0" r="0" b="0"/>
+          <a:pathLst>
+            <a:path>
+              <a:moveTo>
+                <a:pt x="0" y="0"/>
+              </a:moveTo>
+              <a:lnTo>
+                <a:pt x="0" y="2570873"/>
+              </a:lnTo>
+              <a:lnTo>
+                <a:pt x="211436" y="2570873"/>
+              </a:lnTo>
+            </a:path>
+          </a:pathLst>
+        </a:custGeom>
+        <a:noFill/>
+        <a:ln w="34925" cap="flat" cmpd="sng" algn="in">
+          <a:solidFill>
+            <a:schemeClr val="accent1">
+              <a:shade val="80000"/>
+              <a:hueOff val="0"/>
+              <a:satOff val="0"/>
+              <a:lumOff val="0"/>
+              <a:alphaOff val="0"/>
+            </a:schemeClr>
+          </a:solidFill>
+          <a:prstDash val="solid"/>
+        </a:ln>
+        <a:effectLst/>
+      </dsp:spPr>
+      <dsp:style>
+        <a:lnRef idx="2">
+          <a:scrgbClr r="0" g="0" b="0"/>
+        </a:lnRef>
+        <a:fillRef idx="0">
+          <a:scrgbClr r="0" g="0" b="0"/>
+        </a:fillRef>
+        <a:effectRef idx="0">
+          <a:scrgbClr r="0" g="0" b="0"/>
+        </a:effectRef>
+        <a:fontRef idx="minor"/>
+      </dsp:style>
+    </dsp:sp>
+    <dsp:sp modelId="{10219ED2-316A-0A4F-B3D4-CB34C339DF91}">
+      <dsp:nvSpPr>
+        <dsp:cNvPr id="0" name=""/>
+        <dsp:cNvSpPr/>
+      </dsp:nvSpPr>
+      <dsp:spPr>
+        <a:xfrm>
+          <a:off x="2997104" y="3423623"/>
+          <a:ext cx="211436" cy="1119558"/>
+        </a:xfrm>
+        <a:custGeom>
+          <a:avLst/>
+          <a:gdLst/>
+          <a:ahLst/>
+          <a:cxnLst/>
+          <a:rect l="0" t="0" r="0" b="0"/>
+          <a:pathLst>
+            <a:path>
+              <a:moveTo>
+                <a:pt x="0" y="0"/>
+              </a:moveTo>
+              <a:lnTo>
+                <a:pt x="0" y="1119558"/>
+              </a:lnTo>
+              <a:lnTo>
+                <a:pt x="211436" y="1119558"/>
+              </a:lnTo>
+            </a:path>
+          </a:pathLst>
+        </a:custGeom>
+        <a:noFill/>
+        <a:ln w="34925" cap="flat" cmpd="sng" algn="in">
+          <a:solidFill>
+            <a:schemeClr val="accent1">
+              <a:shade val="80000"/>
+              <a:hueOff val="0"/>
+              <a:satOff val="0"/>
+              <a:lumOff val="0"/>
+              <a:alphaOff val="0"/>
+            </a:schemeClr>
+          </a:solidFill>
+          <a:prstDash val="solid"/>
+        </a:ln>
+        <a:effectLst/>
+      </dsp:spPr>
+      <dsp:style>
+        <a:lnRef idx="2">
+          <a:scrgbClr r="0" g="0" b="0"/>
+        </a:lnRef>
+        <a:fillRef idx="0">
+          <a:scrgbClr r="0" g="0" b="0"/>
+        </a:fillRef>
+        <a:effectRef idx="0">
+          <a:scrgbClr r="0" g="0" b="0"/>
+        </a:effectRef>
+        <a:fontRef idx="minor"/>
+      </dsp:style>
+    </dsp:sp>
+    <dsp:sp modelId="{AB60A778-05D9-7844-97E2-6D6F1FC36617}">
+      <dsp:nvSpPr>
+        <dsp:cNvPr id="0" name=""/>
+        <dsp:cNvSpPr/>
+      </dsp:nvSpPr>
+      <dsp:spPr>
+        <a:xfrm>
+          <a:off x="2331495" y="2041360"/>
+          <a:ext cx="1229438" cy="690942"/>
+        </a:xfrm>
+        <a:custGeom>
+          <a:avLst/>
+          <a:gdLst/>
+          <a:ahLst/>
+          <a:cxnLst/>
+          <a:rect l="0" t="0" r="0" b="0"/>
+          <a:pathLst>
+            <a:path>
+              <a:moveTo>
+                <a:pt x="0" y="0"/>
+              </a:moveTo>
+              <a:lnTo>
+                <a:pt x="0" y="329327"/>
+              </a:lnTo>
+              <a:lnTo>
+                <a:pt x="1229438" y="329327"/>
+              </a:lnTo>
+              <a:lnTo>
+                <a:pt x="1229438" y="690942"/>
+              </a:lnTo>
+            </a:path>
+          </a:pathLst>
+        </a:custGeom>
+        <a:noFill/>
+        <a:ln w="34925" cap="flat" cmpd="sng" algn="in">
+          <a:solidFill>
+            <a:schemeClr val="accent1">
+              <a:shade val="80000"/>
+              <a:hueOff val="0"/>
+              <a:satOff val="0"/>
+              <a:lumOff val="0"/>
+              <a:alphaOff val="0"/>
+            </a:schemeClr>
+          </a:solidFill>
+          <a:prstDash val="solid"/>
+        </a:ln>
+        <a:effectLst/>
+      </dsp:spPr>
+      <dsp:style>
+        <a:lnRef idx="2">
+          <a:scrgbClr r="0" g="0" b="0"/>
+        </a:lnRef>
+        <a:fillRef idx="0">
+          <a:scrgbClr r="0" g="0" b="0"/>
+        </a:fillRef>
+        <a:effectRef idx="0">
+          <a:scrgbClr r="0" g="0" b="0"/>
+        </a:effectRef>
+        <a:fontRef idx="minor"/>
+      </dsp:style>
+    </dsp:sp>
+    <dsp:sp modelId="{6D427525-AAC2-D947-BF99-1293E1AA06B4}">
+      <dsp:nvSpPr>
+        <dsp:cNvPr id="0" name=""/>
+        <dsp:cNvSpPr/>
+      </dsp:nvSpPr>
+      <dsp:spPr>
+        <a:xfrm>
+          <a:off x="538228" y="3455910"/>
+          <a:ext cx="211436" cy="2538586"/>
+        </a:xfrm>
+        <a:custGeom>
+          <a:avLst/>
+          <a:gdLst/>
+          <a:ahLst/>
+          <a:cxnLst/>
+          <a:rect l="0" t="0" r="0" b="0"/>
+          <a:pathLst>
+            <a:path>
+              <a:moveTo>
+                <a:pt x="0" y="0"/>
+              </a:moveTo>
+              <a:lnTo>
+                <a:pt x="0" y="2538586"/>
+              </a:lnTo>
+              <a:lnTo>
+                <a:pt x="211436" y="2538586"/>
+              </a:lnTo>
+            </a:path>
+          </a:pathLst>
+        </a:custGeom>
+        <a:noFill/>
+        <a:ln w="34925" cap="flat" cmpd="sng" algn="in">
+          <a:solidFill>
+            <a:schemeClr val="accent1">
+              <a:shade val="80000"/>
+              <a:hueOff val="0"/>
+              <a:satOff val="0"/>
+              <a:lumOff val="0"/>
+              <a:alphaOff val="0"/>
+            </a:schemeClr>
+          </a:solidFill>
+          <a:prstDash val="solid"/>
+        </a:ln>
+        <a:effectLst/>
+      </dsp:spPr>
+      <dsp:style>
+        <a:lnRef idx="2">
+          <a:scrgbClr r="0" g="0" b="0"/>
+        </a:lnRef>
+        <a:fillRef idx="0">
+          <a:scrgbClr r="0" g="0" b="0"/>
+        </a:fillRef>
+        <a:effectRef idx="0">
+          <a:scrgbClr r="0" g="0" b="0"/>
+        </a:effectRef>
+        <a:fontRef idx="minor"/>
+      </dsp:style>
+    </dsp:sp>
+    <dsp:sp modelId="{A808BC81-39BE-9B40-8E5E-F598660E2907}">
+      <dsp:nvSpPr>
+        <dsp:cNvPr id="0" name=""/>
+        <dsp:cNvSpPr/>
+      </dsp:nvSpPr>
+      <dsp:spPr>
+        <a:xfrm>
+          <a:off x="538228" y="3455910"/>
+          <a:ext cx="211436" cy="1087271"/>
+        </a:xfrm>
+        <a:custGeom>
+          <a:avLst/>
+          <a:gdLst/>
+          <a:ahLst/>
+          <a:cxnLst/>
+          <a:rect l="0" t="0" r="0" b="0"/>
+          <a:pathLst>
+            <a:path>
+              <a:moveTo>
+                <a:pt x="0" y="0"/>
+              </a:moveTo>
+              <a:lnTo>
+                <a:pt x="0" y="1087271"/>
+              </a:lnTo>
+              <a:lnTo>
+                <a:pt x="211436" y="1087271"/>
+              </a:lnTo>
+            </a:path>
+          </a:pathLst>
+        </a:custGeom>
+        <a:noFill/>
+        <a:ln w="34925" cap="flat" cmpd="sng" algn="in">
+          <a:solidFill>
+            <a:schemeClr val="accent1">
+              <a:shade val="80000"/>
+              <a:hueOff val="0"/>
+              <a:satOff val="0"/>
+              <a:lumOff val="0"/>
+              <a:alphaOff val="0"/>
+            </a:schemeClr>
+          </a:solidFill>
+          <a:prstDash val="solid"/>
+        </a:ln>
+        <a:effectLst/>
+      </dsp:spPr>
+      <dsp:style>
+        <a:lnRef idx="2">
+          <a:scrgbClr r="0" g="0" b="0"/>
+        </a:lnRef>
+        <a:fillRef idx="0">
+          <a:scrgbClr r="0" g="0" b="0"/>
+        </a:fillRef>
+        <a:effectRef idx="0">
+          <a:scrgbClr r="0" g="0" b="0"/>
+        </a:effectRef>
+        <a:fontRef idx="minor"/>
+      </dsp:style>
+    </dsp:sp>
+    <dsp:sp modelId="{F9EEC0E2-9562-804A-A317-534405DDEC70}">
+      <dsp:nvSpPr>
+        <dsp:cNvPr id="0" name=""/>
+        <dsp:cNvSpPr/>
+      </dsp:nvSpPr>
+      <dsp:spPr>
+        <a:xfrm>
+          <a:off x="1102057" y="2041360"/>
+          <a:ext cx="1229438" cy="723229"/>
+        </a:xfrm>
+        <a:custGeom>
+          <a:avLst/>
+          <a:gdLst/>
+          <a:ahLst/>
+          <a:cxnLst/>
+          <a:rect l="0" t="0" r="0" b="0"/>
+          <a:pathLst>
+            <a:path>
+              <a:moveTo>
+                <a:pt x="1229438" y="0"/>
+              </a:moveTo>
+              <a:lnTo>
+                <a:pt x="1229438" y="361614"/>
+              </a:lnTo>
+              <a:lnTo>
+                <a:pt x="0" y="361614"/>
+              </a:lnTo>
+              <a:lnTo>
+                <a:pt x="0" y="723229"/>
+              </a:lnTo>
+            </a:path>
+          </a:pathLst>
+        </a:custGeom>
+        <a:noFill/>
+        <a:ln w="34925" cap="flat" cmpd="sng" algn="in">
+          <a:solidFill>
+            <a:schemeClr val="accent1">
+              <a:shade val="80000"/>
+              <a:hueOff val="0"/>
+              <a:satOff val="0"/>
+              <a:lumOff val="0"/>
+              <a:alphaOff val="0"/>
+            </a:schemeClr>
+          </a:solidFill>
+          <a:prstDash val="solid"/>
+        </a:ln>
+        <a:effectLst/>
+      </dsp:spPr>
+      <dsp:style>
+        <a:lnRef idx="2">
+          <a:scrgbClr r="0" g="0" b="0"/>
+        </a:lnRef>
+        <a:fillRef idx="0">
+          <a:scrgbClr r="0" g="0" b="0"/>
+        </a:fillRef>
+        <a:effectRef idx="0">
+          <a:scrgbClr r="0" g="0" b="0"/>
+        </a:effectRef>
+        <a:fontRef idx="minor"/>
+      </dsp:style>
+    </dsp:sp>
+    <dsp:sp modelId="{C2EF8487-C903-E340-A302-7F09F63B21D3}">
+      <dsp:nvSpPr>
+        <dsp:cNvPr id="0" name=""/>
+        <dsp:cNvSpPr/>
+      </dsp:nvSpPr>
+      <dsp:spPr>
+        <a:xfrm>
+          <a:off x="2331495" y="661369"/>
+          <a:ext cx="2458876" cy="723229"/>
+        </a:xfrm>
+        <a:custGeom>
+          <a:avLst/>
+          <a:gdLst/>
+          <a:ahLst/>
+          <a:cxnLst/>
+          <a:rect l="0" t="0" r="0" b="0"/>
+          <a:pathLst>
+            <a:path>
+              <a:moveTo>
+                <a:pt x="2458876" y="0"/>
+              </a:moveTo>
+              <a:lnTo>
+                <a:pt x="2458876" y="361614"/>
+              </a:lnTo>
+              <a:lnTo>
+                <a:pt x="0" y="361614"/>
+              </a:lnTo>
+              <a:lnTo>
+                <a:pt x="0" y="723229"/>
+              </a:lnTo>
+            </a:path>
+          </a:pathLst>
+        </a:custGeom>
+        <a:noFill/>
+        <a:ln w="34925" cap="flat" cmpd="sng" algn="in">
+          <a:solidFill>
+            <a:schemeClr val="accent1">
+              <a:shade val="60000"/>
+              <a:hueOff val="0"/>
+              <a:satOff val="0"/>
+              <a:lumOff val="0"/>
+              <a:alphaOff val="0"/>
+            </a:schemeClr>
+          </a:solidFill>
+          <a:prstDash val="solid"/>
+        </a:ln>
+        <a:effectLst/>
+      </dsp:spPr>
+      <dsp:style>
+        <a:lnRef idx="2">
+          <a:scrgbClr r="0" g="0" b="0"/>
+        </a:lnRef>
+        <a:fillRef idx="0">
+          <a:scrgbClr r="0" g="0" b="0"/>
+        </a:fillRef>
+        <a:effectRef idx="0">
+          <a:scrgbClr r="0" g="0" b="0"/>
+        </a:effectRef>
+        <a:fontRef idx="minor"/>
+      </dsp:style>
+    </dsp:sp>
+    <dsp:sp modelId="{7FEB9243-7480-8543-A0FE-919918F1C78B}">
+      <dsp:nvSpPr>
+        <dsp:cNvPr id="0" name=""/>
+        <dsp:cNvSpPr/>
+      </dsp:nvSpPr>
+      <dsp:spPr>
+        <a:xfrm>
+          <a:off x="4364992" y="4608"/>
+          <a:ext cx="850758" cy="656761"/>
+        </a:xfrm>
+        <a:prstGeom prst="rect">
+          <a:avLst/>
+        </a:prstGeom>
+        <a:gradFill rotWithShape="0">
+          <a:gsLst>
+            <a:gs pos="0">
+              <a:schemeClr val="accent1">
+                <a:hueOff val="0"/>
+                <a:satOff val="0"/>
+                <a:lumOff val="0"/>
+                <a:alphaOff val="0"/>
+                <a:tint val="67000"/>
+                <a:satMod val="105000"/>
+                <a:lumMod val="110000"/>
+              </a:schemeClr>
+            </a:gs>
+            <a:gs pos="50000">
+              <a:schemeClr val="accent1">
+                <a:hueOff val="0"/>
+                <a:satOff val="0"/>
+                <a:lumOff val="0"/>
+                <a:alphaOff val="0"/>
+                <a:tint val="73000"/>
+                <a:satMod val="103000"/>
+                <a:lumMod val="105000"/>
+              </a:schemeClr>
+            </a:gs>
+            <a:gs pos="100000">
+              <a:schemeClr val="accent1">
+                <a:hueOff val="0"/>
+                <a:satOff val="0"/>
+                <a:lumOff val="0"/>
+                <a:alphaOff val="0"/>
+                <a:tint val="81000"/>
+                <a:satMod val="109000"/>
+                <a:lumMod val="105000"/>
+              </a:schemeClr>
+            </a:gs>
+          </a:gsLst>
+          <a:lin ang="5400000" scaled="0"/>
+        </a:gradFill>
+        <a:ln>
+          <a:noFill/>
+        </a:ln>
+        <a:effectLst/>
+        <a:scene3d>
+          <a:camera prst="orthographicFront"/>
+          <a:lightRig rig="flat" dir="t"/>
+        </a:scene3d>
+        <a:sp3d prstMaterial="dkEdge">
+          <a:bevelT w="8200" h="38100"/>
+        </a:sp3d>
+      </dsp:spPr>
+      <dsp:style>
+        <a:lnRef idx="0">
+          <a:scrgbClr r="0" g="0" b="0"/>
+        </a:lnRef>
+        <a:fillRef idx="2">
+          <a:scrgbClr r="0" g="0" b="0"/>
+        </a:fillRef>
+        <a:effectRef idx="1">
+          <a:scrgbClr r="0" g="0" b="0"/>
+        </a:effectRef>
+        <a:fontRef idx="minor">
+          <a:schemeClr val="dk1"/>
+        </a:fontRef>
+      </dsp:style>
+      <dsp:txBody>
+        <a:bodyPr spcFirstLastPara="0" vert="horz" wrap="square" lIns="22860" tIns="22860" rIns="22860" bIns="22860" numCol="1" spcCol="1270" anchor="ctr" anchorCtr="0">
+          <a:noAutofit/>
+        </a:bodyPr>
+        <a:lstStyle/>
+        <a:p>
+          <a:pPr lvl="0" algn="ctr" defTabSz="1600200">
+            <a:lnSpc>
+              <a:spcPct val="90000"/>
+            </a:lnSpc>
+            <a:spcBef>
+              <a:spcPct val="0"/>
+            </a:spcBef>
+            <a:spcAft>
+              <a:spcPct val="35000"/>
+            </a:spcAft>
+          </a:pPr>
+          <a:r>
+            <a:rPr lang="en-US" sz="3600" kern="1200" dirty="0" smtClean="0"/>
+            <a:t>[]</a:t>
+          </a:r>
+          <a:endParaRPr lang="en-US" sz="3600" kern="1200" dirty="0"/>
+        </a:p>
+      </dsp:txBody>
+      <dsp:txXfrm>
+        <a:off x="4364992" y="4608"/>
+        <a:ext cx="850758" cy="656761"/>
+      </dsp:txXfrm>
+    </dsp:sp>
+    <dsp:sp modelId="{5801197C-BC99-214B-8682-B8134F254D91}">
+      <dsp:nvSpPr>
+        <dsp:cNvPr id="0" name=""/>
+        <dsp:cNvSpPr/>
+      </dsp:nvSpPr>
+      <dsp:spPr>
+        <a:xfrm>
+          <a:off x="1906116" y="1384599"/>
+          <a:ext cx="850758" cy="656761"/>
+        </a:xfrm>
+        <a:prstGeom prst="rect">
+          <a:avLst/>
+        </a:prstGeom>
+        <a:gradFill rotWithShape="0">
+          <a:gsLst>
+            <a:gs pos="0">
+              <a:schemeClr val="accent1">
+                <a:hueOff val="0"/>
+                <a:satOff val="0"/>
+                <a:lumOff val="0"/>
+                <a:alphaOff val="0"/>
+                <a:tint val="67000"/>
+                <a:satMod val="105000"/>
+                <a:lumMod val="110000"/>
+              </a:schemeClr>
+            </a:gs>
+            <a:gs pos="50000">
+              <a:schemeClr val="accent1">
+                <a:hueOff val="0"/>
+                <a:satOff val="0"/>
+                <a:lumOff val="0"/>
+                <a:alphaOff val="0"/>
+                <a:tint val="73000"/>
+                <a:satMod val="103000"/>
+                <a:lumMod val="105000"/>
+              </a:schemeClr>
+            </a:gs>
+            <a:gs pos="100000">
+              <a:schemeClr val="accent1">
+                <a:hueOff val="0"/>
+                <a:satOff val="0"/>
+                <a:lumOff val="0"/>
+                <a:alphaOff val="0"/>
+                <a:tint val="81000"/>
+                <a:satMod val="109000"/>
+                <a:lumMod val="105000"/>
+              </a:schemeClr>
+            </a:gs>
+          </a:gsLst>
+          <a:lin ang="5400000" scaled="0"/>
+        </a:gradFill>
+        <a:ln>
+          <a:noFill/>
+        </a:ln>
+        <a:effectLst/>
+        <a:scene3d>
+          <a:camera prst="orthographicFront"/>
+          <a:lightRig rig="flat" dir="t"/>
+        </a:scene3d>
+        <a:sp3d prstMaterial="dkEdge">
+          <a:bevelT w="8200" h="38100"/>
+        </a:sp3d>
+      </dsp:spPr>
+      <dsp:style>
+        <a:lnRef idx="0">
+          <a:scrgbClr r="0" g="0" b="0"/>
+        </a:lnRef>
+        <a:fillRef idx="2">
+          <a:scrgbClr r="0" g="0" b="0"/>
+        </a:fillRef>
+        <a:effectRef idx="1">
+          <a:scrgbClr r="0" g="0" b="0"/>
+        </a:effectRef>
+        <a:fontRef idx="minor">
+          <a:schemeClr val="dk1"/>
+        </a:fontRef>
+      </dsp:style>
+      <dsp:txBody>
+        <a:bodyPr spcFirstLastPara="0" vert="horz" wrap="square" lIns="22860" tIns="22860" rIns="22860" bIns="22860" numCol="1" spcCol="1270" anchor="ctr" anchorCtr="0">
+          <a:noAutofit/>
+        </a:bodyPr>
+        <a:lstStyle/>
+        <a:p>
+          <a:pPr lvl="0" algn="ctr" defTabSz="1600200">
+            <a:lnSpc>
+              <a:spcPct val="90000"/>
+            </a:lnSpc>
+            <a:spcBef>
+              <a:spcPct val="0"/>
+            </a:spcBef>
+            <a:spcAft>
+              <a:spcPct val="35000"/>
+            </a:spcAft>
+          </a:pPr>
+          <a:r>
+            <a:rPr lang="en-US" sz="3600" kern="1200" dirty="0" smtClean="0"/>
+            <a:t>[0]</a:t>
+          </a:r>
+          <a:endParaRPr lang="en-US" sz="3600" kern="1200" dirty="0"/>
+        </a:p>
+      </dsp:txBody>
+      <dsp:txXfrm>
+        <a:off x="1906116" y="1384599"/>
+        <a:ext cx="850758" cy="656761"/>
+      </dsp:txXfrm>
+    </dsp:sp>
+    <dsp:sp modelId="{2C6E31B7-021E-8844-B97C-943F547F2889}">
+      <dsp:nvSpPr>
+        <dsp:cNvPr id="0" name=""/>
+        <dsp:cNvSpPr/>
+      </dsp:nvSpPr>
+      <dsp:spPr>
+        <a:xfrm>
+          <a:off x="397270" y="2764589"/>
+          <a:ext cx="1409573" cy="691321"/>
+        </a:xfrm>
+        <a:prstGeom prst="rect">
+          <a:avLst/>
+        </a:prstGeom>
+        <a:gradFill rotWithShape="0">
+          <a:gsLst>
+            <a:gs pos="0">
+              <a:schemeClr val="accent1">
+                <a:hueOff val="0"/>
+                <a:satOff val="0"/>
+                <a:lumOff val="0"/>
+                <a:alphaOff val="0"/>
+                <a:tint val="67000"/>
+                <a:satMod val="105000"/>
+                <a:lumMod val="110000"/>
+              </a:schemeClr>
+            </a:gs>
+            <a:gs pos="50000">
+              <a:schemeClr val="accent1">
+                <a:hueOff val="0"/>
+                <a:satOff val="0"/>
+                <a:lumOff val="0"/>
+                <a:alphaOff val="0"/>
+                <a:tint val="73000"/>
+                <a:satMod val="103000"/>
+                <a:lumMod val="105000"/>
+              </a:schemeClr>
+            </a:gs>
+            <a:gs pos="100000">
+              <a:schemeClr val="accent1">
+                <a:hueOff val="0"/>
+                <a:satOff val="0"/>
+                <a:lumOff val="0"/>
+                <a:alphaOff val="0"/>
+                <a:tint val="81000"/>
+                <a:satMod val="109000"/>
+                <a:lumMod val="105000"/>
+              </a:schemeClr>
+            </a:gs>
+          </a:gsLst>
+          <a:lin ang="5400000" scaled="0"/>
+        </a:gradFill>
+        <a:ln>
+          <a:noFill/>
+        </a:ln>
+        <a:effectLst/>
+        <a:scene3d>
+          <a:camera prst="orthographicFront"/>
+          <a:lightRig rig="flat" dir="t"/>
+        </a:scene3d>
+        <a:sp3d prstMaterial="dkEdge">
+          <a:bevelT w="8200" h="38100"/>
+        </a:sp3d>
+      </dsp:spPr>
+      <dsp:style>
+        <a:lnRef idx="0">
+          <a:scrgbClr r="0" g="0" b="0"/>
+        </a:lnRef>
+        <a:fillRef idx="2">
+          <a:scrgbClr r="0" g="0" b="0"/>
+        </a:fillRef>
+        <a:effectRef idx="1">
+          <a:scrgbClr r="0" g="0" b="0"/>
+        </a:effectRef>
+        <a:fontRef idx="minor">
+          <a:schemeClr val="dk1"/>
+        </a:fontRef>
+      </dsp:style>
+      <dsp:txBody>
+        <a:bodyPr spcFirstLastPara="0" vert="horz" wrap="square" lIns="22860" tIns="22860" rIns="22860" bIns="22860" numCol="1" spcCol="1270" anchor="ctr" anchorCtr="0">
+          <a:noAutofit/>
+        </a:bodyPr>
+        <a:lstStyle/>
+        <a:p>
+          <a:pPr lvl="0" algn="ctr" defTabSz="1600200">
+            <a:lnSpc>
+              <a:spcPct val="90000"/>
+            </a:lnSpc>
+            <a:spcBef>
+              <a:spcPct val="0"/>
+            </a:spcBef>
+            <a:spcAft>
+              <a:spcPct val="35000"/>
+            </a:spcAft>
+          </a:pPr>
+          <a:r>
+            <a:rPr lang="en-US" sz="3600" kern="1200" dirty="0" smtClean="0"/>
+            <a:t>[0,1]</a:t>
+          </a:r>
+          <a:endParaRPr lang="en-US" sz="3600" kern="1200" dirty="0"/>
+        </a:p>
+      </dsp:txBody>
+      <dsp:txXfrm>
+        <a:off x="397270" y="2764589"/>
+        <a:ext cx="1409573" cy="691321"/>
+      </dsp:txXfrm>
+    </dsp:sp>
+    <dsp:sp modelId="{95380FE9-C934-1D4F-AA5E-4F54B1E8BA9A}">
+      <dsp:nvSpPr>
+        <dsp:cNvPr id="0" name=""/>
+        <dsp:cNvSpPr/>
+      </dsp:nvSpPr>
+      <dsp:spPr>
+        <a:xfrm>
+          <a:off x="749664" y="4179139"/>
+          <a:ext cx="1735646" cy="728085"/>
+        </a:xfrm>
+        <a:prstGeom prst="rect">
+          <a:avLst/>
+        </a:prstGeom>
+        <a:gradFill rotWithShape="0">
+          <a:gsLst>
+            <a:gs pos="0">
+              <a:schemeClr val="accent1">
+                <a:hueOff val="0"/>
+                <a:satOff val="0"/>
+                <a:lumOff val="0"/>
+                <a:alphaOff val="0"/>
+                <a:tint val="67000"/>
+                <a:satMod val="105000"/>
+                <a:lumMod val="110000"/>
+              </a:schemeClr>
+            </a:gs>
+            <a:gs pos="50000">
+              <a:schemeClr val="accent1">
+                <a:hueOff val="0"/>
+                <a:satOff val="0"/>
+                <a:lumOff val="0"/>
+                <a:alphaOff val="0"/>
+                <a:tint val="73000"/>
+                <a:satMod val="103000"/>
+                <a:lumMod val="105000"/>
+              </a:schemeClr>
+            </a:gs>
+            <a:gs pos="100000">
+              <a:schemeClr val="accent1">
+                <a:hueOff val="0"/>
+                <a:satOff val="0"/>
+                <a:lumOff val="0"/>
+                <a:alphaOff val="0"/>
+                <a:tint val="81000"/>
+                <a:satMod val="109000"/>
+                <a:lumMod val="105000"/>
+              </a:schemeClr>
+            </a:gs>
+          </a:gsLst>
+          <a:lin ang="5400000" scaled="0"/>
+        </a:gradFill>
+        <a:ln>
+          <a:noFill/>
+        </a:ln>
+        <a:effectLst/>
+        <a:scene3d>
+          <a:camera prst="orthographicFront"/>
+          <a:lightRig rig="flat" dir="t"/>
+        </a:scene3d>
+        <a:sp3d prstMaterial="dkEdge">
+          <a:bevelT w="8200" h="38100"/>
+        </a:sp3d>
+      </dsp:spPr>
+      <dsp:style>
+        <a:lnRef idx="0">
+          <a:scrgbClr r="0" g="0" b="0"/>
+        </a:lnRef>
+        <a:fillRef idx="2">
+          <a:scrgbClr r="0" g="0" b="0"/>
+        </a:fillRef>
+        <a:effectRef idx="1">
+          <a:scrgbClr r="0" g="0" b="0"/>
+        </a:effectRef>
+        <a:fontRef idx="minor">
+          <a:schemeClr val="dk1"/>
+        </a:fontRef>
+      </dsp:style>
+      <dsp:txBody>
+        <a:bodyPr spcFirstLastPara="0" vert="horz" wrap="square" lIns="22860" tIns="22860" rIns="22860" bIns="22860" numCol="1" spcCol="1270" anchor="ctr" anchorCtr="0">
+          <a:noAutofit/>
+        </a:bodyPr>
+        <a:lstStyle/>
+        <a:p>
+          <a:pPr lvl="0" algn="ctr" defTabSz="1600200">
+            <a:lnSpc>
+              <a:spcPct val="90000"/>
+            </a:lnSpc>
+            <a:spcBef>
+              <a:spcPct val="0"/>
+            </a:spcBef>
+            <a:spcAft>
+              <a:spcPct val="35000"/>
+            </a:spcAft>
+          </a:pPr>
+          <a:r>
+            <a:rPr lang="en-US" sz="3600" kern="1200" dirty="0" smtClean="0"/>
+            <a:t>[0,1,1]</a:t>
+          </a:r>
+          <a:endParaRPr lang="en-US" sz="3600" kern="1200" dirty="0"/>
+        </a:p>
+      </dsp:txBody>
+      <dsp:txXfrm>
+        <a:off x="749664" y="4179139"/>
+        <a:ext cx="1735646" cy="728085"/>
+      </dsp:txXfrm>
+    </dsp:sp>
+    <dsp:sp modelId="{26B5A8C5-809F-304D-853E-8DE78F5D19CF}">
+      <dsp:nvSpPr>
+        <dsp:cNvPr id="0" name=""/>
+        <dsp:cNvSpPr/>
+      </dsp:nvSpPr>
+      <dsp:spPr>
+        <a:xfrm>
+          <a:off x="749664" y="5630453"/>
+          <a:ext cx="1735646" cy="728085"/>
+        </a:xfrm>
+        <a:prstGeom prst="rect">
+          <a:avLst/>
+        </a:prstGeom>
+        <a:gradFill rotWithShape="0">
+          <a:gsLst>
+            <a:gs pos="0">
+              <a:schemeClr val="accent1">
+                <a:hueOff val="0"/>
+                <a:satOff val="0"/>
+                <a:lumOff val="0"/>
+                <a:alphaOff val="0"/>
+                <a:tint val="67000"/>
+                <a:satMod val="105000"/>
+                <a:lumMod val="110000"/>
+              </a:schemeClr>
+            </a:gs>
+            <a:gs pos="50000">
+              <a:schemeClr val="accent1">
+                <a:hueOff val="0"/>
+                <a:satOff val="0"/>
+                <a:lumOff val="0"/>
+                <a:alphaOff val="0"/>
+                <a:tint val="73000"/>
+                <a:satMod val="103000"/>
+                <a:lumMod val="105000"/>
+              </a:schemeClr>
+            </a:gs>
+            <a:gs pos="100000">
+              <a:schemeClr val="accent1">
+                <a:hueOff val="0"/>
+                <a:satOff val="0"/>
+                <a:lumOff val="0"/>
+                <a:alphaOff val="0"/>
+                <a:tint val="81000"/>
+                <a:satMod val="109000"/>
+                <a:lumMod val="105000"/>
+              </a:schemeClr>
+            </a:gs>
+          </a:gsLst>
+          <a:lin ang="5400000" scaled="0"/>
+        </a:gradFill>
+        <a:ln>
+          <a:noFill/>
+        </a:ln>
+        <a:effectLst/>
+        <a:scene3d>
+          <a:camera prst="orthographicFront"/>
+          <a:lightRig rig="flat" dir="t"/>
+        </a:scene3d>
+        <a:sp3d prstMaterial="dkEdge">
+          <a:bevelT w="8200" h="38100"/>
+        </a:sp3d>
+      </dsp:spPr>
+      <dsp:style>
+        <a:lnRef idx="0">
+          <a:scrgbClr r="0" g="0" b="0"/>
+        </a:lnRef>
+        <a:fillRef idx="2">
+          <a:scrgbClr r="0" g="0" b="0"/>
+        </a:fillRef>
+        <a:effectRef idx="1">
+          <a:scrgbClr r="0" g="0" b="0"/>
+        </a:effectRef>
+        <a:fontRef idx="minor">
+          <a:schemeClr val="dk1"/>
+        </a:fontRef>
+      </dsp:style>
+      <dsp:txBody>
+        <a:bodyPr spcFirstLastPara="0" vert="horz" wrap="square" lIns="22860" tIns="22860" rIns="22860" bIns="22860" numCol="1" spcCol="1270" anchor="ctr" anchorCtr="0">
+          <a:noAutofit/>
+        </a:bodyPr>
+        <a:lstStyle/>
+        <a:p>
+          <a:pPr lvl="0" algn="ctr" defTabSz="1600200">
+            <a:lnSpc>
+              <a:spcPct val="90000"/>
+            </a:lnSpc>
+            <a:spcBef>
+              <a:spcPct val="0"/>
+            </a:spcBef>
+            <a:spcAft>
+              <a:spcPct val="35000"/>
+            </a:spcAft>
+          </a:pPr>
+          <a:r>
+            <a:rPr lang="en-US" sz="3600" kern="1200" dirty="0" smtClean="0"/>
+            <a:t>[0,1,0]</a:t>
+          </a:r>
+          <a:endParaRPr lang="en-US" sz="3600" kern="1200" dirty="0"/>
+        </a:p>
+      </dsp:txBody>
+      <dsp:txXfrm>
+        <a:off x="749664" y="5630453"/>
+        <a:ext cx="1735646" cy="728085"/>
+      </dsp:txXfrm>
+    </dsp:sp>
+    <dsp:sp modelId="{B7D3FF03-8855-8645-B482-03CC79594B53}">
+      <dsp:nvSpPr>
+        <dsp:cNvPr id="0" name=""/>
+        <dsp:cNvSpPr/>
+      </dsp:nvSpPr>
+      <dsp:spPr>
+        <a:xfrm>
+          <a:off x="2856146" y="2732302"/>
+          <a:ext cx="1409573" cy="691321"/>
+        </a:xfrm>
+        <a:prstGeom prst="rect">
+          <a:avLst/>
+        </a:prstGeom>
+        <a:gradFill rotWithShape="0">
+          <a:gsLst>
+            <a:gs pos="0">
+              <a:schemeClr val="accent1">
+                <a:hueOff val="0"/>
+                <a:satOff val="0"/>
+                <a:lumOff val="0"/>
+                <a:alphaOff val="0"/>
+                <a:tint val="67000"/>
+                <a:satMod val="105000"/>
+                <a:lumMod val="110000"/>
+              </a:schemeClr>
+            </a:gs>
+            <a:gs pos="50000">
+              <a:schemeClr val="accent1">
+                <a:hueOff val="0"/>
+                <a:satOff val="0"/>
+                <a:lumOff val="0"/>
+                <a:alphaOff val="0"/>
+                <a:tint val="73000"/>
+                <a:satMod val="103000"/>
+                <a:lumMod val="105000"/>
+              </a:schemeClr>
+            </a:gs>
+            <a:gs pos="100000">
+              <a:schemeClr val="accent1">
+                <a:hueOff val="0"/>
+                <a:satOff val="0"/>
+                <a:lumOff val="0"/>
+                <a:alphaOff val="0"/>
+                <a:tint val="81000"/>
+                <a:satMod val="109000"/>
+                <a:lumMod val="105000"/>
+              </a:schemeClr>
+            </a:gs>
+          </a:gsLst>
+          <a:lin ang="5400000" scaled="0"/>
+        </a:gradFill>
+        <a:ln>
+          <a:noFill/>
+        </a:ln>
+        <a:effectLst/>
+        <a:scene3d>
+          <a:camera prst="orthographicFront"/>
+          <a:lightRig rig="flat" dir="t"/>
+        </a:scene3d>
+        <a:sp3d prstMaterial="dkEdge">
+          <a:bevelT w="8200" h="38100"/>
+        </a:sp3d>
+      </dsp:spPr>
+      <dsp:style>
+        <a:lnRef idx="0">
+          <a:scrgbClr r="0" g="0" b="0"/>
+        </a:lnRef>
+        <a:fillRef idx="2">
+          <a:scrgbClr r="0" g="0" b="0"/>
+        </a:fillRef>
+        <a:effectRef idx="1">
+          <a:scrgbClr r="0" g="0" b="0"/>
+        </a:effectRef>
+        <a:fontRef idx="minor">
+          <a:schemeClr val="dk1"/>
+        </a:fontRef>
+      </dsp:style>
+      <dsp:txBody>
+        <a:bodyPr spcFirstLastPara="0" vert="horz" wrap="square" lIns="22860" tIns="22860" rIns="22860" bIns="22860" numCol="1" spcCol="1270" anchor="ctr" anchorCtr="0">
+          <a:noAutofit/>
+        </a:bodyPr>
+        <a:lstStyle/>
+        <a:p>
+          <a:pPr lvl="0" algn="ctr" defTabSz="1600200">
+            <a:lnSpc>
+              <a:spcPct val="90000"/>
+            </a:lnSpc>
+            <a:spcBef>
+              <a:spcPct val="0"/>
+            </a:spcBef>
+            <a:spcAft>
+              <a:spcPct val="35000"/>
+            </a:spcAft>
+          </a:pPr>
+          <a:r>
+            <a:rPr lang="en-US" sz="3600" kern="1200" dirty="0" smtClean="0"/>
+            <a:t>[0,0]</a:t>
+          </a:r>
+          <a:endParaRPr lang="en-US" sz="3600" kern="1200" dirty="0"/>
+        </a:p>
+      </dsp:txBody>
+      <dsp:txXfrm>
+        <a:off x="2856146" y="2732302"/>
+        <a:ext cx="1409573" cy="691321"/>
+      </dsp:txXfrm>
+    </dsp:sp>
+    <dsp:sp modelId="{7F4F86E2-B39E-C441-9A52-5D62E3A3F065}">
+      <dsp:nvSpPr>
+        <dsp:cNvPr id="0" name=""/>
+        <dsp:cNvSpPr/>
+      </dsp:nvSpPr>
+      <dsp:spPr>
+        <a:xfrm>
+          <a:off x="3208540" y="4179139"/>
+          <a:ext cx="1735646" cy="728085"/>
+        </a:xfrm>
+        <a:prstGeom prst="rect">
+          <a:avLst/>
+        </a:prstGeom>
+        <a:gradFill rotWithShape="0">
+          <a:gsLst>
+            <a:gs pos="0">
+              <a:schemeClr val="accent1">
+                <a:hueOff val="0"/>
+                <a:satOff val="0"/>
+                <a:lumOff val="0"/>
+                <a:alphaOff val="0"/>
+                <a:tint val="67000"/>
+                <a:satMod val="105000"/>
+                <a:lumMod val="110000"/>
+              </a:schemeClr>
+            </a:gs>
+            <a:gs pos="50000">
+              <a:schemeClr val="accent1">
+                <a:hueOff val="0"/>
+                <a:satOff val="0"/>
+                <a:lumOff val="0"/>
+                <a:alphaOff val="0"/>
+                <a:tint val="73000"/>
+                <a:satMod val="103000"/>
+                <a:lumMod val="105000"/>
+              </a:schemeClr>
+            </a:gs>
+            <a:gs pos="100000">
+              <a:schemeClr val="accent1">
+                <a:hueOff val="0"/>
+                <a:satOff val="0"/>
+                <a:lumOff val="0"/>
+                <a:alphaOff val="0"/>
+                <a:tint val="81000"/>
+                <a:satMod val="109000"/>
+                <a:lumMod val="105000"/>
+              </a:schemeClr>
+            </a:gs>
+          </a:gsLst>
+          <a:lin ang="5400000" scaled="0"/>
+        </a:gradFill>
+        <a:ln>
+          <a:noFill/>
+        </a:ln>
+        <a:effectLst/>
+        <a:scene3d>
+          <a:camera prst="orthographicFront"/>
+          <a:lightRig rig="flat" dir="t"/>
+        </a:scene3d>
+        <a:sp3d prstMaterial="dkEdge">
+          <a:bevelT w="8200" h="38100"/>
+        </a:sp3d>
+      </dsp:spPr>
+      <dsp:style>
+        <a:lnRef idx="0">
+          <a:scrgbClr r="0" g="0" b="0"/>
+        </a:lnRef>
+        <a:fillRef idx="2">
+          <a:scrgbClr r="0" g="0" b="0"/>
+        </a:fillRef>
+        <a:effectRef idx="1">
+          <a:scrgbClr r="0" g="0" b="0"/>
+        </a:effectRef>
+        <a:fontRef idx="minor">
+          <a:schemeClr val="dk1"/>
+        </a:fontRef>
+      </dsp:style>
+      <dsp:txBody>
+        <a:bodyPr spcFirstLastPara="0" vert="horz" wrap="square" lIns="22860" tIns="22860" rIns="22860" bIns="22860" numCol="1" spcCol="1270" anchor="ctr" anchorCtr="0">
+          <a:noAutofit/>
+        </a:bodyPr>
+        <a:lstStyle/>
+        <a:p>
+          <a:pPr lvl="0" algn="ctr" defTabSz="1600200">
+            <a:lnSpc>
+              <a:spcPct val="90000"/>
+            </a:lnSpc>
+            <a:spcBef>
+              <a:spcPct val="0"/>
+            </a:spcBef>
+            <a:spcAft>
+              <a:spcPct val="35000"/>
+            </a:spcAft>
+          </a:pPr>
+          <a:r>
+            <a:rPr lang="en-US" sz="3600" kern="1200" dirty="0" smtClean="0"/>
+            <a:t>[0,0,1]</a:t>
+          </a:r>
+          <a:endParaRPr lang="en-US" sz="3600" kern="1200" dirty="0"/>
+        </a:p>
+      </dsp:txBody>
+      <dsp:txXfrm>
+        <a:off x="3208540" y="4179139"/>
+        <a:ext cx="1735646" cy="728085"/>
+      </dsp:txXfrm>
+    </dsp:sp>
+    <dsp:sp modelId="{6825C15C-56EE-F043-980D-776B1E39F1B9}">
+      <dsp:nvSpPr>
+        <dsp:cNvPr id="0" name=""/>
+        <dsp:cNvSpPr/>
+      </dsp:nvSpPr>
+      <dsp:spPr>
+        <a:xfrm>
+          <a:off x="3208540" y="5630453"/>
+          <a:ext cx="1735646" cy="728085"/>
+        </a:xfrm>
+        <a:prstGeom prst="rect">
+          <a:avLst/>
+        </a:prstGeom>
+        <a:gradFill rotWithShape="0">
+          <a:gsLst>
+            <a:gs pos="0">
+              <a:schemeClr val="accent1">
+                <a:hueOff val="0"/>
+                <a:satOff val="0"/>
+                <a:lumOff val="0"/>
+                <a:alphaOff val="0"/>
+                <a:tint val="67000"/>
+                <a:satMod val="105000"/>
+                <a:lumMod val="110000"/>
+              </a:schemeClr>
+            </a:gs>
+            <a:gs pos="50000">
+              <a:schemeClr val="accent1">
+                <a:hueOff val="0"/>
+                <a:satOff val="0"/>
+                <a:lumOff val="0"/>
+                <a:alphaOff val="0"/>
+                <a:tint val="73000"/>
+                <a:satMod val="103000"/>
+                <a:lumMod val="105000"/>
+              </a:schemeClr>
+            </a:gs>
+            <a:gs pos="100000">
+              <a:schemeClr val="accent1">
+                <a:hueOff val="0"/>
+                <a:satOff val="0"/>
+                <a:lumOff val="0"/>
+                <a:alphaOff val="0"/>
+                <a:tint val="81000"/>
+                <a:satMod val="109000"/>
+                <a:lumMod val="105000"/>
+              </a:schemeClr>
+            </a:gs>
+          </a:gsLst>
+          <a:lin ang="5400000" scaled="0"/>
+        </a:gradFill>
+        <a:ln>
+          <a:noFill/>
+        </a:ln>
+        <a:effectLst/>
+        <a:scene3d>
+          <a:camera prst="orthographicFront"/>
+          <a:lightRig rig="flat" dir="t"/>
+        </a:scene3d>
+        <a:sp3d prstMaterial="dkEdge">
+          <a:bevelT w="8200" h="38100"/>
+        </a:sp3d>
+      </dsp:spPr>
+      <dsp:style>
+        <a:lnRef idx="0">
+          <a:scrgbClr r="0" g="0" b="0"/>
+        </a:lnRef>
+        <a:fillRef idx="2">
+          <a:scrgbClr r="0" g="0" b="0"/>
+        </a:fillRef>
+        <a:effectRef idx="1">
+          <a:scrgbClr r="0" g="0" b="0"/>
+        </a:effectRef>
+        <a:fontRef idx="minor">
+          <a:schemeClr val="dk1"/>
+        </a:fontRef>
+      </dsp:style>
+      <dsp:txBody>
+        <a:bodyPr spcFirstLastPara="0" vert="horz" wrap="square" lIns="22860" tIns="22860" rIns="22860" bIns="22860" numCol="1" spcCol="1270" anchor="ctr" anchorCtr="0">
+          <a:noAutofit/>
+        </a:bodyPr>
+        <a:lstStyle/>
+        <a:p>
+          <a:pPr lvl="0" algn="ctr" defTabSz="1600200">
+            <a:lnSpc>
+              <a:spcPct val="90000"/>
+            </a:lnSpc>
+            <a:spcBef>
+              <a:spcPct val="0"/>
+            </a:spcBef>
+            <a:spcAft>
+              <a:spcPct val="35000"/>
+            </a:spcAft>
+          </a:pPr>
+          <a:r>
+            <a:rPr lang="en-US" sz="3600" kern="1200" dirty="0" smtClean="0"/>
+            <a:t>[0,0,0]</a:t>
+          </a:r>
+          <a:endParaRPr lang="en-US" sz="3600" kern="1200" dirty="0"/>
+        </a:p>
+      </dsp:txBody>
+      <dsp:txXfrm>
+        <a:off x="3208540" y="5630453"/>
+        <a:ext cx="1735646" cy="728085"/>
+      </dsp:txXfrm>
+    </dsp:sp>
+    <dsp:sp modelId="{042C0AA5-B545-294B-ABBB-768548FD46E5}">
+      <dsp:nvSpPr>
+        <dsp:cNvPr id="0" name=""/>
+        <dsp:cNvSpPr/>
+      </dsp:nvSpPr>
+      <dsp:spPr>
+        <a:xfrm>
+          <a:off x="6899153" y="1352518"/>
+          <a:ext cx="850758" cy="656761"/>
+        </a:xfrm>
+        <a:prstGeom prst="rect">
+          <a:avLst/>
+        </a:prstGeom>
+        <a:gradFill rotWithShape="0">
+          <a:gsLst>
+            <a:gs pos="0">
+              <a:schemeClr val="accent1">
+                <a:hueOff val="0"/>
+                <a:satOff val="0"/>
+                <a:lumOff val="0"/>
+                <a:alphaOff val="0"/>
+                <a:tint val="67000"/>
+                <a:satMod val="105000"/>
+                <a:lumMod val="110000"/>
+              </a:schemeClr>
+            </a:gs>
+            <a:gs pos="50000">
+              <a:schemeClr val="accent1">
+                <a:hueOff val="0"/>
+                <a:satOff val="0"/>
+                <a:lumOff val="0"/>
+                <a:alphaOff val="0"/>
+                <a:tint val="73000"/>
+                <a:satMod val="103000"/>
+                <a:lumMod val="105000"/>
+              </a:schemeClr>
+            </a:gs>
+            <a:gs pos="100000">
+              <a:schemeClr val="accent1">
+                <a:hueOff val="0"/>
+                <a:satOff val="0"/>
+                <a:lumOff val="0"/>
+                <a:alphaOff val="0"/>
+                <a:tint val="81000"/>
+                <a:satMod val="109000"/>
+                <a:lumMod val="105000"/>
+              </a:schemeClr>
+            </a:gs>
+          </a:gsLst>
+          <a:lin ang="5400000" scaled="0"/>
+        </a:gradFill>
+        <a:ln>
+          <a:noFill/>
+        </a:ln>
+        <a:effectLst/>
+        <a:scene3d>
+          <a:camera prst="orthographicFront"/>
+          <a:lightRig rig="flat" dir="t"/>
+        </a:scene3d>
+        <a:sp3d prstMaterial="dkEdge">
+          <a:bevelT w="8200" h="38100"/>
+        </a:sp3d>
+      </dsp:spPr>
+      <dsp:style>
+        <a:lnRef idx="0">
+          <a:scrgbClr r="0" g="0" b="0"/>
+        </a:lnRef>
+        <a:fillRef idx="2">
+          <a:scrgbClr r="0" g="0" b="0"/>
+        </a:fillRef>
+        <a:effectRef idx="1">
+          <a:scrgbClr r="0" g="0" b="0"/>
+        </a:effectRef>
+        <a:fontRef idx="minor">
+          <a:schemeClr val="dk1"/>
+        </a:fontRef>
+      </dsp:style>
+      <dsp:txBody>
+        <a:bodyPr spcFirstLastPara="0" vert="horz" wrap="square" lIns="22860" tIns="22860" rIns="22860" bIns="22860" numCol="1" spcCol="1270" anchor="ctr" anchorCtr="0">
+          <a:noAutofit/>
+        </a:bodyPr>
+        <a:lstStyle/>
+        <a:p>
+          <a:pPr lvl="0" algn="ctr" defTabSz="1600200">
+            <a:lnSpc>
+              <a:spcPct val="90000"/>
+            </a:lnSpc>
+            <a:spcBef>
+              <a:spcPct val="0"/>
+            </a:spcBef>
+            <a:spcAft>
+              <a:spcPct val="35000"/>
+            </a:spcAft>
+          </a:pPr>
+          <a:r>
+            <a:rPr lang="en-US" sz="3600" kern="1200" dirty="0" smtClean="0"/>
+            <a:t>[1]</a:t>
+          </a:r>
+          <a:endParaRPr lang="en-US" sz="3600" kern="1200" dirty="0"/>
+        </a:p>
+      </dsp:txBody>
+      <dsp:txXfrm>
+        <a:off x="6899153" y="1352518"/>
+        <a:ext cx="850758" cy="656761"/>
+      </dsp:txXfrm>
+    </dsp:sp>
+    <dsp:sp modelId="{71D74AC4-BC3D-9E4E-A21C-8EFD75A18074}">
+      <dsp:nvSpPr>
+        <dsp:cNvPr id="0" name=""/>
+        <dsp:cNvSpPr/>
+      </dsp:nvSpPr>
+      <dsp:spPr>
+        <a:xfrm>
+          <a:off x="5315022" y="2753826"/>
+          <a:ext cx="1409573" cy="691321"/>
+        </a:xfrm>
+        <a:prstGeom prst="rect">
+          <a:avLst/>
+        </a:prstGeom>
+        <a:gradFill rotWithShape="0">
+          <a:gsLst>
+            <a:gs pos="0">
+              <a:schemeClr val="accent1">
+                <a:hueOff val="0"/>
+                <a:satOff val="0"/>
+                <a:lumOff val="0"/>
+                <a:alphaOff val="0"/>
+                <a:tint val="67000"/>
+                <a:satMod val="105000"/>
+                <a:lumMod val="110000"/>
+              </a:schemeClr>
+            </a:gs>
+            <a:gs pos="50000">
+              <a:schemeClr val="accent1">
+                <a:hueOff val="0"/>
+                <a:satOff val="0"/>
+                <a:lumOff val="0"/>
+                <a:alphaOff val="0"/>
+                <a:tint val="73000"/>
+                <a:satMod val="103000"/>
+                <a:lumMod val="105000"/>
+              </a:schemeClr>
+            </a:gs>
+            <a:gs pos="100000">
+              <a:schemeClr val="accent1">
+                <a:hueOff val="0"/>
+                <a:satOff val="0"/>
+                <a:lumOff val="0"/>
+                <a:alphaOff val="0"/>
+                <a:tint val="81000"/>
+                <a:satMod val="109000"/>
+                <a:lumMod val="105000"/>
+              </a:schemeClr>
+            </a:gs>
+          </a:gsLst>
+          <a:lin ang="5400000" scaled="0"/>
+        </a:gradFill>
+        <a:ln>
+          <a:noFill/>
+        </a:ln>
+        <a:effectLst/>
+        <a:scene3d>
+          <a:camera prst="orthographicFront"/>
+          <a:lightRig rig="flat" dir="t"/>
+        </a:scene3d>
+        <a:sp3d prstMaterial="dkEdge">
+          <a:bevelT w="8200" h="38100"/>
+        </a:sp3d>
+      </dsp:spPr>
+      <dsp:style>
+        <a:lnRef idx="0">
+          <a:scrgbClr r="0" g="0" b="0"/>
+        </a:lnRef>
+        <a:fillRef idx="2">
+          <a:scrgbClr r="0" g="0" b="0"/>
+        </a:fillRef>
+        <a:effectRef idx="1">
+          <a:scrgbClr r="0" g="0" b="0"/>
+        </a:effectRef>
+        <a:fontRef idx="minor">
+          <a:schemeClr val="dk1"/>
+        </a:fontRef>
+      </dsp:style>
+      <dsp:txBody>
+        <a:bodyPr spcFirstLastPara="0" vert="horz" wrap="square" lIns="22860" tIns="22860" rIns="22860" bIns="22860" numCol="1" spcCol="1270" anchor="ctr" anchorCtr="0">
+          <a:noAutofit/>
+        </a:bodyPr>
+        <a:lstStyle/>
+        <a:p>
+          <a:pPr lvl="0" algn="ctr" defTabSz="1600200">
+            <a:lnSpc>
+              <a:spcPct val="90000"/>
+            </a:lnSpc>
+            <a:spcBef>
+              <a:spcPct val="0"/>
+            </a:spcBef>
+            <a:spcAft>
+              <a:spcPct val="35000"/>
+            </a:spcAft>
+          </a:pPr>
+          <a:r>
+            <a:rPr lang="en-US" sz="3600" kern="1200" dirty="0" smtClean="0"/>
+            <a:t>[1,0]</a:t>
+          </a:r>
+          <a:endParaRPr lang="en-US" sz="3600" kern="1200" dirty="0"/>
+        </a:p>
+      </dsp:txBody>
+      <dsp:txXfrm>
+        <a:off x="5315022" y="2753826"/>
+        <a:ext cx="1409573" cy="691321"/>
+      </dsp:txXfrm>
+    </dsp:sp>
+    <dsp:sp modelId="{066B489B-9E54-A84F-9D75-836EBAEE58CB}">
+      <dsp:nvSpPr>
+        <dsp:cNvPr id="0" name=""/>
+        <dsp:cNvSpPr/>
+      </dsp:nvSpPr>
+      <dsp:spPr>
+        <a:xfrm>
+          <a:off x="5667416" y="4179139"/>
+          <a:ext cx="1735646" cy="728085"/>
+        </a:xfrm>
+        <a:prstGeom prst="rect">
+          <a:avLst/>
+        </a:prstGeom>
+        <a:gradFill rotWithShape="0">
+          <a:gsLst>
+            <a:gs pos="0">
+              <a:schemeClr val="accent1">
+                <a:hueOff val="0"/>
+                <a:satOff val="0"/>
+                <a:lumOff val="0"/>
+                <a:alphaOff val="0"/>
+                <a:tint val="67000"/>
+                <a:satMod val="105000"/>
+                <a:lumMod val="110000"/>
+              </a:schemeClr>
+            </a:gs>
+            <a:gs pos="50000">
+              <a:schemeClr val="accent1">
+                <a:hueOff val="0"/>
+                <a:satOff val="0"/>
+                <a:lumOff val="0"/>
+                <a:alphaOff val="0"/>
+                <a:tint val="73000"/>
+                <a:satMod val="103000"/>
+                <a:lumMod val="105000"/>
+              </a:schemeClr>
+            </a:gs>
+            <a:gs pos="100000">
+              <a:schemeClr val="accent1">
+                <a:hueOff val="0"/>
+                <a:satOff val="0"/>
+                <a:lumOff val="0"/>
+                <a:alphaOff val="0"/>
+                <a:tint val="81000"/>
+                <a:satMod val="109000"/>
+                <a:lumMod val="105000"/>
+              </a:schemeClr>
+            </a:gs>
+          </a:gsLst>
+          <a:lin ang="5400000" scaled="0"/>
+        </a:gradFill>
+        <a:ln>
+          <a:noFill/>
+        </a:ln>
+        <a:effectLst/>
+        <a:scene3d>
+          <a:camera prst="orthographicFront"/>
+          <a:lightRig rig="flat" dir="t"/>
+        </a:scene3d>
+        <a:sp3d prstMaterial="dkEdge">
+          <a:bevelT w="8200" h="38100"/>
+        </a:sp3d>
+      </dsp:spPr>
+      <dsp:style>
+        <a:lnRef idx="0">
+          <a:scrgbClr r="0" g="0" b="0"/>
+        </a:lnRef>
+        <a:fillRef idx="2">
+          <a:scrgbClr r="0" g="0" b="0"/>
+        </a:fillRef>
+        <a:effectRef idx="1">
+          <a:scrgbClr r="0" g="0" b="0"/>
+        </a:effectRef>
+        <a:fontRef idx="minor">
+          <a:schemeClr val="dk1"/>
+        </a:fontRef>
+      </dsp:style>
+      <dsp:txBody>
+        <a:bodyPr spcFirstLastPara="0" vert="horz" wrap="square" lIns="22860" tIns="22860" rIns="22860" bIns="22860" numCol="1" spcCol="1270" anchor="ctr" anchorCtr="0">
+          <a:noAutofit/>
+        </a:bodyPr>
+        <a:lstStyle/>
+        <a:p>
+          <a:pPr lvl="0" algn="ctr" defTabSz="1600200">
+            <a:lnSpc>
+              <a:spcPct val="90000"/>
+            </a:lnSpc>
+            <a:spcBef>
+              <a:spcPct val="0"/>
+            </a:spcBef>
+            <a:spcAft>
+              <a:spcPct val="35000"/>
+            </a:spcAft>
+          </a:pPr>
+          <a:r>
+            <a:rPr lang="en-US" sz="3600" kern="1200" dirty="0" smtClean="0"/>
+            <a:t>[1,0,1]</a:t>
+          </a:r>
+          <a:endParaRPr lang="en-US" sz="3600" kern="1200" dirty="0"/>
+        </a:p>
+      </dsp:txBody>
+      <dsp:txXfrm>
+        <a:off x="5667416" y="4179139"/>
+        <a:ext cx="1735646" cy="728085"/>
+      </dsp:txXfrm>
+    </dsp:sp>
+    <dsp:sp modelId="{B6D86815-5BD8-9D47-8A32-A76F967072E4}">
+      <dsp:nvSpPr>
+        <dsp:cNvPr id="0" name=""/>
+        <dsp:cNvSpPr/>
+      </dsp:nvSpPr>
+      <dsp:spPr>
+        <a:xfrm>
+          <a:off x="5667416" y="5630453"/>
+          <a:ext cx="1735646" cy="728085"/>
+        </a:xfrm>
+        <a:prstGeom prst="rect">
+          <a:avLst/>
+        </a:prstGeom>
+        <a:gradFill rotWithShape="0">
+          <a:gsLst>
+            <a:gs pos="0">
+              <a:schemeClr val="accent1">
+                <a:hueOff val="0"/>
+                <a:satOff val="0"/>
+                <a:lumOff val="0"/>
+                <a:alphaOff val="0"/>
+                <a:tint val="67000"/>
+                <a:satMod val="105000"/>
+                <a:lumMod val="110000"/>
+              </a:schemeClr>
+            </a:gs>
+            <a:gs pos="50000">
+              <a:schemeClr val="accent1">
+                <a:hueOff val="0"/>
+                <a:satOff val="0"/>
+                <a:lumOff val="0"/>
+                <a:alphaOff val="0"/>
+                <a:tint val="73000"/>
+                <a:satMod val="103000"/>
+                <a:lumMod val="105000"/>
+              </a:schemeClr>
+            </a:gs>
+            <a:gs pos="100000">
+              <a:schemeClr val="accent1">
+                <a:hueOff val="0"/>
+                <a:satOff val="0"/>
+                <a:lumOff val="0"/>
+                <a:alphaOff val="0"/>
+                <a:tint val="81000"/>
+                <a:satMod val="109000"/>
+                <a:lumMod val="105000"/>
+              </a:schemeClr>
+            </a:gs>
+          </a:gsLst>
+          <a:lin ang="5400000" scaled="0"/>
+        </a:gradFill>
+        <a:ln>
+          <a:noFill/>
+        </a:ln>
+        <a:effectLst/>
+        <a:scene3d>
+          <a:camera prst="orthographicFront"/>
+          <a:lightRig rig="flat" dir="t"/>
+        </a:scene3d>
+        <a:sp3d prstMaterial="dkEdge">
+          <a:bevelT w="8200" h="38100"/>
+        </a:sp3d>
+      </dsp:spPr>
+      <dsp:style>
+        <a:lnRef idx="0">
+          <a:scrgbClr r="0" g="0" b="0"/>
+        </a:lnRef>
+        <a:fillRef idx="2">
+          <a:scrgbClr r="0" g="0" b="0"/>
+        </a:fillRef>
+        <a:effectRef idx="1">
+          <a:scrgbClr r="0" g="0" b="0"/>
+        </a:effectRef>
+        <a:fontRef idx="minor">
+          <a:schemeClr val="dk1"/>
+        </a:fontRef>
+      </dsp:style>
+      <dsp:txBody>
+        <a:bodyPr spcFirstLastPara="0" vert="horz" wrap="square" lIns="22860" tIns="22860" rIns="22860" bIns="22860" numCol="1" spcCol="1270" anchor="ctr" anchorCtr="0">
+          <a:noAutofit/>
+        </a:bodyPr>
+        <a:lstStyle/>
+        <a:p>
+          <a:pPr lvl="0" algn="ctr" defTabSz="1600200">
+            <a:lnSpc>
+              <a:spcPct val="90000"/>
+            </a:lnSpc>
+            <a:spcBef>
+              <a:spcPct val="0"/>
+            </a:spcBef>
+            <a:spcAft>
+              <a:spcPct val="35000"/>
+            </a:spcAft>
+          </a:pPr>
+          <a:r>
+            <a:rPr lang="en-US" sz="3600" kern="1200" dirty="0" smtClean="0"/>
+            <a:t>[1,0,0]</a:t>
+          </a:r>
+          <a:endParaRPr lang="en-US" sz="3600" kern="1200" dirty="0"/>
+        </a:p>
+      </dsp:txBody>
+      <dsp:txXfrm>
+        <a:off x="5667416" y="5630453"/>
+        <a:ext cx="1735646" cy="728085"/>
+      </dsp:txXfrm>
+    </dsp:sp>
+    <dsp:sp modelId="{F814CC68-E827-5445-8462-5BC2332BD4D8}">
+      <dsp:nvSpPr>
+        <dsp:cNvPr id="0" name=""/>
+        <dsp:cNvSpPr/>
+      </dsp:nvSpPr>
+      <dsp:spPr>
+        <a:xfrm>
+          <a:off x="7763153" y="2724329"/>
+          <a:ext cx="1409573" cy="691321"/>
+        </a:xfrm>
+        <a:prstGeom prst="rect">
+          <a:avLst/>
+        </a:prstGeom>
+        <a:gradFill rotWithShape="0">
+          <a:gsLst>
+            <a:gs pos="0">
+              <a:schemeClr val="accent1">
+                <a:hueOff val="0"/>
+                <a:satOff val="0"/>
+                <a:lumOff val="0"/>
+                <a:alphaOff val="0"/>
+                <a:tint val="67000"/>
+                <a:satMod val="105000"/>
+                <a:lumMod val="110000"/>
+              </a:schemeClr>
+            </a:gs>
+            <a:gs pos="50000">
+              <a:schemeClr val="accent1">
+                <a:hueOff val="0"/>
+                <a:satOff val="0"/>
+                <a:lumOff val="0"/>
+                <a:alphaOff val="0"/>
+                <a:tint val="73000"/>
+                <a:satMod val="103000"/>
+                <a:lumMod val="105000"/>
+              </a:schemeClr>
+            </a:gs>
+            <a:gs pos="100000">
+              <a:schemeClr val="accent1">
+                <a:hueOff val="0"/>
+                <a:satOff val="0"/>
+                <a:lumOff val="0"/>
+                <a:alphaOff val="0"/>
+                <a:tint val="81000"/>
+                <a:satMod val="109000"/>
+                <a:lumMod val="105000"/>
+              </a:schemeClr>
+            </a:gs>
+          </a:gsLst>
+          <a:lin ang="5400000" scaled="0"/>
+        </a:gradFill>
+        <a:ln>
+          <a:noFill/>
+        </a:ln>
+        <a:effectLst/>
+        <a:scene3d>
+          <a:camera prst="orthographicFront"/>
+          <a:lightRig rig="flat" dir="t"/>
+        </a:scene3d>
+        <a:sp3d prstMaterial="dkEdge">
+          <a:bevelT w="8200" h="38100"/>
+        </a:sp3d>
+      </dsp:spPr>
+      <dsp:style>
+        <a:lnRef idx="0">
+          <a:scrgbClr r="0" g="0" b="0"/>
+        </a:lnRef>
+        <a:fillRef idx="2">
+          <a:scrgbClr r="0" g="0" b="0"/>
+        </a:fillRef>
+        <a:effectRef idx="1">
+          <a:scrgbClr r="0" g="0" b="0"/>
+        </a:effectRef>
+        <a:fontRef idx="minor">
+          <a:schemeClr val="dk1"/>
+        </a:fontRef>
+      </dsp:style>
+      <dsp:txBody>
+        <a:bodyPr spcFirstLastPara="0" vert="horz" wrap="square" lIns="22860" tIns="22860" rIns="22860" bIns="22860" numCol="1" spcCol="1270" anchor="ctr" anchorCtr="0">
+          <a:noAutofit/>
+        </a:bodyPr>
+        <a:lstStyle/>
+        <a:p>
+          <a:pPr lvl="0" algn="ctr" defTabSz="1600200">
+            <a:lnSpc>
+              <a:spcPct val="90000"/>
+            </a:lnSpc>
+            <a:spcBef>
+              <a:spcPct val="0"/>
+            </a:spcBef>
+            <a:spcAft>
+              <a:spcPct val="35000"/>
+            </a:spcAft>
+          </a:pPr>
+          <a:r>
+            <a:rPr lang="en-US" sz="3600" kern="1200" dirty="0" smtClean="0"/>
+            <a:t>[1,1]</a:t>
+          </a:r>
+          <a:endParaRPr lang="en-US" sz="3600" kern="1200" dirty="0"/>
+        </a:p>
+      </dsp:txBody>
+      <dsp:txXfrm>
+        <a:off x="7763153" y="2724329"/>
+        <a:ext cx="1409573" cy="691321"/>
+      </dsp:txXfrm>
+    </dsp:sp>
+    <dsp:sp modelId="{764BD3A7-8FA4-5D4E-B731-FCE111AA504A}">
+      <dsp:nvSpPr>
+        <dsp:cNvPr id="0" name=""/>
+        <dsp:cNvSpPr/>
+      </dsp:nvSpPr>
+      <dsp:spPr>
+        <a:xfrm>
+          <a:off x="8126292" y="4179139"/>
+          <a:ext cx="1735646" cy="728085"/>
+        </a:xfrm>
+        <a:prstGeom prst="rect">
+          <a:avLst/>
+        </a:prstGeom>
+        <a:gradFill rotWithShape="0">
+          <a:gsLst>
+            <a:gs pos="0">
+              <a:schemeClr val="accent1">
+                <a:hueOff val="0"/>
+                <a:satOff val="0"/>
+                <a:lumOff val="0"/>
+                <a:alphaOff val="0"/>
+                <a:tint val="67000"/>
+                <a:satMod val="105000"/>
+                <a:lumMod val="110000"/>
+              </a:schemeClr>
+            </a:gs>
+            <a:gs pos="50000">
+              <a:schemeClr val="accent1">
+                <a:hueOff val="0"/>
+                <a:satOff val="0"/>
+                <a:lumOff val="0"/>
+                <a:alphaOff val="0"/>
+                <a:tint val="73000"/>
+                <a:satMod val="103000"/>
+                <a:lumMod val="105000"/>
+              </a:schemeClr>
+            </a:gs>
+            <a:gs pos="100000">
+              <a:schemeClr val="accent1">
+                <a:hueOff val="0"/>
+                <a:satOff val="0"/>
+                <a:lumOff val="0"/>
+                <a:alphaOff val="0"/>
+                <a:tint val="81000"/>
+                <a:satMod val="109000"/>
+                <a:lumMod val="105000"/>
+              </a:schemeClr>
+            </a:gs>
+          </a:gsLst>
+          <a:lin ang="5400000" scaled="0"/>
+        </a:gradFill>
+        <a:ln>
+          <a:noFill/>
+        </a:ln>
+        <a:effectLst/>
+        <a:scene3d>
+          <a:camera prst="orthographicFront"/>
+          <a:lightRig rig="flat" dir="t"/>
+        </a:scene3d>
+        <a:sp3d prstMaterial="dkEdge">
+          <a:bevelT w="8200" h="38100"/>
+        </a:sp3d>
+      </dsp:spPr>
+      <dsp:style>
+        <a:lnRef idx="0">
+          <a:scrgbClr r="0" g="0" b="0"/>
+        </a:lnRef>
+        <a:fillRef idx="2">
+          <a:scrgbClr r="0" g="0" b="0"/>
+        </a:fillRef>
+        <a:effectRef idx="1">
+          <a:scrgbClr r="0" g="0" b="0"/>
+        </a:effectRef>
+        <a:fontRef idx="minor">
+          <a:schemeClr val="dk1"/>
+        </a:fontRef>
+      </dsp:style>
+      <dsp:txBody>
+        <a:bodyPr spcFirstLastPara="0" vert="horz" wrap="square" lIns="22860" tIns="22860" rIns="22860" bIns="22860" numCol="1" spcCol="1270" anchor="ctr" anchorCtr="0">
+          <a:noAutofit/>
+        </a:bodyPr>
+        <a:lstStyle/>
+        <a:p>
+          <a:pPr lvl="0" algn="ctr" defTabSz="1600200">
+            <a:lnSpc>
+              <a:spcPct val="90000"/>
+            </a:lnSpc>
+            <a:spcBef>
+              <a:spcPct val="0"/>
+            </a:spcBef>
+            <a:spcAft>
+              <a:spcPct val="35000"/>
+            </a:spcAft>
+          </a:pPr>
+          <a:r>
+            <a:rPr lang="en-US" sz="3600" kern="1200" dirty="0" smtClean="0"/>
+            <a:t>[1,1,1]</a:t>
+          </a:r>
+          <a:endParaRPr lang="en-US" sz="3600" kern="1200" dirty="0"/>
+        </a:p>
+      </dsp:txBody>
+      <dsp:txXfrm>
+        <a:off x="8126292" y="4179139"/>
+        <a:ext cx="1735646" cy="728085"/>
+      </dsp:txXfrm>
+    </dsp:sp>
+    <dsp:sp modelId="{28A339C8-7EA8-924D-BCE4-45982A1C7BB8}">
+      <dsp:nvSpPr>
+        <dsp:cNvPr id="0" name=""/>
+        <dsp:cNvSpPr/>
+      </dsp:nvSpPr>
+      <dsp:spPr>
+        <a:xfrm>
+          <a:off x="8126292" y="5630453"/>
+          <a:ext cx="1735646" cy="728085"/>
+        </a:xfrm>
+        <a:prstGeom prst="rect">
+          <a:avLst/>
+        </a:prstGeom>
+        <a:gradFill rotWithShape="0">
+          <a:gsLst>
+            <a:gs pos="0">
+              <a:schemeClr val="accent1">
+                <a:hueOff val="0"/>
+                <a:satOff val="0"/>
+                <a:lumOff val="0"/>
+                <a:alphaOff val="0"/>
+                <a:tint val="67000"/>
+                <a:satMod val="105000"/>
+                <a:lumMod val="110000"/>
+              </a:schemeClr>
+            </a:gs>
+            <a:gs pos="50000">
+              <a:schemeClr val="accent1">
+                <a:hueOff val="0"/>
+                <a:satOff val="0"/>
+                <a:lumOff val="0"/>
+                <a:alphaOff val="0"/>
+                <a:tint val="73000"/>
+                <a:satMod val="103000"/>
+                <a:lumMod val="105000"/>
+              </a:schemeClr>
+            </a:gs>
+            <a:gs pos="100000">
+              <a:schemeClr val="accent1">
+                <a:hueOff val="0"/>
+                <a:satOff val="0"/>
+                <a:lumOff val="0"/>
+                <a:alphaOff val="0"/>
+                <a:tint val="81000"/>
+                <a:satMod val="109000"/>
+                <a:lumMod val="105000"/>
+              </a:schemeClr>
+            </a:gs>
+          </a:gsLst>
+          <a:lin ang="5400000" scaled="0"/>
+        </a:gradFill>
+        <a:ln>
+          <a:noFill/>
+        </a:ln>
+        <a:effectLst/>
+        <a:scene3d>
+          <a:camera prst="orthographicFront"/>
+          <a:lightRig rig="flat" dir="t"/>
+        </a:scene3d>
+        <a:sp3d prstMaterial="dkEdge">
+          <a:bevelT w="8200" h="38100"/>
+        </a:sp3d>
+      </dsp:spPr>
+      <dsp:style>
+        <a:lnRef idx="0">
+          <a:scrgbClr r="0" g="0" b="0"/>
+        </a:lnRef>
+        <a:fillRef idx="2">
+          <a:scrgbClr r="0" g="0" b="0"/>
+        </a:fillRef>
+        <a:effectRef idx="1">
+          <a:scrgbClr r="0" g="0" b="0"/>
+        </a:effectRef>
+        <a:fontRef idx="minor">
+          <a:schemeClr val="dk1"/>
+        </a:fontRef>
+      </dsp:style>
+      <dsp:txBody>
+        <a:bodyPr spcFirstLastPara="0" vert="horz" wrap="square" lIns="22860" tIns="22860" rIns="22860" bIns="22860" numCol="1" spcCol="1270" anchor="ctr" anchorCtr="0">
+          <a:noAutofit/>
+        </a:bodyPr>
+        <a:lstStyle/>
+        <a:p>
+          <a:pPr lvl="0" algn="ctr" defTabSz="1600200">
+            <a:lnSpc>
+              <a:spcPct val="90000"/>
+            </a:lnSpc>
+            <a:spcBef>
+              <a:spcPct val="0"/>
+            </a:spcBef>
+            <a:spcAft>
+              <a:spcPct val="35000"/>
+            </a:spcAft>
+          </a:pPr>
+          <a:r>
+            <a:rPr lang="en-US" sz="3600" kern="1200" dirty="0" smtClean="0"/>
+            <a:t>[1,1,0]</a:t>
+          </a:r>
+          <a:endParaRPr lang="en-US" sz="3600" kern="1200" dirty="0"/>
+        </a:p>
+      </dsp:txBody>
+      <dsp:txXfrm>
+        <a:off x="8126292" y="5630453"/>
+        <a:ext cx="1735646" cy="728085"/>
+      </dsp:txXfrm>
+    </dsp:sp>
+  </dsp:spTree>
+</dsp:drawing>
+</file>
+
+<file path=ppt/diagrams/layout1.xml><?xml version="1.0" encoding="utf-8"?>
+<dgm:layoutDef xmlns:dgm="http://schemas.openxmlformats.org/drawingml/2006/diagram" xmlns:a="http://schemas.openxmlformats.org/drawingml/2006/main" uniqueId="urn:microsoft.com/office/officeart/2005/8/layout/orgChart1">
+  <dgm:title val=""/>
+  <dgm:desc val=""/>
+  <dgm:catLst>
+    <dgm:cat type="hierarchy" pri="1000"/>
+    <dgm:cat type="convert" pri="6000"/>
+  </dgm:catLst>
+  <dgm:sampData>
+    <dgm:dataModel>
+      <dgm:ptLst>
+        <dgm:pt modelId="0" type="doc"/>
+        <dgm:pt modelId="1">
+          <dgm:prSet phldr="1"/>
+        </dgm:pt>
+        <dgm:pt modelId="2" type="asst">
+          <dgm:prSet phldr="1"/>
+        </dgm:pt>
+        <dgm:pt modelId="3">
+          <dgm:prSet phldr="1"/>
+        </dgm:pt>
+        <dgm:pt modelId="4">
+          <dgm:prSet phldr="1"/>
+        </dgm:pt>
+        <dgm:pt modelId="5">
+          <dgm:prSet phldr="1"/>
+        </dgm:pt>
+      </dgm:ptLst>
+      <dgm:cxnLst>
+        <dgm:cxn modelId="5" srcId="0" destId="1" srcOrd="0" destOrd="0"/>
+        <dgm:cxn modelId="6" srcId="1" destId="2" srcOrd="0" destOrd="0"/>
+        <dgm:cxn modelId="7" srcId="1" destId="3" srcOrd="1" destOrd="0"/>
+        <dgm:cxn modelId="8" srcId="1" destId="4" srcOrd="2" destOrd="0"/>
+        <dgm:cxn modelId="9" srcId="1" destId="5" srcOrd="3" destOrd="0"/>
+      </dgm:cxnLst>
+      <dgm:bg/>
+      <dgm:whole/>
+    </dgm:dataModel>
+  </dgm:sampData>
+  <dgm:styleData>
+    <dgm:dataModel>
+      <dgm:ptLst>
+        <dgm:pt modelId="0" type="doc"/>
+        <dgm:pt modelId="1"/>
+        <dgm:pt modelId="12"/>
+        <dgm:pt modelId="13"/>
+      </dgm:ptLst>
+      <dgm:cxnLst>
+        <dgm:cxn modelId="2" srcId="0" destId="1" srcOrd="0" destOrd="0"/>
+        <dgm:cxn modelId="16" srcId="1" destId="12" srcOrd="1" destOrd="0"/>
+        <dgm:cxn modelId="17" srcId="1" destId="13" srcOrd="2" destOrd="0"/>
+      </dgm:cxnLst>
+      <dgm:bg/>
+      <dgm:whole/>
+    </dgm:dataModel>
+  </dgm:styleData>
+  <dgm:clrData>
+    <dgm:dataModel>
+      <dgm:ptLst>
+        <dgm:pt modelId="0" type="doc"/>
+        <dgm:pt modelId="1"/>
+        <dgm:pt modelId="11" type="asst"/>
+        <dgm:pt modelId="12"/>
+        <dgm:pt modelId="13"/>
+        <dgm:pt modelId="14"/>
+      </dgm:ptLst>
+      <dgm:cxnLst>
+        <dgm:cxn modelId="2" srcId="0" destId="1" srcOrd="0" destOrd="0"/>
+        <dgm:cxn modelId="15" srcId="1" destId="11" srcOrd="0" destOrd="0"/>
+        <dgm:cxn modelId="16" srcId="1" destId="12" srcOrd="1" destOrd="0"/>
+        <dgm:cxn modelId="17" srcId="1" destId="13" srcOrd="2" destOrd="0"/>
+        <dgm:cxn modelId="18" srcId="1" destId="14" srcOrd="2" destOrd="0"/>
+      </dgm:cxnLst>
+      <dgm:bg/>
+      <dgm:whole/>
+    </dgm:dataModel>
+  </dgm:clrData>
+  <dgm:layoutNode name="hierChild1">
+    <dgm:varLst>
+      <dgm:orgChart val="1"/>
+      <dgm:chPref val="1"/>
+      <dgm:dir/>
+      <dgm:animOne val="branch"/>
+      <dgm:animLvl val="lvl"/>
+      <dgm:resizeHandles/>
+    </dgm:varLst>
+    <dgm:choose name="Name0">
+      <dgm:if name="Name1" func="var" arg="dir" op="equ" val="norm">
+        <dgm:alg type="hierChild">
+          <dgm:param type="linDir" val="fromL"/>
+        </dgm:alg>
+      </dgm:if>
+      <dgm:else name="Name2">
+        <dgm:alg type="hierChild">
+          <dgm:param type="linDir" val="fromR"/>
+        </dgm:alg>
+      </dgm:else>
+    </dgm:choose>
+    <dgm:shape xmlns:r="http://schemas.openxmlformats.org/officeDocument/2006/relationships" r:blip="">
+      <dgm:adjLst/>
+    </dgm:shape>
+    <dgm:presOf/>
+    <dgm:constrLst>
+      <dgm:constr type="w" for="des" forName="rootComposite1" refType="w" fact="10"/>
+      <dgm:constr type="h" for="des" forName="rootComposite1" refType="w" refFor="des" refForName="rootComposite1" fact="0.5"/>
+      <dgm:constr type="w" for="des" forName="rootComposite" refType="w" fact="10"/>
+      <dgm:constr type="h" for="des" forName="rootComposite" refType="w" refFor="des" refForName="rootComposite1" fact="0.5"/>
+      <dgm:constr type="w" for="des" forName="rootComposite3" refType="w" fact="10"/>
+      <dgm:constr type="h" for="des" forName="rootComposite3" refType="w" refFor="des" refForName="rootComposite1" fact="0.5"/>
+      <dgm:constr type="primFontSz" for="des" ptType="node" op="equ"/>
+      <dgm:constr type="sp" for="des" op="equ"/>
+      <dgm:constr type="sp" for="des" forName="hierRoot1" refType="w" refFor="des" refForName="rootComposite1" fact="0.21"/>
+      <dgm:constr type="sp" for="des" forName="hierRoot2" refType="sp" refFor="des" refForName="hierRoot1"/>
+      <dgm:constr type="sp" for="des" forName="hierRoot3" refType="sp" refFor="des" refForName="hierRoot1"/>
+      <dgm:constr type="sibSp" refType="w" refFor="des" refForName="rootComposite1" fact="0.21"/>
+      <dgm:constr type="sibSp" for="des" forName="hierChild2" refType="sibSp"/>
+      <dgm:constr type="sibSp" for="des" forName="hierChild3" refType="sibSp"/>
+      <dgm:constr type="sibSp" for="des" forName="hierChild4" refType="sibSp"/>
+      <dgm:constr type="sibSp" for="des" forName="hierChild5" refType="sibSp"/>
+      <dgm:constr type="sibSp" for="des" forName="hierChild6" refType="sibSp"/>
+      <dgm:constr type="sibSp" for="des" forName="hierChild7" refType="sibSp"/>
+      <dgm:constr type="secSibSp" refType="w" refFor="des" refForName="rootComposite1" fact="0.21"/>
+      <dgm:constr type="secSibSp" for="des" forName="hierChild2" refType="secSibSp"/>
+      <dgm:constr type="secSibSp" for="des" forName="hierChild3" refType="secSibSp"/>
+      <dgm:constr type="secSibSp" for="des" forName="hierChild4" refType="secSibSp"/>
+      <dgm:constr type="secSibSp" for="des" forName="hierChild5" refType="secSibSp"/>
+      <dgm:constr type="secSibSp" for="des" forName="hierChild6" refType="secSibSp"/>
+      <dgm:constr type="secSibSp" for="des" forName="hierChild7" refType="secSibSp"/>
+    </dgm:constrLst>
+    <dgm:ruleLst/>
+    <dgm:forEach name="Name3" axis="ch">
+      <dgm:forEach name="Name4" axis="self" ptType="node">
+        <dgm:layoutNode name="hierRoot1">
+          <dgm:varLst>
+            <dgm:hierBranch val="init"/>
+          </dgm:varLst>
+          <dgm:choose name="Name5">
+            <dgm:if name="Name6" func="var" arg="hierBranch" op="equ" val="l">
+              <dgm:choose name="Name7">
+                <dgm:if name="Name8" axis="ch" ptType="asst" func="cnt" op="gte" val="1">
+                  <dgm:alg type="hierRoot">
+                    <dgm:param type="hierAlign" val="tR"/>
+                  </dgm:alg>
+                  <dgm:constrLst>
+                    <dgm:constr type="alignOff" val="0.65"/>
+                  </dgm:constrLst>
+                </dgm:if>
+                <dgm:else name="Name9">
+                  <dgm:alg type="hierRoot">
+                    <dgm:param type="hierAlign" val="tR"/>
+                  </dgm:alg>
+                  <dgm:constrLst>
+                    <dgm:constr type="alignOff" val="0.25"/>
+                  </dgm:constrLst>
+                </dgm:else>
+              </dgm:choose>
+            </dgm:if>
+            <dgm:if name="Name10" func="var" arg="hierBranch" op="equ" val="r">
+              <dgm:choose name="Name11">
+                <dgm:if name="Name12" axis="ch" ptType="asst" func="cnt" op="gte" val="1">
+                  <dgm:alg type="hierRoot">
+                    <dgm:param type="hierAlign" val="tL"/>
+                  </dgm:alg>
+                  <dgm:constrLst>
+                    <dgm:constr type="alignOff" val="0.65"/>
+                  </dgm:constrLst>
+                </dgm:if>
+                <dgm:else name="Name13">
+                  <dgm:alg type="hierRoot">
+                    <dgm:param type="hierAlign" val="tL"/>
+                  </dgm:alg>
+                  <dgm:constrLst>
+                    <dgm:constr type="alignOff" val="0.25"/>
+                  </dgm:constrLst>
+                </dgm:else>
+              </dgm:choose>
+            </dgm:if>
+            <dgm:if name="Name14" func="var" arg="hierBranch" op="equ" val="hang">
+              <dgm:alg type="hierRoot"/>
+              <dgm:constrLst>
+                <dgm:constr type="alignOff" val="0.65"/>
+              </dgm:constrLst>
+            </dgm:if>
+            <dgm:else name="Name15">
+              <dgm:alg type="hierRoot"/>
+              <dgm:constrLst>
+                <dgm:constr type="alignOff"/>
+                <dgm:constr type="bendDist" for="des" ptType="parTrans" refType="sp" fact="0.5"/>
+              </dgm:constrLst>
+            </dgm:else>
+          </dgm:choose>
+          <dgm:shape xmlns:r="http://schemas.openxmlformats.org/officeDocument/2006/relationships" r:blip="">
+            <dgm:adjLst/>
+          </dgm:shape>
+          <dgm:presOf/>
+          <dgm:ruleLst/>
+          <dgm:layoutNode name="rootComposite1">
+            <dgm:alg type="composite"/>
+            <dgm:shape xmlns:r="http://schemas.openxmlformats.org/officeDocument/2006/relationships" r:blip="">
+              <dgm:adjLst/>
+            </dgm:shape>
+            <dgm:presOf axis="self" ptType="node" cnt="1"/>
+            <dgm:choose name="Name16">
+              <dgm:if name="Name17" func="var" arg="hierBranch" op="equ" val="init">
+                <dgm:constrLst>
+                  <dgm:constr type="l" for="ch" forName="rootText1"/>
+                  <dgm:constr type="t" for="ch" forName="rootText1"/>
+                  <dgm:constr type="w" for="ch" forName="rootText1" refType="w"/>
+                  <dgm:constr type="h" for="ch" forName="rootText1" refType="h"/>
+                  <dgm:constr type="l" for="ch" forName="rootConnector1"/>
+                  <dgm:constr type="t" for="ch" forName="rootConnector1"/>
+                  <dgm:constr type="w" for="ch" forName="rootConnector1" refType="w" refFor="ch" refForName="rootText1" fact="0.2"/>
+                  <dgm:constr type="h" for="ch" forName="rootConnector1" refType="h" refFor="ch" refForName="rootText1"/>
+                </dgm:constrLst>
+              </dgm:if>
+              <dgm:if name="Name18" func="var" arg="hierBranch" op="equ" val="l">
+                <dgm:constrLst>
+                  <dgm:constr type="l" for="ch" forName="rootText1"/>
+                  <dgm:constr type="t" for="ch" forName="rootText1"/>
+                  <dgm:constr type="w" for="ch" forName="rootText1" refType="w"/>
+                  <dgm:constr type="h" for="ch" forName="rootText1" refType="h"/>
+                  <dgm:constr type="r" for="ch" forName="rootConnector1" refType="w"/>
+                  <dgm:constr type="t" for="ch" forName="rootConnector1"/>
+                  <dgm:constr type="w" for="ch" forName="rootConnector1" refType="w" refFor="ch" refForName="rootText1" fact="0.2"/>
+                  <dgm:constr type="h" for="ch" forName="rootConnector1" refType="h" refFor="ch" refForName="rootText1"/>
+                </dgm:constrLst>
+              </dgm:if>
+              <dgm:if name="Name19" func="var" arg="hierBranch" op="equ" val="r">
+                <dgm:constrLst>
+                  <dgm:constr type="l" for="ch" forName="rootText1"/>
+                  <dgm:constr type="t" for="ch" forName="rootText1"/>
+                  <dgm:constr type="w" for="ch" forName="rootText1" refType="w"/>
+                  <dgm:constr type="h" for="ch" forName="rootText1" refType="h"/>
+                  <dgm:constr type="l" for="ch" forName="rootConnector1"/>
+                  <dgm:constr type="t" for="ch" forName="rootConnector1"/>
+                  <dgm:constr type="w" for="ch" forName="rootConnector1" refType="w" refFor="ch" refForName="rootText1" fact="0.2"/>
+                  <dgm:constr type="h" for="ch" forName="rootConnector1" refType="h" refFor="ch" refForName="rootText1"/>
+                </dgm:constrLst>
+              </dgm:if>
+              <dgm:else name="Name20">
+                <dgm:constrLst>
+                  <dgm:constr type="l" for="ch" forName="rootText1"/>
+                  <dgm:constr type="t" for="ch" forName="rootText1"/>
+                  <dgm:constr type="w" for="ch" forName="rootText1" refType="w"/>
+                  <dgm:constr type="h" for="ch" forName="rootText1" refType="h"/>
+                  <dgm:constr type="r" for="ch" forName="rootConnector1" refType="w"/>
+                  <dgm:constr type="t" for="ch" forName="rootConnector1"/>
+                  <dgm:constr type="w" for="ch" forName="rootConnector1" refType="w" refFor="ch" refForName="rootText1" fact="0.2"/>
+                  <dgm:constr type="h" for="ch" forName="rootConnector1" refType="h" refFor="ch" refForName="rootText1"/>
+                </dgm:constrLst>
+              </dgm:else>
+            </dgm:choose>
+            <dgm:ruleLst/>
+            <dgm:layoutNode name="rootText1" styleLbl="node0">
+              <dgm:varLst>
+                <dgm:chPref val="3"/>
+              </dgm:varLst>
+              <dgm:alg type="tx"/>
+              <dgm:shape xmlns:r="http://schemas.openxmlformats.org/officeDocument/2006/relationships" type="rect" r:blip="">
+                <dgm:adjLst/>
+              </dgm:shape>
+              <dgm:presOf axis="self" ptType="node" cnt="1"/>
+              <dgm:constrLst>
+                <dgm:constr type="primFontSz" val="65"/>
+                <dgm:constr type="lMarg" refType="primFontSz" fact="0.05"/>
+                <dgm:constr type="rMarg" refType="primFontSz" fact="0.05"/>
+                <dgm:constr type="tMarg" refType="primFontSz" fact="0.05"/>
+                <dgm:constr type="bMarg" refType="primFontSz" fact="0.05"/>
+              </dgm:constrLst>
+              <dgm:ruleLst>
+                <dgm:rule type="primFontSz" val="5" fact="NaN" max="NaN"/>
+              </dgm:ruleLst>
+            </dgm:layoutNode>
+            <dgm:layoutNode name="rootConnector1" moveWith="rootText1">
+              <dgm:alg type="sp"/>
+              <dgm:shape xmlns:r="http://schemas.openxmlformats.org/officeDocument/2006/relationships" type="rect" r:blip="" hideGeom="1">
+                <dgm:adjLst/>
+              </dgm:shape>
+              <dgm:presOf axis="self" ptType="node" cnt="1"/>
+              <dgm:constrLst/>
+              <dgm:ruleLst/>
+            </dgm:layoutNode>
+          </dgm:layoutNode>
+          <dgm:layoutNode name="hierChild2">
+            <dgm:choose name="Name21">
+              <dgm:if name="Name22" func="var" arg="hierBranch" op="equ" val="l">
+                <dgm:alg type="hierChild">
+                  <dgm:param type="chAlign" val="r"/>
+                  <dgm:param type="linDir" val="fromT"/>
+                </dgm:alg>
+              </dgm:if>
+              <dgm:if name="Name23" func="var" arg="hierBranch" op="equ" val="r">
+                <dgm:alg type="hierChild">
+                  <dgm:param type="chAlign" val="l"/>
+                  <dgm:param type="linDir" val="fromT"/>
+                </dgm:alg>
+              </dgm:if>
+              <dgm:if name="Name24" func="var" arg="hierBranch" op="equ" val="hang">
+                <dgm:choose name="Name25">
+                  <dgm:if name="Name26" func="var" arg="dir" op="equ" val="norm">
+                    <dgm:alg type="hierChild">
+                      <dgm:param type="chAlign" val="l"/>
+                      <dgm:param type="linDir" val="fromL"/>
+                      <dgm:param type="secChAlign" val="t"/>
+                      <dgm:param type="secLinDir" val="fromT"/>
+                    </dgm:alg>
+                  </dgm:if>
+                  <dgm:else name="Name27">
+                    <dgm:alg type="hierChild">
+                      <dgm:param type="chAlign" val="l"/>
+                      <dgm:param type="linDir" val="fromR"/>
+                      <dgm:param type="secChAlign" val="t"/>
+                      <dgm:param type="secLinDir" val="fromT"/>
+                    </dgm:alg>
+                  </dgm:else>
+                </dgm:choose>
+              </dgm:if>
+              <dgm:else name="Name28">
+                <dgm:choose name="Name29">
+                  <dgm:if name="Name30" func="var" arg="dir" op="equ" val="norm">
+                    <dgm:alg type="hierChild"/>
+                  </dgm:if>
+                  <dgm:else name="Name31">
+                    <dgm:alg type="hierChild">
+                      <dgm:param type="linDir" val="fromR"/>
+                    </dgm:alg>
+                  </dgm:else>
+                </dgm:choose>
+              </dgm:else>
+            </dgm:choose>
+            <dgm:shape xmlns:r="http://schemas.openxmlformats.org/officeDocument/2006/relationships" r:blip="">
+              <dgm:adjLst/>
+            </dgm:shape>
+            <dgm:presOf/>
+            <dgm:constrLst/>
+            <dgm:ruleLst/>
+            <dgm:forEach name="rep2a" axis="ch" ptType="nonAsst">
+              <dgm:forEach name="Name32" axis="precedSib" ptType="parTrans" st="-1" cnt="1">
+                <dgm:choose name="Name33">
+                  <dgm:if name="Name34" func="var" arg="hierBranch" op="equ" val="std">
+                    <dgm:layoutNode name="Name35">
+                      <dgm:alg type="conn">
+                        <dgm:param type="connRout" val="bend"/>
+                        <dgm:param type="dim" val="1D"/>
+                        <dgm:param type="endSty" val="noArr"/>
+                        <dgm:param type="begPts" val="bCtr"/>
+                        <dgm:param type="endPts" val="tCtr"/>
+                        <dgm:param type="bendPt" val="end"/>
+                      </dgm:alg>
+                      <dgm:shape xmlns:r="http://schemas.openxmlformats.org/officeDocument/2006/relationships" type="conn" r:blip="" zOrderOff="-99999">
+                        <dgm:adjLst/>
+                      </dgm:shape>
+                      <dgm:presOf axis="self"/>
+                      <dgm:constrLst>
+                        <dgm:constr type="begPad"/>
+                        <dgm:constr type="endPad"/>
+                      </dgm:constrLst>
+                      <dgm:ruleLst/>
+                    </dgm:layoutNode>
+                  </dgm:if>
+                  <dgm:if name="Name36" func="var" arg="hierBranch" op="equ" val="init">
+                    <dgm:layoutNode name="Name37">
+                      <dgm:choose name="Name38">
+                        <dgm:if name="Name39" axis="self" func="depth" op="lte" val="2">
+                          <dgm:alg type="conn">
+                            <dgm:param type="connRout" val="bend"/>
+                            <dgm:param type="dim" val="1D"/>
+                            <dgm:param type="endSty" val="noArr"/>
+                            <dgm:param type="begPts" val="bCtr"/>
+                            <dgm:param type="endPts" val="tCtr"/>
+                            <dgm:param type="bendPt" val="end"/>
+                          </dgm:alg>
+                        </dgm:if>
+                        <dgm:else name="Name40">
+                          <dgm:choose name="Name41">
+                            <dgm:if name="Name42" axis="par des" func="maxDepth" op="lte" val="1">
+                              <dgm:choose name="Name43">
+                                <dgm:if name="Name44" axis="par ch" ptType="node asst" func="cnt" op="gte" val="1">
+                                  <dgm:alg type="conn">
+                                    <dgm:param type="connRout" val="bend"/>
+                                    <dgm:param type="dim" val="1D"/>
+                                    <dgm:param type="endSty" val="noArr"/>
+                                    <dgm:param type="begPts" val="bCtr"/>
+                                    <dgm:param type="endPts" val="midL midR"/>
+                                  </dgm:alg>
+                                </dgm:if>
+                                <dgm:else name="Name45">
+                                  <dgm:alg type="conn">
+                                    <dgm:param type="connRout" val="bend"/>
+                                    <dgm:param type="dim" val="1D"/>
+                                    <dgm:param type="endSty" val="noArr"/>
+                                    <dgm:param type="begPts" val="bCtr"/>
+                                    <dgm:param type="endPts" val="midL midR"/>
+                                    <dgm:param type="srcNode" val="rootConnector"/>
+                                  </dgm:alg>
+                                </dgm:else>
+                              </dgm:choose>
+                            </dgm:if>
+                            <dgm:else name="Name46">
+                              <dgm:alg type="conn">
+                                <dgm:param type="connRout" val="bend"/>
+                                <dgm:param type="dim" val="1D"/>
+                                <dgm:param type="endSty" val="noArr"/>
+                                <dgm:param type="begPts" val="bCtr"/>
+                                <dgm:param type="endPts" val="tCtr"/>
+                                <dgm:param type="bendPt" val="end"/>
+                              </dgm:alg>
+                            </dgm:else>
+                          </dgm:choose>
+                        </dgm:else>
+                      </dgm:choose>
+                      <dgm:shape xmlns:r="http://schemas.openxmlformats.org/officeDocument/2006/relationships" type="conn" r:blip="" zOrderOff="-99999">
+                        <dgm:adjLst/>
+                      </dgm:shape>
+                      <dgm:presOf axis="self"/>
+                      <dgm:constrLst>
+                        <dgm:constr type="begPad"/>
+                        <dgm:constr type="endPad"/>
+                      </dgm:constrLst>
+                      <dgm:ruleLst/>
+                    </dgm:layoutNode>
+                  </dgm:if>
+                  <dgm:if name="Name47" func="var" arg="hierBranch" op="equ" val="hang">
+                    <dgm:layoutNode name="Name48">
+                      <dgm:alg type="conn">
+                        <dgm:param type="connRout" val="bend"/>
+                        <dgm:param type="dim" val="1D"/>
+                        <dgm:param type="endSty" val="noArr"/>
+                        <dgm:param type="begPts" val="bCtr"/>
+                        <dgm:param type="endPts" val="midL midR"/>
+                      </dgm:alg>
+                      <dgm:shape xmlns:r="http://schemas.openxmlformats.org/officeDocument/2006/relationships" type="conn" r:blip="" zOrderOff="-99999">
+                        <dgm:adjLst/>
+                      </dgm:shape>
+                      <dgm:presOf axis="self"/>
+                      <dgm:constrLst>
+                        <dgm:constr type="begPad"/>
+                        <dgm:constr type="endPad"/>
+                      </dgm:constrLst>
+                      <dgm:ruleLst/>
+                    </dgm:layoutNode>
+                  </dgm:if>
+                  <dgm:else name="Name49">
+                    <dgm:layoutNode name="Name50">
+                      <dgm:choose name="Name51">
+                        <dgm:if name="Name52" axis="self" func="depth" op="lte" val="2">
+                          <dgm:choose name="Name53">
+                            <dgm:if name="Name54" axis="par ch" ptType="node asst" func="cnt" op="gte" val="1">
+                              <dgm:alg type="conn">
+                                <dgm:param type="connRout" val="bend"/>
+                                <dgm:param type="dim" val="1D"/>
+                                <dgm:param type="endSty" val="noArr"/>
+                                <dgm:param type="begPts" val="bCtr"/>
+                                <dgm:param type="endPts" val="midL midR"/>
+                              </dgm:alg>
+                            </dgm:if>
+                            <dgm:else name="Name55">
+                              <dgm:alg type="conn">
+                                <dgm:param type="connRout" val="bend"/>
+                                <dgm:param type="dim" val="1D"/>
+                                <dgm:param type="endSty" val="noArr"/>
+                                <dgm:param type="begPts" val="bCtr"/>
+                                <dgm:param type="endPts" val="midL midR"/>
+                                <dgm:param type="srcNode" val="rootConnector1"/>
+                              </dgm:alg>
+                            </dgm:else>
+                          </dgm:choose>
+                        </dgm:if>
+                        <dgm:else name="Name56">
+                          <dgm:choose name="Name57">
+                            <dgm:if name="Name58" axis="par ch" ptType="node asst" func="cnt" op="gte" val="1">
+                              <dgm:alg type="conn">
+                                <dgm:param type="connRout" val="bend"/>
+                                <dgm:param type="dim" val="1D"/>
+                                <dgm:param type="endSty" val="noArr"/>
+                                <dgm:param type="begPts" val="bCtr"/>
+                                <dgm:param type="endPts" val="midL midR"/>
+                              </dgm:alg>
+                            </dgm:if>
+                            <dgm:else name="Name59">
+                              <dgm:alg type="conn">
+                                <dgm:param type="connRout" val="bend"/>
+                                <dgm:param type="dim" val="1D"/>
+                                <dgm:param type="endSty" val="noArr"/>
+                                <dgm:param type="begPts" val="bCtr"/>
+                                <dgm:param type="endPts" val="midL midR"/>
+                                <dgm:param type="srcNode" val="rootConnector"/>
+                              </dgm:alg>
+                            </dgm:else>
+                          </dgm:choose>
+                        </dgm:else>
+                      </dgm:choose>
+                      <dgm:shape xmlns:r="http://schemas.openxmlformats.org/officeDocument/2006/relationships" type="conn" r:blip="" zOrderOff="-99999">
+                        <dgm:adjLst/>
+                      </dgm:shape>
+                      <dgm:presOf axis="self"/>
+                      <dgm:constrLst>
+                        <dgm:constr type="begPad"/>
+                        <dgm:constr type="endPad"/>
+                      </dgm:constrLst>
+                      <dgm:ruleLst/>
+                    </dgm:layoutNode>
+                  </dgm:else>
+                </dgm:choose>
+              </dgm:forEach>
+              <dgm:layoutNode name="hierRoot2">
+                <dgm:varLst>
+                  <dgm:hierBranch val="init"/>
+                </dgm:varLst>
+                <dgm:choose name="Name60">
+                  <dgm:if name="Name61" func="var" arg="hierBranch" op="equ" val="l">
+                    <dgm:choose name="Name62">
+                      <dgm:if name="Name63" axis="ch" ptType="asst" func="cnt" op="gte" val="1">
+                        <dgm:alg type="hierRoot">
+                          <dgm:param type="hierAlign" val="tR"/>
+                        </dgm:alg>
+                        <dgm:shape xmlns:r="http://schemas.openxmlformats.org/officeDocument/2006/relationships" r:blip="">
+                          <dgm:adjLst/>
+                        </dgm:shape>
+                        <dgm:presOf/>
+                        <dgm:constrLst>
+                          <dgm:constr type="alignOff" val="0.65"/>
+                        </dgm:constrLst>
+                      </dgm:if>
+                      <dgm:else name="Name64">
+                        <dgm:alg type="hierRoot">
+                          <dgm:param type="hierAlign" val="tR"/>
+                        </dgm:alg>
+                        <dgm:shape xmlns:r="http://schemas.openxmlformats.org/officeDocument/2006/relationships" r:blip="">
+                          <dgm:adjLst/>
+                        </dgm:shape>
+                        <dgm:presOf/>
+                        <dgm:constrLst>
+                          <dgm:constr type="alignOff" val="0.25"/>
+                        </dgm:constrLst>
+                      </dgm:else>
+                    </dgm:choose>
+                  </dgm:if>
+                  <dgm:if name="Name65" func="var" arg="hierBranch" op="equ" val="r">
+                    <dgm:choose name="Name66">
+                      <dgm:if name="Name67" axis="ch" ptType="asst" func="cnt" op="gte" val="1">
+                        <dgm:alg type="hierRoot">
+                          <dgm:param type="hierAlign" val="tL"/>
+                        </dgm:alg>
+                        <dgm:shape xmlns:r="http://schemas.openxmlformats.org/officeDocument/2006/relationships" r:blip="">
+                          <dgm:adjLst/>
+                        </dgm:shape>
+                        <dgm:presOf/>
+                        <dgm:constrLst>
+                          <dgm:constr type="alignOff" val="0.65"/>
+                        </dgm:constrLst>
+                      </dgm:if>
+                      <dgm:else name="Name68">
+                        <dgm:alg type="hierRoot">
+                          <dgm:param type="hierAlign" val="tL"/>
+                        </dgm:alg>
+                        <dgm:shape xmlns:r="http://schemas.openxmlformats.org/officeDocument/2006/relationships" r:blip="">
+                          <dgm:adjLst/>
+                        </dgm:shape>
+                        <dgm:presOf/>
+                        <dgm:constrLst>
+                          <dgm:constr type="alignOff" val="0.25"/>
+                        </dgm:constrLst>
+                      </dgm:else>
+                    </dgm:choose>
+                  </dgm:if>
+                  <dgm:if name="Name69" func="var" arg="hierBranch" op="equ" val="std">
+                    <dgm:alg type="hierRoot"/>
+                    <dgm:shape xmlns:r="http://schemas.openxmlformats.org/officeDocument/2006/relationships" r:blip="">
+                      <dgm:adjLst/>
+                    </dgm:shape>
+                    <dgm:presOf/>
+                    <dgm:constrLst>
+                      <dgm:constr type="alignOff"/>
+                      <dgm:constr type="bendDist" for="des" ptType="parTrans" refType="sp" fact="0.5"/>
+                    </dgm:constrLst>
+                  </dgm:if>
+                  <dgm:if name="Name70" func="var" arg="hierBranch" op="equ" val="init">
+                    <dgm:choose name="Name71">
+                      <dgm:if name="Name72" axis="des" func="maxDepth" op="lte" val="1">
+                        <dgm:choose name="Name73">
+                          <dgm:if name="Name74" axis="ch" ptType="asst" func="cnt" op="gte" val="1">
+                            <dgm:alg type="hierRoot">
+                              <dgm:param type="hierAlign" val="tL"/>
+                            </dgm:alg>
+                            <dgm:shape xmlns:r="http://schemas.openxmlformats.org/officeDocument/2006/relationships" r:blip="">
+                              <dgm:adjLst/>
+                            </dgm:shape>
+                            <dgm:presOf/>
+                            <dgm:constrLst>
+                              <dgm:constr type="alignOff" val="0.65"/>
+                            </dgm:constrLst>
+                          </dgm:if>
+                          <dgm:else name="Name75">
+                            <dgm:alg type="hierRoot">
+                              <dgm:param type="hierAlign" val="tL"/>
+                            </dgm:alg>
+                            <dgm:shape xmlns:r="http://schemas.openxmlformats.org/officeDocument/2006/relationships" r:blip="">
+                              <dgm:adjLst/>
+                            </dgm:shape>
+                            <dgm:presOf/>
+                            <dgm:constrLst>
+                              <dgm:constr type="alignOff" val="0.25"/>
+                            </dgm:constrLst>
+                          </dgm:else>
+                        </dgm:choose>
+                      </dgm:if>
+                      <dgm:else name="Name76">
+                        <dgm:alg type="hierRoot"/>
+                        <dgm:shape xmlns:r="http://schemas.openxmlformats.org/officeDocument/2006/relationships" r:blip="">
+                          <dgm:adjLst/>
+                        </dgm:shape>
+                        <dgm:presOf/>
+                        <dgm:constrLst>
+                          <dgm:constr type="alignOff"/>
+                          <dgm:constr type="bendDist" for="des" ptType="parTrans" refType="sp" fact="0.5"/>
+                        </dgm:constrLst>
+                      </dgm:else>
+                    </dgm:choose>
+                  </dgm:if>
+                  <dgm:else name="Name77">
+                    <dgm:alg type="hierRoot"/>
+                    <dgm:shape xmlns:r="http://schemas.openxmlformats.org/officeDocument/2006/relationships" r:blip="">
+                      <dgm:adjLst/>
+                    </dgm:shape>
+                    <dgm:presOf/>
+                    <dgm:constrLst>
+                      <dgm:constr type="alignOff" val="0.65"/>
+                    </dgm:constrLst>
+                  </dgm:else>
+                </dgm:choose>
+                <dgm:ruleLst/>
+                <dgm:layoutNode name="rootComposite">
+                  <dgm:alg type="composite"/>
+                  <dgm:shape xmlns:r="http://schemas.openxmlformats.org/officeDocument/2006/relationships" r:blip="">
+                    <dgm:adjLst/>
+                  </dgm:shape>
+                  <dgm:presOf axis="self" ptType="node" cnt="1"/>
+                  <dgm:choose name="Name78">
+                    <dgm:if name="Name79" func="var" arg="hierBranch" op="equ" val="init">
+                      <dgm:constrLst>
+                        <dgm:constr type="l" for="ch" forName="rootText"/>
+                        <dgm:constr type="t" for="ch" forName="rootText"/>
+                        <dgm:constr type="w" for="ch" forName="rootText" refType="w"/>
+                        <dgm:constr type="h" for="ch" forName="rootText" refType="h"/>
+                        <dgm:constr type="l" for="ch" forName="rootConnector"/>
+                        <dgm:constr type="t" for="ch" forName="rootConnector"/>
+                        <dgm:constr type="w" for="ch" forName="rootConnector" refType="w" refFor="ch" refForName="rootText" fact="0.2"/>
+                        <dgm:constr type="h" for="ch" forName="rootConnector" refType="h" refFor="ch" refForName="rootText"/>
+                      </dgm:constrLst>
+                    </dgm:if>
+                    <dgm:if name="Name80" func="var" arg="hierBranch" op="equ" val="l">
+                      <dgm:constrLst>
+                        <dgm:constr type="l" for="ch" forName="rootText"/>
+                        <dgm:constr type="t" for="ch" forName="rootText"/>
+                        <dgm:constr type="w" for="ch" forName="rootText" refType="w"/>
+                        <dgm:constr type="h" for="ch" forName="rootText" refType="h"/>
+                        <dgm:constr type="r" for="ch" forName="rootConnector" refType="w"/>
+                        <dgm:constr type="t" for="ch" forName="rootConnector"/>
+                        <dgm:constr type="w" for="ch" forName="rootConnector" refType="w" refFor="ch" refForName="rootText" fact="0.2"/>
+                        <dgm:constr type="h" for="ch" forName="rootConnector" refType="h" refFor="ch" refForName="rootText"/>
+                      </dgm:constrLst>
+                    </dgm:if>
+                    <dgm:if name="Name81" func="var" arg="hierBranch" op="equ" val="r">
+                      <dgm:constrLst>
+                        <dgm:constr type="l" for="ch" forName="rootText"/>
+                        <dgm:constr type="t" for="ch" forName="rootText"/>
+                        <dgm:constr type="w" for="ch" forName="rootText" refType="w"/>
+                        <dgm:constr type="h" for="ch" forName="rootText" refType="h"/>
+                        <dgm:constr type="l" for="ch" forName="rootConnector"/>
+                        <dgm:constr type="t" for="ch" forName="rootConnector"/>
+                        <dgm:constr type="w" for="ch" forName="rootConnector" refType="w" refFor="ch" refForName="rootText" fact="0.2"/>
+                        <dgm:constr type="h" for="ch" forName="rootConnector" refType="h" refFor="ch" refForName="rootText"/>
+                      </dgm:constrLst>
+                    </dgm:if>
+                    <dgm:else name="Name82">
+                      <dgm:constrLst>
+                        <dgm:constr type="l" for="ch" forName="rootText"/>
+                        <dgm:constr type="t" for="ch" forName="rootText"/>
+                        <dgm:constr type="w" for="ch" forName="rootText" refType="w"/>
+                        <dgm:constr type="h" for="ch" forName="rootText" refType="h"/>
+                        <dgm:constr type="r" for="ch" forName="rootConnector" refType="w"/>
+                        <dgm:constr type="t" for="ch" forName="rootConnector"/>
+                        <dgm:constr type="w" for="ch" forName="rootConnector" refType="w" refFor="ch" refForName="rootText" fact="0.2"/>
+                        <dgm:constr type="h" for="ch" forName="rootConnector" refType="h" refFor="ch" refForName="rootText"/>
+                      </dgm:constrLst>
+                    </dgm:else>
+                  </dgm:choose>
+                  <dgm:ruleLst/>
+                  <dgm:layoutNode name="rootText">
+                    <dgm:varLst>
+                      <dgm:chPref val="3"/>
+                    </dgm:varLst>
+                    <dgm:alg type="tx"/>
+                    <dgm:shape xmlns:r="http://schemas.openxmlformats.org/officeDocument/2006/relationships" type="rect" r:blip="">
+                      <dgm:adjLst/>
+                    </dgm:shape>
+                    <dgm:presOf axis="self" ptType="node" cnt="1"/>
+                    <dgm:constrLst>
+                      <dgm:constr type="primFontSz" val="65"/>
+                      <dgm:constr type="lMarg" refType="primFontSz" fact="0.05"/>
+                      <dgm:constr type="rMarg" refType="primFontSz" fact="0.05"/>
+                      <dgm:constr type="tMarg" refType="primFontSz" fact="0.05"/>
+                      <dgm:constr type="bMarg" refType="primFontSz" fact="0.05"/>
+                    </dgm:constrLst>
+                    <dgm:ruleLst>
+                      <dgm:rule type="primFontSz" val="5" fact="NaN" max="NaN"/>
+                    </dgm:ruleLst>
+                  </dgm:layoutNode>
+                  <dgm:layoutNode name="rootConnector" moveWith="rootText">
+                    <dgm:alg type="sp"/>
+                    <dgm:shape xmlns:r="http://schemas.openxmlformats.org/officeDocument/2006/relationships" type="rect" r:blip="" hideGeom="1">
+                      <dgm:adjLst/>
+                    </dgm:shape>
+                    <dgm:presOf axis="self" ptType="node" cnt="1"/>
+                    <dgm:constrLst/>
+                    <dgm:ruleLst/>
+                  </dgm:layoutNode>
+                </dgm:layoutNode>
+                <dgm:layoutNode name="hierChild4">
+                  <dgm:choose name="Name83">
+                    <dgm:if name="Name84" func="var" arg="hierBranch" op="equ" val="l">
+                      <dgm:alg type="hierChild">
+                        <dgm:param type="chAlign" val="r"/>
+                        <dgm:param type="linDir" val="fromT"/>
+                      </dgm:alg>
+                    </dgm:if>
+                    <dgm:if name="Name85" func="var" arg="hierBranch" op="equ" val="r">
+                      <dgm:alg type="hierChild">
+                        <dgm:param type="chAlign" val="l"/>
+                        <dgm:param type="linDir" val="fromT"/>
+                      </dgm:alg>
+                    </dgm:if>
+                    <dgm:if name="Name86" func="var" arg="hierBranch" op="equ" val="hang">
+                      <dgm:choose name="Name87">
+                        <dgm:if name="Name88" func="var" arg="dir" op="equ" val="norm">
+                          <dgm:alg type="hierChild">
+                            <dgm:param type="chAlign" val="l"/>
+                            <dgm:param type="linDir" val="fromL"/>
+                            <dgm:param type="secChAlign" val="t"/>
+                            <dgm:param type="secLinDir" val="fromT"/>
+                          </dgm:alg>
+                        </dgm:if>
+                        <dgm:else name="Name89">
+                          <dgm:alg type="hierChild">
+                            <dgm:param type="chAlign" val="l"/>
+                            <dgm:param type="linDir" val="fromR"/>
+                            <dgm:param type="secChAlign" val="t"/>
+                            <dgm:param type="secLinDir" val="fromT"/>
+                          </dgm:alg>
+                        </dgm:else>
+                      </dgm:choose>
+                    </dgm:if>
+                    <dgm:if name="Name90" func="var" arg="hierBranch" op="equ" val="std">
+                      <dgm:choose name="Name91">
+                        <dgm:if name="Name92" func="var" arg="dir" op="equ" val="norm">
+                          <dgm:alg type="hierChild"/>
+                        </dgm:if>
+                        <dgm:else name="Name93">
+                          <dgm:alg type="hierChild">
+                            <dgm:param type="linDir" val="fromR"/>
+                          </dgm:alg>
+                        </dgm:else>
+                      </dgm:choose>
+                    </dgm:if>
+                    <dgm:if name="Name94" func="var" arg="hierBranch" op="equ" val="init">
+                      <dgm:choose name="Name95">
+                        <dgm:if name="Name96" axis="des" func="maxDepth" op="lte" val="1">
+                          <dgm:alg type="hierChild">
+                            <dgm:param type="chAlign" val="l"/>
+                            <dgm:param type="linDir" val="fromT"/>
+                          </dgm:alg>
+                        </dgm:if>
+                        <dgm:else name="Name97">
+                          <dgm:choose name="Name98">
+                            <dgm:if name="Name99" func="var" arg="dir" op="equ" val="norm">
+                              <dgm:alg type="hierChild"/>
+                            </dgm:if>
+                            <dgm:else name="Name100">
+                              <dgm:alg type="hierChild">
+                                <dgm:param type="linDir" val="fromR"/>
+                              </dgm:alg>
+                            </dgm:else>
+                          </dgm:choose>
+                        </dgm:else>
+                      </dgm:choose>
+                    </dgm:if>
+                    <dgm:else name="Name101"/>
+                  </dgm:choose>
+                  <dgm:shape xmlns:r="http://schemas.openxmlformats.org/officeDocument/2006/relationships" r:blip="">
+                    <dgm:adjLst/>
+                  </dgm:shape>
+                  <dgm:presOf/>
+                  <dgm:constrLst/>
+                  <dgm:ruleLst/>
+                  <dgm:forEach name="Name102" ref="rep2a"/>
+                </dgm:layoutNode>
+                <dgm:layoutNode name="hierChild5">
+                  <dgm:choose name="Name103">
+                    <dgm:if name="Name104" func="var" arg="dir" op="equ" val="norm">
+                      <dgm:alg type="hierChild">
+                        <dgm:param type="chAlign" val="l"/>
+                        <dgm:param type="linDir" val="fromL"/>
+                        <dgm:param type="secChAlign" val="t"/>
+                        <dgm:param type="secLinDir" val="fromT"/>
+                      </dgm:alg>
+                    </dgm:if>
+                    <dgm:else name="Name105">
+                      <dgm:alg type="hierChild">
+                        <dgm:param type="chAlign" val="l"/>
+                        <dgm:param type="linDir" val="fromR"/>
+                        <dgm:param type="secChAlign" val="t"/>
+                        <dgm:param type="secLinDir" val="fromT"/>
+                      </dgm:alg>
+                    </dgm:else>
+                  </dgm:choose>
+                  <dgm:shape xmlns:r="http://schemas.openxmlformats.org/officeDocument/2006/relationships" r:blip="">
+                    <dgm:adjLst/>
+                  </dgm:shape>
+                  <dgm:presOf/>
+                  <dgm:constrLst/>
+                  <dgm:ruleLst/>
+                  <dgm:forEach name="Name106" ref="rep2b"/>
+                </dgm:layoutNode>
+              </dgm:layoutNode>
+            </dgm:forEach>
+          </dgm:layoutNode>
+          <dgm:layoutNode name="hierChild3">
+            <dgm:choose name="Name107">
+              <dgm:if name="Name108" func="var" arg="dir" op="equ" val="norm">
+                <dgm:alg type="hierChild">
+                  <dgm:param type="chAlign" val="l"/>
+                  <dgm:param type="linDir" val="fromL"/>
+                  <dgm:param type="secChAlign" val="t"/>
+                  <dgm:param type="secLinDir" val="fromT"/>
+                </dgm:alg>
+              </dgm:if>
+              <dgm:else name="Name109">
+                <dgm:alg type="hierChild">
+                  <dgm:param type="chAlign" val="l"/>
+                  <dgm:param type="linDir" val="fromR"/>
+                  <dgm:param type="secChAlign" val="t"/>
+                  <dgm:param type="secLinDir" val="fromT"/>
+                </dgm:alg>
+              </dgm:else>
+            </dgm:choose>
+            <dgm:shape xmlns:r="http://schemas.openxmlformats.org/officeDocument/2006/relationships" r:blip="">
+              <dgm:adjLst/>
+            </dgm:shape>
+            <dgm:presOf/>
+            <dgm:constrLst/>
+            <dgm:ruleLst/>
+            <dgm:forEach name="rep2b" axis="ch" ptType="asst">
+              <dgm:forEach name="Name110" axis="precedSib" ptType="parTrans" st="-1" cnt="1">
+                <dgm:layoutNode name="Name111">
+                  <dgm:alg type="conn">
+                    <dgm:param type="connRout" val="bend"/>
+                    <dgm:param type="dim" val="1D"/>
+                    <dgm:param type="endSty" val="noArr"/>
+                    <dgm:param type="begPts" val="bCtr"/>
+                    <dgm:param type="endPts" val="midL midR"/>
+                  </dgm:alg>
+                  <dgm:shape xmlns:r="http://schemas.openxmlformats.org/officeDocument/2006/relationships" type="conn" r:blip="" zOrderOff="-99999">
+                    <dgm:adjLst/>
+                  </dgm:shape>
+                  <dgm:presOf axis="self"/>
+                  <dgm:constrLst>
+                    <dgm:constr type="begPad"/>
+                    <dgm:constr type="endPad"/>
+                  </dgm:constrLst>
+                  <dgm:ruleLst/>
+                </dgm:layoutNode>
+              </dgm:forEach>
+              <dgm:layoutNode name="hierRoot3">
+                <dgm:varLst>
+                  <dgm:hierBranch val="init"/>
+                </dgm:varLst>
+                <dgm:choose name="Name112">
+                  <dgm:if name="Name113" func="var" arg="hierBranch" op="equ" val="l">
+                    <dgm:alg type="hierRoot">
+                      <dgm:param type="hierAlign" val="tR"/>
+                    </dgm:alg>
+                    <dgm:shape xmlns:r="http://schemas.openxmlformats.org/officeDocument/2006/relationships" r:blip="">
+                      <dgm:adjLst/>
+                    </dgm:shape>
+                    <dgm:presOf/>
+                    <dgm:constrLst>
+                      <dgm:constr type="alignOff" val="0.65"/>
+                    </dgm:constrLst>
+                  </dgm:if>
+                  <dgm:if name="Name114" func="var" arg="hierBranch" op="equ" val="r">
+                    <dgm:alg type="hierRoot">
+                      <dgm:param type="hierAlign" val="tL"/>
+                    </dgm:alg>
+                    <dgm:shape xmlns:r="http://schemas.openxmlformats.org/officeDocument/2006/relationships" r:blip="">
+                      <dgm:adjLst/>
+                    </dgm:shape>
+                    <dgm:presOf/>
+                    <dgm:constrLst>
+                      <dgm:constr type="alignOff" val="0.65"/>
+                    </dgm:constrLst>
+                  </dgm:if>
+                  <dgm:if name="Name115" func="var" arg="hierBranch" op="equ" val="hang">
+                    <dgm:alg type="hierRoot"/>
+                    <dgm:shape xmlns:r="http://schemas.openxmlformats.org/officeDocument/2006/relationships" r:blip="">
+                      <dgm:adjLst/>
+                    </dgm:shape>
+                    <dgm:presOf/>
+                    <dgm:constrLst>
+                      <dgm:constr type="alignOff" val="0.65"/>
+                    </dgm:constrLst>
+                  </dgm:if>
+                  <dgm:if name="Name116" func="var" arg="hierBranch" op="equ" val="std">
+                    <dgm:alg type="hierRoot"/>
+                    <dgm:shape xmlns:r="http://schemas.openxmlformats.org/officeDocument/2006/relationships" r:blip="">
+                      <dgm:adjLst/>
+                    </dgm:shape>
+                    <dgm:presOf/>
+                    <dgm:constrLst>
+                      <dgm:constr type="alignOff"/>
+                      <dgm:constr type="bendDist" for="des" ptType="parTrans" refType="sp" fact="0.5"/>
+                    </dgm:constrLst>
+                  </dgm:if>
+                  <dgm:if name="Name117" func="var" arg="hierBranch" op="equ" val="init">
+                    <dgm:choose name="Name118">
+                      <dgm:if name="Name119" axis="des" func="maxDepth" op="lte" val="1">
+                        <dgm:alg type="hierRoot">
+                          <dgm:param type="hierAlign" val="tL"/>
+                        </dgm:alg>
+                        <dgm:shape xmlns:r="http://schemas.openxmlformats.org/officeDocument/2006/relationships" r:blip="">
+                          <dgm:adjLst/>
+                        </dgm:shape>
+                        <dgm:presOf/>
+                        <dgm:constrLst>
+                          <dgm:constr type="alignOff" val="0.65"/>
+                        </dgm:constrLst>
+                      </dgm:if>
+                      <dgm:else name="Name120">
+                        <dgm:alg type="hierRoot"/>
+                        <dgm:shape xmlns:r="http://schemas.openxmlformats.org/officeDocument/2006/relationships" r:blip="">
+                          <dgm:adjLst/>
+                        </dgm:shape>
+                        <dgm:presOf/>
+                        <dgm:constrLst>
+                          <dgm:constr type="alignOff"/>
+                          <dgm:constr type="bendDist" for="des" ptType="parTrans" refType="sp" fact="0.5"/>
+                        </dgm:constrLst>
+                      </dgm:else>
+                    </dgm:choose>
+                  </dgm:if>
+                  <dgm:else name="Name121"/>
+                </dgm:choose>
+                <dgm:ruleLst/>
+                <dgm:layoutNode name="rootComposite3">
+                  <dgm:alg type="composite"/>
+                  <dgm:shape xmlns:r="http://schemas.openxmlformats.org/officeDocument/2006/relationships" r:blip="">
+                    <dgm:adjLst/>
+                  </dgm:shape>
+                  <dgm:presOf axis="self" ptType="node" cnt="1"/>
+                  <dgm:choose name="Name122">
+                    <dgm:if name="Name123" func="var" arg="hierBranch" op="equ" val="init">
+                      <dgm:constrLst>
+                        <dgm:constr type="l" for="ch" forName="rootText3"/>
+                        <dgm:constr type="t" for="ch" forName="rootText3"/>
+                        <dgm:constr type="w" for="ch" forName="rootText3" refType="w"/>
+                        <dgm:constr type="h" for="ch" forName="rootText3" refType="h"/>
+                        <dgm:constr type="l" for="ch" forName="rootConnector3"/>
+                        <dgm:constr type="t" for="ch" forName="rootConnector3"/>
+                        <dgm:constr type="w" for="ch" forName="rootConnector3" refType="w" refFor="ch" refForName="rootText3" fact="0.2"/>
+                        <dgm:constr type="h" for="ch" forName="rootConnector3" refType="h" refFor="ch" refForName="rootText3"/>
+                      </dgm:constrLst>
+                    </dgm:if>
+                    <dgm:if name="Name124" func="var" arg="hierBranch" op="equ" val="l">
+                      <dgm:constrLst>
+                        <dgm:constr type="l" for="ch" forName="rootText3"/>
+                        <dgm:constr type="t" for="ch" forName="rootText3"/>
+                        <dgm:constr type="w" for="ch" forName="rootText3" refType="w"/>
+                        <dgm:constr type="h" for="ch" forName="rootText3" refType="h"/>
+                        <dgm:constr type="r" for="ch" forName="rootConnector3" refType="w"/>
+                        <dgm:constr type="t" for="ch" forName="rootConnector3"/>
+                        <dgm:constr type="w" for="ch" forName="rootConnector3" refType="w" refFor="ch" refForName="rootText3" fact="0.2"/>
+                        <dgm:constr type="h" for="ch" forName="rootConnector3" refType="h" refFor="ch" refForName="rootText3"/>
+                      </dgm:constrLst>
+                    </dgm:if>
+                    <dgm:if name="Name125" func="var" arg="hierBranch" op="equ" val="r">
+                      <dgm:constrLst>
+                        <dgm:constr type="l" for="ch" forName="rootText3"/>
+                        <dgm:constr type="t" for="ch" forName="rootText3"/>
+                        <dgm:constr type="w" for="ch" forName="rootText3" refType="w"/>
+                        <dgm:constr type="h" for="ch" forName="rootText3" refType="h"/>
+                        <dgm:constr type="l" for="ch" forName="rootConnector3"/>
+                        <dgm:constr type="t" for="ch" forName="rootConnector3"/>
+                        <dgm:constr type="w" for="ch" forName="rootConnector3" refType="w" refFor="ch" refForName="rootText3" fact="0.2"/>
+                        <dgm:constr type="h" for="ch" forName="rootConnector3" refType="h" refFor="ch" refForName="rootText3"/>
+                      </dgm:constrLst>
+                    </dgm:if>
+                    <dgm:else name="Name126">
+                      <dgm:constrLst>
+                        <dgm:constr type="l" for="ch" forName="rootText3"/>
+                        <dgm:constr type="t" for="ch" forName="rootText3"/>
+                        <dgm:constr type="w" for="ch" forName="rootText3" refType="w"/>
+                        <dgm:constr type="h" for="ch" forName="rootText3" refType="h"/>
+                        <dgm:constr type="r" for="ch" forName="rootConnector3" refType="w"/>
+                        <dgm:constr type="t" for="ch" forName="rootConnector3"/>
+                        <dgm:constr type="w" for="ch" forName="rootConnector3" refType="w" refFor="ch" refForName="rootText3" fact="0.2"/>
+                        <dgm:constr type="h" for="ch" forName="rootConnector3" refType="h" refFor="ch" refForName="rootText3"/>
+                      </dgm:constrLst>
+                    </dgm:else>
+                  </dgm:choose>
+                  <dgm:ruleLst/>
+                  <dgm:layoutNode name="rootText3">
+                    <dgm:varLst>
+                      <dgm:chPref val="3"/>
+                    </dgm:varLst>
+                    <dgm:alg type="tx"/>
+                    <dgm:shape xmlns:r="http://schemas.openxmlformats.org/officeDocument/2006/relationships" type="rect" r:blip="">
+                      <dgm:adjLst/>
+                    </dgm:shape>
+                    <dgm:presOf axis="self" ptType="node" cnt="1"/>
+                    <dgm:constrLst>
+                      <dgm:constr type="primFontSz" val="65"/>
+                      <dgm:constr type="lMarg" refType="primFontSz" fact="0.05"/>
+                      <dgm:constr type="rMarg" refType="primFontSz" fact="0.05"/>
+                      <dgm:constr type="tMarg" refType="primFontSz" fact="0.05"/>
+                      <dgm:constr type="bMarg" refType="primFontSz" fact="0.05"/>
+                    </dgm:constrLst>
+                    <dgm:ruleLst>
+                      <dgm:rule type="primFontSz" val="5" fact="NaN" max="NaN"/>
+                    </dgm:ruleLst>
+                  </dgm:layoutNode>
+                  <dgm:layoutNode name="rootConnector3" moveWith="rootText1">
+                    <dgm:alg type="sp"/>
+                    <dgm:shape xmlns:r="http://schemas.openxmlformats.org/officeDocument/2006/relationships" type="rect" r:blip="" hideGeom="1">
+                      <dgm:adjLst/>
+                    </dgm:shape>
+                    <dgm:presOf axis="self" ptType="node" cnt="1"/>
+                    <dgm:constrLst/>
+                    <dgm:ruleLst/>
+                  </dgm:layoutNode>
+                </dgm:layoutNode>
+                <dgm:layoutNode name="hierChild6">
+                  <dgm:choose name="Name127">
+                    <dgm:if name="Name128" func="var" arg="hierBranch" op="equ" val="l">
+                      <dgm:alg type="hierChild">
+                        <dgm:param type="chAlign" val="r"/>
+                        <dgm:param type="linDir" val="fromT"/>
+                      </dgm:alg>
+                    </dgm:if>
+                    <dgm:if name="Name129" func="var" arg="hierBranch" op="equ" val="r">
+                      <dgm:alg type="hierChild">
+                        <dgm:param type="chAlign" val="l"/>
+                        <dgm:param type="linDir" val="fromT"/>
+                      </dgm:alg>
+                    </dgm:if>
+                    <dgm:if name="Name130" func="var" arg="hierBranch" op="equ" val="hang">
+                      <dgm:choose name="Name131">
+                        <dgm:if name="Name132" func="var" arg="dir" op="equ" val="norm">
+                          <dgm:alg type="hierChild">
+                            <dgm:param type="chAlign" val="l"/>
+                            <dgm:param type="linDir" val="fromL"/>
+                            <dgm:param type="secChAlign" val="t"/>
+                            <dgm:param type="secLinDir" val="fromT"/>
+                          </dgm:alg>
+                        </dgm:if>
+                        <dgm:else name="Name133">
+                          <dgm:alg type="hierChild">
+                            <dgm:param type="chAlign" val="l"/>
+                            <dgm:param type="linDir" val="fromR"/>
+                            <dgm:param type="secChAlign" val="t"/>
+                            <dgm:param type="secLinDir" val="fromT"/>
+                          </dgm:alg>
+                        </dgm:else>
+                      </dgm:choose>
+                    </dgm:if>
+                    <dgm:if name="Name134" func="var" arg="hierBranch" op="equ" val="std">
+                      <dgm:choose name="Name135">
+                        <dgm:if name="Name136" func="var" arg="dir" op="equ" val="norm">
+                          <dgm:alg type="hierChild"/>
+                        </dgm:if>
+                        <dgm:else name="Name137">
+                          <dgm:alg type="hierChild">
+                            <dgm:param type="linDir" val="fromR"/>
+                          </dgm:alg>
+                        </dgm:else>
+                      </dgm:choose>
+                    </dgm:if>
+                    <dgm:if name="Name138" func="var" arg="hierBranch" op="equ" val="init">
+                      <dgm:choose name="Name139">
+                        <dgm:if name="Name140" axis="des" func="maxDepth" op="lte" val="1">
+                          <dgm:alg type="hierChild">
+                            <dgm:param type="chAlign" val="l"/>
+                            <dgm:param type="linDir" val="fromT"/>
+                          </dgm:alg>
+                        </dgm:if>
+                        <dgm:else name="Name141">
+                          <dgm:alg type="hierChild"/>
+                        </dgm:else>
+                      </dgm:choose>
+                    </dgm:if>
+                    <dgm:else name="Name142"/>
+                  </dgm:choose>
+                  <dgm:shape xmlns:r="http://schemas.openxmlformats.org/officeDocument/2006/relationships" r:blip="">
+                    <dgm:adjLst/>
+                  </dgm:shape>
+                  <dgm:presOf/>
+                  <dgm:constrLst/>
+                  <dgm:ruleLst/>
+                  <dgm:forEach name="Name143" ref="rep2a"/>
+                </dgm:layoutNode>
+                <dgm:layoutNode name="hierChild7">
+                  <dgm:choose name="Name144">
+                    <dgm:if name="Name145" func="var" arg="dir" op="equ" val="norm">
+                      <dgm:alg type="hierChild">
+                        <dgm:param type="chAlign" val="l"/>
+                        <dgm:param type="linDir" val="fromL"/>
+                        <dgm:param type="secChAlign" val="t"/>
+                        <dgm:param type="secLinDir" val="fromT"/>
+                      </dgm:alg>
+                    </dgm:if>
+                    <dgm:else name="Name146">
+                      <dgm:alg type="hierChild">
+                        <dgm:param type="chAlign" val="l"/>
+                        <dgm:param type="linDir" val="fromR"/>
+                        <dgm:param type="secChAlign" val="t"/>
+                        <dgm:param type="secLinDir" val="fromT"/>
+                      </dgm:alg>
+                    </dgm:else>
+                  </dgm:choose>
+                  <dgm:shape xmlns:r="http://schemas.openxmlformats.org/officeDocument/2006/relationships" r:blip="">
+                    <dgm:adjLst/>
+                  </dgm:shape>
+                  <dgm:presOf/>
+                  <dgm:constrLst/>
+                  <dgm:ruleLst/>
+                  <dgm:forEach name="Name147" ref="rep2b"/>
+                </dgm:layoutNode>
+              </dgm:layoutNode>
+            </dgm:forEach>
+          </dgm:layoutNode>
+        </dgm:layoutNode>
+      </dgm:forEach>
+    </dgm:forEach>
+  </dgm:layoutNode>
+</dgm:layoutDef>
+</file>
+
+<file path=ppt/diagrams/quickStyle1.xml><?xml version="1.0" encoding="utf-8"?>
+<dgm:styleDef xmlns:dgm="http://schemas.openxmlformats.org/drawingml/2006/diagram" xmlns:a="http://schemas.openxmlformats.org/drawingml/2006/main" uniqueId="urn:microsoft.com/office/officeart/2005/8/quickstyle/simple3">
+  <dgm:title val=""/>
+  <dgm:desc val=""/>
+  <dgm:catLst>
+    <dgm:cat type="simple" pri="10300"/>
+  </dgm:catLst>
+  <dgm:scene3d>
+    <a:camera prst="orthographicFront"/>
+    <a:lightRig rig="threePt" dir="t"/>
+  </dgm:scene3d>
+  <dgm:styleLbl name="node0">
+    <dgm:scene3d>
+      <a:camera prst="orthographicFront"/>
+      <a:lightRig rig="flat" dir="t"/>
+    </dgm:scene3d>
+    <dgm:sp3d prstMaterial="dkEdge">
+      <a:bevelT w="8200" h="38100"/>
+    </dgm:sp3d>
+    <dgm:txPr/>
+    <dgm:style>
+      <a:lnRef idx="0">
+        <a:scrgbClr r="0" g="0" b="0"/>
+      </a:lnRef>
+      <a:fillRef idx="2">
+        <a:scrgbClr r="0" g="0" b="0"/>
+      </a:fillRef>
+      <a:effectRef idx="1">
+        <a:scrgbClr r="0" g="0" b="0"/>
+      </a:effectRef>
+      <a:fontRef idx="minor">
+        <a:schemeClr val="dk1"/>
+      </a:fontRef>
+    </dgm:style>
+  </dgm:styleLbl>
+  <dgm:styleLbl name="lnNode1">
+    <dgm:scene3d>
+      <a:camera prst="orthographicFront"/>
+      <a:lightRig rig="flat" dir="t"/>
+    </dgm:scene3d>
+    <dgm:sp3d prstMaterial="dkEdge">
+      <a:bevelT w="8200" h="38100"/>
+    </dgm:sp3d>
+    <dgm:txPr/>
+    <dgm:style>
+      <a:lnRef idx="1">
+        <a:scrgbClr r="0" g="0" b="0"/>
+      </a:lnRef>
+      <a:fillRef idx="2">
+        <a:scrgbClr r="0" g="0" b="0"/>
+      </a:fillRef>
+      <a:effectRef idx="0">
+        <a:scrgbClr r="0" g="0" b="0"/>
+      </a:effectRef>
+      <a:fontRef idx="minor">
+        <a:schemeClr val="dk1"/>
+      </a:fontRef>
+    </dgm:style>
+  </dgm:styleLbl>
+  <dgm:styleLbl name="vennNode1">
+    <dgm:scene3d>
+      <a:camera prst="orthographicFront"/>
+      <a:lightRig rig="flat" dir="t"/>
+    </dgm:scene3d>
+    <dgm:sp3d prstMaterial="dkEdge">
+      <a:bevelT w="8200" h="38100"/>
+    </dgm:sp3d>
+    <dgm:txPr/>
+    <dgm:style>
+      <a:lnRef idx="0">
+        <a:scrgbClr r="0" g="0" b="0"/>
+      </a:lnRef>
+      <a:fillRef idx="2">
+        <a:scrgbClr r="0" g="0" b="0"/>
+      </a:fillRef>
+      <a:effectRef idx="0">
+        <a:scrgbClr r="0" g="0" b="0"/>
+      </a:effectRef>
+      <a:fontRef idx="minor">
+        <a:schemeClr val="tx1"/>
+      </a:fontRef>
+    </dgm:style>
+  </dgm:styleLbl>
+  <dgm:styleLbl name="alignNode1">
+    <dgm:scene3d>
+      <a:camera prst="orthographicFront"/>
+      <a:lightRig rig="threePt" dir="t"/>
+    </dgm:scene3d>
+    <dgm:sp3d/>
+    <dgm:txPr/>
+    <dgm:style>
+      <a:lnRef idx="1">
+        <a:scrgbClr r="0" g="0" b="0"/>
+      </a:lnRef>
+      <a:fillRef idx="2">
+        <a:scrgbClr r="0" g="0" b="0"/>
+      </a:fillRef>
+      <a:effectRef idx="1">
+        <a:scrgbClr r="0" g="0" b="0"/>
+      </a:effectRef>
+      <a:fontRef idx="minor">
+        <a:schemeClr val="dk1"/>
+      </a:fontRef>
+    </dgm:style>
+  </dgm:styleLbl>
+  <dgm:styleLbl name="node1">
+    <dgm:scene3d>
+      <a:camera prst="orthographicFront"/>
+      <a:lightRig rig="flat" dir="t"/>
+    </dgm:scene3d>
+    <dgm:sp3d prstMaterial="dkEdge">
+      <a:bevelT w="8200" h="38100"/>
+    </dgm:sp3d>
+    <dgm:txPr/>
+    <dgm:style>
+      <a:lnRef idx="0">
+        <a:scrgbClr r="0" g="0" b="0"/>
+      </a:lnRef>
+      <a:fillRef idx="2">
+        <a:scrgbClr r="0" g="0" b="0"/>
+      </a:fillRef>
+      <a:effectRef idx="1">
+        <a:scrgbClr r="0" g="0" b="0"/>
+      </a:effectRef>
+      <a:fontRef idx="minor">
+        <a:schemeClr val="dk1"/>
+      </a:fontRef>
+    </dgm:style>
+  </dgm:styleLbl>
+  <dgm:styleLbl name="node2">
+    <dgm:scene3d>
+      <a:camera prst="orthographicFront"/>
+      <a:lightRig rig="flat" dir="t"/>
+    </dgm:scene3d>
+    <dgm:sp3d prstMaterial="dkEdge">
+      <a:bevelT w="8200" h="38100"/>
+    </dgm:sp3d>
+    <dgm:txPr/>
+    <dgm:style>
+      <a:lnRef idx="0">
+        <a:scrgbClr r="0" g="0" b="0"/>
+      </a:lnRef>
+      <a:fillRef idx="2">
+        <a:scrgbClr r="0" g="0" b="0"/>
+      </a:fillRef>
+      <a:effectRef idx="1">
+        <a:scrgbClr r="0" g="0" b="0"/>
+      </a:effectRef>
+      <a:fontRef idx="minor">
+        <a:schemeClr val="dk1"/>
+      </a:fontRef>
+    </dgm:style>
+  </dgm:styleLbl>
+  <dgm:styleLbl name="node3">
+    <dgm:scene3d>
+      <a:camera prst="orthographicFront"/>
+      <a:lightRig rig="flat" dir="t"/>
+    </dgm:scene3d>
+    <dgm:sp3d prstMaterial="dkEdge">
+      <a:bevelT w="8200" h="38100"/>
+    </dgm:sp3d>
+    <dgm:txPr/>
+    <dgm:style>
+      <a:lnRef idx="0">
+        <a:scrgbClr r="0" g="0" b="0"/>
+      </a:lnRef>
+      <a:fillRef idx="2">
+        <a:scrgbClr r="0" g="0" b="0"/>
+      </a:fillRef>
+      <a:effectRef idx="1">
+        <a:scrgbClr r="0" g="0" b="0"/>
+      </a:effectRef>
+      <a:fontRef idx="minor">
+        <a:schemeClr val="dk1"/>
+      </a:fontRef>
+    </dgm:style>
+  </dgm:styleLbl>
+  <dgm:styleLbl name="node4">
+    <dgm:scene3d>
+      <a:camera prst="orthographicFront"/>
+      <a:lightRig rig="flat" dir="t"/>
+    </dgm:scene3d>
+    <dgm:sp3d prstMaterial="dkEdge">
+      <a:bevelT w="8200" h="38100"/>
+    </dgm:sp3d>
+    <dgm:txPr/>
+    <dgm:style>
+      <a:lnRef idx="0">
+        <a:scrgbClr r="0" g="0" b="0"/>
+      </a:lnRef>
+      <a:fillRef idx="2">
+        <a:scrgbClr r="0" g="0" b="0"/>
+      </a:fillRef>
+      <a:effectRef idx="1">
+        <a:scrgbClr r="0" g="0" b="0"/>
+      </a:effectRef>
+      <a:fontRef idx="minor">
+        <a:schemeClr val="dk1"/>
+      </a:fontRef>
+    </dgm:style>
+  </dgm:styleLbl>
+  <dgm:styleLbl name="fgImgPlace1">
+    <dgm:scene3d>
+      <a:camera prst="orthographicFront"/>
+      <a:lightRig rig="threePt" dir="t"/>
+    </dgm:scene3d>
+    <dgm:sp3d/>
+    <dgm:txPr/>
+    <dgm:style>
+      <a:lnRef idx="1">
+        <a:scrgbClr r="0" g="0" b="0"/>
+      </a:lnRef>
+      <a:fillRef idx="1">
+        <a:scrgbClr r="0" g="0" b="0"/>
+      </a:fillRef>
+      <a:effectRef idx="1">
+        <a:scrgbClr r="0" g="0" b="0"/>
+      </a:effectRef>
+      <a:fontRef idx="minor"/>
+    </dgm:style>
+  </dgm:styleLbl>
+  <dgm:styleLbl name="alignImgPlace1">
+    <dgm:scene3d>
+      <a:camera prst="orthographicFront"/>
+      <a:lightRig rig="threePt" dir="t"/>
+    </dgm:scene3d>
+    <dgm:sp3d/>
+    <dgm:txPr/>
+    <dgm:style>
+      <a:lnRef idx="1">
+        <a:scrgbClr r="0" g="0" b="0"/>
+      </a:lnRef>
+      <a:fillRef idx="1">
+        <a:scrgbClr r="0" g="0" b="0"/>
+      </a:fillRef>
+      <a:effectRef idx="1">
+        <a:scrgbClr r="0" g="0" b="0"/>
+      </a:effectRef>
+      <a:fontRef idx="minor"/>
+    </dgm:style>
+  </dgm:styleLbl>
+  <dgm:styleLbl name="bgImgPlace1">
+    <dgm:scene3d>
+      <a:camera prst="orthographicFront"/>
+      <a:lightRig rig="threePt" dir="t"/>
+    </dgm:scene3d>
+    <dgm:sp3d/>
+    <dgm:txPr/>
+    <dgm:style>
+      <a:lnRef idx="1">
+        <a:scrgbClr r="0" g="0" b="0"/>
+      </a:lnRef>
+      <a:fillRef idx="1">
+        <a:scrgbClr r="0" g="0" b="0"/>
+      </a:fillRef>
+      <a:effectRef idx="1">
+        <a:scrgbClr r="0" g="0" b="0"/>
+      </a:effectRef>
+      <a:fontRef idx="minor"/>
+    </dgm:style>
+  </dgm:styleLbl>
+  <dgm:styleLbl name="sibTrans2D1">
+    <dgm:scene3d>
+      <a:camera prst="orthographicFront"/>
+      <a:lightRig rig="threePt" dir="t"/>
+    </dgm:scene3d>
+    <dgm:sp3d/>
+    <dgm:txPr/>
+    <dgm:style>
+      <a:lnRef idx="0">
+        <a:scrgbClr r="0" g="0" b="0"/>
+      </a:lnRef>
+      <a:fillRef idx="2">
+        <a:scrgbClr r="0" g="0" b="0"/>
+      </a:fillRef>
+      <a:effectRef idx="1">
+        <a:scrgbClr r="0" g="0" b="0"/>
+      </a:effectRef>
+      <a:fontRef idx="minor">
+        <a:schemeClr val="dk1"/>
+      </a:fontRef>
+    </dgm:style>
+  </dgm:styleLbl>
+  <dgm:styleLbl name="fgSibTrans2D1">
+    <dgm:scene3d>
+      <a:camera prst="orthographicFront"/>
+      <a:lightRig rig="threePt" dir="t"/>
+    </dgm:scene3d>
+    <dgm:sp3d/>
+    <dgm:txPr/>
+    <dgm:style>
+      <a:lnRef idx="0">
+        <a:scrgbClr r="0" g="0" b="0"/>
+      </a:lnRef>
+      <a:fillRef idx="2">
+        <a:scrgbClr r="0" g="0" b="0"/>
+      </a:fillRef>
+      <a:effectRef idx="1">
+        <a:scrgbClr r="0" g="0" b="0"/>
+      </a:effectRef>
+      <a:fontRef idx="minor">
+        <a:schemeClr val="dk1"/>
+      </a:fontRef>
+    </dgm:style>
+  </dgm:styleLbl>
+  <dgm:styleLbl name="bgSibTrans2D1">
+    <dgm:scene3d>
+      <a:camera prst="orthographicFront"/>
+      <a:lightRig rig="threePt" dir="t"/>
+    </dgm:scene3d>
+    <dgm:sp3d/>
+    <dgm:txPr/>
+    <dgm:style>
+      <a:lnRef idx="0">
+        <a:scrgbClr r="0" g="0" b="0"/>
+      </a:lnRef>
+      <a:fillRef idx="2">
+        <a:scrgbClr r="0" g="0" b="0"/>
+      </a:fillRef>
+      <a:effectRef idx="1">
+        <a:scrgbClr r="0" g="0" b="0"/>
+      </a:effectRef>
+      <a:fontRef idx="minor">
+        <a:schemeClr val="dk1"/>
+      </a:fontRef>
+    </dgm:style>
+  </dgm:styleLbl>
+  <dgm:styleLbl name="sibTrans1D1">
+    <dgm:scene3d>
+      <a:camera prst="orthographicFront"/>
+      <a:lightRig rig="threePt" dir="t"/>
+    </dgm:scene3d>
+    <dgm:sp3d/>
+    <dgm:txPr/>
+    <dgm:style>
+      <a:lnRef idx="1">
+        <a:scrgbClr r="0" g="0" b="0"/>
+      </a:lnRef>
+      <a:fillRef idx="0">
+        <a:scrgbClr r="0" g="0" b="0"/>
+      </a:fillRef>
+      <a:effectRef idx="0">
+        <a:scrgbClr r="0" g="0" b="0"/>
+      </a:effectRef>
+      <a:fontRef idx="minor"/>
+    </dgm:style>
+  </dgm:styleLbl>
+  <dgm:styleLbl name="callout">
+    <dgm:scene3d>
+      <a:camera prst="orthographicFront"/>
+      <a:lightRig rig="threePt" dir="t"/>
+    </dgm:scene3d>
+    <dgm:sp3d/>
+    <dgm:txPr/>
+    <dgm:style>
+      <a:lnRef idx="1">
+        <a:scrgbClr r="0" g="0" b="0"/>
+      </a:lnRef>
+      <a:fillRef idx="2">
+        <a:scrgbClr r="0" g="0" b="0"/>
+      </a:fillRef>
+      <a:effectRef idx="1">
+        <a:scrgbClr r="0" g="0" b="0"/>
+      </a:effectRef>
+      <a:fontRef idx="minor"/>
+    </dgm:style>
+  </dgm:styleLbl>
+  <dgm:styleLbl name="asst0">
+    <dgm:scene3d>
+      <a:camera prst="orthographicFront"/>
+      <a:lightRig rig="flat" dir="t"/>
+    </dgm:scene3d>
+    <dgm:sp3d prstMaterial="dkEdge">
+      <a:bevelT w="8200" h="38100"/>
+    </dgm:sp3d>
+    <dgm:txPr/>
+    <dgm:style>
+      <a:lnRef idx="0">
+        <a:scrgbClr r="0" g="0" b="0"/>
+      </a:lnRef>
+      <a:fillRef idx="2">
+        <a:scrgbClr r="0" g="0" b="0"/>
+      </a:fillRef>
+      <a:effectRef idx="1">
+        <a:scrgbClr r="0" g="0" b="0"/>
+      </a:effectRef>
+      <a:fontRef idx="minor">
+        <a:schemeClr val="dk1"/>
+      </a:fontRef>
+    </dgm:style>
+  </dgm:styleLbl>
+  <dgm:styleLbl name="asst1">
+    <dgm:scene3d>
+      <a:camera prst="orthographicFront"/>
+      <a:lightRig rig="flat" dir="t"/>
+    </dgm:scene3d>
+    <dgm:sp3d prstMaterial="dkEdge">
+      <a:bevelT w="8200" h="38100"/>
+    </dgm:sp3d>
+    <dgm:txPr/>
+    <dgm:style>
+      <a:lnRef idx="0">
+        <a:scrgbClr r="0" g="0" b="0"/>
+      </a:lnRef>
+      <a:fillRef idx="2">
+        <a:scrgbClr r="0" g="0" b="0"/>
+      </a:fillRef>
+      <a:effectRef idx="1">
+        <a:scrgbClr r="0" g="0" b="0"/>
+      </a:effectRef>
+      <a:fontRef idx="minor">
+        <a:schemeClr val="dk1"/>
+      </a:fontRef>
+    </dgm:style>
+  </dgm:styleLbl>
+  <dgm:styleLbl name="asst2">
+    <dgm:scene3d>
+      <a:camera prst="orthographicFront"/>
+      <a:lightRig rig="flat" dir="t"/>
+    </dgm:scene3d>
+    <dgm:sp3d prstMaterial="dkEdge">
+      <a:bevelT w="8200" h="38100"/>
+    </dgm:sp3d>
+    <dgm:txPr/>
+    <dgm:style>
+      <a:lnRef idx="0">
+        <a:scrgbClr r="0" g="0" b="0"/>
+      </a:lnRef>
+      <a:fillRef idx="2">
+        <a:scrgbClr r="0" g="0" b="0"/>
+      </a:fillRef>
+      <a:effectRef idx="1">
+        <a:scrgbClr r="0" g="0" b="0"/>
+      </a:effectRef>
+      <a:fontRef idx="minor">
+        <a:schemeClr val="dk1"/>
+      </a:fontRef>
+    </dgm:style>
+  </dgm:styleLbl>
+  <dgm:styleLbl name="asst3">
+    <dgm:scene3d>
+      <a:camera prst="orthographicFront"/>
+      <a:lightRig rig="flat" dir="t"/>
+    </dgm:scene3d>
+    <dgm:sp3d prstMaterial="dkEdge">
+      <a:bevelT w="8200" h="38100"/>
+    </dgm:sp3d>
+    <dgm:txPr/>
+    <dgm:style>
+      <a:lnRef idx="0">
+        <a:scrgbClr r="0" g="0" b="0"/>
+      </a:lnRef>
+      <a:fillRef idx="2">
+        <a:scrgbClr r="0" g="0" b="0"/>
+      </a:fillRef>
+      <a:effectRef idx="1">
+        <a:scrgbClr r="0" g="0" b="0"/>
+      </a:effectRef>
+      <a:fontRef idx="minor">
+        <a:schemeClr val="dk1"/>
+      </a:fontRef>
+    </dgm:style>
+  </dgm:styleLbl>
+  <dgm:styleLbl name="asst4">
+    <dgm:scene3d>
+      <a:camera prst="orthographicFront"/>
+      <a:lightRig rig="flat" dir="t"/>
+    </dgm:scene3d>
+    <dgm:sp3d prstMaterial="dkEdge">
+      <a:bevelT w="8200" h="38100"/>
+    </dgm:sp3d>
+    <dgm:txPr/>
+    <dgm:style>
+      <a:lnRef idx="0">
+        <a:scrgbClr r="0" g="0" b="0"/>
+      </a:lnRef>
+      <a:fillRef idx="2">
+        <a:scrgbClr r="0" g="0" b="0"/>
+      </a:fillRef>
+      <a:effectRef idx="1">
+        <a:scrgbClr r="0" g="0" b="0"/>
+      </a:effectRef>
+      <a:fontRef idx="minor">
+        <a:schemeClr val="dk1"/>
+      </a:fontRef>
+    </dgm:style>
+  </dgm:styleLbl>
+  <dgm:styleLbl name="parChTrans2D1">
+    <dgm:scene3d>
+      <a:camera prst="orthographicFront"/>
+      <a:lightRig rig="threePt" dir="t"/>
+    </dgm:scene3d>
+    <dgm:sp3d/>
+    <dgm:txPr/>
+    <dgm:style>
+      <a:lnRef idx="1">
+        <a:scrgbClr r="0" g="0" b="0"/>
+      </a:lnRef>
+      <a:fillRef idx="2">
+        <a:scrgbClr r="0" g="0" b="0"/>
+      </a:fillRef>
+      <a:effectRef idx="1">
+        <a:scrgbClr r="0" g="0" b="0"/>
+      </a:effectRef>
+      <a:fontRef idx="minor">
+        <a:schemeClr val="dk1"/>
+      </a:fontRef>
+    </dgm:style>
+  </dgm:styleLbl>
+  <dgm:styleLbl name="parChTrans2D2">
+    <dgm:scene3d>
+      <a:camera prst="orthographicFront"/>
+      <a:lightRig rig="threePt" dir="t"/>
+    </dgm:scene3d>
+    <dgm:sp3d/>
+    <dgm:txPr/>
+    <dgm:style>
+      <a:lnRef idx="1">
+        <a:scrgbClr r="0" g="0" b="0"/>
+      </a:lnRef>
+      <a:fillRef idx="2">
+        <a:scrgbClr r="0" g="0" b="0"/>
+      </a:fillRef>
+      <a:effectRef idx="1">
+        <a:scrgbClr r="0" g="0" b="0"/>
+      </a:effectRef>
+      <a:fontRef idx="minor">
+        <a:schemeClr val="dk1"/>
+      </a:fontRef>
+    </dgm:style>
+  </dgm:styleLbl>
+  <dgm:styleLbl name="parChTrans2D3">
+    <dgm:scene3d>
+      <a:camera prst="orthographicFront"/>
+      <a:lightRig rig="threePt" dir="t"/>
+    </dgm:scene3d>
+    <dgm:sp3d/>
+    <dgm:txPr/>
+    <dgm:style>
+      <a:lnRef idx="1">
+        <a:scrgbClr r="0" g="0" b="0"/>
+      </a:lnRef>
+      <a:fillRef idx="2">
+        <a:scrgbClr r="0" g="0" b="0"/>
+      </a:fillRef>
+      <a:effectRef idx="1">
+        <a:scrgbClr r="0" g="0" b="0"/>
+      </a:effectRef>
+      <a:fontRef idx="minor">
+        <a:schemeClr val="dk1"/>
+      </a:fontRef>
+    </dgm:style>
+  </dgm:styleLbl>
+  <dgm:styleLbl name="parChTrans2D4">
+    <dgm:scene3d>
+      <a:camera prst="orthographicFront"/>
+      <a:lightRig rig="threePt" dir="t"/>
+    </dgm:scene3d>
+    <dgm:sp3d/>
+    <dgm:txPr/>
+    <dgm:style>
+      <a:lnRef idx="1">
+        <a:scrgbClr r="0" g="0" b="0"/>
+      </a:lnRef>
+      <a:fillRef idx="2">
+        <a:scrgbClr r="0" g="0" b="0"/>
+      </a:fillRef>
+      <a:effectRef idx="1">
+        <a:scrgbClr r="0" g="0" b="0"/>
+      </a:effectRef>
+      <a:fontRef idx="minor">
+        <a:schemeClr val="dk1"/>
+      </a:fontRef>
+    </dgm:style>
+  </dgm:styleLbl>
+  <dgm:styleLbl name="parChTrans1D1">
+    <dgm:scene3d>
+      <a:camera prst="orthographicFront"/>
+      <a:lightRig rig="threePt" dir="t"/>
+    </dgm:scene3d>
+    <dgm:sp3d/>
+    <dgm:txPr/>
+    <dgm:style>
+      <a:lnRef idx="2">
+        <a:scrgbClr r="0" g="0" b="0"/>
+      </a:lnRef>
+      <a:fillRef idx="0">
+        <a:scrgbClr r="0" g="0" b="0"/>
+      </a:fillRef>
+      <a:effectRef idx="0">
+        <a:scrgbClr r="0" g="0" b="0"/>
+      </a:effectRef>
+      <a:fontRef idx="minor"/>
+    </dgm:style>
+  </dgm:styleLbl>
+  <dgm:styleLbl name="parChTrans1D2">
+    <dgm:scene3d>
+      <a:camera prst="orthographicFront"/>
+      <a:lightRig rig="threePt" dir="t"/>
+    </dgm:scene3d>
+    <dgm:sp3d/>
+    <dgm:txPr/>
+    <dgm:style>
+      <a:lnRef idx="2">
+        <a:scrgbClr r="0" g="0" b="0"/>
+      </a:lnRef>
+      <a:fillRef idx="0">
+        <a:scrgbClr r="0" g="0" b="0"/>
+      </a:fillRef>
+      <a:effectRef idx="0">
+        <a:scrgbClr r="0" g="0" b="0"/>
+      </a:effectRef>
+      <a:fontRef idx="minor"/>
+    </dgm:style>
+  </dgm:styleLbl>
+  <dgm:styleLbl name="parChTrans1D3">
+    <dgm:scene3d>
+      <a:camera prst="orthographicFront"/>
+      <a:lightRig rig="threePt" dir="t"/>
+    </dgm:scene3d>
+    <dgm:sp3d/>
+    <dgm:txPr/>
+    <dgm:style>
+      <a:lnRef idx="2">
+        <a:scrgbClr r="0" g="0" b="0"/>
+      </a:lnRef>
+      <a:fillRef idx="0">
+        <a:scrgbClr r="0" g="0" b="0"/>
+      </a:fillRef>
+      <a:effectRef idx="0">
+        <a:scrgbClr r="0" g="0" b="0"/>
+      </a:effectRef>
+      <a:fontRef idx="minor"/>
+    </dgm:style>
+  </dgm:styleLbl>
+  <dgm:styleLbl name="parChTrans1D4">
+    <dgm:scene3d>
+      <a:camera prst="orthographicFront"/>
+      <a:lightRig rig="threePt" dir="t"/>
+    </dgm:scene3d>
+    <dgm:sp3d/>
+    <dgm:txPr/>
+    <dgm:style>
+      <a:lnRef idx="2">
+        <a:scrgbClr r="0" g="0" b="0"/>
+      </a:lnRef>
+      <a:fillRef idx="0">
+        <a:scrgbClr r="0" g="0" b="0"/>
+      </a:fillRef>
+      <a:effectRef idx="0">
+        <a:scrgbClr r="0" g="0" b="0"/>
+      </a:effectRef>
+      <a:fontRef idx="minor"/>
+    </dgm:style>
+  </dgm:styleLbl>
+  <dgm:styleLbl name="fgAcc1">
+    <dgm:scene3d>
+      <a:camera prst="orthographicFront"/>
+      <a:lightRig rig="threePt" dir="t"/>
+    </dgm:scene3d>
+    <dgm:sp3d/>
+    <dgm:txPr/>
+    <dgm:style>
+      <a:lnRef idx="1">
+        <a:scrgbClr r="0" g="0" b="0"/>
+      </a:lnRef>
+      <a:fillRef idx="1">
+        <a:scrgbClr r="0" g="0" b="0"/>
+      </a:fillRef>
+      <a:effectRef idx="0">
+        <a:scrgbClr r="0" g="0" b="0"/>
+      </a:effectRef>
+      <a:fontRef idx="minor"/>
+    </dgm:style>
+  </dgm:styleLbl>
+  <dgm:styleLbl name="conFgAcc1">
+    <dgm:scene3d>
+      <a:camera prst="orthographicFront"/>
+      <a:lightRig rig="threePt" dir="t"/>
+    </dgm:scene3d>
+    <dgm:sp3d/>
+    <dgm:txPr/>
+    <dgm:style>
+      <a:lnRef idx="1">
+        <a:scrgbClr r="0" g="0" b="0"/>
+      </a:lnRef>
+      <a:fillRef idx="1">
+        <a:scrgbClr r="0" g="0" b="0"/>
+      </a:fillRef>
+      <a:effectRef idx="0">
+        <a:scrgbClr r="0" g="0" b="0"/>
+      </a:effectRef>
+      <a:fontRef idx="minor"/>
+    </dgm:style>
+  </dgm:styleLbl>
+  <dgm:styleLbl name="alignAcc1">
+    <dgm:scene3d>
+      <a:camera prst="orthographicFront"/>
+      <a:lightRig rig="threePt" dir="t"/>
+    </dgm:scene3d>
+    <dgm:sp3d/>
+    <dgm:txPr/>
+    <dgm:style>
+      <a:lnRef idx="1">
+        <a:scrgbClr r="0" g="0" b="0"/>
+      </a:lnRef>
+      <a:fillRef idx="1">
+        <a:scrgbClr r="0" g="0" b="0"/>
+      </a:fillRef>
+      <a:effectRef idx="0">
+        <a:scrgbClr r="0" g="0" b="0"/>
+      </a:effectRef>
+      <a:fontRef idx="minor"/>
+    </dgm:style>
+  </dgm:styleLbl>
+  <dgm:styleLbl name="trAlignAcc1">
+    <dgm:scene3d>
+      <a:camera prst="orthographicFront"/>
+      <a:lightRig rig="threePt" dir="t"/>
+    </dgm:scene3d>
+    <dgm:sp3d/>
+    <dgm:txPr/>
+    <dgm:style>
+      <a:lnRef idx="1">
+        <a:scrgbClr r="0" g="0" b="0"/>
+      </a:lnRef>
+      <a:fillRef idx="1">
+        <a:scrgbClr r="0" g="0" b="0"/>
+      </a:fillRef>
+      <a:effectRef idx="0">
+        <a:scrgbClr r="0" g="0" b="0"/>
+      </a:effectRef>
+      <a:fontRef idx="minor"/>
+    </dgm:style>
+  </dgm:styleLbl>
+  <dgm:styleLbl name="bgAcc1">
+    <dgm:scene3d>
+      <a:camera prst="orthographicFront"/>
+      <a:lightRig rig="threePt" dir="t"/>
+    </dgm:scene3d>
+    <dgm:sp3d/>
+    <dgm:txPr/>
+    <dgm:style>
+      <a:lnRef idx="1">
+        <a:scrgbClr r="0" g="0" b="0"/>
+      </a:lnRef>
+      <a:fillRef idx="1">
+        <a:scrgbClr r="0" g="0" b="0"/>
+      </a:fillRef>
+      <a:effectRef idx="0">
+        <a:scrgbClr r="0" g="0" b="0"/>
+      </a:effectRef>
+      <a:fontRef idx="minor"/>
+    </dgm:style>
+  </dgm:styleLbl>
+  <dgm:styleLbl name="solidFgAcc1">
+    <dgm:scene3d>
+      <a:camera prst="orthographicFront"/>
+      <a:lightRig rig="threePt" dir="t"/>
+    </dgm:scene3d>
+    <dgm:sp3d/>
+    <dgm:txPr/>
+    <dgm:style>
+      <a:lnRef idx="1">
+        <a:scrgbClr r="0" g="0" b="0"/>
+      </a:lnRef>
+      <a:fillRef idx="2">
+        <a:scrgbClr r="0" g="0" b="0"/>
+      </a:fillRef>
+      <a:effectRef idx="0">
+        <a:scrgbClr r="0" g="0" b="0"/>
+      </a:effectRef>
+      <a:fontRef idx="minor"/>
+    </dgm:style>
+  </dgm:styleLbl>
+  <dgm:styleLbl name="solidAlignAcc1">
+    <dgm:scene3d>
+      <a:camera prst="orthographicFront"/>
+      <a:lightRig rig="threePt" dir="t"/>
+    </dgm:scene3d>
+    <dgm:sp3d/>
+    <dgm:txPr/>
+    <dgm:style>
+      <a:lnRef idx="1">
+        <a:scrgbClr r="0" g="0" b="0"/>
+      </a:lnRef>
+      <a:fillRef idx="1">
+        <a:scrgbClr r="0" g="0" b="0"/>
+      </a:fillRef>
+      <a:effectRef idx="0">
+        <a:scrgbClr r="0" g="0" b="0"/>
+      </a:effectRef>
+      <a:fontRef idx="minor"/>
+    </dgm:style>
+  </dgm:styleLbl>
+  <dgm:styleLbl name="solidBgAcc1">
+    <dgm:scene3d>
+      <a:camera prst="orthographicFront"/>
+      <a:lightRig rig="threePt" dir="t"/>
+    </dgm:scene3d>
+    <dgm:sp3d/>
+    <dgm:txPr/>
+    <dgm:style>
+      <a:lnRef idx="1">
+        <a:scrgbClr r="0" g="0" b="0"/>
+      </a:lnRef>
+      <a:fillRef idx="1">
+        <a:scrgbClr r="0" g="0" b="0"/>
+      </a:fillRef>
+      <a:effectRef idx="0">
+        <a:scrgbClr r="0" g="0" b="0"/>
+      </a:effectRef>
+      <a:fontRef idx="minor"/>
+    </dgm:style>
+  </dgm:styleLbl>
+  <dgm:styleLbl name="fgAccFollowNode1">
+    <dgm:scene3d>
+      <a:camera prst="orthographicFront"/>
+      <a:lightRig rig="threePt" dir="t"/>
+    </dgm:scene3d>
+    <dgm:sp3d/>
+    <dgm:txPr/>
+    <dgm:style>
+      <a:lnRef idx="1">
+        <a:scrgbClr r="0" g="0" b="0"/>
+      </a:lnRef>
+      <a:fillRef idx="1">
+        <a:scrgbClr r="0" g="0" b="0"/>
+      </a:fillRef>
+      <a:effectRef idx="0">
+        <a:scrgbClr r="0" g="0" b="0"/>
+      </a:effectRef>
+      <a:fontRef idx="minor"/>
+    </dgm:style>
+  </dgm:styleLbl>
+  <dgm:styleLbl name="alignAccFollowNode1">
+    <dgm:scene3d>
+      <a:camera prst="orthographicFront"/>
+      <a:lightRig rig="threePt" dir="t"/>
+    </dgm:scene3d>
+    <dgm:sp3d/>
+    <dgm:txPr/>
+    <dgm:style>
+      <a:lnRef idx="1">
+        <a:scrgbClr r="0" g="0" b="0"/>
+      </a:lnRef>
+      <a:fillRef idx="1">
+        <a:scrgbClr r="0" g="0" b="0"/>
+      </a:fillRef>
+      <a:effectRef idx="0">
+        <a:scrgbClr r="0" g="0" b="0"/>
+      </a:effectRef>
+      <a:fontRef idx="minor"/>
+    </dgm:style>
+  </dgm:styleLbl>
+  <dgm:styleLbl name="bgAccFollowNode1">
+    <dgm:scene3d>
+      <a:camera prst="orthographicFront"/>
+      <a:lightRig rig="threePt" dir="t"/>
+    </dgm:scene3d>
+    <dgm:sp3d/>
+    <dgm:txPr/>
+    <dgm:style>
+      <a:lnRef idx="1">
+        <a:scrgbClr r="0" g="0" b="0"/>
+      </a:lnRef>
+      <a:fillRef idx="1">
+        <a:scrgbClr r="0" g="0" b="0"/>
+      </a:fillRef>
+      <a:effectRef idx="0">
+        <a:scrgbClr r="0" g="0" b="0"/>
+      </a:effectRef>
+      <a:fontRef idx="minor"/>
+    </dgm:style>
+  </dgm:styleLbl>
+  <dgm:styleLbl name="fgAcc0">
+    <dgm:scene3d>
+      <a:camera prst="orthographicFront"/>
+      <a:lightRig rig="threePt" dir="t"/>
+    </dgm:scene3d>
+    <dgm:sp3d/>
+    <dgm:txPr/>
+    <dgm:style>
+      <a:lnRef idx="1">
+        <a:scrgbClr r="0" g="0" b="0"/>
+      </a:lnRef>
+      <a:fillRef idx="1">
+        <a:scrgbClr r="0" g="0" b="0"/>
+      </a:fillRef>
+      <a:effectRef idx="0">
+        <a:scrgbClr r="0" g="0" b="0"/>
+      </a:effectRef>
+      <a:fontRef idx="minor"/>
+    </dgm:style>
+  </dgm:styleLbl>
+  <dgm:styleLbl name="fgAcc2">
+    <dgm:scene3d>
+      <a:camera prst="orthographicFront"/>
+      <a:lightRig rig="threePt" dir="t"/>
+    </dgm:scene3d>
+    <dgm:sp3d/>
+    <dgm:txPr/>
+    <dgm:style>
+      <a:lnRef idx="1">
+        <a:scrgbClr r="0" g="0" b="0"/>
+      </a:lnRef>
+      <a:fillRef idx="1">
+        <a:scrgbClr r="0" g="0" b="0"/>
+      </a:fillRef>
+      <a:effectRef idx="0">
+        <a:scrgbClr r="0" g="0" b="0"/>
+      </a:effectRef>
+      <a:fontRef idx="minor"/>
+    </dgm:style>
+  </dgm:styleLbl>
+  <dgm:styleLbl name="fgAcc3">
+    <dgm:scene3d>
+      <a:camera prst="orthographicFront"/>
+      <a:lightRig rig="threePt" dir="t"/>
+    </dgm:scene3d>
+    <dgm:sp3d/>
+    <dgm:txPr/>
+    <dgm:style>
+      <a:lnRef idx="1">
+        <a:scrgbClr r="0" g="0" b="0"/>
+      </a:lnRef>
+      <a:fillRef idx="1">
+        <a:scrgbClr r="0" g="0" b="0"/>
+      </a:fillRef>
+      <a:effectRef idx="0">
+        <a:scrgbClr r="0" g="0" b="0"/>
+      </a:effectRef>
+      <a:fontRef idx="minor"/>
+    </dgm:style>
+  </dgm:styleLbl>
+  <dgm:styleLbl name="fgAcc4">
+    <dgm:scene3d>
+      <a:camera prst="orthographicFront"/>
+      <a:lightRig rig="threePt" dir="t"/>
+    </dgm:scene3d>
+    <dgm:sp3d/>
+    <dgm:txPr/>
+    <dgm:style>
+      <a:lnRef idx="1">
+        <a:scrgbClr r="0" g="0" b="0"/>
+      </a:lnRef>
+      <a:fillRef idx="1">
+        <a:scrgbClr r="0" g="0" b="0"/>
+      </a:fillRef>
+      <a:effectRef idx="0">
+        <a:scrgbClr r="0" g="0" b="0"/>
+      </a:effectRef>
+      <a:fontRef idx="minor"/>
+    </dgm:style>
+  </dgm:styleLbl>
+  <dgm:styleLbl name="bgShp">
+    <dgm:scene3d>
+      <a:camera prst="orthographicFront"/>
+      <a:lightRig rig="threePt" dir="t"/>
+    </dgm:scene3d>
+    <dgm:sp3d/>
+    <dgm:txPr/>
+    <dgm:style>
+      <a:lnRef idx="0">
+        <a:scrgbClr r="0" g="0" b="0"/>
+      </a:lnRef>
+      <a:fillRef idx="1">
+        <a:scrgbClr r="0" g="0" b="0"/>
+      </a:fillRef>
+      <a:effectRef idx="1">
+        <a:scrgbClr r="0" g="0" b="0"/>
+      </a:effectRef>
+      <a:fontRef idx="minor"/>
+    </dgm:style>
+  </dgm:styleLbl>
+  <dgm:styleLbl name="dkBgShp">
+    <dgm:scene3d>
+      <a:camera prst="orthographicFront"/>
+      <a:lightRig rig="threePt" dir="t"/>
+    </dgm:scene3d>
+    <dgm:sp3d/>
+    <dgm:txPr/>
+    <dgm:style>
+      <a:lnRef idx="0">
+        <a:scrgbClr r="0" g="0" b="0"/>
+      </a:lnRef>
+      <a:fillRef idx="1">
+        <a:scrgbClr r="0" g="0" b="0"/>
+      </a:fillRef>
+      <a:effectRef idx="1">
+        <a:scrgbClr r="0" g="0" b="0"/>
+      </a:effectRef>
+      <a:fontRef idx="minor"/>
+    </dgm:style>
+  </dgm:styleLbl>
+  <dgm:styleLbl name="trBgShp">
+    <dgm:scene3d>
+      <a:camera prst="orthographicFront"/>
+      <a:lightRig rig="threePt" dir="t"/>
+    </dgm:scene3d>
+    <dgm:sp3d/>
+    <dgm:txPr/>
+    <dgm:style>
+      <a:lnRef idx="0">
+        <a:scrgbClr r="0" g="0" b="0"/>
+      </a:lnRef>
+      <a:fillRef idx="1">
+        <a:scrgbClr r="0" g="0" b="0"/>
+      </a:fillRef>
+      <a:effectRef idx="0">
+        <a:scrgbClr r="0" g="0" b="0"/>
+      </a:effectRef>
+      <a:fontRef idx="minor"/>
+    </dgm:style>
+  </dgm:styleLbl>
+  <dgm:styleLbl name="fgShp">
+    <dgm:scene3d>
+      <a:camera prst="orthographicFront"/>
+      <a:lightRig rig="flat" dir="t"/>
+    </dgm:scene3d>
+    <dgm:sp3d prstMaterial="dkEdge">
+      <a:bevelT w="8200" h="38100"/>
+    </dgm:sp3d>
+    <dgm:txPr/>
+    <dgm:style>
+      <a:lnRef idx="1">
+        <a:scrgbClr r="0" g="0" b="0"/>
+      </a:lnRef>
+      <a:fillRef idx="2">
+        <a:scrgbClr r="0" g="0" b="0"/>
+      </a:fillRef>
+      <a:effectRef idx="1">
+        <a:scrgbClr r="0" g="0" b="0"/>
+      </a:effectRef>
+      <a:fontRef idx="minor"/>
+    </dgm:style>
+  </dgm:styleLbl>
+  <dgm:styleLbl name="revTx">
+    <dgm:scene3d>
+      <a:camera prst="orthographicFront"/>
+      <a:lightRig rig="threePt" dir="t"/>
+    </dgm:scene3d>
+    <dgm:sp3d/>
+    <dgm:txPr/>
+    <dgm:style>
+      <a:lnRef idx="0">
+        <a:scrgbClr r="0" g="0" b="0"/>
+      </a:lnRef>
+      <a:fillRef idx="0">
+        <a:scrgbClr r="0" g="0" b="0"/>
+      </a:fillRef>
+      <a:effectRef idx="0">
+        <a:scrgbClr r="0" g="0" b="0"/>
+      </a:effectRef>
+      <a:fontRef idx="minor"/>
+    </dgm:style>
+  </dgm:styleLbl>
+</dgm:styleDef>
 </file>
 
 <file path=ppt/slideLayouts/slideLayout1.xml><?xml version="1.0" encoding="utf-8"?>
@@ -4189,6 +10949,271 @@
             <p:ph idx="1"/>
           </p:nvPr>
         </p:nvSpPr>
+        <p:spPr>
+          <a:xfrm>
+            <a:off x="1371600" y="2285999"/>
+            <a:ext cx="9601200" cy="3974951"/>
+          </a:xfrm>
+        </p:spPr>
+        <p:txBody>
+          <a:bodyPr>
+            <a:normAutofit/>
+          </a:bodyPr>
+          <a:lstStyle/>
+          <a:p>
+            <a:r>
+              <a:rPr lang="en-US" dirty="0" smtClean="0"/>
+              <a:t>Used for both GDODOSP and CDODOSP</a:t>
+            </a:r>
+          </a:p>
+          <a:p>
+            <a:r>
+              <a:rPr lang="en-US" dirty="0" smtClean="0"/>
+              <a:t>Simple algorithm</a:t>
+            </a:r>
+          </a:p>
+          <a:p>
+            <a:pPr lvl="1"/>
+            <a:r>
+              <a:rPr lang="en-US" dirty="0" smtClean="0"/>
+              <a:t>Less greedy hill climbing</a:t>
+            </a:r>
+          </a:p>
+          <a:p>
+            <a:pPr lvl="1"/>
+            <a:r>
+              <a:rPr lang="en-US" dirty="0" smtClean="0"/>
+              <a:t>We won’t go into too much detail</a:t>
+            </a:r>
+          </a:p>
+          <a:p>
+            <a:r>
+              <a:rPr lang="en-US" dirty="0" smtClean="0"/>
+              <a:t>Main difficulties:</a:t>
+            </a:r>
+          </a:p>
+          <a:p>
+            <a:pPr lvl="1"/>
+            <a:r>
+              <a:rPr lang="en-US" dirty="0" smtClean="0"/>
+              <a:t>Candidate solution generation</a:t>
+            </a:r>
+          </a:p>
+          <a:p>
+            <a:pPr lvl="1"/>
+            <a:r>
+              <a:rPr lang="en-US" dirty="0" smtClean="0"/>
+              <a:t>Stopping condition</a:t>
+            </a:r>
+          </a:p>
+          <a:p>
+            <a:pPr lvl="1"/>
+            <a:r>
+              <a:rPr lang="en-US" dirty="0" smtClean="0"/>
+              <a:t>A cost function</a:t>
+            </a:r>
+          </a:p>
+          <a:p>
+            <a:r>
+              <a:rPr lang="en-US" dirty="0" smtClean="0"/>
+              <a:t>One Parameter:</a:t>
+            </a:r>
+          </a:p>
+          <a:p>
+            <a:pPr lvl="1"/>
+            <a:r>
+              <a:rPr lang="en-US" dirty="0" smtClean="0"/>
+              <a:t>Length of Fitness Array</a:t>
+            </a:r>
+          </a:p>
+        </p:txBody>
+      </p:sp>
+      <p:pic>
+        <p:nvPicPr>
+          <p:cNvPr id="4" name="Picture 3"/>
+          <p:cNvPicPr>
+            <a:picLocks noChangeAspect="1"/>
+          </p:cNvPicPr>
+          <p:nvPr/>
+        </p:nvPicPr>
+        <p:blipFill>
+          <a:blip r:embed="rId2">
+            <a:extLst>
+              <a:ext uri="{28A0092B-C50C-407E-A947-70E740481C1C}">
+                <a14:useLocalDpi xmlns:a14="http://schemas.microsoft.com/office/drawing/2010/main" val="0"/>
+              </a:ext>
+            </a:extLst>
+          </a:blip>
+          <a:stretch>
+            <a:fillRect/>
+          </a:stretch>
+        </p:blipFill>
+        <p:spPr>
+          <a:xfrm>
+            <a:off x="6172200" y="1719205"/>
+            <a:ext cx="5692886" cy="3110977"/>
+          </a:xfrm>
+          <a:prstGeom prst="rect">
+            <a:avLst/>
+          </a:prstGeom>
+        </p:spPr>
+      </p:pic>
+      <p:cxnSp>
+        <p:nvCxnSpPr>
+          <p:cNvPr id="6" name="Straight Arrow Connector 5"/>
+          <p:cNvCxnSpPr/>
+          <p:nvPr/>
+        </p:nvCxnSpPr>
+        <p:spPr>
+          <a:xfrm flipV="1">
+            <a:off x="4399878" y="2528047"/>
+            <a:ext cx="2861534" cy="3539266"/>
+          </a:xfrm>
+          <a:prstGeom prst="straightConnector1">
+            <a:avLst/>
+          </a:prstGeom>
+          <a:ln>
+            <a:tailEnd type="triangle"/>
+          </a:ln>
+        </p:spPr>
+        <p:style>
+          <a:lnRef idx="1">
+            <a:schemeClr val="accent1"/>
+          </a:lnRef>
+          <a:fillRef idx="0">
+            <a:schemeClr val="accent1"/>
+          </a:fillRef>
+          <a:effectRef idx="0">
+            <a:schemeClr val="accent1"/>
+          </a:effectRef>
+          <a:fontRef idx="minor">
+            <a:schemeClr val="tx1"/>
+          </a:fontRef>
+        </p:style>
+      </p:cxnSp>
+    </p:spTree>
+    <p:extLst>
+      <p:ext uri="{BB962C8B-B14F-4D97-AF65-F5344CB8AC3E}">
+        <p14:creationId xmlns:p14="http://schemas.microsoft.com/office/powerpoint/2010/main" val="253594755"/>
+      </p:ext>
+    </p:extLst>
+  </p:cSld>
+  <p:clrMapOvr>
+    <a:masterClrMapping/>
+  </p:clrMapOvr>
+  <p:timing>
+    <p:tnLst>
+      <p:par>
+        <p:cTn id="1" dur="indefinite" restart="never" nodeType="tmRoot">
+          <p:childTnLst>
+            <p:seq concurrent="1" nextAc="seek">
+              <p:cTn id="2" dur="indefinite" nodeType="mainSeq">
+                <p:childTnLst>
+                  <p:par>
+                    <p:cTn id="3" fill="hold">
+                      <p:stCondLst>
+                        <p:cond delay="indefinite"/>
+                      </p:stCondLst>
+                      <p:childTnLst>
+                        <p:par>
+                          <p:cTn id="4" fill="hold">
+                            <p:stCondLst>
+                              <p:cond delay="0"/>
+                            </p:stCondLst>
+                            <p:childTnLst>
+                              <p:par>
+                                <p:cTn id="5" presetID="22" presetClass="entr" presetSubtype="4" fill="hold" nodeType="clickEffect">
+                                  <p:stCondLst>
+                                    <p:cond delay="0"/>
+                                  </p:stCondLst>
+                                  <p:childTnLst>
+                                    <p:set>
+                                      <p:cBhvr>
+                                        <p:cTn id="6" dur="1" fill="hold">
+                                          <p:stCondLst>
+                                            <p:cond delay="0"/>
+                                          </p:stCondLst>
+                                        </p:cTn>
+                                        <p:tgtEl>
+                                          <p:spTgt spid="6"/>
+                                        </p:tgtEl>
+                                        <p:attrNameLst>
+                                          <p:attrName>style.visibility</p:attrName>
+                                        </p:attrNameLst>
+                                      </p:cBhvr>
+                                      <p:to>
+                                        <p:strVal val="visible"/>
+                                      </p:to>
+                                    </p:set>
+                                    <p:animEffect transition="in" filter="wipe(down)">
+                                      <p:cBhvr>
+                                        <p:cTn id="7" dur="500"/>
+                                        <p:tgtEl>
+                                          <p:spTgt spid="6"/>
+                                        </p:tgtEl>
+                                      </p:cBhvr>
+                                    </p:animEffect>
+                                  </p:childTnLst>
+                                </p:cTn>
+                              </p:par>
+                            </p:childTnLst>
+                          </p:cTn>
+                        </p:par>
+                      </p:childTnLst>
+                    </p:cTn>
+                  </p:par>
+                </p:childTnLst>
+              </p:cTn>
+              <p:prevCondLst>
+                <p:cond evt="onPrev" delay="0">
+                  <p:tgtEl>
+                    <p:sldTgt/>
+                  </p:tgtEl>
+                </p:cond>
+              </p:prevCondLst>
+              <p:nextCondLst>
+                <p:cond evt="onNext" delay="0">
+                  <p:tgtEl>
+                    <p:sldTgt/>
+                  </p:tgtEl>
+                </p:cond>
+              </p:nextCondLst>
+            </p:seq>
+          </p:childTnLst>
+        </p:cTn>
+      </p:par>
+    </p:tnLst>
+  </p:timing>
+</p:sld>
+</file>
+
+<file path=ppt/slides/slide5.xml><?xml version="1.0" encoding="utf-8"?>
+<p:sld xmlns:a="http://schemas.openxmlformats.org/drawingml/2006/main" xmlns:r="http://schemas.openxmlformats.org/officeDocument/2006/relationships" xmlns:p="http://schemas.openxmlformats.org/presentationml/2006/main">
+  <p:cSld>
+    <p:spTree>
+      <p:nvGrpSpPr>
+        <p:cNvPr id="1" name=""/>
+        <p:cNvGrpSpPr/>
+        <p:nvPr/>
+      </p:nvGrpSpPr>
+      <p:grpSpPr>
+        <a:xfrm>
+          <a:off x="0" y="0"/>
+          <a:ext cx="0" cy="0"/>
+          <a:chOff x="0" y="0"/>
+          <a:chExt cx="0" cy="0"/>
+        </a:xfrm>
+      </p:grpSpPr>
+      <p:sp>
+        <p:nvSpPr>
+          <p:cNvPr id="2" name="Title 1"/>
+          <p:cNvSpPr>
+            <a:spLocks noGrp="1"/>
+          </p:cNvSpPr>
+          <p:nvPr>
+            <p:ph type="title"/>
+          </p:nvPr>
+        </p:nvSpPr>
         <p:spPr/>
         <p:txBody>
           <a:bodyPr/>
@@ -4196,44 +11221,26 @@
           <a:p>
             <a:r>
               <a:rPr lang="en-US" dirty="0" smtClean="0"/>
-              <a:t>Used for both GDODOSP and CDODOSP</a:t>
+              <a:t>LAHC </a:t>
             </a:r>
-          </a:p>
-          <a:p>
-            <a:r>
-              <a:rPr lang="en-US" dirty="0" smtClean="0"/>
-              <a:t>Simple algorithm</a:t>
-            </a:r>
-          </a:p>
-          <a:p>
-            <a:pPr lvl="1"/>
-            <a:r>
-              <a:rPr lang="en-US" smtClean="0"/>
-              <a:t>Less greedy hill climbing</a:t>
-            </a:r>
-            <a:endParaRPr lang="en-US" dirty="0" smtClean="0"/>
-          </a:p>
-          <a:p>
-            <a:r>
-              <a:rPr lang="en-US" dirty="0" smtClean="0"/>
-              <a:t>Depends heavily on the generation of candidate solutions</a:t>
-            </a:r>
-          </a:p>
-          <a:p>
-            <a:pPr lvl="1"/>
-            <a:r>
-              <a:rPr lang="en-US" dirty="0" smtClean="0"/>
-              <a:t>Start by building </a:t>
-            </a:r>
-            <a:r>
-              <a:rPr lang="en-US" dirty="0" err="1" smtClean="0"/>
-              <a:t>possiblities</a:t>
-            </a:r>
-            <a:r>
-              <a:rPr lang="en-US" dirty="0" smtClean="0"/>
-              <a:t> </a:t>
-            </a:r>
-          </a:p>
+            <a:endParaRPr lang="en-US" dirty="0"/>
+          </a:p>
+        </p:txBody>
+      </p:sp>
+      <p:sp>
+        <p:nvSpPr>
+          <p:cNvPr id="3" name="Content Placeholder 2"/>
+          <p:cNvSpPr>
+            <a:spLocks noGrp="1"/>
+          </p:cNvSpPr>
+          <p:nvPr>
+            <p:ph idx="1"/>
+          </p:nvPr>
+        </p:nvSpPr>
+        <p:spPr/>
+        <p:txBody>
+          <a:bodyPr/>
+          <a:lstStyle/>
           <a:p>
             <a:r>
               <a:rPr lang="en-US" dirty="0" smtClean="0"/>
@@ -4244,15 +11251,265 @@
             <a:pPr lvl="1"/>
             <a:r>
               <a:rPr lang="en-US" dirty="0" smtClean="0"/>
-              <a:t>Experimentally devised</a:t>
+              <a:t>Try to guess when the algorithm has converged to a close to optimal solution</a:t>
             </a:r>
+          </a:p>
+          <a:p>
+            <a:pPr lvl="1"/>
+            <a:r>
+              <a:rPr lang="en-US" dirty="0" smtClean="0"/>
+              <a:t>For CDODOSP and GDODOSP difficult to pinpoint </a:t>
+            </a:r>
+          </a:p>
+          <a:p>
+            <a:pPr lvl="1"/>
+            <a:r>
+              <a:rPr lang="en-US" dirty="0" smtClean="0"/>
+              <a:t>=&gt; Opted for limiting the number of repeating solutions</a:t>
+            </a:r>
+            <a:endParaRPr lang="en-US" dirty="0"/>
+          </a:p>
+          <a:p>
+            <a:r>
+              <a:rPr lang="en-US" dirty="0" smtClean="0"/>
+              <a:t>Cost Function</a:t>
+            </a:r>
+          </a:p>
+          <a:p>
+            <a:pPr lvl="1"/>
+            <a:r>
+              <a:rPr lang="en-US" dirty="0" smtClean="0"/>
+              <a:t>Simple cost function just count the number of ones. </a:t>
+            </a:r>
+            <a:endParaRPr lang="en-US" dirty="0"/>
+          </a:p>
+          <a:p>
+            <a:endParaRPr lang="en-US" dirty="0"/>
           </a:p>
         </p:txBody>
       </p:sp>
     </p:spTree>
     <p:extLst>
       <p:ext uri="{BB962C8B-B14F-4D97-AF65-F5344CB8AC3E}">
-        <p14:creationId xmlns:p14="http://schemas.microsoft.com/office/powerpoint/2010/main" val="253594755"/>
+        <p14:creationId xmlns:p14="http://schemas.microsoft.com/office/powerpoint/2010/main" val="407729727"/>
+      </p:ext>
+    </p:extLst>
+  </p:cSld>
+  <p:clrMapOvr>
+    <a:masterClrMapping/>
+  </p:clrMapOvr>
+</p:sld>
+</file>
+
+<file path=ppt/slides/slide6.xml><?xml version="1.0" encoding="utf-8"?>
+<p:sld xmlns:a="http://schemas.openxmlformats.org/drawingml/2006/main" xmlns:r="http://schemas.openxmlformats.org/officeDocument/2006/relationships" xmlns:p="http://schemas.openxmlformats.org/presentationml/2006/main">
+  <p:cSld>
+    <p:spTree>
+      <p:nvGrpSpPr>
+        <p:cNvPr id="1" name=""/>
+        <p:cNvGrpSpPr/>
+        <p:nvPr/>
+      </p:nvGrpSpPr>
+      <p:grpSpPr>
+        <a:xfrm>
+          <a:off x="0" y="0"/>
+          <a:ext cx="0" cy="0"/>
+          <a:chOff x="0" y="0"/>
+          <a:chExt cx="0" cy="0"/>
+        </a:xfrm>
+      </p:grpSpPr>
+      <p:sp>
+        <p:nvSpPr>
+          <p:cNvPr id="2" name="Title 1"/>
+          <p:cNvSpPr>
+            <a:spLocks noGrp="1"/>
+          </p:cNvSpPr>
+          <p:nvPr>
+            <p:ph type="title"/>
+          </p:nvPr>
+        </p:nvSpPr>
+        <p:spPr/>
+        <p:txBody>
+          <a:bodyPr/>
+          <a:lstStyle/>
+          <a:p>
+            <a:r>
+              <a:rPr lang="en-US" dirty="0" smtClean="0"/>
+              <a:t>LAHC </a:t>
+            </a:r>
+            <a:endParaRPr lang="en-US" dirty="0"/>
+          </a:p>
+        </p:txBody>
+      </p:sp>
+      <p:sp>
+        <p:nvSpPr>
+          <p:cNvPr id="3" name="Content Placeholder 2"/>
+          <p:cNvSpPr>
+            <a:spLocks noGrp="1"/>
+          </p:cNvSpPr>
+          <p:nvPr>
+            <p:ph idx="1"/>
+          </p:nvPr>
+        </p:nvSpPr>
+        <p:spPr/>
+        <p:txBody>
+          <a:bodyPr/>
+          <a:lstStyle/>
+          <a:p>
+            <a:r>
+              <a:rPr lang="en-US" dirty="0" smtClean="0"/>
+              <a:t>Candidate solution Generation</a:t>
+            </a:r>
+          </a:p>
+          <a:p>
+            <a:pPr lvl="1"/>
+            <a:r>
+              <a:rPr lang="en-US" dirty="0" smtClean="0"/>
+              <a:t>Build tree like structure by linearly ”walking” through possible assignments </a:t>
+            </a:r>
+          </a:p>
+          <a:p>
+            <a:pPr lvl="1"/>
+            <a:r>
+              <a:rPr lang="en-US" dirty="0" smtClean="0"/>
+              <a:t>Decompose the tree using linked list structure</a:t>
+            </a:r>
+          </a:p>
+          <a:p>
+            <a:pPr lvl="1"/>
+            <a:r>
+              <a:rPr lang="en-US" dirty="0" smtClean="0"/>
+              <a:t>After these steps we have a list of BASIC assignments</a:t>
+            </a:r>
+          </a:p>
+          <a:p>
+            <a:pPr lvl="1"/>
+            <a:r>
+              <a:rPr lang="en-US" dirty="0" smtClean="0"/>
+              <a:t>If GDODOSP: Permute cyclically these results and filter again</a:t>
+            </a:r>
+          </a:p>
+          <a:p>
+            <a:pPr lvl="1"/>
+            <a:r>
+              <a:rPr lang="en-US" dirty="0" smtClean="0"/>
+              <a:t>If CDODOSP: Choose one “BASIC” assignment and permute this one cyclically</a:t>
+            </a:r>
+          </a:p>
+          <a:p>
+            <a:pPr lvl="1"/>
+            <a:r>
+              <a:rPr lang="en-US" dirty="0" smtClean="0"/>
+              <a:t>These are all stored in a dictionary where the key indicates in which position a one can be found</a:t>
+            </a:r>
+          </a:p>
+        </p:txBody>
+      </p:sp>
+    </p:spTree>
+    <p:extLst>
+      <p:ext uri="{BB962C8B-B14F-4D97-AF65-F5344CB8AC3E}">
+        <p14:creationId xmlns:p14="http://schemas.microsoft.com/office/powerpoint/2010/main" val="1002538494"/>
+      </p:ext>
+    </p:extLst>
+  </p:cSld>
+  <p:clrMapOvr>
+    <a:masterClrMapping/>
+  </p:clrMapOvr>
+</p:sld>
+</file>
+
+<file path=ppt/slides/slide7.xml><?xml version="1.0" encoding="utf-8"?>
+<p:sld xmlns:a="http://schemas.openxmlformats.org/drawingml/2006/main" xmlns:r="http://schemas.openxmlformats.org/officeDocument/2006/relationships" xmlns:p="http://schemas.openxmlformats.org/presentationml/2006/main">
+  <p:cSld>
+    <p:spTree>
+      <p:nvGrpSpPr>
+        <p:cNvPr id="1" name=""/>
+        <p:cNvGrpSpPr/>
+        <p:nvPr/>
+      </p:nvGrpSpPr>
+      <p:grpSpPr>
+        <a:xfrm>
+          <a:off x="0" y="0"/>
+          <a:ext cx="0" cy="0"/>
+          <a:chOff x="0" y="0"/>
+          <a:chExt cx="0" cy="0"/>
+        </a:xfrm>
+      </p:grpSpPr>
+      <p:graphicFrame>
+        <p:nvGraphicFramePr>
+          <p:cNvPr id="5" name="Diagram 4"/>
+          <p:cNvGraphicFramePr/>
+          <p:nvPr>
+            <p:extLst>
+              <p:ext uri="{D42A27DB-BD31-4B8C-83A1-F6EECF244321}">
+                <p14:modId xmlns:p14="http://schemas.microsoft.com/office/powerpoint/2010/main" val="1674808429"/>
+              </p:ext>
+            </p:extLst>
+          </p:nvPr>
+        </p:nvGraphicFramePr>
+        <p:xfrm>
+          <a:off x="1875419" y="177501"/>
+          <a:ext cx="10259210" cy="6363148"/>
+        </p:xfrm>
+        <a:graphic>
+          <a:graphicData uri="http://schemas.openxmlformats.org/drawingml/2006/diagram">
+            <dgm:relIds xmlns:dgm="http://schemas.openxmlformats.org/drawingml/2006/diagram" xmlns:r="http://schemas.openxmlformats.org/officeDocument/2006/relationships" r:dm="rId2" r:lo="rId3" r:qs="rId4" r:cs="rId5"/>
+          </a:graphicData>
+        </a:graphic>
+      </p:graphicFrame>
+      <p:sp>
+        <p:nvSpPr>
+          <p:cNvPr id="7" name="Title 1"/>
+          <p:cNvSpPr txBox="1">
+            <a:spLocks/>
+          </p:cNvSpPr>
+          <p:nvPr/>
+        </p:nvSpPr>
+        <p:spPr>
+          <a:xfrm>
+            <a:off x="1371600" y="685800"/>
+            <a:ext cx="9601200" cy="1485900"/>
+          </a:xfrm>
+          <a:prstGeom prst="rect">
+            <a:avLst/>
+          </a:prstGeom>
+        </p:spPr>
+        <p:txBody>
+          <a:bodyPr vert="horz" lIns="91440" tIns="45720" rIns="91440" bIns="45720" rtlCol="0" anchor="t">
+            <a:normAutofit/>
+          </a:bodyPr>
+          <a:lstStyle>
+            <a:lvl1pPr algn="l" defTabSz="914400" rtl="0" eaLnBrk="1" latinLnBrk="0" hangingPunct="1">
+              <a:lnSpc>
+                <a:spcPct val="89000"/>
+              </a:lnSpc>
+              <a:spcBef>
+                <a:spcPct val="0"/>
+              </a:spcBef>
+              <a:buNone/>
+              <a:defRPr sz="4400" kern="1200" baseline="0">
+                <a:solidFill>
+                  <a:schemeClr val="tx2"/>
+                </a:solidFill>
+                <a:latin typeface="+mj-lt"/>
+                <a:ea typeface="+mj-ea"/>
+                <a:cs typeface="+mj-cs"/>
+              </a:defRPr>
+            </a:lvl1pPr>
+          </a:lstStyle>
+          <a:p>
+            <a:r>
+              <a:rPr lang="en-US" dirty="0" smtClean="0"/>
+              <a:t>Example</a:t>
+            </a:r>
+            <a:endParaRPr lang="en-US" dirty="0"/>
+          </a:p>
+        </p:txBody>
+      </p:sp>
+    </p:spTree>
+    <p:extLst>
+      <p:ext uri="{BB962C8B-B14F-4D97-AF65-F5344CB8AC3E}">
+        <p14:creationId xmlns:p14="http://schemas.microsoft.com/office/powerpoint/2010/main" val="592265544"/>
       </p:ext>
     </p:extLst>
   </p:cSld>

--- a/presentation.pptx
+++ b/presentation.pptx
@@ -12,6 +12,7 @@
     <p:sldId id="260" r:id="rId6"/>
     <p:sldId id="261" r:id="rId7"/>
     <p:sldId id="262" r:id="rId8"/>
+    <p:sldId id="263" r:id="rId9"/>
   </p:sldIdLst>
   <p:sldSz cx="12192000" cy="6858000"/>
   <p:notesSz cx="6858000" cy="9144000"/>
@@ -110,6 +111,11 @@
       </a:defRPr>
     </a:lvl9pPr>
   </p:defaultTextStyle>
+  <p:extLst>
+    <p:ext uri="{EFAFB233-063F-42B5-8137-9DF3F51BA10A}">
+      <p15:sldGuideLst xmlns:p15="http://schemas.microsoft.com/office/powerpoint/2012/main"/>
+    </p:ext>
+  </p:extLst>
 </p:presentation>
 </file>
 
@@ -1441,90 +1447,6 @@
         </dgm:presLayoutVars>
       </dgm:prSet>
       <dgm:spPr/>
-    </dgm:pt>
-    <dgm:pt modelId="{8CE7171B-FBC8-E247-A8FF-DB2AAB6C3802}" type="pres">
-      <dgm:prSet presAssocID="{BE661E2D-7B08-4646-B905-EACAC2E869F6}" presName="hierRoot1" presStyleCnt="0">
-        <dgm:presLayoutVars>
-          <dgm:hierBranch/>
-        </dgm:presLayoutVars>
-      </dgm:prSet>
-      <dgm:spPr/>
-    </dgm:pt>
-    <dgm:pt modelId="{FEA89005-CAA2-894F-BCAC-BD604ADA0328}" type="pres">
-      <dgm:prSet presAssocID="{BE661E2D-7B08-4646-B905-EACAC2E869F6}" presName="rootComposite1" presStyleCnt="0"/>
-      <dgm:spPr/>
-    </dgm:pt>
-    <dgm:pt modelId="{7FEB9243-7480-8543-A0FE-919918F1C78B}" type="pres">
-      <dgm:prSet presAssocID="{BE661E2D-7B08-4646-B905-EACAC2E869F6}" presName="rootText1" presStyleLbl="node0" presStyleIdx="0" presStyleCnt="1" custScaleX="24703" custScaleY="38140">
-        <dgm:presLayoutVars>
-          <dgm:chPref val="3"/>
-        </dgm:presLayoutVars>
-      </dgm:prSet>
-      <dgm:spPr/>
-    </dgm:pt>
-    <dgm:pt modelId="{F560D28B-6C26-974F-89AD-5F4F1B234609}" type="pres">
-      <dgm:prSet presAssocID="{BE661E2D-7B08-4646-B905-EACAC2E869F6}" presName="rootConnector1" presStyleLbl="node1" presStyleIdx="0" presStyleCnt="0"/>
-      <dgm:spPr/>
-    </dgm:pt>
-    <dgm:pt modelId="{1E7005DD-BD10-E648-BB7F-4D8F817B8F16}" type="pres">
-      <dgm:prSet presAssocID="{BE661E2D-7B08-4646-B905-EACAC2E869F6}" presName="hierChild2" presStyleCnt="0"/>
-      <dgm:spPr/>
-    </dgm:pt>
-    <dgm:pt modelId="{C2EF8487-C903-E340-A302-7F09F63B21D3}" type="pres">
-      <dgm:prSet presAssocID="{2FA61BA0-34ED-FB40-979F-17A4AEEC4016}" presName="Name35" presStyleLbl="parChTrans1D2" presStyleIdx="0" presStyleCnt="2"/>
-      <dgm:spPr/>
-    </dgm:pt>
-    <dgm:pt modelId="{2D4FBBB1-F0AC-974F-9E97-CE0F9F0678C3}" type="pres">
-      <dgm:prSet presAssocID="{D894F136-8341-E344-8B33-15CBA7D30160}" presName="hierRoot2" presStyleCnt="0">
-        <dgm:presLayoutVars>
-          <dgm:hierBranch val="init"/>
-        </dgm:presLayoutVars>
-      </dgm:prSet>
-      <dgm:spPr/>
-    </dgm:pt>
-    <dgm:pt modelId="{04038F57-BDEF-9A4F-9C6F-BBA6820C1E93}" type="pres">
-      <dgm:prSet presAssocID="{D894F136-8341-E344-8B33-15CBA7D30160}" presName="rootComposite" presStyleCnt="0"/>
-      <dgm:spPr/>
-    </dgm:pt>
-    <dgm:pt modelId="{5801197C-BC99-214B-8682-B8134F254D91}" type="pres">
-      <dgm:prSet presAssocID="{D894F136-8341-E344-8B33-15CBA7D30160}" presName="rootText" presStyleLbl="node2" presStyleIdx="0" presStyleCnt="2" custScaleX="24703" custScaleY="38140">
-        <dgm:presLayoutVars>
-          <dgm:chPref val="3"/>
-        </dgm:presLayoutVars>
-      </dgm:prSet>
-      <dgm:spPr/>
-    </dgm:pt>
-    <dgm:pt modelId="{2C6D8BDE-D9AD-6B42-B505-782BB73697ED}" type="pres">
-      <dgm:prSet presAssocID="{D894F136-8341-E344-8B33-15CBA7D30160}" presName="rootConnector" presStyleLbl="node2" presStyleIdx="0" presStyleCnt="2"/>
-      <dgm:spPr/>
-    </dgm:pt>
-    <dgm:pt modelId="{1E583D54-97C0-1A43-91BB-AB10FE251B6E}" type="pres">
-      <dgm:prSet presAssocID="{D894F136-8341-E344-8B33-15CBA7D30160}" presName="hierChild4" presStyleCnt="0"/>
-      <dgm:spPr/>
-    </dgm:pt>
-    <dgm:pt modelId="{F9EEC0E2-9562-804A-A317-534405DDEC70}" type="pres">
-      <dgm:prSet presAssocID="{C8034C4B-B336-D341-B9A4-C8EC113BE81C}" presName="Name37" presStyleLbl="parChTrans1D3" presStyleIdx="0" presStyleCnt="4" custSzX="824899" custSzY="264780"/>
-      <dgm:spPr/>
-    </dgm:pt>
-    <dgm:pt modelId="{4A6A6BDC-29F3-4041-82D7-3473CF0A4F7E}" type="pres">
-      <dgm:prSet presAssocID="{9A72F04F-7BAA-C747-B609-D452DDDA070A}" presName="hierRoot2" presStyleCnt="0">
-        <dgm:presLayoutVars>
-          <dgm:hierBranch val="init"/>
-        </dgm:presLayoutVars>
-      </dgm:prSet>
-      <dgm:spPr/>
-    </dgm:pt>
-    <dgm:pt modelId="{28431DE4-1CDF-F24A-92BB-9912DDE09BF0}" type="pres">
-      <dgm:prSet presAssocID="{9A72F04F-7BAA-C747-B609-D452DDDA070A}" presName="rootComposite" presStyleCnt="0"/>
-      <dgm:spPr/>
-    </dgm:pt>
-    <dgm:pt modelId="{2C6E31B7-021E-8844-B97C-943F547F2889}" type="pres">
-      <dgm:prSet presAssocID="{9A72F04F-7BAA-C747-B609-D452DDDA070A}" presName="rootText" presStyleLbl="node3" presStyleIdx="0" presStyleCnt="4" custScaleX="40929" custScaleY="40147">
-        <dgm:presLayoutVars>
-          <dgm:chPref val="3"/>
-        </dgm:presLayoutVars>
-      </dgm:prSet>
-      <dgm:spPr/>
       <dgm:t>
         <a:bodyPr/>
         <a:lstStyle/>
@@ -1533,32 +1455,20 @@
         </a:p>
       </dgm:t>
     </dgm:pt>
-    <dgm:pt modelId="{131D7EDF-ABD5-A64C-92E6-2766C790EE99}" type="pres">
-      <dgm:prSet presAssocID="{9A72F04F-7BAA-C747-B609-D452DDDA070A}" presName="rootConnector" presStyleLbl="node3" presStyleIdx="0" presStyleCnt="4"/>
-      <dgm:spPr/>
-    </dgm:pt>
-    <dgm:pt modelId="{E174F97D-E524-C944-8B98-4F466021818C}" type="pres">
-      <dgm:prSet presAssocID="{9A72F04F-7BAA-C747-B609-D452DDDA070A}" presName="hierChild4" presStyleCnt="0"/>
-      <dgm:spPr/>
-    </dgm:pt>
-    <dgm:pt modelId="{A808BC81-39BE-9B40-8E5E-F598660E2907}" type="pres">
-      <dgm:prSet presAssocID="{EE7E8D70-CFEC-0940-A202-E3EBB1EFA5C5}" presName="Name37" presStyleLbl="parChTrans1D4" presStyleIdx="0" presStyleCnt="8" custSzX="204520" custSzY="579995"/>
-      <dgm:spPr/>
-    </dgm:pt>
-    <dgm:pt modelId="{13D0C2C3-1D56-0140-ABBD-0F12730464FA}" type="pres">
-      <dgm:prSet presAssocID="{66D22F5B-0E45-E344-B511-4057343269F2}" presName="hierRoot2" presStyleCnt="0">
+    <dgm:pt modelId="{8CE7171B-FBC8-E247-A8FF-DB2AAB6C3802}" type="pres">
+      <dgm:prSet presAssocID="{BE661E2D-7B08-4646-B905-EACAC2E869F6}" presName="hierRoot1" presStyleCnt="0">
         <dgm:presLayoutVars>
-          <dgm:hierBranch val="init"/>
+          <dgm:hierBranch/>
         </dgm:presLayoutVars>
       </dgm:prSet>
       <dgm:spPr/>
     </dgm:pt>
-    <dgm:pt modelId="{34D397EF-7061-F144-B76E-8110BDBB9DE9}" type="pres">
-      <dgm:prSet presAssocID="{66D22F5B-0E45-E344-B511-4057343269F2}" presName="rootComposite" presStyleCnt="0"/>
-      <dgm:spPr/>
-    </dgm:pt>
-    <dgm:pt modelId="{95380FE9-C934-1D4F-AA5E-4F54B1E8BA9A}" type="pres">
-      <dgm:prSet presAssocID="{66D22F5B-0E45-E344-B511-4057343269F2}" presName="rootText" presStyleLbl="node4" presStyleIdx="0" presStyleCnt="8" custScaleX="50397" custScaleY="42282">
+    <dgm:pt modelId="{FEA89005-CAA2-894F-BCAC-BD604ADA0328}" type="pres">
+      <dgm:prSet presAssocID="{BE661E2D-7B08-4646-B905-EACAC2E869F6}" presName="rootComposite1" presStyleCnt="0"/>
+      <dgm:spPr/>
+    </dgm:pt>
+    <dgm:pt modelId="{7FEB9243-7480-8543-A0FE-919918F1C78B}" type="pres">
+      <dgm:prSet presAssocID="{BE661E2D-7B08-4646-B905-EACAC2E869F6}" presName="rootText1" presStyleLbl="node0" presStyleIdx="0" presStyleCnt="1" custScaleX="24703" custScaleY="38140">
         <dgm:presLayoutVars>
           <dgm:chPref val="3"/>
         </dgm:presLayoutVars>
@@ -1572,40 +1482,8 @@
         </a:p>
       </dgm:t>
     </dgm:pt>
-    <dgm:pt modelId="{6985B0FE-A59A-BB4B-9DB8-A6E73F3BE71C}" type="pres">
-      <dgm:prSet presAssocID="{66D22F5B-0E45-E344-B511-4057343269F2}" presName="rootConnector" presStyleLbl="node4" presStyleIdx="0" presStyleCnt="8"/>
-      <dgm:spPr/>
-    </dgm:pt>
-    <dgm:pt modelId="{FD08A2BB-57F8-A24E-B7E4-659955DFACA6}" type="pres">
-      <dgm:prSet presAssocID="{66D22F5B-0E45-E344-B511-4057343269F2}" presName="hierChild4" presStyleCnt="0"/>
-      <dgm:spPr/>
-    </dgm:pt>
-    <dgm:pt modelId="{C3BB9DE3-86C5-384E-860B-9A1730CD1E83}" type="pres">
-      <dgm:prSet presAssocID="{66D22F5B-0E45-E344-B511-4057343269F2}" presName="hierChild5" presStyleCnt="0"/>
-      <dgm:spPr/>
-    </dgm:pt>
-    <dgm:pt modelId="{6D427525-AAC2-D947-BF99-1293E1AA06B4}" type="pres">
-      <dgm:prSet presAssocID="{67A6B9DE-D9B2-2A45-A2F8-52990DD85FB7}" presName="Name37" presStyleLbl="parChTrans1D4" presStyleIdx="1" presStyleCnt="8" custSzX="204520" custSzY="1475206"/>
-      <dgm:spPr/>
-    </dgm:pt>
-    <dgm:pt modelId="{63C15614-70C9-2843-B9BE-8560B94CAD1B}" type="pres">
-      <dgm:prSet presAssocID="{2374F45D-45BE-4243-94BA-7C1C3CE4BD1B}" presName="hierRoot2" presStyleCnt="0">
-        <dgm:presLayoutVars>
-          <dgm:hierBranch val="init"/>
-        </dgm:presLayoutVars>
-      </dgm:prSet>
-      <dgm:spPr/>
-    </dgm:pt>
-    <dgm:pt modelId="{B90DAE92-07EA-6247-8A81-D4DEEC711613}" type="pres">
-      <dgm:prSet presAssocID="{2374F45D-45BE-4243-94BA-7C1C3CE4BD1B}" presName="rootComposite" presStyleCnt="0"/>
-      <dgm:spPr/>
-    </dgm:pt>
-    <dgm:pt modelId="{26B5A8C5-809F-304D-853E-8DE78F5D19CF}" type="pres">
-      <dgm:prSet presAssocID="{2374F45D-45BE-4243-94BA-7C1C3CE4BD1B}" presName="rootText" presStyleLbl="node4" presStyleIdx="1" presStyleCnt="8" custScaleX="50397" custScaleY="42282">
-        <dgm:presLayoutVars>
-          <dgm:chPref val="3"/>
-        </dgm:presLayoutVars>
-      </dgm:prSet>
+    <dgm:pt modelId="{F560D28B-6C26-974F-89AD-5F4F1B234609}" type="pres">
+      <dgm:prSet presAssocID="{BE661E2D-7B08-4646-B905-EACAC2E869F6}" presName="rootConnector1" presStyleLbl="node1" presStyleIdx="0" presStyleCnt="0"/>
       <dgm:spPr/>
       <dgm:t>
         <a:bodyPr/>
@@ -1615,76 +1493,12 @@
         </a:p>
       </dgm:t>
     </dgm:pt>
-    <dgm:pt modelId="{D65E18D1-340A-8A45-A209-BED5D6DCA462}" type="pres">
-      <dgm:prSet presAssocID="{2374F45D-45BE-4243-94BA-7C1C3CE4BD1B}" presName="rootConnector" presStyleLbl="node4" presStyleIdx="1" presStyleCnt="8"/>
-      <dgm:spPr/>
-    </dgm:pt>
-    <dgm:pt modelId="{7ED737A0-7EBE-404D-8DFA-430AA787ED8A}" type="pres">
-      <dgm:prSet presAssocID="{2374F45D-45BE-4243-94BA-7C1C3CE4BD1B}" presName="hierChild4" presStyleCnt="0"/>
-      <dgm:spPr/>
-    </dgm:pt>
-    <dgm:pt modelId="{DECFA622-8CFA-454B-8FCB-C9BD569EA4FC}" type="pres">
-      <dgm:prSet presAssocID="{2374F45D-45BE-4243-94BA-7C1C3CE4BD1B}" presName="hierChild5" presStyleCnt="0"/>
-      <dgm:spPr/>
-    </dgm:pt>
-    <dgm:pt modelId="{1BBF419E-D455-6144-9676-3DD22DDBFB16}" type="pres">
-      <dgm:prSet presAssocID="{9A72F04F-7BAA-C747-B609-D452DDDA070A}" presName="hierChild5" presStyleCnt="0"/>
-      <dgm:spPr/>
-    </dgm:pt>
-    <dgm:pt modelId="{AB60A778-05D9-7844-97E2-6D6F1FC36617}" type="pres">
-      <dgm:prSet presAssocID="{3619400D-614E-2D41-8985-087808581911}" presName="Name37" presStyleLbl="parChTrans1D3" presStyleIdx="1" presStyleCnt="4" custSzX="824899" custSzY="264780"/>
-      <dgm:spPr/>
-    </dgm:pt>
-    <dgm:pt modelId="{8C164A7F-E8A9-214D-AD56-9D3ED4DF9547}" type="pres">
-      <dgm:prSet presAssocID="{7A941D53-C83A-4441-87B0-67E16680B03D}" presName="hierRoot2" presStyleCnt="0">
-        <dgm:presLayoutVars>
-          <dgm:hierBranch val="init"/>
-        </dgm:presLayoutVars>
-      </dgm:prSet>
-      <dgm:spPr/>
-    </dgm:pt>
-    <dgm:pt modelId="{E82C5E6A-09CD-7942-A205-1A149A1B73B3}" type="pres">
-      <dgm:prSet presAssocID="{7A941D53-C83A-4441-87B0-67E16680B03D}" presName="rootComposite" presStyleCnt="0"/>
-      <dgm:spPr/>
-    </dgm:pt>
-    <dgm:pt modelId="{B7D3FF03-8855-8645-B482-03CC79594B53}" type="pres">
-      <dgm:prSet presAssocID="{7A941D53-C83A-4441-87B0-67E16680B03D}" presName="rootText" presStyleLbl="node3" presStyleIdx="1" presStyleCnt="4" custScaleX="40929" custScaleY="40147" custLinFactNeighborY="-1875">
-        <dgm:presLayoutVars>
-          <dgm:chPref val="3"/>
-        </dgm:presLayoutVars>
-      </dgm:prSet>
-      <dgm:spPr/>
-    </dgm:pt>
-    <dgm:pt modelId="{8C658670-A080-A24C-80A1-B6815665E2F3}" type="pres">
-      <dgm:prSet presAssocID="{7A941D53-C83A-4441-87B0-67E16680B03D}" presName="rootConnector" presStyleLbl="node3" presStyleIdx="1" presStyleCnt="4"/>
-      <dgm:spPr/>
-    </dgm:pt>
-    <dgm:pt modelId="{C6FAEBF1-FE41-D64B-8031-B19152B8F6E1}" type="pres">
-      <dgm:prSet presAssocID="{7A941D53-C83A-4441-87B0-67E16680B03D}" presName="hierChild4" presStyleCnt="0"/>
-      <dgm:spPr/>
-    </dgm:pt>
-    <dgm:pt modelId="{10219ED2-316A-0A4F-B3D4-CB34C339DF91}" type="pres">
-      <dgm:prSet presAssocID="{4F7564C3-549A-FF42-B64D-FB0F83209F4C}" presName="Name37" presStyleLbl="parChTrans1D4" presStyleIdx="2" presStyleCnt="8" custSzX="204520" custSzY="579995"/>
-      <dgm:spPr/>
-    </dgm:pt>
-    <dgm:pt modelId="{2B63862D-D2BC-CF4B-B9D3-7F9A9504D120}" type="pres">
-      <dgm:prSet presAssocID="{E7C07DBA-7262-FD42-8528-FE33A36545F9}" presName="hierRoot2" presStyleCnt="0">
-        <dgm:presLayoutVars>
-          <dgm:hierBranch val="init"/>
-        </dgm:presLayoutVars>
-      </dgm:prSet>
-      <dgm:spPr/>
-    </dgm:pt>
-    <dgm:pt modelId="{9EC5DC2E-AAB7-E043-90AF-912A1C42A55D}" type="pres">
-      <dgm:prSet presAssocID="{E7C07DBA-7262-FD42-8528-FE33A36545F9}" presName="rootComposite" presStyleCnt="0"/>
-      <dgm:spPr/>
-    </dgm:pt>
-    <dgm:pt modelId="{7F4F86E2-B39E-C441-9A52-5D62E3A3F065}" type="pres">
-      <dgm:prSet presAssocID="{E7C07DBA-7262-FD42-8528-FE33A36545F9}" presName="rootText" presStyleLbl="node4" presStyleIdx="2" presStyleCnt="8" custScaleX="50397" custScaleY="42282">
-        <dgm:presLayoutVars>
-          <dgm:chPref val="3"/>
-        </dgm:presLayoutVars>
-      </dgm:prSet>
+    <dgm:pt modelId="{1E7005DD-BD10-E648-BB7F-4D8F817B8F16}" type="pres">
+      <dgm:prSet presAssocID="{BE661E2D-7B08-4646-B905-EACAC2E869F6}" presName="hierChild2" presStyleCnt="0"/>
+      <dgm:spPr/>
+    </dgm:pt>
+    <dgm:pt modelId="{C2EF8487-C903-E340-A302-7F09F63B21D3}" type="pres">
+      <dgm:prSet presAssocID="{2FA61BA0-34ED-FB40-979F-17A4AEEC4016}" presName="Name35" presStyleLbl="parChTrans1D2" presStyleIdx="0" presStyleCnt="2"/>
       <dgm:spPr/>
       <dgm:t>
         <a:bodyPr/>
@@ -1694,36 +1508,20 @@
         </a:p>
       </dgm:t>
     </dgm:pt>
-    <dgm:pt modelId="{DEB39931-02A0-1244-ACCC-FB04B3B71E47}" type="pres">
-      <dgm:prSet presAssocID="{E7C07DBA-7262-FD42-8528-FE33A36545F9}" presName="rootConnector" presStyleLbl="node4" presStyleIdx="2" presStyleCnt="8"/>
-      <dgm:spPr/>
-    </dgm:pt>
-    <dgm:pt modelId="{A002EE9E-B829-3849-90D1-608105A05333}" type="pres">
-      <dgm:prSet presAssocID="{E7C07DBA-7262-FD42-8528-FE33A36545F9}" presName="hierChild4" presStyleCnt="0"/>
-      <dgm:spPr/>
-    </dgm:pt>
-    <dgm:pt modelId="{9F30795B-930F-3F40-8880-E0EAEE1A381C}" type="pres">
-      <dgm:prSet presAssocID="{E7C07DBA-7262-FD42-8528-FE33A36545F9}" presName="hierChild5" presStyleCnt="0"/>
-      <dgm:spPr/>
-    </dgm:pt>
-    <dgm:pt modelId="{98BCD90C-56AE-F04D-AB20-C13498047065}" type="pres">
-      <dgm:prSet presAssocID="{307ABA71-1E54-0D4D-83DA-C7B734D3ACA6}" presName="Name37" presStyleLbl="parChTrans1D4" presStyleIdx="3" presStyleCnt="8" custSzX="204520" custSzY="1475206"/>
-      <dgm:spPr/>
-    </dgm:pt>
-    <dgm:pt modelId="{63098276-5E71-E445-99D8-7B95994AE991}" type="pres">
-      <dgm:prSet presAssocID="{45E4C7F9-F12D-2B49-9E02-7ABFB0FF3AC1}" presName="hierRoot2" presStyleCnt="0">
+    <dgm:pt modelId="{2D4FBBB1-F0AC-974F-9E97-CE0F9F0678C3}" type="pres">
+      <dgm:prSet presAssocID="{D894F136-8341-E344-8B33-15CBA7D30160}" presName="hierRoot2" presStyleCnt="0">
         <dgm:presLayoutVars>
           <dgm:hierBranch val="init"/>
         </dgm:presLayoutVars>
       </dgm:prSet>
       <dgm:spPr/>
     </dgm:pt>
-    <dgm:pt modelId="{0D0D3846-C254-0D4A-86CA-AC43D424265D}" type="pres">
-      <dgm:prSet presAssocID="{45E4C7F9-F12D-2B49-9E02-7ABFB0FF3AC1}" presName="rootComposite" presStyleCnt="0"/>
-      <dgm:spPr/>
-    </dgm:pt>
-    <dgm:pt modelId="{6825C15C-56EE-F043-980D-776B1E39F1B9}" type="pres">
-      <dgm:prSet presAssocID="{45E4C7F9-F12D-2B49-9E02-7ABFB0FF3AC1}" presName="rootText" presStyleLbl="node4" presStyleIdx="3" presStyleCnt="8" custScaleX="50397" custScaleY="42282">
+    <dgm:pt modelId="{04038F57-BDEF-9A4F-9C6F-BBA6820C1E93}" type="pres">
+      <dgm:prSet presAssocID="{D894F136-8341-E344-8B33-15CBA7D30160}" presName="rootComposite" presStyleCnt="0"/>
+      <dgm:spPr/>
+    </dgm:pt>
+    <dgm:pt modelId="{5801197C-BC99-214B-8682-B8134F254D91}" type="pres">
+      <dgm:prSet presAssocID="{D894F136-8341-E344-8B33-15CBA7D30160}" presName="rootText" presStyleLbl="node2" presStyleIdx="0" presStyleCnt="2" custScaleX="24703" custScaleY="38140">
         <dgm:presLayoutVars>
           <dgm:chPref val="3"/>
         </dgm:presLayoutVars>
@@ -1737,80 +1535,8 @@
         </a:p>
       </dgm:t>
     </dgm:pt>
-    <dgm:pt modelId="{31396A0D-6990-EF4C-90C2-8B2FB39706E1}" type="pres">
-      <dgm:prSet presAssocID="{45E4C7F9-F12D-2B49-9E02-7ABFB0FF3AC1}" presName="rootConnector" presStyleLbl="node4" presStyleIdx="3" presStyleCnt="8"/>
-      <dgm:spPr/>
-    </dgm:pt>
-    <dgm:pt modelId="{467BAE9E-C42D-E34B-8649-F4FBCAE1B60A}" type="pres">
-      <dgm:prSet presAssocID="{45E4C7F9-F12D-2B49-9E02-7ABFB0FF3AC1}" presName="hierChild4" presStyleCnt="0"/>
-      <dgm:spPr/>
-    </dgm:pt>
-    <dgm:pt modelId="{4F1B72DB-C4DB-B04F-BB57-6708D2526C69}" type="pres">
-      <dgm:prSet presAssocID="{45E4C7F9-F12D-2B49-9E02-7ABFB0FF3AC1}" presName="hierChild5" presStyleCnt="0"/>
-      <dgm:spPr/>
-    </dgm:pt>
-    <dgm:pt modelId="{17BD73AC-804E-7541-8B5C-6EAD857800DE}" type="pres">
-      <dgm:prSet presAssocID="{7A941D53-C83A-4441-87B0-67E16680B03D}" presName="hierChild5" presStyleCnt="0"/>
-      <dgm:spPr/>
-    </dgm:pt>
-    <dgm:pt modelId="{959DE388-EFB8-5140-B50F-EB5F0372E110}" type="pres">
-      <dgm:prSet presAssocID="{D894F136-8341-E344-8B33-15CBA7D30160}" presName="hierChild5" presStyleCnt="0"/>
-      <dgm:spPr/>
-    </dgm:pt>
-    <dgm:pt modelId="{977BDEFF-CC5A-B94D-814B-C4354D51AA89}" type="pres">
-      <dgm:prSet presAssocID="{46936D1F-F2CE-EA46-89FD-74D5EEC741E6}" presName="Name35" presStyleLbl="parChTrans1D2" presStyleIdx="1" presStyleCnt="2"/>
-      <dgm:spPr/>
-    </dgm:pt>
-    <dgm:pt modelId="{4187E09A-5B84-D341-931C-00CBF72BF3F5}" type="pres">
-      <dgm:prSet presAssocID="{DF0F7D3B-2D38-2945-BFC8-C31D8776AD58}" presName="hierRoot2" presStyleCnt="0">
-        <dgm:presLayoutVars>
-          <dgm:hierBranch val="init"/>
-        </dgm:presLayoutVars>
-      </dgm:prSet>
-      <dgm:spPr/>
-    </dgm:pt>
-    <dgm:pt modelId="{FD9F0B88-F579-9343-BF72-428E0E13B0AE}" type="pres">
-      <dgm:prSet presAssocID="{DF0F7D3B-2D38-2945-BFC8-C31D8776AD58}" presName="rootComposite" presStyleCnt="0"/>
-      <dgm:spPr/>
-    </dgm:pt>
-    <dgm:pt modelId="{042C0AA5-B545-294B-ABBB-768548FD46E5}" type="pres">
-      <dgm:prSet presAssocID="{DF0F7D3B-2D38-2945-BFC8-C31D8776AD58}" presName="rootText" presStyleLbl="node2" presStyleIdx="1" presStyleCnt="2" custScaleX="24703" custScaleY="38140" custLinFactNeighborX="2186" custLinFactNeighborY="-1863">
-        <dgm:presLayoutVars>
-          <dgm:chPref val="3"/>
-        </dgm:presLayoutVars>
-      </dgm:prSet>
-      <dgm:spPr/>
-    </dgm:pt>
-    <dgm:pt modelId="{9C83B84C-29C5-464C-B6D1-3385FCE4447A}" type="pres">
-      <dgm:prSet presAssocID="{DF0F7D3B-2D38-2945-BFC8-C31D8776AD58}" presName="rootConnector" presStyleLbl="node2" presStyleIdx="1" presStyleCnt="2"/>
-      <dgm:spPr/>
-    </dgm:pt>
-    <dgm:pt modelId="{7DCD73A0-6FDF-5F41-AAE0-2010DAF6F6AB}" type="pres">
-      <dgm:prSet presAssocID="{DF0F7D3B-2D38-2945-BFC8-C31D8776AD58}" presName="hierChild4" presStyleCnt="0"/>
-      <dgm:spPr/>
-    </dgm:pt>
-    <dgm:pt modelId="{F3738F5C-BCEE-E54D-BFD4-8BA56264A257}" type="pres">
-      <dgm:prSet presAssocID="{D46D63F9-42C3-D14E-84BD-D84A5EE71305}" presName="Name37" presStyleLbl="parChTrans1D3" presStyleIdx="2" presStyleCnt="4" custSzX="824899" custSzY="426744"/>
-      <dgm:spPr/>
-    </dgm:pt>
-    <dgm:pt modelId="{61707D59-45FE-A441-B910-A16672C5A475}" type="pres">
-      <dgm:prSet presAssocID="{5FBAC690-4BBF-9441-9601-1E9E1F0F55F8}" presName="hierRoot2" presStyleCnt="0">
-        <dgm:presLayoutVars>
-          <dgm:hierBranch val="init"/>
-        </dgm:presLayoutVars>
-      </dgm:prSet>
-      <dgm:spPr/>
-    </dgm:pt>
-    <dgm:pt modelId="{EE97B4D4-7980-7845-8055-CB7B194AD1F2}" type="pres">
-      <dgm:prSet presAssocID="{5FBAC690-4BBF-9441-9601-1E9E1F0F55F8}" presName="rootComposite" presStyleCnt="0"/>
-      <dgm:spPr/>
-    </dgm:pt>
-    <dgm:pt modelId="{71D74AC4-BC3D-9E4E-A21C-8EFD75A18074}" type="pres">
-      <dgm:prSet presAssocID="{5FBAC690-4BBF-9441-9601-1E9E1F0F55F8}" presName="rootText" presStyleLbl="node3" presStyleIdx="2" presStyleCnt="4" custScaleX="40929" custScaleY="40147" custLinFactNeighborY="-625">
-        <dgm:presLayoutVars>
-          <dgm:chPref val="3"/>
-        </dgm:presLayoutVars>
-      </dgm:prSet>
+    <dgm:pt modelId="{2C6D8BDE-D9AD-6B42-B505-782BB73697ED}" type="pres">
+      <dgm:prSet presAssocID="{D894F136-8341-E344-8B33-15CBA7D30160}" presName="rootConnector" presStyleLbl="node2" presStyleIdx="0" presStyleCnt="2"/>
       <dgm:spPr/>
       <dgm:t>
         <a:bodyPr/>
@@ -1820,36 +1546,12 @@
         </a:p>
       </dgm:t>
     </dgm:pt>
-    <dgm:pt modelId="{7E0AA1AA-E8E6-2844-BD0A-5C00C64D1C5F}" type="pres">
-      <dgm:prSet presAssocID="{5FBAC690-4BBF-9441-9601-1E9E1F0F55F8}" presName="rootConnector" presStyleLbl="node3" presStyleIdx="2" presStyleCnt="4"/>
-      <dgm:spPr/>
-    </dgm:pt>
-    <dgm:pt modelId="{4AD87228-C17D-A146-A11C-0A8C45E0DA25}" type="pres">
-      <dgm:prSet presAssocID="{5FBAC690-4BBF-9441-9601-1E9E1F0F55F8}" presName="hierChild4" presStyleCnt="0"/>
-      <dgm:spPr/>
-    </dgm:pt>
-    <dgm:pt modelId="{CC7E676F-DC03-4E46-BD75-E2977450D26B}" type="pres">
-      <dgm:prSet presAssocID="{24520E86-B339-FA41-B0B0-41F9EE8A2FD5}" presName="Name37" presStyleLbl="parChTrans1D4" presStyleIdx="4" presStyleCnt="8" custSzX="204520" custSzY="579995"/>
-      <dgm:spPr/>
-    </dgm:pt>
-    <dgm:pt modelId="{342C381B-5A00-D944-AE3C-25FD97710691}" type="pres">
-      <dgm:prSet presAssocID="{D4CC8CD4-B029-E945-AECB-18A26F09C639}" presName="hierRoot2" presStyleCnt="0">
-        <dgm:presLayoutVars>
-          <dgm:hierBranch val="init"/>
-        </dgm:presLayoutVars>
-      </dgm:prSet>
-      <dgm:spPr/>
-    </dgm:pt>
-    <dgm:pt modelId="{673C73A0-096B-3848-BD3B-0B6571A92515}" type="pres">
-      <dgm:prSet presAssocID="{D4CC8CD4-B029-E945-AECB-18A26F09C639}" presName="rootComposite" presStyleCnt="0"/>
-      <dgm:spPr/>
-    </dgm:pt>
-    <dgm:pt modelId="{066B489B-9E54-A84F-9D75-836EBAEE58CB}" type="pres">
-      <dgm:prSet presAssocID="{D4CC8CD4-B029-E945-AECB-18A26F09C639}" presName="rootText" presStyleLbl="node4" presStyleIdx="4" presStyleCnt="8" custScaleX="50397" custScaleY="42282">
-        <dgm:presLayoutVars>
-          <dgm:chPref val="3"/>
-        </dgm:presLayoutVars>
-      </dgm:prSet>
+    <dgm:pt modelId="{1E583D54-97C0-1A43-91BB-AB10FE251B6E}" type="pres">
+      <dgm:prSet presAssocID="{D894F136-8341-E344-8B33-15CBA7D30160}" presName="hierChild4" presStyleCnt="0"/>
+      <dgm:spPr/>
+    </dgm:pt>
+    <dgm:pt modelId="{F9EEC0E2-9562-804A-A317-534405DDEC70}" type="pres">
+      <dgm:prSet presAssocID="{C8034C4B-B336-D341-B9A4-C8EC113BE81C}" presName="Name37" presStyleLbl="parChTrans1D3" presStyleIdx="0" presStyleCnt="4" custSzX="824899" custSzY="264780"/>
       <dgm:spPr/>
       <dgm:t>
         <a:bodyPr/>
@@ -1859,36 +1561,20 @@
         </a:p>
       </dgm:t>
     </dgm:pt>
-    <dgm:pt modelId="{FDE5B3E5-A8D3-114C-9981-006B21C61C36}" type="pres">
-      <dgm:prSet presAssocID="{D4CC8CD4-B029-E945-AECB-18A26F09C639}" presName="rootConnector" presStyleLbl="node4" presStyleIdx="4" presStyleCnt="8"/>
-      <dgm:spPr/>
-    </dgm:pt>
-    <dgm:pt modelId="{28E88D47-8E6C-D84B-8659-5E4CDA77E013}" type="pres">
-      <dgm:prSet presAssocID="{D4CC8CD4-B029-E945-AECB-18A26F09C639}" presName="hierChild4" presStyleCnt="0"/>
-      <dgm:spPr/>
-    </dgm:pt>
-    <dgm:pt modelId="{B253010E-0396-FB41-BA90-1A951E9451D8}" type="pres">
-      <dgm:prSet presAssocID="{D4CC8CD4-B029-E945-AECB-18A26F09C639}" presName="hierChild5" presStyleCnt="0"/>
-      <dgm:spPr/>
-    </dgm:pt>
-    <dgm:pt modelId="{70DA1B39-B43F-E348-A288-3AEB3A46E2DB}" type="pres">
-      <dgm:prSet presAssocID="{3995AC03-DEBD-804E-9410-B8E1A2249815}" presName="Name37" presStyleLbl="parChTrans1D4" presStyleIdx="5" presStyleCnt="8" custSzX="204520" custSzY="1475206"/>
-      <dgm:spPr/>
-    </dgm:pt>
-    <dgm:pt modelId="{7E26C2A9-AB0D-D646-B8FE-B48BEF420AEB}" type="pres">
-      <dgm:prSet presAssocID="{3716F946-96D6-F544-B2B3-6EF1B56F4F68}" presName="hierRoot2" presStyleCnt="0">
+    <dgm:pt modelId="{4A6A6BDC-29F3-4041-82D7-3473CF0A4F7E}" type="pres">
+      <dgm:prSet presAssocID="{9A72F04F-7BAA-C747-B609-D452DDDA070A}" presName="hierRoot2" presStyleCnt="0">
         <dgm:presLayoutVars>
           <dgm:hierBranch val="init"/>
         </dgm:presLayoutVars>
       </dgm:prSet>
       <dgm:spPr/>
     </dgm:pt>
-    <dgm:pt modelId="{BFE3CF65-FBE5-6E40-955F-B205AF7A844B}" type="pres">
-      <dgm:prSet presAssocID="{3716F946-96D6-F544-B2B3-6EF1B56F4F68}" presName="rootComposite" presStyleCnt="0"/>
-      <dgm:spPr/>
-    </dgm:pt>
-    <dgm:pt modelId="{B6D86815-5BD8-9D47-8A32-A76F967072E4}" type="pres">
-      <dgm:prSet presAssocID="{3716F946-96D6-F544-B2B3-6EF1B56F4F68}" presName="rootText" presStyleLbl="node4" presStyleIdx="5" presStyleCnt="8" custScaleX="50397" custScaleY="42282">
+    <dgm:pt modelId="{28431DE4-1CDF-F24A-92BB-9912DDE09BF0}" type="pres">
+      <dgm:prSet presAssocID="{9A72F04F-7BAA-C747-B609-D452DDDA070A}" presName="rootComposite" presStyleCnt="0"/>
+      <dgm:spPr/>
+    </dgm:pt>
+    <dgm:pt modelId="{2C6E31B7-021E-8844-B97C-943F547F2889}" type="pres">
+      <dgm:prSet presAssocID="{9A72F04F-7BAA-C747-B609-D452DDDA070A}" presName="rootText" presStyleLbl="node3" presStyleIdx="0" presStyleCnt="4" custScaleX="40929" custScaleY="40147">
         <dgm:presLayoutVars>
           <dgm:chPref val="3"/>
         </dgm:presLayoutVars>
@@ -1902,44 +1588,8 @@
         </a:p>
       </dgm:t>
     </dgm:pt>
-    <dgm:pt modelId="{80579EBD-D8F7-064F-9A3F-EFD5144CEC78}" type="pres">
-      <dgm:prSet presAssocID="{3716F946-96D6-F544-B2B3-6EF1B56F4F68}" presName="rootConnector" presStyleLbl="node4" presStyleIdx="5" presStyleCnt="8"/>
-      <dgm:spPr/>
-    </dgm:pt>
-    <dgm:pt modelId="{218DB688-8FC6-5946-A22E-8DF09AFE59DB}" type="pres">
-      <dgm:prSet presAssocID="{3716F946-96D6-F544-B2B3-6EF1B56F4F68}" presName="hierChild4" presStyleCnt="0"/>
-      <dgm:spPr/>
-    </dgm:pt>
-    <dgm:pt modelId="{CF7EB555-87CB-4844-9CC0-9DDDDB8271AC}" type="pres">
-      <dgm:prSet presAssocID="{3716F946-96D6-F544-B2B3-6EF1B56F4F68}" presName="hierChild5" presStyleCnt="0"/>
-      <dgm:spPr/>
-    </dgm:pt>
-    <dgm:pt modelId="{06279947-55DD-3947-B2CD-8E5F15552F66}" type="pres">
-      <dgm:prSet presAssocID="{5FBAC690-4BBF-9441-9601-1E9E1F0F55F8}" presName="hierChild5" presStyleCnt="0"/>
-      <dgm:spPr/>
-    </dgm:pt>
-    <dgm:pt modelId="{89045225-1E5E-434E-B02D-890D276D1404}" type="pres">
-      <dgm:prSet presAssocID="{F31E602B-392F-AE49-9BD6-0F698E4E6505}" presName="Name37" presStyleLbl="parChTrans1D3" presStyleIdx="3" presStyleCnt="4" custSzX="824899" custSzY="426744"/>
-      <dgm:spPr/>
-    </dgm:pt>
-    <dgm:pt modelId="{D8A2D6CF-6388-1E47-80FB-49E9DA27C1F4}" type="pres">
-      <dgm:prSet presAssocID="{CDE6D69E-B278-CB45-A57E-AC4DCF797400}" presName="hierRoot2" presStyleCnt="0">
-        <dgm:presLayoutVars>
-          <dgm:hierBranch val="init"/>
-        </dgm:presLayoutVars>
-      </dgm:prSet>
-      <dgm:spPr/>
-    </dgm:pt>
-    <dgm:pt modelId="{D72E8726-7753-934D-A636-3C0F2384D009}" type="pres">
-      <dgm:prSet presAssocID="{CDE6D69E-B278-CB45-A57E-AC4DCF797400}" presName="rootComposite" presStyleCnt="0"/>
-      <dgm:spPr/>
-    </dgm:pt>
-    <dgm:pt modelId="{F814CC68-E827-5445-8462-5BC2332BD4D8}" type="pres">
-      <dgm:prSet presAssocID="{CDE6D69E-B278-CB45-A57E-AC4DCF797400}" presName="rootText" presStyleLbl="node3" presStyleIdx="3" presStyleCnt="4" custScaleX="40929" custScaleY="40147" custLinFactNeighborX="-312" custLinFactNeighborY="-2338">
-        <dgm:presLayoutVars>
-          <dgm:chPref val="3"/>
-        </dgm:presLayoutVars>
-      </dgm:prSet>
+    <dgm:pt modelId="{131D7EDF-ABD5-A64C-92E6-2766C790EE99}" type="pres">
+      <dgm:prSet presAssocID="{9A72F04F-7BAA-C747-B609-D452DDDA070A}" presName="rootConnector" presStyleLbl="node3" presStyleIdx="0" presStyleCnt="4"/>
       <dgm:spPr/>
       <dgm:t>
         <a:bodyPr/>
@@ -1949,36 +1599,12 @@
         </a:p>
       </dgm:t>
     </dgm:pt>
-    <dgm:pt modelId="{03668B94-EDB2-2142-9C49-F0629A7501CD}" type="pres">
-      <dgm:prSet presAssocID="{CDE6D69E-B278-CB45-A57E-AC4DCF797400}" presName="rootConnector" presStyleLbl="node3" presStyleIdx="3" presStyleCnt="4"/>
-      <dgm:spPr/>
-    </dgm:pt>
-    <dgm:pt modelId="{B6AB7784-B1B1-1944-9B6D-0182AA4F41A5}" type="pres">
-      <dgm:prSet presAssocID="{CDE6D69E-B278-CB45-A57E-AC4DCF797400}" presName="hierChild4" presStyleCnt="0"/>
-      <dgm:spPr/>
-    </dgm:pt>
-    <dgm:pt modelId="{A214400D-511F-C84D-A851-F3BC32CD8DBB}" type="pres">
-      <dgm:prSet presAssocID="{1A9FE87E-D2D7-4643-BDB8-476DCEC4B36D}" presName="Name37" presStyleLbl="parChTrans1D4" presStyleIdx="6" presStyleCnt="8" custSzX="204520" custSzY="579995"/>
-      <dgm:spPr/>
-    </dgm:pt>
-    <dgm:pt modelId="{BB0E4EB5-1E0C-7A49-917F-9BEB7BCF84D0}" type="pres">
-      <dgm:prSet presAssocID="{3B521A98-FC9F-FE4B-A37D-9EB65295D83A}" presName="hierRoot2" presStyleCnt="0">
-        <dgm:presLayoutVars>
-          <dgm:hierBranch val="init"/>
-        </dgm:presLayoutVars>
-      </dgm:prSet>
-      <dgm:spPr/>
-    </dgm:pt>
-    <dgm:pt modelId="{F7D197B4-67C5-C544-AA34-944C9F2855F6}" type="pres">
-      <dgm:prSet presAssocID="{3B521A98-FC9F-FE4B-A37D-9EB65295D83A}" presName="rootComposite" presStyleCnt="0"/>
-      <dgm:spPr/>
-    </dgm:pt>
-    <dgm:pt modelId="{764BD3A7-8FA4-5D4E-B731-FCE111AA504A}" type="pres">
-      <dgm:prSet presAssocID="{3B521A98-FC9F-FE4B-A37D-9EB65295D83A}" presName="rootText" presStyleLbl="node4" presStyleIdx="6" presStyleCnt="8" custScaleX="50397" custScaleY="42282">
-        <dgm:presLayoutVars>
-          <dgm:chPref val="3"/>
-        </dgm:presLayoutVars>
-      </dgm:prSet>
+    <dgm:pt modelId="{E174F97D-E524-C944-8B98-4F466021818C}" type="pres">
+      <dgm:prSet presAssocID="{9A72F04F-7BAA-C747-B609-D452DDDA070A}" presName="hierChild4" presStyleCnt="0"/>
+      <dgm:spPr/>
+    </dgm:pt>
+    <dgm:pt modelId="{A808BC81-39BE-9B40-8E5E-F598660E2907}" type="pres">
+      <dgm:prSet presAssocID="{EE7E8D70-CFEC-0940-A202-E3EBB1EFA5C5}" presName="Name37" presStyleLbl="parChTrans1D4" presStyleIdx="0" presStyleCnt="8" custSzX="204520" custSzY="579995"/>
       <dgm:spPr/>
       <dgm:t>
         <a:bodyPr/>
@@ -1988,36 +1614,20 @@
         </a:p>
       </dgm:t>
     </dgm:pt>
-    <dgm:pt modelId="{9B251D42-3A26-7A4C-B7D4-F89DC4502CA4}" type="pres">
-      <dgm:prSet presAssocID="{3B521A98-FC9F-FE4B-A37D-9EB65295D83A}" presName="rootConnector" presStyleLbl="node4" presStyleIdx="6" presStyleCnt="8"/>
-      <dgm:spPr/>
-    </dgm:pt>
-    <dgm:pt modelId="{69191DAA-00C6-BB4F-8319-418E53BBAEDA}" type="pres">
-      <dgm:prSet presAssocID="{3B521A98-FC9F-FE4B-A37D-9EB65295D83A}" presName="hierChild4" presStyleCnt="0"/>
-      <dgm:spPr/>
-    </dgm:pt>
-    <dgm:pt modelId="{04745647-7350-834F-A986-F48AC6819F49}" type="pres">
-      <dgm:prSet presAssocID="{3B521A98-FC9F-FE4B-A37D-9EB65295D83A}" presName="hierChild5" presStyleCnt="0"/>
-      <dgm:spPr/>
-    </dgm:pt>
-    <dgm:pt modelId="{E561028F-4286-BF49-AE97-73478C0E2FC8}" type="pres">
-      <dgm:prSet presAssocID="{0FA25222-AA97-4048-B52C-0D239E827729}" presName="Name37" presStyleLbl="parChTrans1D4" presStyleIdx="7" presStyleCnt="8" custSzX="204520" custSzY="1475206"/>
-      <dgm:spPr/>
-    </dgm:pt>
-    <dgm:pt modelId="{4C69A3E5-9E5B-4940-A1C9-32635E648FC6}" type="pres">
-      <dgm:prSet presAssocID="{8F03BB4A-AEA8-3C4E-BBB5-1A5BA9506EAB}" presName="hierRoot2" presStyleCnt="0">
+    <dgm:pt modelId="{13D0C2C3-1D56-0140-ABBD-0F12730464FA}" type="pres">
+      <dgm:prSet presAssocID="{66D22F5B-0E45-E344-B511-4057343269F2}" presName="hierRoot2" presStyleCnt="0">
         <dgm:presLayoutVars>
           <dgm:hierBranch val="init"/>
         </dgm:presLayoutVars>
       </dgm:prSet>
       <dgm:spPr/>
     </dgm:pt>
-    <dgm:pt modelId="{97587D15-C6F1-374D-A455-151E70096735}" type="pres">
-      <dgm:prSet presAssocID="{8F03BB4A-AEA8-3C4E-BBB5-1A5BA9506EAB}" presName="rootComposite" presStyleCnt="0"/>
-      <dgm:spPr/>
-    </dgm:pt>
-    <dgm:pt modelId="{28A339C8-7EA8-924D-BCE4-45982A1C7BB8}" type="pres">
-      <dgm:prSet presAssocID="{8F03BB4A-AEA8-3C4E-BBB5-1A5BA9506EAB}" presName="rootText" presStyleLbl="node4" presStyleIdx="7" presStyleCnt="8" custScaleX="50397" custScaleY="42282">
+    <dgm:pt modelId="{34D397EF-7061-F144-B76E-8110BDBB9DE9}" type="pres">
+      <dgm:prSet presAssocID="{66D22F5B-0E45-E344-B511-4057343269F2}" presName="rootComposite" presStyleCnt="0"/>
+      <dgm:spPr/>
+    </dgm:pt>
+    <dgm:pt modelId="{95380FE9-C934-1D4F-AA5E-4F54B1E8BA9A}" type="pres">
+      <dgm:prSet presAssocID="{66D22F5B-0E45-E344-B511-4057343269F2}" presName="rootText" presStyleLbl="node4" presStyleIdx="0" presStyleCnt="8" custScaleX="50397" custScaleY="42282">
         <dgm:presLayoutVars>
           <dgm:chPref val="3"/>
         </dgm:presLayoutVars>
@@ -2031,9 +1641,643 @@
         </a:p>
       </dgm:t>
     </dgm:pt>
+    <dgm:pt modelId="{6985B0FE-A59A-BB4B-9DB8-A6E73F3BE71C}" type="pres">
+      <dgm:prSet presAssocID="{66D22F5B-0E45-E344-B511-4057343269F2}" presName="rootConnector" presStyleLbl="node4" presStyleIdx="0" presStyleCnt="8"/>
+      <dgm:spPr/>
+      <dgm:t>
+        <a:bodyPr/>
+        <a:lstStyle/>
+        <a:p>
+          <a:endParaRPr lang="en-US"/>
+        </a:p>
+      </dgm:t>
+    </dgm:pt>
+    <dgm:pt modelId="{FD08A2BB-57F8-A24E-B7E4-659955DFACA6}" type="pres">
+      <dgm:prSet presAssocID="{66D22F5B-0E45-E344-B511-4057343269F2}" presName="hierChild4" presStyleCnt="0"/>
+      <dgm:spPr/>
+    </dgm:pt>
+    <dgm:pt modelId="{C3BB9DE3-86C5-384E-860B-9A1730CD1E83}" type="pres">
+      <dgm:prSet presAssocID="{66D22F5B-0E45-E344-B511-4057343269F2}" presName="hierChild5" presStyleCnt="0"/>
+      <dgm:spPr/>
+    </dgm:pt>
+    <dgm:pt modelId="{6D427525-AAC2-D947-BF99-1293E1AA06B4}" type="pres">
+      <dgm:prSet presAssocID="{67A6B9DE-D9B2-2A45-A2F8-52990DD85FB7}" presName="Name37" presStyleLbl="parChTrans1D4" presStyleIdx="1" presStyleCnt="8" custSzX="204520" custSzY="1475206"/>
+      <dgm:spPr/>
+      <dgm:t>
+        <a:bodyPr/>
+        <a:lstStyle/>
+        <a:p>
+          <a:endParaRPr lang="en-US"/>
+        </a:p>
+      </dgm:t>
+    </dgm:pt>
+    <dgm:pt modelId="{63C15614-70C9-2843-B9BE-8560B94CAD1B}" type="pres">
+      <dgm:prSet presAssocID="{2374F45D-45BE-4243-94BA-7C1C3CE4BD1B}" presName="hierRoot2" presStyleCnt="0">
+        <dgm:presLayoutVars>
+          <dgm:hierBranch val="init"/>
+        </dgm:presLayoutVars>
+      </dgm:prSet>
+      <dgm:spPr/>
+    </dgm:pt>
+    <dgm:pt modelId="{B90DAE92-07EA-6247-8A81-D4DEEC711613}" type="pres">
+      <dgm:prSet presAssocID="{2374F45D-45BE-4243-94BA-7C1C3CE4BD1B}" presName="rootComposite" presStyleCnt="0"/>
+      <dgm:spPr/>
+    </dgm:pt>
+    <dgm:pt modelId="{26B5A8C5-809F-304D-853E-8DE78F5D19CF}" type="pres">
+      <dgm:prSet presAssocID="{2374F45D-45BE-4243-94BA-7C1C3CE4BD1B}" presName="rootText" presStyleLbl="node4" presStyleIdx="1" presStyleCnt="8" custScaleX="50397" custScaleY="42282">
+        <dgm:presLayoutVars>
+          <dgm:chPref val="3"/>
+        </dgm:presLayoutVars>
+      </dgm:prSet>
+      <dgm:spPr/>
+      <dgm:t>
+        <a:bodyPr/>
+        <a:lstStyle/>
+        <a:p>
+          <a:endParaRPr lang="en-US"/>
+        </a:p>
+      </dgm:t>
+    </dgm:pt>
+    <dgm:pt modelId="{D65E18D1-340A-8A45-A209-BED5D6DCA462}" type="pres">
+      <dgm:prSet presAssocID="{2374F45D-45BE-4243-94BA-7C1C3CE4BD1B}" presName="rootConnector" presStyleLbl="node4" presStyleIdx="1" presStyleCnt="8"/>
+      <dgm:spPr/>
+      <dgm:t>
+        <a:bodyPr/>
+        <a:lstStyle/>
+        <a:p>
+          <a:endParaRPr lang="en-US"/>
+        </a:p>
+      </dgm:t>
+    </dgm:pt>
+    <dgm:pt modelId="{7ED737A0-7EBE-404D-8DFA-430AA787ED8A}" type="pres">
+      <dgm:prSet presAssocID="{2374F45D-45BE-4243-94BA-7C1C3CE4BD1B}" presName="hierChild4" presStyleCnt="0"/>
+      <dgm:spPr/>
+    </dgm:pt>
+    <dgm:pt modelId="{DECFA622-8CFA-454B-8FCB-C9BD569EA4FC}" type="pres">
+      <dgm:prSet presAssocID="{2374F45D-45BE-4243-94BA-7C1C3CE4BD1B}" presName="hierChild5" presStyleCnt="0"/>
+      <dgm:spPr/>
+    </dgm:pt>
+    <dgm:pt modelId="{1BBF419E-D455-6144-9676-3DD22DDBFB16}" type="pres">
+      <dgm:prSet presAssocID="{9A72F04F-7BAA-C747-B609-D452DDDA070A}" presName="hierChild5" presStyleCnt="0"/>
+      <dgm:spPr/>
+    </dgm:pt>
+    <dgm:pt modelId="{AB60A778-05D9-7844-97E2-6D6F1FC36617}" type="pres">
+      <dgm:prSet presAssocID="{3619400D-614E-2D41-8985-087808581911}" presName="Name37" presStyleLbl="parChTrans1D3" presStyleIdx="1" presStyleCnt="4" custSzX="824899" custSzY="264780"/>
+      <dgm:spPr/>
+      <dgm:t>
+        <a:bodyPr/>
+        <a:lstStyle/>
+        <a:p>
+          <a:endParaRPr lang="en-US"/>
+        </a:p>
+      </dgm:t>
+    </dgm:pt>
+    <dgm:pt modelId="{8C164A7F-E8A9-214D-AD56-9D3ED4DF9547}" type="pres">
+      <dgm:prSet presAssocID="{7A941D53-C83A-4441-87B0-67E16680B03D}" presName="hierRoot2" presStyleCnt="0">
+        <dgm:presLayoutVars>
+          <dgm:hierBranch val="init"/>
+        </dgm:presLayoutVars>
+      </dgm:prSet>
+      <dgm:spPr/>
+    </dgm:pt>
+    <dgm:pt modelId="{E82C5E6A-09CD-7942-A205-1A149A1B73B3}" type="pres">
+      <dgm:prSet presAssocID="{7A941D53-C83A-4441-87B0-67E16680B03D}" presName="rootComposite" presStyleCnt="0"/>
+      <dgm:spPr/>
+    </dgm:pt>
+    <dgm:pt modelId="{B7D3FF03-8855-8645-B482-03CC79594B53}" type="pres">
+      <dgm:prSet presAssocID="{7A941D53-C83A-4441-87B0-67E16680B03D}" presName="rootText" presStyleLbl="node3" presStyleIdx="1" presStyleCnt="4" custScaleX="40929" custScaleY="40147" custLinFactNeighborY="-1875">
+        <dgm:presLayoutVars>
+          <dgm:chPref val="3"/>
+        </dgm:presLayoutVars>
+      </dgm:prSet>
+      <dgm:spPr/>
+      <dgm:t>
+        <a:bodyPr/>
+        <a:lstStyle/>
+        <a:p>
+          <a:endParaRPr lang="en-US"/>
+        </a:p>
+      </dgm:t>
+    </dgm:pt>
+    <dgm:pt modelId="{8C658670-A080-A24C-80A1-B6815665E2F3}" type="pres">
+      <dgm:prSet presAssocID="{7A941D53-C83A-4441-87B0-67E16680B03D}" presName="rootConnector" presStyleLbl="node3" presStyleIdx="1" presStyleCnt="4"/>
+      <dgm:spPr/>
+      <dgm:t>
+        <a:bodyPr/>
+        <a:lstStyle/>
+        <a:p>
+          <a:endParaRPr lang="en-US"/>
+        </a:p>
+      </dgm:t>
+    </dgm:pt>
+    <dgm:pt modelId="{C6FAEBF1-FE41-D64B-8031-B19152B8F6E1}" type="pres">
+      <dgm:prSet presAssocID="{7A941D53-C83A-4441-87B0-67E16680B03D}" presName="hierChild4" presStyleCnt="0"/>
+      <dgm:spPr/>
+    </dgm:pt>
+    <dgm:pt modelId="{10219ED2-316A-0A4F-B3D4-CB34C339DF91}" type="pres">
+      <dgm:prSet presAssocID="{4F7564C3-549A-FF42-B64D-FB0F83209F4C}" presName="Name37" presStyleLbl="parChTrans1D4" presStyleIdx="2" presStyleCnt="8" custSzX="204520" custSzY="579995"/>
+      <dgm:spPr/>
+      <dgm:t>
+        <a:bodyPr/>
+        <a:lstStyle/>
+        <a:p>
+          <a:endParaRPr lang="en-US"/>
+        </a:p>
+      </dgm:t>
+    </dgm:pt>
+    <dgm:pt modelId="{2B63862D-D2BC-CF4B-B9D3-7F9A9504D120}" type="pres">
+      <dgm:prSet presAssocID="{E7C07DBA-7262-FD42-8528-FE33A36545F9}" presName="hierRoot2" presStyleCnt="0">
+        <dgm:presLayoutVars>
+          <dgm:hierBranch val="init"/>
+        </dgm:presLayoutVars>
+      </dgm:prSet>
+      <dgm:spPr/>
+    </dgm:pt>
+    <dgm:pt modelId="{9EC5DC2E-AAB7-E043-90AF-912A1C42A55D}" type="pres">
+      <dgm:prSet presAssocID="{E7C07DBA-7262-FD42-8528-FE33A36545F9}" presName="rootComposite" presStyleCnt="0"/>
+      <dgm:spPr/>
+    </dgm:pt>
+    <dgm:pt modelId="{7F4F86E2-B39E-C441-9A52-5D62E3A3F065}" type="pres">
+      <dgm:prSet presAssocID="{E7C07DBA-7262-FD42-8528-FE33A36545F9}" presName="rootText" presStyleLbl="node4" presStyleIdx="2" presStyleCnt="8" custScaleX="50397" custScaleY="42282">
+        <dgm:presLayoutVars>
+          <dgm:chPref val="3"/>
+        </dgm:presLayoutVars>
+      </dgm:prSet>
+      <dgm:spPr/>
+      <dgm:t>
+        <a:bodyPr/>
+        <a:lstStyle/>
+        <a:p>
+          <a:endParaRPr lang="en-US"/>
+        </a:p>
+      </dgm:t>
+    </dgm:pt>
+    <dgm:pt modelId="{DEB39931-02A0-1244-ACCC-FB04B3B71E47}" type="pres">
+      <dgm:prSet presAssocID="{E7C07DBA-7262-FD42-8528-FE33A36545F9}" presName="rootConnector" presStyleLbl="node4" presStyleIdx="2" presStyleCnt="8"/>
+      <dgm:spPr/>
+      <dgm:t>
+        <a:bodyPr/>
+        <a:lstStyle/>
+        <a:p>
+          <a:endParaRPr lang="en-US"/>
+        </a:p>
+      </dgm:t>
+    </dgm:pt>
+    <dgm:pt modelId="{A002EE9E-B829-3849-90D1-608105A05333}" type="pres">
+      <dgm:prSet presAssocID="{E7C07DBA-7262-FD42-8528-FE33A36545F9}" presName="hierChild4" presStyleCnt="0"/>
+      <dgm:spPr/>
+    </dgm:pt>
+    <dgm:pt modelId="{9F30795B-930F-3F40-8880-E0EAEE1A381C}" type="pres">
+      <dgm:prSet presAssocID="{E7C07DBA-7262-FD42-8528-FE33A36545F9}" presName="hierChild5" presStyleCnt="0"/>
+      <dgm:spPr/>
+    </dgm:pt>
+    <dgm:pt modelId="{98BCD90C-56AE-F04D-AB20-C13498047065}" type="pres">
+      <dgm:prSet presAssocID="{307ABA71-1E54-0D4D-83DA-C7B734D3ACA6}" presName="Name37" presStyleLbl="parChTrans1D4" presStyleIdx="3" presStyleCnt="8" custSzX="204520" custSzY="1475206"/>
+      <dgm:spPr/>
+      <dgm:t>
+        <a:bodyPr/>
+        <a:lstStyle/>
+        <a:p>
+          <a:endParaRPr lang="en-US"/>
+        </a:p>
+      </dgm:t>
+    </dgm:pt>
+    <dgm:pt modelId="{63098276-5E71-E445-99D8-7B95994AE991}" type="pres">
+      <dgm:prSet presAssocID="{45E4C7F9-F12D-2B49-9E02-7ABFB0FF3AC1}" presName="hierRoot2" presStyleCnt="0">
+        <dgm:presLayoutVars>
+          <dgm:hierBranch val="init"/>
+        </dgm:presLayoutVars>
+      </dgm:prSet>
+      <dgm:spPr/>
+    </dgm:pt>
+    <dgm:pt modelId="{0D0D3846-C254-0D4A-86CA-AC43D424265D}" type="pres">
+      <dgm:prSet presAssocID="{45E4C7F9-F12D-2B49-9E02-7ABFB0FF3AC1}" presName="rootComposite" presStyleCnt="0"/>
+      <dgm:spPr/>
+    </dgm:pt>
+    <dgm:pt modelId="{6825C15C-56EE-F043-980D-776B1E39F1B9}" type="pres">
+      <dgm:prSet presAssocID="{45E4C7F9-F12D-2B49-9E02-7ABFB0FF3AC1}" presName="rootText" presStyleLbl="node4" presStyleIdx="3" presStyleCnt="8" custScaleX="50397" custScaleY="42282">
+        <dgm:presLayoutVars>
+          <dgm:chPref val="3"/>
+        </dgm:presLayoutVars>
+      </dgm:prSet>
+      <dgm:spPr/>
+      <dgm:t>
+        <a:bodyPr/>
+        <a:lstStyle/>
+        <a:p>
+          <a:endParaRPr lang="en-US"/>
+        </a:p>
+      </dgm:t>
+    </dgm:pt>
+    <dgm:pt modelId="{31396A0D-6990-EF4C-90C2-8B2FB39706E1}" type="pres">
+      <dgm:prSet presAssocID="{45E4C7F9-F12D-2B49-9E02-7ABFB0FF3AC1}" presName="rootConnector" presStyleLbl="node4" presStyleIdx="3" presStyleCnt="8"/>
+      <dgm:spPr/>
+      <dgm:t>
+        <a:bodyPr/>
+        <a:lstStyle/>
+        <a:p>
+          <a:endParaRPr lang="en-US"/>
+        </a:p>
+      </dgm:t>
+    </dgm:pt>
+    <dgm:pt modelId="{467BAE9E-C42D-E34B-8649-F4FBCAE1B60A}" type="pres">
+      <dgm:prSet presAssocID="{45E4C7F9-F12D-2B49-9E02-7ABFB0FF3AC1}" presName="hierChild4" presStyleCnt="0"/>
+      <dgm:spPr/>
+    </dgm:pt>
+    <dgm:pt modelId="{4F1B72DB-C4DB-B04F-BB57-6708D2526C69}" type="pres">
+      <dgm:prSet presAssocID="{45E4C7F9-F12D-2B49-9E02-7ABFB0FF3AC1}" presName="hierChild5" presStyleCnt="0"/>
+      <dgm:spPr/>
+    </dgm:pt>
+    <dgm:pt modelId="{17BD73AC-804E-7541-8B5C-6EAD857800DE}" type="pres">
+      <dgm:prSet presAssocID="{7A941D53-C83A-4441-87B0-67E16680B03D}" presName="hierChild5" presStyleCnt="0"/>
+      <dgm:spPr/>
+    </dgm:pt>
+    <dgm:pt modelId="{959DE388-EFB8-5140-B50F-EB5F0372E110}" type="pres">
+      <dgm:prSet presAssocID="{D894F136-8341-E344-8B33-15CBA7D30160}" presName="hierChild5" presStyleCnt="0"/>
+      <dgm:spPr/>
+    </dgm:pt>
+    <dgm:pt modelId="{977BDEFF-CC5A-B94D-814B-C4354D51AA89}" type="pres">
+      <dgm:prSet presAssocID="{46936D1F-F2CE-EA46-89FD-74D5EEC741E6}" presName="Name35" presStyleLbl="parChTrans1D2" presStyleIdx="1" presStyleCnt="2"/>
+      <dgm:spPr/>
+      <dgm:t>
+        <a:bodyPr/>
+        <a:lstStyle/>
+        <a:p>
+          <a:endParaRPr lang="en-US"/>
+        </a:p>
+      </dgm:t>
+    </dgm:pt>
+    <dgm:pt modelId="{4187E09A-5B84-D341-931C-00CBF72BF3F5}" type="pres">
+      <dgm:prSet presAssocID="{DF0F7D3B-2D38-2945-BFC8-C31D8776AD58}" presName="hierRoot2" presStyleCnt="0">
+        <dgm:presLayoutVars>
+          <dgm:hierBranch val="init"/>
+        </dgm:presLayoutVars>
+      </dgm:prSet>
+      <dgm:spPr/>
+    </dgm:pt>
+    <dgm:pt modelId="{FD9F0B88-F579-9343-BF72-428E0E13B0AE}" type="pres">
+      <dgm:prSet presAssocID="{DF0F7D3B-2D38-2945-BFC8-C31D8776AD58}" presName="rootComposite" presStyleCnt="0"/>
+      <dgm:spPr/>
+    </dgm:pt>
+    <dgm:pt modelId="{042C0AA5-B545-294B-ABBB-768548FD46E5}" type="pres">
+      <dgm:prSet presAssocID="{DF0F7D3B-2D38-2945-BFC8-C31D8776AD58}" presName="rootText" presStyleLbl="node2" presStyleIdx="1" presStyleCnt="2" custScaleX="24703" custScaleY="38140" custLinFactNeighborX="2186" custLinFactNeighborY="-1863">
+        <dgm:presLayoutVars>
+          <dgm:chPref val="3"/>
+        </dgm:presLayoutVars>
+      </dgm:prSet>
+      <dgm:spPr/>
+      <dgm:t>
+        <a:bodyPr/>
+        <a:lstStyle/>
+        <a:p>
+          <a:endParaRPr lang="en-US"/>
+        </a:p>
+      </dgm:t>
+    </dgm:pt>
+    <dgm:pt modelId="{9C83B84C-29C5-464C-B6D1-3385FCE4447A}" type="pres">
+      <dgm:prSet presAssocID="{DF0F7D3B-2D38-2945-BFC8-C31D8776AD58}" presName="rootConnector" presStyleLbl="node2" presStyleIdx="1" presStyleCnt="2"/>
+      <dgm:spPr/>
+      <dgm:t>
+        <a:bodyPr/>
+        <a:lstStyle/>
+        <a:p>
+          <a:endParaRPr lang="en-US"/>
+        </a:p>
+      </dgm:t>
+    </dgm:pt>
+    <dgm:pt modelId="{7DCD73A0-6FDF-5F41-AAE0-2010DAF6F6AB}" type="pres">
+      <dgm:prSet presAssocID="{DF0F7D3B-2D38-2945-BFC8-C31D8776AD58}" presName="hierChild4" presStyleCnt="0"/>
+      <dgm:spPr/>
+    </dgm:pt>
+    <dgm:pt modelId="{F3738F5C-BCEE-E54D-BFD4-8BA56264A257}" type="pres">
+      <dgm:prSet presAssocID="{D46D63F9-42C3-D14E-84BD-D84A5EE71305}" presName="Name37" presStyleLbl="parChTrans1D3" presStyleIdx="2" presStyleCnt="4" custSzX="824899" custSzY="426744"/>
+      <dgm:spPr/>
+      <dgm:t>
+        <a:bodyPr/>
+        <a:lstStyle/>
+        <a:p>
+          <a:endParaRPr lang="en-US"/>
+        </a:p>
+      </dgm:t>
+    </dgm:pt>
+    <dgm:pt modelId="{61707D59-45FE-A441-B910-A16672C5A475}" type="pres">
+      <dgm:prSet presAssocID="{5FBAC690-4BBF-9441-9601-1E9E1F0F55F8}" presName="hierRoot2" presStyleCnt="0">
+        <dgm:presLayoutVars>
+          <dgm:hierBranch val="init"/>
+        </dgm:presLayoutVars>
+      </dgm:prSet>
+      <dgm:spPr/>
+    </dgm:pt>
+    <dgm:pt modelId="{EE97B4D4-7980-7845-8055-CB7B194AD1F2}" type="pres">
+      <dgm:prSet presAssocID="{5FBAC690-4BBF-9441-9601-1E9E1F0F55F8}" presName="rootComposite" presStyleCnt="0"/>
+      <dgm:spPr/>
+    </dgm:pt>
+    <dgm:pt modelId="{71D74AC4-BC3D-9E4E-A21C-8EFD75A18074}" type="pres">
+      <dgm:prSet presAssocID="{5FBAC690-4BBF-9441-9601-1E9E1F0F55F8}" presName="rootText" presStyleLbl="node3" presStyleIdx="2" presStyleCnt="4" custScaleX="40929" custScaleY="40147" custLinFactNeighborY="-625">
+        <dgm:presLayoutVars>
+          <dgm:chPref val="3"/>
+        </dgm:presLayoutVars>
+      </dgm:prSet>
+      <dgm:spPr/>
+      <dgm:t>
+        <a:bodyPr/>
+        <a:lstStyle/>
+        <a:p>
+          <a:endParaRPr lang="en-US"/>
+        </a:p>
+      </dgm:t>
+    </dgm:pt>
+    <dgm:pt modelId="{7E0AA1AA-E8E6-2844-BD0A-5C00C64D1C5F}" type="pres">
+      <dgm:prSet presAssocID="{5FBAC690-4BBF-9441-9601-1E9E1F0F55F8}" presName="rootConnector" presStyleLbl="node3" presStyleIdx="2" presStyleCnt="4"/>
+      <dgm:spPr/>
+      <dgm:t>
+        <a:bodyPr/>
+        <a:lstStyle/>
+        <a:p>
+          <a:endParaRPr lang="en-US"/>
+        </a:p>
+      </dgm:t>
+    </dgm:pt>
+    <dgm:pt modelId="{4AD87228-C17D-A146-A11C-0A8C45E0DA25}" type="pres">
+      <dgm:prSet presAssocID="{5FBAC690-4BBF-9441-9601-1E9E1F0F55F8}" presName="hierChild4" presStyleCnt="0"/>
+      <dgm:spPr/>
+    </dgm:pt>
+    <dgm:pt modelId="{CC7E676F-DC03-4E46-BD75-E2977450D26B}" type="pres">
+      <dgm:prSet presAssocID="{24520E86-B339-FA41-B0B0-41F9EE8A2FD5}" presName="Name37" presStyleLbl="parChTrans1D4" presStyleIdx="4" presStyleCnt="8" custSzX="204520" custSzY="579995"/>
+      <dgm:spPr/>
+      <dgm:t>
+        <a:bodyPr/>
+        <a:lstStyle/>
+        <a:p>
+          <a:endParaRPr lang="en-US"/>
+        </a:p>
+      </dgm:t>
+    </dgm:pt>
+    <dgm:pt modelId="{342C381B-5A00-D944-AE3C-25FD97710691}" type="pres">
+      <dgm:prSet presAssocID="{D4CC8CD4-B029-E945-AECB-18A26F09C639}" presName="hierRoot2" presStyleCnt="0">
+        <dgm:presLayoutVars>
+          <dgm:hierBranch val="init"/>
+        </dgm:presLayoutVars>
+      </dgm:prSet>
+      <dgm:spPr/>
+    </dgm:pt>
+    <dgm:pt modelId="{673C73A0-096B-3848-BD3B-0B6571A92515}" type="pres">
+      <dgm:prSet presAssocID="{D4CC8CD4-B029-E945-AECB-18A26F09C639}" presName="rootComposite" presStyleCnt="0"/>
+      <dgm:spPr/>
+    </dgm:pt>
+    <dgm:pt modelId="{066B489B-9E54-A84F-9D75-836EBAEE58CB}" type="pres">
+      <dgm:prSet presAssocID="{D4CC8CD4-B029-E945-AECB-18A26F09C639}" presName="rootText" presStyleLbl="node4" presStyleIdx="4" presStyleCnt="8" custScaleX="50397" custScaleY="42282">
+        <dgm:presLayoutVars>
+          <dgm:chPref val="3"/>
+        </dgm:presLayoutVars>
+      </dgm:prSet>
+      <dgm:spPr/>
+      <dgm:t>
+        <a:bodyPr/>
+        <a:lstStyle/>
+        <a:p>
+          <a:endParaRPr lang="en-US"/>
+        </a:p>
+      </dgm:t>
+    </dgm:pt>
+    <dgm:pt modelId="{FDE5B3E5-A8D3-114C-9981-006B21C61C36}" type="pres">
+      <dgm:prSet presAssocID="{D4CC8CD4-B029-E945-AECB-18A26F09C639}" presName="rootConnector" presStyleLbl="node4" presStyleIdx="4" presStyleCnt="8"/>
+      <dgm:spPr/>
+      <dgm:t>
+        <a:bodyPr/>
+        <a:lstStyle/>
+        <a:p>
+          <a:endParaRPr lang="en-US"/>
+        </a:p>
+      </dgm:t>
+    </dgm:pt>
+    <dgm:pt modelId="{28E88D47-8E6C-D84B-8659-5E4CDA77E013}" type="pres">
+      <dgm:prSet presAssocID="{D4CC8CD4-B029-E945-AECB-18A26F09C639}" presName="hierChild4" presStyleCnt="0"/>
+      <dgm:spPr/>
+    </dgm:pt>
+    <dgm:pt modelId="{B253010E-0396-FB41-BA90-1A951E9451D8}" type="pres">
+      <dgm:prSet presAssocID="{D4CC8CD4-B029-E945-AECB-18A26F09C639}" presName="hierChild5" presStyleCnt="0"/>
+      <dgm:spPr/>
+    </dgm:pt>
+    <dgm:pt modelId="{70DA1B39-B43F-E348-A288-3AEB3A46E2DB}" type="pres">
+      <dgm:prSet presAssocID="{3995AC03-DEBD-804E-9410-B8E1A2249815}" presName="Name37" presStyleLbl="parChTrans1D4" presStyleIdx="5" presStyleCnt="8" custSzX="204520" custSzY="1475206"/>
+      <dgm:spPr/>
+      <dgm:t>
+        <a:bodyPr/>
+        <a:lstStyle/>
+        <a:p>
+          <a:endParaRPr lang="en-US"/>
+        </a:p>
+      </dgm:t>
+    </dgm:pt>
+    <dgm:pt modelId="{7E26C2A9-AB0D-D646-B8FE-B48BEF420AEB}" type="pres">
+      <dgm:prSet presAssocID="{3716F946-96D6-F544-B2B3-6EF1B56F4F68}" presName="hierRoot2" presStyleCnt="0">
+        <dgm:presLayoutVars>
+          <dgm:hierBranch val="init"/>
+        </dgm:presLayoutVars>
+      </dgm:prSet>
+      <dgm:spPr/>
+    </dgm:pt>
+    <dgm:pt modelId="{BFE3CF65-FBE5-6E40-955F-B205AF7A844B}" type="pres">
+      <dgm:prSet presAssocID="{3716F946-96D6-F544-B2B3-6EF1B56F4F68}" presName="rootComposite" presStyleCnt="0"/>
+      <dgm:spPr/>
+    </dgm:pt>
+    <dgm:pt modelId="{B6D86815-5BD8-9D47-8A32-A76F967072E4}" type="pres">
+      <dgm:prSet presAssocID="{3716F946-96D6-F544-B2B3-6EF1B56F4F68}" presName="rootText" presStyleLbl="node4" presStyleIdx="5" presStyleCnt="8" custScaleX="50397" custScaleY="42282">
+        <dgm:presLayoutVars>
+          <dgm:chPref val="3"/>
+        </dgm:presLayoutVars>
+      </dgm:prSet>
+      <dgm:spPr/>
+      <dgm:t>
+        <a:bodyPr/>
+        <a:lstStyle/>
+        <a:p>
+          <a:endParaRPr lang="en-US"/>
+        </a:p>
+      </dgm:t>
+    </dgm:pt>
+    <dgm:pt modelId="{80579EBD-D8F7-064F-9A3F-EFD5144CEC78}" type="pres">
+      <dgm:prSet presAssocID="{3716F946-96D6-F544-B2B3-6EF1B56F4F68}" presName="rootConnector" presStyleLbl="node4" presStyleIdx="5" presStyleCnt="8"/>
+      <dgm:spPr/>
+      <dgm:t>
+        <a:bodyPr/>
+        <a:lstStyle/>
+        <a:p>
+          <a:endParaRPr lang="en-US"/>
+        </a:p>
+      </dgm:t>
+    </dgm:pt>
+    <dgm:pt modelId="{218DB688-8FC6-5946-A22E-8DF09AFE59DB}" type="pres">
+      <dgm:prSet presAssocID="{3716F946-96D6-F544-B2B3-6EF1B56F4F68}" presName="hierChild4" presStyleCnt="0"/>
+      <dgm:spPr/>
+    </dgm:pt>
+    <dgm:pt modelId="{CF7EB555-87CB-4844-9CC0-9DDDDB8271AC}" type="pres">
+      <dgm:prSet presAssocID="{3716F946-96D6-F544-B2B3-6EF1B56F4F68}" presName="hierChild5" presStyleCnt="0"/>
+      <dgm:spPr/>
+    </dgm:pt>
+    <dgm:pt modelId="{06279947-55DD-3947-B2CD-8E5F15552F66}" type="pres">
+      <dgm:prSet presAssocID="{5FBAC690-4BBF-9441-9601-1E9E1F0F55F8}" presName="hierChild5" presStyleCnt="0"/>
+      <dgm:spPr/>
+    </dgm:pt>
+    <dgm:pt modelId="{89045225-1E5E-434E-B02D-890D276D1404}" type="pres">
+      <dgm:prSet presAssocID="{F31E602B-392F-AE49-9BD6-0F698E4E6505}" presName="Name37" presStyleLbl="parChTrans1D3" presStyleIdx="3" presStyleCnt="4" custSzX="824899" custSzY="426744"/>
+      <dgm:spPr/>
+      <dgm:t>
+        <a:bodyPr/>
+        <a:lstStyle/>
+        <a:p>
+          <a:endParaRPr lang="en-US"/>
+        </a:p>
+      </dgm:t>
+    </dgm:pt>
+    <dgm:pt modelId="{D8A2D6CF-6388-1E47-80FB-49E9DA27C1F4}" type="pres">
+      <dgm:prSet presAssocID="{CDE6D69E-B278-CB45-A57E-AC4DCF797400}" presName="hierRoot2" presStyleCnt="0">
+        <dgm:presLayoutVars>
+          <dgm:hierBranch val="init"/>
+        </dgm:presLayoutVars>
+      </dgm:prSet>
+      <dgm:spPr/>
+    </dgm:pt>
+    <dgm:pt modelId="{D72E8726-7753-934D-A636-3C0F2384D009}" type="pres">
+      <dgm:prSet presAssocID="{CDE6D69E-B278-CB45-A57E-AC4DCF797400}" presName="rootComposite" presStyleCnt="0"/>
+      <dgm:spPr/>
+    </dgm:pt>
+    <dgm:pt modelId="{F814CC68-E827-5445-8462-5BC2332BD4D8}" type="pres">
+      <dgm:prSet presAssocID="{CDE6D69E-B278-CB45-A57E-AC4DCF797400}" presName="rootText" presStyleLbl="node3" presStyleIdx="3" presStyleCnt="4" custScaleX="40929" custScaleY="40147" custLinFactNeighborX="-312" custLinFactNeighborY="-2338">
+        <dgm:presLayoutVars>
+          <dgm:chPref val="3"/>
+        </dgm:presLayoutVars>
+      </dgm:prSet>
+      <dgm:spPr/>
+      <dgm:t>
+        <a:bodyPr/>
+        <a:lstStyle/>
+        <a:p>
+          <a:endParaRPr lang="en-US"/>
+        </a:p>
+      </dgm:t>
+    </dgm:pt>
+    <dgm:pt modelId="{03668B94-EDB2-2142-9C49-F0629A7501CD}" type="pres">
+      <dgm:prSet presAssocID="{CDE6D69E-B278-CB45-A57E-AC4DCF797400}" presName="rootConnector" presStyleLbl="node3" presStyleIdx="3" presStyleCnt="4"/>
+      <dgm:spPr/>
+      <dgm:t>
+        <a:bodyPr/>
+        <a:lstStyle/>
+        <a:p>
+          <a:endParaRPr lang="en-US"/>
+        </a:p>
+      </dgm:t>
+    </dgm:pt>
+    <dgm:pt modelId="{B6AB7784-B1B1-1944-9B6D-0182AA4F41A5}" type="pres">
+      <dgm:prSet presAssocID="{CDE6D69E-B278-CB45-A57E-AC4DCF797400}" presName="hierChild4" presStyleCnt="0"/>
+      <dgm:spPr/>
+    </dgm:pt>
+    <dgm:pt modelId="{A214400D-511F-C84D-A851-F3BC32CD8DBB}" type="pres">
+      <dgm:prSet presAssocID="{1A9FE87E-D2D7-4643-BDB8-476DCEC4B36D}" presName="Name37" presStyleLbl="parChTrans1D4" presStyleIdx="6" presStyleCnt="8" custSzX="204520" custSzY="579995"/>
+      <dgm:spPr/>
+      <dgm:t>
+        <a:bodyPr/>
+        <a:lstStyle/>
+        <a:p>
+          <a:endParaRPr lang="en-US"/>
+        </a:p>
+      </dgm:t>
+    </dgm:pt>
+    <dgm:pt modelId="{BB0E4EB5-1E0C-7A49-917F-9BEB7BCF84D0}" type="pres">
+      <dgm:prSet presAssocID="{3B521A98-FC9F-FE4B-A37D-9EB65295D83A}" presName="hierRoot2" presStyleCnt="0">
+        <dgm:presLayoutVars>
+          <dgm:hierBranch val="init"/>
+        </dgm:presLayoutVars>
+      </dgm:prSet>
+      <dgm:spPr/>
+    </dgm:pt>
+    <dgm:pt modelId="{F7D197B4-67C5-C544-AA34-944C9F2855F6}" type="pres">
+      <dgm:prSet presAssocID="{3B521A98-FC9F-FE4B-A37D-9EB65295D83A}" presName="rootComposite" presStyleCnt="0"/>
+      <dgm:spPr/>
+    </dgm:pt>
+    <dgm:pt modelId="{764BD3A7-8FA4-5D4E-B731-FCE111AA504A}" type="pres">
+      <dgm:prSet presAssocID="{3B521A98-FC9F-FE4B-A37D-9EB65295D83A}" presName="rootText" presStyleLbl="node4" presStyleIdx="6" presStyleCnt="8" custScaleX="50397" custScaleY="42282">
+        <dgm:presLayoutVars>
+          <dgm:chPref val="3"/>
+        </dgm:presLayoutVars>
+      </dgm:prSet>
+      <dgm:spPr/>
+      <dgm:t>
+        <a:bodyPr/>
+        <a:lstStyle/>
+        <a:p>
+          <a:endParaRPr lang="en-US"/>
+        </a:p>
+      </dgm:t>
+    </dgm:pt>
+    <dgm:pt modelId="{9B251D42-3A26-7A4C-B7D4-F89DC4502CA4}" type="pres">
+      <dgm:prSet presAssocID="{3B521A98-FC9F-FE4B-A37D-9EB65295D83A}" presName="rootConnector" presStyleLbl="node4" presStyleIdx="6" presStyleCnt="8"/>
+      <dgm:spPr/>
+      <dgm:t>
+        <a:bodyPr/>
+        <a:lstStyle/>
+        <a:p>
+          <a:endParaRPr lang="en-US"/>
+        </a:p>
+      </dgm:t>
+    </dgm:pt>
+    <dgm:pt modelId="{69191DAA-00C6-BB4F-8319-418E53BBAEDA}" type="pres">
+      <dgm:prSet presAssocID="{3B521A98-FC9F-FE4B-A37D-9EB65295D83A}" presName="hierChild4" presStyleCnt="0"/>
+      <dgm:spPr/>
+    </dgm:pt>
+    <dgm:pt modelId="{04745647-7350-834F-A986-F48AC6819F49}" type="pres">
+      <dgm:prSet presAssocID="{3B521A98-FC9F-FE4B-A37D-9EB65295D83A}" presName="hierChild5" presStyleCnt="0"/>
+      <dgm:spPr/>
+    </dgm:pt>
+    <dgm:pt modelId="{E561028F-4286-BF49-AE97-73478C0E2FC8}" type="pres">
+      <dgm:prSet presAssocID="{0FA25222-AA97-4048-B52C-0D239E827729}" presName="Name37" presStyleLbl="parChTrans1D4" presStyleIdx="7" presStyleCnt="8" custSzX="204520" custSzY="1475206"/>
+      <dgm:spPr/>
+      <dgm:t>
+        <a:bodyPr/>
+        <a:lstStyle/>
+        <a:p>
+          <a:endParaRPr lang="en-US"/>
+        </a:p>
+      </dgm:t>
+    </dgm:pt>
+    <dgm:pt modelId="{4C69A3E5-9E5B-4940-A1C9-32635E648FC6}" type="pres">
+      <dgm:prSet presAssocID="{8F03BB4A-AEA8-3C4E-BBB5-1A5BA9506EAB}" presName="hierRoot2" presStyleCnt="0">
+        <dgm:presLayoutVars>
+          <dgm:hierBranch val="init"/>
+        </dgm:presLayoutVars>
+      </dgm:prSet>
+      <dgm:spPr/>
+    </dgm:pt>
+    <dgm:pt modelId="{97587D15-C6F1-374D-A455-151E70096735}" type="pres">
+      <dgm:prSet presAssocID="{8F03BB4A-AEA8-3C4E-BBB5-1A5BA9506EAB}" presName="rootComposite" presStyleCnt="0"/>
+      <dgm:spPr/>
+    </dgm:pt>
+    <dgm:pt modelId="{28A339C8-7EA8-924D-BCE4-45982A1C7BB8}" type="pres">
+      <dgm:prSet presAssocID="{8F03BB4A-AEA8-3C4E-BBB5-1A5BA9506EAB}" presName="rootText" presStyleLbl="node4" presStyleIdx="7" presStyleCnt="8" custScaleX="50397" custScaleY="42282">
+        <dgm:presLayoutVars>
+          <dgm:chPref val="3"/>
+        </dgm:presLayoutVars>
+      </dgm:prSet>
+      <dgm:spPr/>
+      <dgm:t>
+        <a:bodyPr/>
+        <a:lstStyle/>
+        <a:p>
+          <a:endParaRPr lang="en-US"/>
+        </a:p>
+      </dgm:t>
+    </dgm:pt>
     <dgm:pt modelId="{C5DDF83F-9529-0745-AFCC-69C1F7DB9214}" type="pres">
       <dgm:prSet presAssocID="{8F03BB4A-AEA8-3C4E-BBB5-1A5BA9506EAB}" presName="rootConnector" presStyleLbl="node4" presStyleIdx="7" presStyleCnt="8"/>
       <dgm:spPr/>
+      <dgm:t>
+        <a:bodyPr/>
+        <a:lstStyle/>
+        <a:p>
+          <a:endParaRPr lang="en-US"/>
+        </a:p>
+      </dgm:t>
     </dgm:pt>
     <dgm:pt modelId="{ABA81FC0-1921-BE40-AC44-E2FBE92FE99C}" type="pres">
       <dgm:prSet presAssocID="{8F03BB4A-AEA8-3C4E-BBB5-1A5BA9506EAB}" presName="hierChild4" presStyleCnt="0"/>
@@ -2057,66 +2301,66 @@
     </dgm:pt>
   </dgm:ptLst>
   <dgm:cxnLst>
+    <dgm:cxn modelId="{0CA91D2C-A73B-A641-824F-C94778B4C23F}" type="presOf" srcId="{DF0F7D3B-2D38-2945-BFC8-C31D8776AD58}" destId="{042C0AA5-B545-294B-ABBB-768548FD46E5}" srcOrd="0" destOrd="0" presId="urn:microsoft.com/office/officeart/2005/8/layout/orgChart1"/>
+    <dgm:cxn modelId="{6FA838DA-703A-EC45-9338-177707E2C6B4}" type="presOf" srcId="{9A72F04F-7BAA-C747-B609-D452DDDA070A}" destId="{2C6E31B7-021E-8844-B97C-943F547F2889}" srcOrd="0" destOrd="0" presId="urn:microsoft.com/office/officeart/2005/8/layout/orgChart1"/>
+    <dgm:cxn modelId="{895DB9B1-CB4A-2D4A-A8AA-62EA9D97DB0F}" type="presOf" srcId="{C8034C4B-B336-D341-B9A4-C8EC113BE81C}" destId="{F9EEC0E2-9562-804A-A317-534405DDEC70}" srcOrd="0" destOrd="0" presId="urn:microsoft.com/office/officeart/2005/8/layout/orgChart1"/>
+    <dgm:cxn modelId="{F2CA2F18-7440-C343-AB79-624493504332}" type="presOf" srcId="{3716F946-96D6-F544-B2B3-6EF1B56F4F68}" destId="{B6D86815-5BD8-9D47-8A32-A76F967072E4}" srcOrd="0" destOrd="0" presId="urn:microsoft.com/office/officeart/2005/8/layout/orgChart1"/>
+    <dgm:cxn modelId="{CE267F07-F051-EB46-9D53-505ACBE39E35}" type="presOf" srcId="{E7C07DBA-7262-FD42-8528-FE33A36545F9}" destId="{DEB39931-02A0-1244-ACCC-FB04B3B71E47}" srcOrd="1" destOrd="0" presId="urn:microsoft.com/office/officeart/2005/8/layout/orgChart1"/>
+    <dgm:cxn modelId="{EB47749F-6AE1-7D4B-8C97-253A044AC95D}" type="presOf" srcId="{66D22F5B-0E45-E344-B511-4057343269F2}" destId="{95380FE9-C934-1D4F-AA5E-4F54B1E8BA9A}" srcOrd="0" destOrd="0" presId="urn:microsoft.com/office/officeart/2005/8/layout/orgChart1"/>
+    <dgm:cxn modelId="{4AF6AD22-A891-3F43-868E-7D54668C9E8D}" srcId="{9A72F04F-7BAA-C747-B609-D452DDDA070A}" destId="{66D22F5B-0E45-E344-B511-4057343269F2}" srcOrd="0" destOrd="0" parTransId="{EE7E8D70-CFEC-0940-A202-E3EBB1EFA5C5}" sibTransId="{7E655707-B9A8-5647-B9C4-08A0CCB9E278}"/>
+    <dgm:cxn modelId="{2548F3EC-AD24-2343-8AE2-9FABA83E94EE}" srcId="{D894F136-8341-E344-8B33-15CBA7D30160}" destId="{7A941D53-C83A-4441-87B0-67E16680B03D}" srcOrd="1" destOrd="0" parTransId="{3619400D-614E-2D41-8985-087808581911}" sibTransId="{BEAC14AA-F674-B246-A02B-324F50F3598F}"/>
     <dgm:cxn modelId="{46C9CC80-15B4-2F4E-92DC-3806924E7C32}" type="presOf" srcId="{3716F946-96D6-F544-B2B3-6EF1B56F4F68}" destId="{80579EBD-D8F7-064F-9A3F-EFD5144CEC78}" srcOrd="1" destOrd="0" presId="urn:microsoft.com/office/officeart/2005/8/layout/orgChart1"/>
+    <dgm:cxn modelId="{B37897D9-77D7-7248-9C18-7AB558AF74AB}" srcId="{5FBAC690-4BBF-9441-9601-1E9E1F0F55F8}" destId="{D4CC8CD4-B029-E945-AECB-18A26F09C639}" srcOrd="0" destOrd="0" parTransId="{24520E86-B339-FA41-B0B0-41F9EE8A2FD5}" sibTransId="{27BC3FE3-B928-B541-947A-9B868FF9C671}"/>
+    <dgm:cxn modelId="{C160AE48-BB26-C940-84CF-BDF270751F76}" type="presOf" srcId="{E7C07DBA-7262-FD42-8528-FE33A36545F9}" destId="{7F4F86E2-B39E-C441-9A52-5D62E3A3F065}" srcOrd="0" destOrd="0" presId="urn:microsoft.com/office/officeart/2005/8/layout/orgChart1"/>
+    <dgm:cxn modelId="{A702D20F-1E92-C646-BBD1-995D2201397A}" srcId="{D894F136-8341-E344-8B33-15CBA7D30160}" destId="{9A72F04F-7BAA-C747-B609-D452DDDA070A}" srcOrd="0" destOrd="0" parTransId="{C8034C4B-B336-D341-B9A4-C8EC113BE81C}" sibTransId="{6F4A839C-0173-8349-999D-48BE5A99D4C7}"/>
     <dgm:cxn modelId="{D1CDB45F-59F4-D94A-81DD-C2557EE48157}" type="presOf" srcId="{45E4C7F9-F12D-2B49-9E02-7ABFB0FF3AC1}" destId="{31396A0D-6990-EF4C-90C2-8B2FB39706E1}" srcOrd="1" destOrd="0" presId="urn:microsoft.com/office/officeart/2005/8/layout/orgChart1"/>
-    <dgm:cxn modelId="{1BDDA61E-F065-4E47-8141-D4E4E71DA5A2}" type="presOf" srcId="{1A9FE87E-D2D7-4643-BDB8-476DCEC4B36D}" destId="{A214400D-511F-C84D-A851-F3BC32CD8DBB}" srcOrd="0" destOrd="0" presId="urn:microsoft.com/office/officeart/2005/8/layout/orgChart1"/>
+    <dgm:cxn modelId="{49973A2A-87B1-B84E-AF3C-136B270B6662}" type="presOf" srcId="{46936D1F-F2CE-EA46-89FD-74D5EEC741E6}" destId="{977BDEFF-CC5A-B94D-814B-C4354D51AA89}" srcOrd="0" destOrd="0" presId="urn:microsoft.com/office/officeart/2005/8/layout/orgChart1"/>
+    <dgm:cxn modelId="{CF8BA7E0-DCD4-634C-B442-85CD87C46BBA}" srcId="{CDE6D69E-B278-CB45-A57E-AC4DCF797400}" destId="{3B521A98-FC9F-FE4B-A37D-9EB65295D83A}" srcOrd="0" destOrd="0" parTransId="{1A9FE87E-D2D7-4643-BDB8-476DCEC4B36D}" sibTransId="{0814651E-6DAC-BB4E-BEC2-871B4617EDF1}"/>
+    <dgm:cxn modelId="{E1C8C998-8231-9843-A352-631DE0C6C05A}" type="presOf" srcId="{5FBAC690-4BBF-9441-9601-1E9E1F0F55F8}" destId="{7E0AA1AA-E8E6-2844-BD0A-5C00C64D1C5F}" srcOrd="1" destOrd="0" presId="urn:microsoft.com/office/officeart/2005/8/layout/orgChart1"/>
+    <dgm:cxn modelId="{21DA0372-E423-4D4D-AFF5-9BCF4FA406C3}" type="presOf" srcId="{D46D63F9-42C3-D14E-84BD-D84A5EE71305}" destId="{F3738F5C-BCEE-E54D-BFD4-8BA56264A257}" srcOrd="0" destOrd="0" presId="urn:microsoft.com/office/officeart/2005/8/layout/orgChart1"/>
+    <dgm:cxn modelId="{A47911DC-E6A7-6F44-907B-B01C1F41099C}" type="presOf" srcId="{8F03BB4A-AEA8-3C4E-BBB5-1A5BA9506EAB}" destId="{C5DDF83F-9529-0745-AFCC-69C1F7DB9214}" srcOrd="1" destOrd="0" presId="urn:microsoft.com/office/officeart/2005/8/layout/orgChart1"/>
+    <dgm:cxn modelId="{60AB683F-F94D-3C4D-A930-7CF8C5656C91}" type="presOf" srcId="{8F03BB4A-AEA8-3C4E-BBB5-1A5BA9506EAB}" destId="{28A339C8-7EA8-924D-BCE4-45982A1C7BB8}" srcOrd="0" destOrd="0" presId="urn:microsoft.com/office/officeart/2005/8/layout/orgChart1"/>
+    <dgm:cxn modelId="{3F169855-0AE5-2F4D-880D-2E49C78696D5}" type="presOf" srcId="{307ABA71-1E54-0D4D-83DA-C7B734D3ACA6}" destId="{98BCD90C-56AE-F04D-AB20-C13498047065}" srcOrd="0" destOrd="0" presId="urn:microsoft.com/office/officeart/2005/8/layout/orgChart1"/>
+    <dgm:cxn modelId="{31959F89-73D3-F14D-8934-DE8902F7B39A}" type="presOf" srcId="{DF0F7D3B-2D38-2945-BFC8-C31D8776AD58}" destId="{9C83B84C-29C5-464C-B6D1-3385FCE4447A}" srcOrd="1" destOrd="0" presId="urn:microsoft.com/office/officeart/2005/8/layout/orgChart1"/>
+    <dgm:cxn modelId="{10182B8F-69D3-874F-87C7-9C82D4C9C268}" type="presOf" srcId="{CDE6D69E-B278-CB45-A57E-AC4DCF797400}" destId="{F814CC68-E827-5445-8462-5BC2332BD4D8}" srcOrd="0" destOrd="0" presId="urn:microsoft.com/office/officeart/2005/8/layout/orgChart1"/>
+    <dgm:cxn modelId="{7BF1CB20-E1AC-9441-88E7-22C1ADF3ED1B}" type="presOf" srcId="{F31E602B-392F-AE49-9BD6-0F698E4E6505}" destId="{89045225-1E5E-434E-B02D-890D276D1404}" srcOrd="0" destOrd="0" presId="urn:microsoft.com/office/officeart/2005/8/layout/orgChart1"/>
+    <dgm:cxn modelId="{ECA7293A-B2CB-A145-BF44-5F7E794CE9F0}" type="presOf" srcId="{D4CC8CD4-B029-E945-AECB-18A26F09C639}" destId="{066B489B-9E54-A84F-9D75-836EBAEE58CB}" srcOrd="0" destOrd="0" presId="urn:microsoft.com/office/officeart/2005/8/layout/orgChart1"/>
+    <dgm:cxn modelId="{0C852E21-7C9E-C348-91D3-F660C1238E86}" srcId="{9A72F04F-7BAA-C747-B609-D452DDDA070A}" destId="{2374F45D-45BE-4243-94BA-7C1C3CE4BD1B}" srcOrd="1" destOrd="0" parTransId="{67A6B9DE-D9B2-2A45-A2F8-52990DD85FB7}" sibTransId="{1BD3655F-0E25-EB4F-8949-7C239F9BCD21}"/>
+    <dgm:cxn modelId="{A9A82D5C-7E3D-9B46-8906-90D7584030C2}" type="presOf" srcId="{2374F45D-45BE-4243-94BA-7C1C3CE4BD1B}" destId="{D65E18D1-340A-8A45-A209-BED5D6DCA462}" srcOrd="1" destOrd="0" presId="urn:microsoft.com/office/officeart/2005/8/layout/orgChart1"/>
+    <dgm:cxn modelId="{C0A69BD2-7A83-9147-BF8E-A289397B2500}" type="presOf" srcId="{CDE6D69E-B278-CB45-A57E-AC4DCF797400}" destId="{03668B94-EDB2-2142-9C49-F0629A7501CD}" srcOrd="1" destOrd="0" presId="urn:microsoft.com/office/officeart/2005/8/layout/orgChart1"/>
+    <dgm:cxn modelId="{222DA8E3-D48E-0041-8D4C-0EE8EB8CBCC9}" type="presOf" srcId="{7A941D53-C83A-4441-87B0-67E16680B03D}" destId="{B7D3FF03-8855-8645-B482-03CC79594B53}" srcOrd="0" destOrd="0" presId="urn:microsoft.com/office/officeart/2005/8/layout/orgChart1"/>
+    <dgm:cxn modelId="{35E18986-9FCD-EB4D-9746-EE2E3E93A97C}" type="presOf" srcId="{3B521A98-FC9F-FE4B-A37D-9EB65295D83A}" destId="{9B251D42-3A26-7A4C-B7D4-F89DC4502CA4}" srcOrd="1" destOrd="0" presId="urn:microsoft.com/office/officeart/2005/8/layout/orgChart1"/>
+    <dgm:cxn modelId="{9BC12A88-A67F-1D4F-A3A5-803AA64F472F}" type="presOf" srcId="{7A941D53-C83A-4441-87B0-67E16680B03D}" destId="{8C658670-A080-A24C-80A1-B6815665E2F3}" srcOrd="1" destOrd="0" presId="urn:microsoft.com/office/officeart/2005/8/layout/orgChart1"/>
+    <dgm:cxn modelId="{32A5D744-E493-4541-8ADF-813134262391}" type="presOf" srcId="{66D22F5B-0E45-E344-B511-4057343269F2}" destId="{6985B0FE-A59A-BB4B-9DB8-A6E73F3BE71C}" srcOrd="1" destOrd="0" presId="urn:microsoft.com/office/officeart/2005/8/layout/orgChart1"/>
+    <dgm:cxn modelId="{2342AE86-6653-8A45-BB75-3601044C3B6A}" type="presOf" srcId="{BE661E2D-7B08-4646-B905-EACAC2E869F6}" destId="{F560D28B-6C26-974F-89AD-5F4F1B234609}" srcOrd="1" destOrd="0" presId="urn:microsoft.com/office/officeart/2005/8/layout/orgChart1"/>
+    <dgm:cxn modelId="{E4E2A74E-0837-4F4D-BDDE-011F7F4A9D82}" type="presOf" srcId="{24520E86-B339-FA41-B0B0-41F9EE8A2FD5}" destId="{CC7E676F-DC03-4E46-BD75-E2977450D26B}" srcOrd="0" destOrd="0" presId="urn:microsoft.com/office/officeart/2005/8/layout/orgChart1"/>
+    <dgm:cxn modelId="{BE28C991-405D-564B-A050-62F2FD7E0F88}" type="presOf" srcId="{67A6B9DE-D9B2-2A45-A2F8-52990DD85FB7}" destId="{6D427525-AAC2-D947-BF99-1293E1AA06B4}" srcOrd="0" destOrd="0" presId="urn:microsoft.com/office/officeart/2005/8/layout/orgChart1"/>
+    <dgm:cxn modelId="{966547C3-1890-6D45-9346-B3BC88DE94EE}" srcId="{CDE6D69E-B278-CB45-A57E-AC4DCF797400}" destId="{8F03BB4A-AEA8-3C4E-BBB5-1A5BA9506EAB}" srcOrd="1" destOrd="0" parTransId="{0FA25222-AA97-4048-B52C-0D239E827729}" sibTransId="{B869DDEB-F604-164F-95B9-04F5ECA29473}"/>
+    <dgm:cxn modelId="{6B08E616-CDF3-9F47-A889-2528935EE28E}" type="presOf" srcId="{3619400D-614E-2D41-8985-087808581911}" destId="{AB60A778-05D9-7844-97E2-6D6F1FC36617}" srcOrd="0" destOrd="0" presId="urn:microsoft.com/office/officeart/2005/8/layout/orgChart1"/>
+    <dgm:cxn modelId="{30678543-B39A-8B48-B82D-023AAB66B239}" type="presOf" srcId="{D4CC8CD4-B029-E945-AECB-18A26F09C639}" destId="{FDE5B3E5-A8D3-114C-9981-006B21C61C36}" srcOrd="1" destOrd="0" presId="urn:microsoft.com/office/officeart/2005/8/layout/orgChart1"/>
     <dgm:cxn modelId="{BADEC025-380D-6645-87D5-F8E1F7A06B69}" type="presOf" srcId="{D894F136-8341-E344-8B33-15CBA7D30160}" destId="{2C6D8BDE-D9AD-6B42-B505-782BB73697ED}" srcOrd="1" destOrd="0" presId="urn:microsoft.com/office/officeart/2005/8/layout/orgChart1"/>
-    <dgm:cxn modelId="{CF8BA7E0-DCD4-634C-B442-85CD87C46BBA}" srcId="{CDE6D69E-B278-CB45-A57E-AC4DCF797400}" destId="{3B521A98-FC9F-FE4B-A37D-9EB65295D83A}" srcOrd="0" destOrd="0" parTransId="{1A9FE87E-D2D7-4643-BDB8-476DCEC4B36D}" sibTransId="{0814651E-6DAC-BB4E-BEC2-871B4617EDF1}"/>
-    <dgm:cxn modelId="{895DB9B1-CB4A-2D4A-A8AA-62EA9D97DB0F}" type="presOf" srcId="{C8034C4B-B336-D341-B9A4-C8EC113BE81C}" destId="{F9EEC0E2-9562-804A-A317-534405DDEC70}" srcOrd="0" destOrd="0" presId="urn:microsoft.com/office/officeart/2005/8/layout/orgChart1"/>
-    <dgm:cxn modelId="{31959F89-73D3-F14D-8934-DE8902F7B39A}" type="presOf" srcId="{DF0F7D3B-2D38-2945-BFC8-C31D8776AD58}" destId="{9C83B84C-29C5-464C-B6D1-3385FCE4447A}" srcOrd="1" destOrd="0" presId="urn:microsoft.com/office/officeart/2005/8/layout/orgChart1"/>
-    <dgm:cxn modelId="{A9A82D5C-7E3D-9B46-8906-90D7584030C2}" type="presOf" srcId="{2374F45D-45BE-4243-94BA-7C1C3CE4BD1B}" destId="{D65E18D1-340A-8A45-A209-BED5D6DCA462}" srcOrd="1" destOrd="0" presId="urn:microsoft.com/office/officeart/2005/8/layout/orgChart1"/>
-    <dgm:cxn modelId="{EF82FD78-F27A-7047-850A-33974D796452}" type="presOf" srcId="{3995AC03-DEBD-804E-9410-B8E1A2249815}" destId="{70DA1B39-B43F-E348-A288-3AEB3A46E2DB}" srcOrd="0" destOrd="0" presId="urn:microsoft.com/office/officeart/2005/8/layout/orgChart1"/>
-    <dgm:cxn modelId="{2548F3EC-AD24-2343-8AE2-9FABA83E94EE}" srcId="{D894F136-8341-E344-8B33-15CBA7D30160}" destId="{7A941D53-C83A-4441-87B0-67E16680B03D}" srcOrd="1" destOrd="0" parTransId="{3619400D-614E-2D41-8985-087808581911}" sibTransId="{BEAC14AA-F674-B246-A02B-324F50F3598F}"/>
-    <dgm:cxn modelId="{0C852E21-7C9E-C348-91D3-F660C1238E86}" srcId="{9A72F04F-7BAA-C747-B609-D452DDDA070A}" destId="{2374F45D-45BE-4243-94BA-7C1C3CE4BD1B}" srcOrd="1" destOrd="0" parTransId="{67A6B9DE-D9B2-2A45-A2F8-52990DD85FB7}" sibTransId="{1BD3655F-0E25-EB4F-8949-7C239F9BCD21}"/>
-    <dgm:cxn modelId="{30678543-B39A-8B48-B82D-023AAB66B239}" type="presOf" srcId="{D4CC8CD4-B029-E945-AECB-18A26F09C639}" destId="{FDE5B3E5-A8D3-114C-9981-006B21C61C36}" srcOrd="1" destOrd="0" presId="urn:microsoft.com/office/officeart/2005/8/layout/orgChart1"/>
-    <dgm:cxn modelId="{DFEA674B-0EF0-4748-A79F-C0AE18AD88F1}" srcId="{7A941D53-C83A-4441-87B0-67E16680B03D}" destId="{E7C07DBA-7262-FD42-8528-FE33A36545F9}" srcOrd="0" destOrd="0" parTransId="{4F7564C3-549A-FF42-B64D-FB0F83209F4C}" sibTransId="{9391E1BD-E73B-2A48-989A-DC2D6EA50BA7}"/>
-    <dgm:cxn modelId="{49973A2A-87B1-B84E-AF3C-136B270B6662}" type="presOf" srcId="{46936D1F-F2CE-EA46-89FD-74D5EEC741E6}" destId="{977BDEFF-CC5A-B94D-814B-C4354D51AA89}" srcOrd="0" destOrd="0" presId="urn:microsoft.com/office/officeart/2005/8/layout/orgChart1"/>
-    <dgm:cxn modelId="{C160AE48-BB26-C940-84CF-BDF270751F76}" type="presOf" srcId="{E7C07DBA-7262-FD42-8528-FE33A36545F9}" destId="{7F4F86E2-B39E-C441-9A52-5D62E3A3F065}" srcOrd="0" destOrd="0" presId="urn:microsoft.com/office/officeart/2005/8/layout/orgChart1"/>
-    <dgm:cxn modelId="{DBB6EA75-56EB-0240-87F6-15F5CF168AC6}" srcId="{DF0F7D3B-2D38-2945-BFC8-C31D8776AD58}" destId="{CDE6D69E-B278-CB45-A57E-AC4DCF797400}" srcOrd="1" destOrd="0" parTransId="{F31E602B-392F-AE49-9BD6-0F698E4E6505}" sibTransId="{B6E0127C-A9AD-9C4C-BA42-4C1ABB75425C}"/>
-    <dgm:cxn modelId="{A37077D2-105E-F64C-BD0D-74294E1051F1}" srcId="{D1FB2890-B15A-5240-9233-38D363F9F85E}" destId="{BE661E2D-7B08-4646-B905-EACAC2E869F6}" srcOrd="0" destOrd="0" parTransId="{06FD722F-658C-C040-A8CF-C506C06E0F11}" sibTransId="{0BAD7845-607F-DF43-A42B-82C594D732AD}"/>
-    <dgm:cxn modelId="{3D614DD7-CE9E-5B45-AF72-9A94269C5DFE}" srcId="{BE661E2D-7B08-4646-B905-EACAC2E869F6}" destId="{D894F136-8341-E344-8B33-15CBA7D30160}" srcOrd="0" destOrd="0" parTransId="{2FA61BA0-34ED-FB40-979F-17A4AEEC4016}" sibTransId="{4C2EC860-3FA9-2545-A7A2-0096CB172C07}"/>
-    <dgm:cxn modelId="{4AF6AD22-A891-3F43-868E-7D54668C9E8D}" srcId="{9A72F04F-7BAA-C747-B609-D452DDDA070A}" destId="{66D22F5B-0E45-E344-B511-4057343269F2}" srcOrd="0" destOrd="0" parTransId="{EE7E8D70-CFEC-0940-A202-E3EBB1EFA5C5}" sibTransId="{7E655707-B9A8-5647-B9C4-08A0CCB9E278}"/>
-    <dgm:cxn modelId="{A702D20F-1E92-C646-BBD1-995D2201397A}" srcId="{D894F136-8341-E344-8B33-15CBA7D30160}" destId="{9A72F04F-7BAA-C747-B609-D452DDDA070A}" srcOrd="0" destOrd="0" parTransId="{C8034C4B-B336-D341-B9A4-C8EC113BE81C}" sibTransId="{6F4A839C-0173-8349-999D-48BE5A99D4C7}"/>
-    <dgm:cxn modelId="{60AB683F-F94D-3C4D-A930-7CF8C5656C91}" type="presOf" srcId="{8F03BB4A-AEA8-3C4E-BBB5-1A5BA9506EAB}" destId="{28A339C8-7EA8-924D-BCE4-45982A1C7BB8}" srcOrd="0" destOrd="0" presId="urn:microsoft.com/office/officeart/2005/8/layout/orgChart1"/>
-    <dgm:cxn modelId="{F9B8E180-3CDE-3C4B-94A8-226410E29BC0}" srcId="{7A941D53-C83A-4441-87B0-67E16680B03D}" destId="{45E4C7F9-F12D-2B49-9E02-7ABFB0FF3AC1}" srcOrd="1" destOrd="0" parTransId="{307ABA71-1E54-0D4D-83DA-C7B734D3ACA6}" sibTransId="{C2CDED29-BD53-6542-B680-AA60C7D26471}"/>
-    <dgm:cxn modelId="{A47911DC-E6A7-6F44-907B-B01C1F41099C}" type="presOf" srcId="{8F03BB4A-AEA8-3C4E-BBB5-1A5BA9506EAB}" destId="{C5DDF83F-9529-0745-AFCC-69C1F7DB9214}" srcOrd="1" destOrd="0" presId="urn:microsoft.com/office/officeart/2005/8/layout/orgChart1"/>
-    <dgm:cxn modelId="{37482A2C-5215-EF4C-9FA6-79AD96204219}" type="presOf" srcId="{D894F136-8341-E344-8B33-15CBA7D30160}" destId="{5801197C-BC99-214B-8682-B8134F254D91}" srcOrd="0" destOrd="0" presId="urn:microsoft.com/office/officeart/2005/8/layout/orgChart1"/>
-    <dgm:cxn modelId="{F2CA2F18-7440-C343-AB79-624493504332}" type="presOf" srcId="{3716F946-96D6-F544-B2B3-6EF1B56F4F68}" destId="{B6D86815-5BD8-9D47-8A32-A76F967072E4}" srcOrd="0" destOrd="0" presId="urn:microsoft.com/office/officeart/2005/8/layout/orgChart1"/>
-    <dgm:cxn modelId="{E1C8C998-8231-9843-A352-631DE0C6C05A}" type="presOf" srcId="{5FBAC690-4BBF-9441-9601-1E9E1F0F55F8}" destId="{7E0AA1AA-E8E6-2844-BD0A-5C00C64D1C5F}" srcOrd="1" destOrd="0" presId="urn:microsoft.com/office/officeart/2005/8/layout/orgChart1"/>
-    <dgm:cxn modelId="{EB47749F-6AE1-7D4B-8C97-253A044AC95D}" type="presOf" srcId="{66D22F5B-0E45-E344-B511-4057343269F2}" destId="{95380FE9-C934-1D4F-AA5E-4F54B1E8BA9A}" srcOrd="0" destOrd="0" presId="urn:microsoft.com/office/officeart/2005/8/layout/orgChart1"/>
-    <dgm:cxn modelId="{E4E2A74E-0837-4F4D-BDDE-011F7F4A9D82}" type="presOf" srcId="{24520E86-B339-FA41-B0B0-41F9EE8A2FD5}" destId="{CC7E676F-DC03-4E46-BD75-E2977450D26B}" srcOrd="0" destOrd="0" presId="urn:microsoft.com/office/officeart/2005/8/layout/orgChart1"/>
-    <dgm:cxn modelId="{966547C3-1890-6D45-9346-B3BC88DE94EE}" srcId="{CDE6D69E-B278-CB45-A57E-AC4DCF797400}" destId="{8F03BB4A-AEA8-3C4E-BBB5-1A5BA9506EAB}" srcOrd="1" destOrd="0" parTransId="{0FA25222-AA97-4048-B52C-0D239E827729}" sibTransId="{B869DDEB-F604-164F-95B9-04F5ECA29473}"/>
-    <dgm:cxn modelId="{135DC53D-1DAF-0549-9619-06D0805207EA}" type="presOf" srcId="{5FBAC690-4BBF-9441-9601-1E9E1F0F55F8}" destId="{71D74AC4-BC3D-9E4E-A21C-8EFD75A18074}" srcOrd="0" destOrd="0" presId="urn:microsoft.com/office/officeart/2005/8/layout/orgChart1"/>
-    <dgm:cxn modelId="{32A5D744-E493-4541-8ADF-813134262391}" type="presOf" srcId="{66D22F5B-0E45-E344-B511-4057343269F2}" destId="{6985B0FE-A59A-BB4B-9DB8-A6E73F3BE71C}" srcOrd="1" destOrd="0" presId="urn:microsoft.com/office/officeart/2005/8/layout/orgChart1"/>
-    <dgm:cxn modelId="{6B08E616-CDF3-9F47-A889-2528935EE28E}" type="presOf" srcId="{3619400D-614E-2D41-8985-087808581911}" destId="{AB60A778-05D9-7844-97E2-6D6F1FC36617}" srcOrd="0" destOrd="0" presId="urn:microsoft.com/office/officeart/2005/8/layout/orgChart1"/>
-    <dgm:cxn modelId="{A9D38C94-4C56-F249-AFDF-5E542A9D7477}" type="presOf" srcId="{2FA61BA0-34ED-FB40-979F-17A4AEEC4016}" destId="{C2EF8487-C903-E340-A302-7F09F63B21D3}" srcOrd="0" destOrd="0" presId="urn:microsoft.com/office/officeart/2005/8/layout/orgChart1"/>
-    <dgm:cxn modelId="{0F308529-B059-2144-AE68-D9CBD7F94032}" srcId="{5FBAC690-4BBF-9441-9601-1E9E1F0F55F8}" destId="{3716F946-96D6-F544-B2B3-6EF1B56F4F68}" srcOrd="1" destOrd="0" parTransId="{3995AC03-DEBD-804E-9410-B8E1A2249815}" sibTransId="{F99F9781-D052-FA46-93ED-DDAD54AF8942}"/>
-    <dgm:cxn modelId="{21DA0372-E423-4D4D-AFF5-9BCF4FA406C3}" type="presOf" srcId="{D46D63F9-42C3-D14E-84BD-D84A5EE71305}" destId="{F3738F5C-BCEE-E54D-BFD4-8BA56264A257}" srcOrd="0" destOrd="0" presId="urn:microsoft.com/office/officeart/2005/8/layout/orgChart1"/>
-    <dgm:cxn modelId="{6FA838DA-703A-EC45-9338-177707E2C6B4}" type="presOf" srcId="{9A72F04F-7BAA-C747-B609-D452DDDA070A}" destId="{2C6E31B7-021E-8844-B97C-943F547F2889}" srcOrd="0" destOrd="0" presId="urn:microsoft.com/office/officeart/2005/8/layout/orgChart1"/>
-    <dgm:cxn modelId="{0CA91D2C-A73B-A641-824F-C94778B4C23F}" type="presOf" srcId="{DF0F7D3B-2D38-2945-BFC8-C31D8776AD58}" destId="{042C0AA5-B545-294B-ABBB-768548FD46E5}" srcOrd="0" destOrd="0" presId="urn:microsoft.com/office/officeart/2005/8/layout/orgChart1"/>
-    <dgm:cxn modelId="{B37897D9-77D7-7248-9C18-7AB558AF74AB}" srcId="{5FBAC690-4BBF-9441-9601-1E9E1F0F55F8}" destId="{D4CC8CD4-B029-E945-AECB-18A26F09C639}" srcOrd="0" destOrd="0" parTransId="{24520E86-B339-FA41-B0B0-41F9EE8A2FD5}" sibTransId="{27BC3FE3-B928-B541-947A-9B868FF9C671}"/>
-    <dgm:cxn modelId="{2AF4165C-6ECD-E64B-8EC8-23BC0DF96B57}" type="presOf" srcId="{45E4C7F9-F12D-2B49-9E02-7ABFB0FF3AC1}" destId="{6825C15C-56EE-F043-980D-776B1E39F1B9}" srcOrd="0" destOrd="0" presId="urn:microsoft.com/office/officeart/2005/8/layout/orgChart1"/>
-    <dgm:cxn modelId="{10182B8F-69D3-874F-87C7-9C82D4C9C268}" type="presOf" srcId="{CDE6D69E-B278-CB45-A57E-AC4DCF797400}" destId="{F814CC68-E827-5445-8462-5BC2332BD4D8}" srcOrd="0" destOrd="0" presId="urn:microsoft.com/office/officeart/2005/8/layout/orgChart1"/>
     <dgm:cxn modelId="{5B8ED4D7-E4A7-7049-A7CE-1EF62B828A01}" type="presOf" srcId="{9A72F04F-7BAA-C747-B609-D452DDDA070A}" destId="{131D7EDF-ABD5-A64C-92E6-2766C790EE99}" srcOrd="1" destOrd="0" presId="urn:microsoft.com/office/officeart/2005/8/layout/orgChart1"/>
     <dgm:cxn modelId="{5E1FB6E1-72B0-7E49-9C46-EB0BC343E0F9}" type="presOf" srcId="{D1FB2890-B15A-5240-9233-38D363F9F85E}" destId="{D2237D17-41C8-6B4B-BF4B-236F7438739E}" srcOrd="0" destOrd="0" presId="urn:microsoft.com/office/officeart/2005/8/layout/orgChart1"/>
-    <dgm:cxn modelId="{BE28C991-405D-564B-A050-62F2FD7E0F88}" type="presOf" srcId="{67A6B9DE-D9B2-2A45-A2F8-52990DD85FB7}" destId="{6D427525-AAC2-D947-BF99-1293E1AA06B4}" srcOrd="0" destOrd="0" presId="urn:microsoft.com/office/officeart/2005/8/layout/orgChart1"/>
+    <dgm:cxn modelId="{A6F1D45C-AD80-8E4B-9E56-59C24BB18404}" srcId="{BE661E2D-7B08-4646-B905-EACAC2E869F6}" destId="{DF0F7D3B-2D38-2945-BFC8-C31D8776AD58}" srcOrd="1" destOrd="0" parTransId="{46936D1F-F2CE-EA46-89FD-74D5EEC741E6}" sibTransId="{90C17F59-762E-884B-8530-D49EC069D512}"/>
+    <dgm:cxn modelId="{68E520C4-3F6D-464F-8EF1-9F4016C2905D}" type="presOf" srcId="{2374F45D-45BE-4243-94BA-7C1C3CE4BD1B}" destId="{26B5A8C5-809F-304D-853E-8DE78F5D19CF}" srcOrd="0" destOrd="0" presId="urn:microsoft.com/office/officeart/2005/8/layout/orgChart1"/>
+    <dgm:cxn modelId="{135DC53D-1DAF-0549-9619-06D0805207EA}" type="presOf" srcId="{5FBAC690-4BBF-9441-9601-1E9E1F0F55F8}" destId="{71D74AC4-BC3D-9E4E-A21C-8EFD75A18074}" srcOrd="0" destOrd="0" presId="urn:microsoft.com/office/officeart/2005/8/layout/orgChart1"/>
+    <dgm:cxn modelId="{A37077D2-105E-F64C-BD0D-74294E1051F1}" srcId="{D1FB2890-B15A-5240-9233-38D363F9F85E}" destId="{BE661E2D-7B08-4646-B905-EACAC2E869F6}" srcOrd="0" destOrd="0" parTransId="{06FD722F-658C-C040-A8CF-C506C06E0F11}" sibTransId="{0BAD7845-607F-DF43-A42B-82C594D732AD}"/>
+    <dgm:cxn modelId="{2E7C01E8-D1FE-3A47-8D5C-EBC99566F8BC}" type="presOf" srcId="{EE7E8D70-CFEC-0940-A202-E3EBB1EFA5C5}" destId="{A808BC81-39BE-9B40-8E5E-F598660E2907}" srcOrd="0" destOrd="0" presId="urn:microsoft.com/office/officeart/2005/8/layout/orgChart1"/>
+    <dgm:cxn modelId="{DFEA674B-0EF0-4748-A79F-C0AE18AD88F1}" srcId="{7A941D53-C83A-4441-87B0-67E16680B03D}" destId="{E7C07DBA-7262-FD42-8528-FE33A36545F9}" srcOrd="0" destOrd="0" parTransId="{4F7564C3-549A-FF42-B64D-FB0F83209F4C}" sibTransId="{9391E1BD-E73B-2A48-989A-DC2D6EA50BA7}"/>
+    <dgm:cxn modelId="{37482A2C-5215-EF4C-9FA6-79AD96204219}" type="presOf" srcId="{D894F136-8341-E344-8B33-15CBA7D30160}" destId="{5801197C-BC99-214B-8682-B8134F254D91}" srcOrd="0" destOrd="0" presId="urn:microsoft.com/office/officeart/2005/8/layout/orgChart1"/>
+    <dgm:cxn modelId="{EF82FD78-F27A-7047-850A-33974D796452}" type="presOf" srcId="{3995AC03-DEBD-804E-9410-B8E1A2249815}" destId="{70DA1B39-B43F-E348-A288-3AEB3A46E2DB}" srcOrd="0" destOrd="0" presId="urn:microsoft.com/office/officeart/2005/8/layout/orgChart1"/>
+    <dgm:cxn modelId="{2AF4165C-6ECD-E64B-8EC8-23BC0DF96B57}" type="presOf" srcId="{45E4C7F9-F12D-2B49-9E02-7ABFB0FF3AC1}" destId="{6825C15C-56EE-F043-980D-776B1E39F1B9}" srcOrd="0" destOrd="0" presId="urn:microsoft.com/office/officeart/2005/8/layout/orgChart1"/>
+    <dgm:cxn modelId="{A9D38C94-4C56-F249-AFDF-5E542A9D7477}" type="presOf" srcId="{2FA61BA0-34ED-FB40-979F-17A4AEEC4016}" destId="{C2EF8487-C903-E340-A302-7F09F63B21D3}" srcOrd="0" destOrd="0" presId="urn:microsoft.com/office/officeart/2005/8/layout/orgChart1"/>
+    <dgm:cxn modelId="{793A8C6B-9042-FC42-B412-F48E9301A014}" type="presOf" srcId="{3B521A98-FC9F-FE4B-A37D-9EB65295D83A}" destId="{764BD3A7-8FA4-5D4E-B731-FCE111AA504A}" srcOrd="0" destOrd="0" presId="urn:microsoft.com/office/officeart/2005/8/layout/orgChart1"/>
     <dgm:cxn modelId="{2762F78F-58E8-7D4A-A47A-320BD07CAF69}" srcId="{DF0F7D3B-2D38-2945-BFC8-C31D8776AD58}" destId="{5FBAC690-4BBF-9441-9601-1E9E1F0F55F8}" srcOrd="0" destOrd="0" parTransId="{D46D63F9-42C3-D14E-84BD-D84A5EE71305}" sibTransId="{F0B9A012-18FD-F64C-852B-9ECC07CF2B84}"/>
-    <dgm:cxn modelId="{35E18986-9FCD-EB4D-9746-EE2E3E93A97C}" type="presOf" srcId="{3B521A98-FC9F-FE4B-A37D-9EB65295D83A}" destId="{9B251D42-3A26-7A4C-B7D4-F89DC4502CA4}" srcOrd="1" destOrd="0" presId="urn:microsoft.com/office/officeart/2005/8/layout/orgChart1"/>
+    <dgm:cxn modelId="{F9B8E180-3CDE-3C4B-94A8-226410E29BC0}" srcId="{7A941D53-C83A-4441-87B0-67E16680B03D}" destId="{45E4C7F9-F12D-2B49-9E02-7ABFB0FF3AC1}" srcOrd="1" destOrd="0" parTransId="{307ABA71-1E54-0D4D-83DA-C7B734D3ACA6}" sibTransId="{C2CDED29-BD53-6542-B680-AA60C7D26471}"/>
+    <dgm:cxn modelId="{3D614DD7-CE9E-5B45-AF72-9A94269C5DFE}" srcId="{BE661E2D-7B08-4646-B905-EACAC2E869F6}" destId="{D894F136-8341-E344-8B33-15CBA7D30160}" srcOrd="0" destOrd="0" parTransId="{2FA61BA0-34ED-FB40-979F-17A4AEEC4016}" sibTransId="{4C2EC860-3FA9-2545-A7A2-0096CB172C07}"/>
+    <dgm:cxn modelId="{7FBB3739-BF46-BD45-B86C-3FAEB4B548EC}" type="presOf" srcId="{0FA25222-AA97-4048-B52C-0D239E827729}" destId="{E561028F-4286-BF49-AE97-73478C0E2FC8}" srcOrd="0" destOrd="0" presId="urn:microsoft.com/office/officeart/2005/8/layout/orgChart1"/>
     <dgm:cxn modelId="{342F0FEF-5D0C-BB43-BBB9-E77689616F32}" type="presOf" srcId="{BE661E2D-7B08-4646-B905-EACAC2E869F6}" destId="{7FEB9243-7480-8543-A0FE-919918F1C78B}" srcOrd="0" destOrd="0" presId="urn:microsoft.com/office/officeart/2005/8/layout/orgChart1"/>
-    <dgm:cxn modelId="{2E7C01E8-D1FE-3A47-8D5C-EBC99566F8BC}" type="presOf" srcId="{EE7E8D70-CFEC-0940-A202-E3EBB1EFA5C5}" destId="{A808BC81-39BE-9B40-8E5E-F598660E2907}" srcOrd="0" destOrd="0" presId="urn:microsoft.com/office/officeart/2005/8/layout/orgChart1"/>
-    <dgm:cxn modelId="{68E520C4-3F6D-464F-8EF1-9F4016C2905D}" type="presOf" srcId="{2374F45D-45BE-4243-94BA-7C1C3CE4BD1B}" destId="{26B5A8C5-809F-304D-853E-8DE78F5D19CF}" srcOrd="0" destOrd="0" presId="urn:microsoft.com/office/officeart/2005/8/layout/orgChart1"/>
-    <dgm:cxn modelId="{C0A69BD2-7A83-9147-BF8E-A289397B2500}" type="presOf" srcId="{CDE6D69E-B278-CB45-A57E-AC4DCF797400}" destId="{03668B94-EDB2-2142-9C49-F0629A7501CD}" srcOrd="1" destOrd="0" presId="urn:microsoft.com/office/officeart/2005/8/layout/orgChart1"/>
-    <dgm:cxn modelId="{CE267F07-F051-EB46-9D53-505ACBE39E35}" type="presOf" srcId="{E7C07DBA-7262-FD42-8528-FE33A36545F9}" destId="{DEB39931-02A0-1244-ACCC-FB04B3B71E47}" srcOrd="1" destOrd="0" presId="urn:microsoft.com/office/officeart/2005/8/layout/orgChart1"/>
-    <dgm:cxn modelId="{222DA8E3-D48E-0041-8D4C-0EE8EB8CBCC9}" type="presOf" srcId="{7A941D53-C83A-4441-87B0-67E16680B03D}" destId="{B7D3FF03-8855-8645-B482-03CC79594B53}" srcOrd="0" destOrd="0" presId="urn:microsoft.com/office/officeart/2005/8/layout/orgChart1"/>
-    <dgm:cxn modelId="{7BF1CB20-E1AC-9441-88E7-22C1ADF3ED1B}" type="presOf" srcId="{F31E602B-392F-AE49-9BD6-0F698E4E6505}" destId="{89045225-1E5E-434E-B02D-890D276D1404}" srcOrd="0" destOrd="0" presId="urn:microsoft.com/office/officeart/2005/8/layout/orgChart1"/>
-    <dgm:cxn modelId="{ECA7293A-B2CB-A145-BF44-5F7E794CE9F0}" type="presOf" srcId="{D4CC8CD4-B029-E945-AECB-18A26F09C639}" destId="{066B489B-9E54-A84F-9D75-836EBAEE58CB}" srcOrd="0" destOrd="0" presId="urn:microsoft.com/office/officeart/2005/8/layout/orgChart1"/>
-    <dgm:cxn modelId="{793A8C6B-9042-FC42-B412-F48E9301A014}" type="presOf" srcId="{3B521A98-FC9F-FE4B-A37D-9EB65295D83A}" destId="{764BD3A7-8FA4-5D4E-B731-FCE111AA504A}" srcOrd="0" destOrd="0" presId="urn:microsoft.com/office/officeart/2005/8/layout/orgChart1"/>
-    <dgm:cxn modelId="{3F169855-0AE5-2F4D-880D-2E49C78696D5}" type="presOf" srcId="{307ABA71-1E54-0D4D-83DA-C7B734D3ACA6}" destId="{98BCD90C-56AE-F04D-AB20-C13498047065}" srcOrd="0" destOrd="0" presId="urn:microsoft.com/office/officeart/2005/8/layout/orgChart1"/>
+    <dgm:cxn modelId="{1BDDA61E-F065-4E47-8141-D4E4E71DA5A2}" type="presOf" srcId="{1A9FE87E-D2D7-4643-BDB8-476DCEC4B36D}" destId="{A214400D-511F-C84D-A851-F3BC32CD8DBB}" srcOrd="0" destOrd="0" presId="urn:microsoft.com/office/officeart/2005/8/layout/orgChart1"/>
+    <dgm:cxn modelId="{0F308529-B059-2144-AE68-D9CBD7F94032}" srcId="{5FBAC690-4BBF-9441-9601-1E9E1F0F55F8}" destId="{3716F946-96D6-F544-B2B3-6EF1B56F4F68}" srcOrd="1" destOrd="0" parTransId="{3995AC03-DEBD-804E-9410-B8E1A2249815}" sibTransId="{F99F9781-D052-FA46-93ED-DDAD54AF8942}"/>
     <dgm:cxn modelId="{C2AC5852-2679-6A47-B087-110F737CEE4E}" type="presOf" srcId="{4F7564C3-549A-FF42-B64D-FB0F83209F4C}" destId="{10219ED2-316A-0A4F-B3D4-CB34C339DF91}" srcOrd="0" destOrd="0" presId="urn:microsoft.com/office/officeart/2005/8/layout/orgChart1"/>
-    <dgm:cxn modelId="{7FBB3739-BF46-BD45-B86C-3FAEB4B548EC}" type="presOf" srcId="{0FA25222-AA97-4048-B52C-0D239E827729}" destId="{E561028F-4286-BF49-AE97-73478C0E2FC8}" srcOrd="0" destOrd="0" presId="urn:microsoft.com/office/officeart/2005/8/layout/orgChart1"/>
-    <dgm:cxn modelId="{9BC12A88-A67F-1D4F-A3A5-803AA64F472F}" type="presOf" srcId="{7A941D53-C83A-4441-87B0-67E16680B03D}" destId="{8C658670-A080-A24C-80A1-B6815665E2F3}" srcOrd="1" destOrd="0" presId="urn:microsoft.com/office/officeart/2005/8/layout/orgChart1"/>
-    <dgm:cxn modelId="{2342AE86-6653-8A45-BB75-3601044C3B6A}" type="presOf" srcId="{BE661E2D-7B08-4646-B905-EACAC2E869F6}" destId="{F560D28B-6C26-974F-89AD-5F4F1B234609}" srcOrd="1" destOrd="0" presId="urn:microsoft.com/office/officeart/2005/8/layout/orgChart1"/>
-    <dgm:cxn modelId="{A6F1D45C-AD80-8E4B-9E56-59C24BB18404}" srcId="{BE661E2D-7B08-4646-B905-EACAC2E869F6}" destId="{DF0F7D3B-2D38-2945-BFC8-C31D8776AD58}" srcOrd="1" destOrd="0" parTransId="{46936D1F-F2CE-EA46-89FD-74D5EEC741E6}" sibTransId="{90C17F59-762E-884B-8530-D49EC069D512}"/>
+    <dgm:cxn modelId="{DBB6EA75-56EB-0240-87F6-15F5CF168AC6}" srcId="{DF0F7D3B-2D38-2945-BFC8-C31D8776AD58}" destId="{CDE6D69E-B278-CB45-A57E-AC4DCF797400}" srcOrd="1" destOrd="0" parTransId="{F31E602B-392F-AE49-9BD6-0F698E4E6505}" sibTransId="{B6E0127C-A9AD-9C4C-BA42-4C1ABB75425C}"/>
     <dgm:cxn modelId="{4F6C9110-264A-B043-9DA9-FE73DDDA6EC6}" type="presParOf" srcId="{D2237D17-41C8-6B4B-BF4B-236F7438739E}" destId="{8CE7171B-FBC8-E247-A8FF-DB2AAB6C3802}" srcOrd="0" destOrd="0" presId="urn:microsoft.com/office/officeart/2005/8/layout/orgChart1"/>
     <dgm:cxn modelId="{5A3D9B83-50F4-BC46-ACAD-351C53E3774E}" type="presParOf" srcId="{8CE7171B-FBC8-E247-A8FF-DB2AAB6C3802}" destId="{FEA89005-CAA2-894F-BCAC-BD604ADA0328}" srcOrd="0" destOrd="0" presId="urn:microsoft.com/office/officeart/2005/8/layout/orgChart1"/>
     <dgm:cxn modelId="{00BD3EC2-124C-F244-8023-B96F02394C86}" type="presParOf" srcId="{FEA89005-CAA2-894F-BCAC-BD604ADA0328}" destId="{7FEB9243-7480-8543-A0FE-919918F1C78B}" srcOrd="0" destOrd="0" presId="urn:microsoft.com/office/officeart/2005/8/layout/orgChart1"/>
@@ -10877,12 +11121,559 @@
             <p:ph idx="1"/>
           </p:nvPr>
         </p:nvSpPr>
-        <p:spPr/>
+        <p:spPr>
+          <a:xfrm>
+            <a:off x="1371600" y="2286000"/>
+            <a:ext cx="3468029" cy="3581400"/>
+          </a:xfrm>
+        </p:spPr>
         <p:txBody>
-          <a:bodyPr/>
+          <a:bodyPr>
+            <a:normAutofit/>
+          </a:bodyPr>
           <a:lstStyle/>
           <a:p>
-            <a:endParaRPr lang="en-US"/>
+            <a:r>
+              <a:rPr lang="en-US" dirty="0"/>
+              <a:t>6 program parameters:</a:t>
+            </a:r>
+          </a:p>
+          <a:p>
+            <a:pPr lvl="1"/>
+            <a:r>
+              <a:rPr lang="en-US" dirty="0"/>
+              <a:t>Time span</a:t>
+            </a:r>
+          </a:p>
+          <a:p>
+            <a:pPr lvl="1"/>
+            <a:r>
+              <a:rPr lang="en-US" dirty="0"/>
+              <a:t>Minimum days off</a:t>
+            </a:r>
+          </a:p>
+          <a:p>
+            <a:pPr lvl="1"/>
+            <a:r>
+              <a:rPr lang="en-US" dirty="0"/>
+              <a:t>Maximum days off</a:t>
+            </a:r>
+          </a:p>
+          <a:p>
+            <a:pPr lvl="1"/>
+            <a:r>
+              <a:rPr lang="en-US" dirty="0"/>
+              <a:t>Minimum days on</a:t>
+            </a:r>
+          </a:p>
+          <a:p>
+            <a:pPr lvl="1"/>
+            <a:r>
+              <a:rPr lang="en-US" dirty="0"/>
+              <a:t>Maximum days on</a:t>
+            </a:r>
+          </a:p>
+          <a:p>
+            <a:pPr lvl="1"/>
+            <a:r>
+              <a:rPr lang="en-US" dirty="0"/>
+              <a:t>Demand for each </a:t>
+            </a:r>
+            <a:r>
+              <a:rPr lang="en-US" dirty="0" smtClean="0"/>
+              <a:t>day</a:t>
+            </a:r>
+            <a:endParaRPr lang="en-US" dirty="0"/>
+          </a:p>
+        </p:txBody>
+      </p:sp>
+      <p:sp>
+        <p:nvSpPr>
+          <p:cNvPr id="4" name="Content Placeholder 2"/>
+          <p:cNvSpPr txBox="1">
+            <a:spLocks/>
+          </p:cNvSpPr>
+          <p:nvPr/>
+        </p:nvSpPr>
+        <p:spPr>
+          <a:xfrm>
+            <a:off x="4839629" y="2286000"/>
+            <a:ext cx="7147932" cy="3581400"/>
+          </a:xfrm>
+          <a:prstGeom prst="rect">
+            <a:avLst/>
+          </a:prstGeom>
+        </p:spPr>
+        <p:txBody>
+          <a:bodyPr vert="horz" lIns="91440" tIns="45720" rIns="91440" bIns="45720" rtlCol="0">
+            <a:normAutofit fontScale="92500"/>
+          </a:bodyPr>
+          <a:lstStyle>
+            <a:lvl1pPr marL="384048" indent="-384048" algn="l" defTabSz="914400" rtl="0" eaLnBrk="1" latinLnBrk="0" hangingPunct="1">
+              <a:lnSpc>
+                <a:spcPct val="94000"/>
+              </a:lnSpc>
+              <a:spcBef>
+                <a:spcPts val="1000"/>
+              </a:spcBef>
+              <a:spcAft>
+                <a:spcPts val="200"/>
+              </a:spcAft>
+              <a:buFont typeface="Franklin Gothic Book" panose="020B0503020102020204" pitchFamily="34" charset="0"/>
+              <a:buChar char="■"/>
+              <a:defRPr sz="2000" kern="1200" baseline="0">
+                <a:solidFill>
+                  <a:schemeClr val="tx2"/>
+                </a:solidFill>
+                <a:latin typeface="+mn-lt"/>
+                <a:ea typeface="+mn-ea"/>
+                <a:cs typeface="+mn-cs"/>
+              </a:defRPr>
+            </a:lvl1pPr>
+            <a:lvl2pPr marL="384048" indent="-384048" algn="l" defTabSz="914400" rtl="0" eaLnBrk="1" latinLnBrk="0" hangingPunct="1">
+              <a:lnSpc>
+                <a:spcPct val="94000"/>
+              </a:lnSpc>
+              <a:spcBef>
+                <a:spcPts val="500"/>
+              </a:spcBef>
+              <a:spcAft>
+                <a:spcPts val="200"/>
+              </a:spcAft>
+              <a:buFont typeface="Franklin Gothic Book" panose="020B0503020102020204" pitchFamily="34" charset="0"/>
+              <a:buChar char="–"/>
+              <a:defRPr sz="2000" i="1" kern="1200" baseline="0">
+                <a:solidFill>
+                  <a:schemeClr val="tx2"/>
+                </a:solidFill>
+                <a:latin typeface="+mn-lt"/>
+                <a:ea typeface="+mn-ea"/>
+                <a:cs typeface="+mn-cs"/>
+              </a:defRPr>
+            </a:lvl2pPr>
+            <a:lvl3pPr marL="384048" indent="-384048" algn="l" defTabSz="914400" rtl="0" eaLnBrk="1" latinLnBrk="0" hangingPunct="1">
+              <a:lnSpc>
+                <a:spcPct val="94000"/>
+              </a:lnSpc>
+              <a:spcBef>
+                <a:spcPts val="500"/>
+              </a:spcBef>
+              <a:spcAft>
+                <a:spcPts val="200"/>
+              </a:spcAft>
+              <a:buFont typeface="Franklin Gothic Book" panose="020B0503020102020204" pitchFamily="34" charset="0"/>
+              <a:buChar char="■"/>
+              <a:defRPr sz="1800" kern="1200" baseline="0">
+                <a:solidFill>
+                  <a:schemeClr val="tx2"/>
+                </a:solidFill>
+                <a:latin typeface="+mn-lt"/>
+                <a:ea typeface="+mn-ea"/>
+                <a:cs typeface="+mn-cs"/>
+              </a:defRPr>
+            </a:lvl3pPr>
+            <a:lvl4pPr marL="384048" indent="-384048" algn="l" defTabSz="914400" rtl="0" eaLnBrk="1" latinLnBrk="0" hangingPunct="1">
+              <a:lnSpc>
+                <a:spcPct val="94000"/>
+              </a:lnSpc>
+              <a:spcBef>
+                <a:spcPts val="500"/>
+              </a:spcBef>
+              <a:spcAft>
+                <a:spcPts val="200"/>
+              </a:spcAft>
+              <a:buFont typeface="Franklin Gothic Book" panose="020B0503020102020204" pitchFamily="34" charset="0"/>
+              <a:buChar char="–"/>
+              <a:defRPr sz="1800" i="1" kern="1200" baseline="0">
+                <a:solidFill>
+                  <a:schemeClr val="tx2"/>
+                </a:solidFill>
+                <a:latin typeface="+mn-lt"/>
+                <a:ea typeface="+mn-ea"/>
+                <a:cs typeface="+mn-cs"/>
+              </a:defRPr>
+            </a:lvl4pPr>
+            <a:lvl5pPr marL="384048" indent="-384048" algn="l" defTabSz="914400" rtl="0" eaLnBrk="1" latinLnBrk="0" hangingPunct="1">
+              <a:lnSpc>
+                <a:spcPct val="94000"/>
+              </a:lnSpc>
+              <a:spcBef>
+                <a:spcPts val="500"/>
+              </a:spcBef>
+              <a:spcAft>
+                <a:spcPts val="200"/>
+              </a:spcAft>
+              <a:buFont typeface="Franklin Gothic Book" panose="020B0503020102020204" pitchFamily="34" charset="0"/>
+              <a:buChar char="■"/>
+              <a:defRPr sz="1600" kern="1200" baseline="0">
+                <a:solidFill>
+                  <a:schemeClr val="tx2"/>
+                </a:solidFill>
+                <a:latin typeface="+mn-lt"/>
+                <a:ea typeface="+mn-ea"/>
+                <a:cs typeface="+mn-cs"/>
+              </a:defRPr>
+            </a:lvl5pPr>
+            <a:lvl6pPr marL="384048" indent="-384048" algn="l" defTabSz="914400" rtl="0" eaLnBrk="1" latinLnBrk="0" hangingPunct="1">
+              <a:lnSpc>
+                <a:spcPct val="94000"/>
+              </a:lnSpc>
+              <a:spcBef>
+                <a:spcPts val="500"/>
+              </a:spcBef>
+              <a:spcAft>
+                <a:spcPts val="200"/>
+              </a:spcAft>
+              <a:buFont typeface="Franklin Gothic Book" panose="020B0503020102020204" pitchFamily="34" charset="0"/>
+              <a:buChar char="–"/>
+              <a:defRPr sz="1600" i="1" kern="1200" baseline="0">
+                <a:solidFill>
+                  <a:schemeClr val="tx2"/>
+                </a:solidFill>
+                <a:latin typeface="+mn-lt"/>
+                <a:ea typeface="+mn-ea"/>
+                <a:cs typeface="+mn-cs"/>
+              </a:defRPr>
+            </a:lvl6pPr>
+            <a:lvl7pPr marL="384048" indent="-384048" algn="l" defTabSz="914400" rtl="0" eaLnBrk="1" latinLnBrk="0" hangingPunct="1">
+              <a:lnSpc>
+                <a:spcPct val="94000"/>
+              </a:lnSpc>
+              <a:spcBef>
+                <a:spcPts val="500"/>
+              </a:spcBef>
+              <a:spcAft>
+                <a:spcPts val="200"/>
+              </a:spcAft>
+              <a:buFont typeface="Franklin Gothic Book" panose="020B0503020102020204" pitchFamily="34" charset="0"/>
+              <a:buChar char="■"/>
+              <a:defRPr sz="1400" kern="1200" baseline="0">
+                <a:solidFill>
+                  <a:schemeClr val="tx2"/>
+                </a:solidFill>
+                <a:latin typeface="+mn-lt"/>
+                <a:ea typeface="+mn-ea"/>
+                <a:cs typeface="+mn-cs"/>
+              </a:defRPr>
+            </a:lvl7pPr>
+            <a:lvl8pPr marL="384048" indent="-384048" algn="l" defTabSz="914400" rtl="0" eaLnBrk="1" latinLnBrk="0" hangingPunct="1">
+              <a:lnSpc>
+                <a:spcPct val="94000"/>
+              </a:lnSpc>
+              <a:spcBef>
+                <a:spcPts val="500"/>
+              </a:spcBef>
+              <a:spcAft>
+                <a:spcPts val="200"/>
+              </a:spcAft>
+              <a:buFont typeface="Franklin Gothic Book" panose="020B0503020102020204" pitchFamily="34" charset="0"/>
+              <a:buChar char="–"/>
+              <a:defRPr sz="1400" i="1" kern="1200" baseline="0">
+                <a:solidFill>
+                  <a:schemeClr val="tx2"/>
+                </a:solidFill>
+                <a:latin typeface="+mn-lt"/>
+                <a:ea typeface="+mn-ea"/>
+                <a:cs typeface="+mn-cs"/>
+              </a:defRPr>
+            </a:lvl8pPr>
+            <a:lvl9pPr marL="384048" indent="-384048" algn="l" defTabSz="914400" rtl="0" eaLnBrk="1" latinLnBrk="0" hangingPunct="1">
+              <a:lnSpc>
+                <a:spcPct val="94000"/>
+              </a:lnSpc>
+              <a:spcBef>
+                <a:spcPts val="500"/>
+              </a:spcBef>
+              <a:spcAft>
+                <a:spcPts val="200"/>
+              </a:spcAft>
+              <a:buFont typeface="Franklin Gothic Book" panose="020B0503020102020204" pitchFamily="34" charset="0"/>
+              <a:buChar char="■"/>
+              <a:defRPr sz="1400" kern="1200" baseline="0">
+                <a:solidFill>
+                  <a:schemeClr val="tx2"/>
+                </a:solidFill>
+                <a:latin typeface="+mn-lt"/>
+                <a:ea typeface="+mn-ea"/>
+                <a:cs typeface="+mn-cs"/>
+              </a:defRPr>
+            </a:lvl9pPr>
+          </a:lstStyle>
+          <a:p>
+            <a:r>
+              <a:rPr lang="en-US" dirty="0"/>
+              <a:t>If one of these parameters is not set, it is chosen randomly:</a:t>
+            </a:r>
+          </a:p>
+          <a:p>
+            <a:pPr lvl="1"/>
+            <a:r>
+              <a:rPr lang="en-US" dirty="0"/>
+              <a:t>Time span: 5, 7 or 14</a:t>
+            </a:r>
+          </a:p>
+          <a:p>
+            <a:pPr lvl="1"/>
+            <a:r>
+              <a:rPr lang="en-US" dirty="0"/>
+              <a:t>Minimum days off: random integer between 0 and the time span</a:t>
+            </a:r>
+          </a:p>
+          <a:p>
+            <a:pPr lvl="1"/>
+            <a:r>
+              <a:rPr lang="en-US" dirty="0"/>
+              <a:t>Maximum days off: random integer between minimum days off and the time span</a:t>
+            </a:r>
+          </a:p>
+          <a:p>
+            <a:pPr lvl="1"/>
+            <a:r>
+              <a:rPr lang="en-US" dirty="0"/>
+              <a:t>Minimum days on: random integer between 0 and the time span</a:t>
+            </a:r>
+          </a:p>
+          <a:p>
+            <a:pPr lvl="1"/>
+            <a:r>
+              <a:rPr lang="en-US" dirty="0"/>
+              <a:t>Maximum days on: random integer between minimum days on and the time span</a:t>
+            </a:r>
+          </a:p>
+          <a:p>
+            <a:pPr lvl="1"/>
+            <a:r>
+              <a:rPr lang="en-US" dirty="0"/>
+              <a:t>Demand: array of length time span with integers between 0 and 2 times the time span</a:t>
+            </a:r>
+            <a:endParaRPr lang="en-US" dirty="0"/>
+          </a:p>
+        </p:txBody>
+      </p:sp>
+      <p:sp>
+        <p:nvSpPr>
+          <p:cNvPr id="5" name="Content Placeholder 2"/>
+          <p:cNvSpPr txBox="1">
+            <a:spLocks/>
+          </p:cNvSpPr>
+          <p:nvPr/>
+        </p:nvSpPr>
+        <p:spPr>
+          <a:xfrm>
+            <a:off x="1371600" y="5705706"/>
+            <a:ext cx="8144108" cy="1064942"/>
+          </a:xfrm>
+          <a:prstGeom prst="rect">
+            <a:avLst/>
+          </a:prstGeom>
+        </p:spPr>
+        <p:txBody>
+          <a:bodyPr vert="horz" lIns="91440" tIns="45720" rIns="91440" bIns="45720" rtlCol="0">
+            <a:normAutofit/>
+          </a:bodyPr>
+          <a:lstStyle>
+            <a:lvl1pPr marL="384048" indent="-384048" algn="l" defTabSz="914400" rtl="0" eaLnBrk="1" latinLnBrk="0" hangingPunct="1">
+              <a:lnSpc>
+                <a:spcPct val="94000"/>
+              </a:lnSpc>
+              <a:spcBef>
+                <a:spcPts val="1000"/>
+              </a:spcBef>
+              <a:spcAft>
+                <a:spcPts val="200"/>
+              </a:spcAft>
+              <a:buFont typeface="Franklin Gothic Book" panose="020B0503020102020204" pitchFamily="34" charset="0"/>
+              <a:buChar char="■"/>
+              <a:defRPr sz="2000" kern="1200" baseline="0">
+                <a:solidFill>
+                  <a:schemeClr val="tx2"/>
+                </a:solidFill>
+                <a:latin typeface="+mn-lt"/>
+                <a:ea typeface="+mn-ea"/>
+                <a:cs typeface="+mn-cs"/>
+              </a:defRPr>
+            </a:lvl1pPr>
+            <a:lvl2pPr marL="384048" indent="-384048" algn="l" defTabSz="914400" rtl="0" eaLnBrk="1" latinLnBrk="0" hangingPunct="1">
+              <a:lnSpc>
+                <a:spcPct val="94000"/>
+              </a:lnSpc>
+              <a:spcBef>
+                <a:spcPts val="500"/>
+              </a:spcBef>
+              <a:spcAft>
+                <a:spcPts val="200"/>
+              </a:spcAft>
+              <a:buFont typeface="Franklin Gothic Book" panose="020B0503020102020204" pitchFamily="34" charset="0"/>
+              <a:buChar char="–"/>
+              <a:defRPr sz="2000" i="1" kern="1200" baseline="0">
+                <a:solidFill>
+                  <a:schemeClr val="tx2"/>
+                </a:solidFill>
+                <a:latin typeface="+mn-lt"/>
+                <a:ea typeface="+mn-ea"/>
+                <a:cs typeface="+mn-cs"/>
+              </a:defRPr>
+            </a:lvl2pPr>
+            <a:lvl3pPr marL="384048" indent="-384048" algn="l" defTabSz="914400" rtl="0" eaLnBrk="1" latinLnBrk="0" hangingPunct="1">
+              <a:lnSpc>
+                <a:spcPct val="94000"/>
+              </a:lnSpc>
+              <a:spcBef>
+                <a:spcPts val="500"/>
+              </a:spcBef>
+              <a:spcAft>
+                <a:spcPts val="200"/>
+              </a:spcAft>
+              <a:buFont typeface="Franklin Gothic Book" panose="020B0503020102020204" pitchFamily="34" charset="0"/>
+              <a:buChar char="■"/>
+              <a:defRPr sz="1800" kern="1200" baseline="0">
+                <a:solidFill>
+                  <a:schemeClr val="tx2"/>
+                </a:solidFill>
+                <a:latin typeface="+mn-lt"/>
+                <a:ea typeface="+mn-ea"/>
+                <a:cs typeface="+mn-cs"/>
+              </a:defRPr>
+            </a:lvl3pPr>
+            <a:lvl4pPr marL="384048" indent="-384048" algn="l" defTabSz="914400" rtl="0" eaLnBrk="1" latinLnBrk="0" hangingPunct="1">
+              <a:lnSpc>
+                <a:spcPct val="94000"/>
+              </a:lnSpc>
+              <a:spcBef>
+                <a:spcPts val="500"/>
+              </a:spcBef>
+              <a:spcAft>
+                <a:spcPts val="200"/>
+              </a:spcAft>
+              <a:buFont typeface="Franklin Gothic Book" panose="020B0503020102020204" pitchFamily="34" charset="0"/>
+              <a:buChar char="–"/>
+              <a:defRPr sz="1800" i="1" kern="1200" baseline="0">
+                <a:solidFill>
+                  <a:schemeClr val="tx2"/>
+                </a:solidFill>
+                <a:latin typeface="+mn-lt"/>
+                <a:ea typeface="+mn-ea"/>
+                <a:cs typeface="+mn-cs"/>
+              </a:defRPr>
+            </a:lvl4pPr>
+            <a:lvl5pPr marL="384048" indent="-384048" algn="l" defTabSz="914400" rtl="0" eaLnBrk="1" latinLnBrk="0" hangingPunct="1">
+              <a:lnSpc>
+                <a:spcPct val="94000"/>
+              </a:lnSpc>
+              <a:spcBef>
+                <a:spcPts val="500"/>
+              </a:spcBef>
+              <a:spcAft>
+                <a:spcPts val="200"/>
+              </a:spcAft>
+              <a:buFont typeface="Franklin Gothic Book" panose="020B0503020102020204" pitchFamily="34" charset="0"/>
+              <a:buChar char="■"/>
+              <a:defRPr sz="1600" kern="1200" baseline="0">
+                <a:solidFill>
+                  <a:schemeClr val="tx2"/>
+                </a:solidFill>
+                <a:latin typeface="+mn-lt"/>
+                <a:ea typeface="+mn-ea"/>
+                <a:cs typeface="+mn-cs"/>
+              </a:defRPr>
+            </a:lvl5pPr>
+            <a:lvl6pPr marL="384048" indent="-384048" algn="l" defTabSz="914400" rtl="0" eaLnBrk="1" latinLnBrk="0" hangingPunct="1">
+              <a:lnSpc>
+                <a:spcPct val="94000"/>
+              </a:lnSpc>
+              <a:spcBef>
+                <a:spcPts val="500"/>
+              </a:spcBef>
+              <a:spcAft>
+                <a:spcPts val="200"/>
+              </a:spcAft>
+              <a:buFont typeface="Franklin Gothic Book" panose="020B0503020102020204" pitchFamily="34" charset="0"/>
+              <a:buChar char="–"/>
+              <a:defRPr sz="1600" i="1" kern="1200" baseline="0">
+                <a:solidFill>
+                  <a:schemeClr val="tx2"/>
+                </a:solidFill>
+                <a:latin typeface="+mn-lt"/>
+                <a:ea typeface="+mn-ea"/>
+                <a:cs typeface="+mn-cs"/>
+              </a:defRPr>
+            </a:lvl6pPr>
+            <a:lvl7pPr marL="384048" indent="-384048" algn="l" defTabSz="914400" rtl="0" eaLnBrk="1" latinLnBrk="0" hangingPunct="1">
+              <a:lnSpc>
+                <a:spcPct val="94000"/>
+              </a:lnSpc>
+              <a:spcBef>
+                <a:spcPts val="500"/>
+              </a:spcBef>
+              <a:spcAft>
+                <a:spcPts val="200"/>
+              </a:spcAft>
+              <a:buFont typeface="Franklin Gothic Book" panose="020B0503020102020204" pitchFamily="34" charset="0"/>
+              <a:buChar char="■"/>
+              <a:defRPr sz="1400" kern="1200" baseline="0">
+                <a:solidFill>
+                  <a:schemeClr val="tx2"/>
+                </a:solidFill>
+                <a:latin typeface="+mn-lt"/>
+                <a:ea typeface="+mn-ea"/>
+                <a:cs typeface="+mn-cs"/>
+              </a:defRPr>
+            </a:lvl7pPr>
+            <a:lvl8pPr marL="384048" indent="-384048" algn="l" defTabSz="914400" rtl="0" eaLnBrk="1" latinLnBrk="0" hangingPunct="1">
+              <a:lnSpc>
+                <a:spcPct val="94000"/>
+              </a:lnSpc>
+              <a:spcBef>
+                <a:spcPts val="500"/>
+              </a:spcBef>
+              <a:spcAft>
+                <a:spcPts val="200"/>
+              </a:spcAft>
+              <a:buFont typeface="Franklin Gothic Book" panose="020B0503020102020204" pitchFamily="34" charset="0"/>
+              <a:buChar char="–"/>
+              <a:defRPr sz="1400" i="1" kern="1200" baseline="0">
+                <a:solidFill>
+                  <a:schemeClr val="tx2"/>
+                </a:solidFill>
+                <a:latin typeface="+mn-lt"/>
+                <a:ea typeface="+mn-ea"/>
+                <a:cs typeface="+mn-cs"/>
+              </a:defRPr>
+            </a:lvl8pPr>
+            <a:lvl9pPr marL="384048" indent="-384048" algn="l" defTabSz="914400" rtl="0" eaLnBrk="1" latinLnBrk="0" hangingPunct="1">
+              <a:lnSpc>
+                <a:spcPct val="94000"/>
+              </a:lnSpc>
+              <a:spcBef>
+                <a:spcPts val="500"/>
+              </a:spcBef>
+              <a:spcAft>
+                <a:spcPts val="200"/>
+              </a:spcAft>
+              <a:buFont typeface="Franklin Gothic Book" panose="020B0503020102020204" pitchFamily="34" charset="0"/>
+              <a:buChar char="■"/>
+              <a:defRPr sz="1400" kern="1200" baseline="0">
+                <a:solidFill>
+                  <a:schemeClr val="tx2"/>
+                </a:solidFill>
+                <a:latin typeface="+mn-lt"/>
+                <a:ea typeface="+mn-ea"/>
+                <a:cs typeface="+mn-cs"/>
+              </a:defRPr>
+            </a:lvl9pPr>
+          </a:lstStyle>
+          <a:p>
+            <a:r>
+              <a:rPr lang="en-US" dirty="0"/>
+              <a:t>This may still lead to insolvable problems</a:t>
+            </a:r>
+          </a:p>
+          <a:p>
+            <a:r>
+              <a:rPr lang="en-US" dirty="0"/>
+              <a:t>When a problem appears to be insolvable, a new problem is generated</a:t>
+            </a:r>
+            <a:endParaRPr lang="en-US" dirty="0"/>
           </a:p>
         </p:txBody>
       </p:sp>
@@ -11510,6 +12301,116 @@
     <p:extLst>
       <p:ext uri="{BB962C8B-B14F-4D97-AF65-F5344CB8AC3E}">
         <p14:creationId xmlns:p14="http://schemas.microsoft.com/office/powerpoint/2010/main" val="592265544"/>
+      </p:ext>
+    </p:extLst>
+  </p:cSld>
+  <p:clrMapOvr>
+    <a:masterClrMapping/>
+  </p:clrMapOvr>
+</p:sld>
+</file>
+
+<file path=ppt/slides/slide8.xml><?xml version="1.0" encoding="utf-8"?>
+<p:sld xmlns:a="http://schemas.openxmlformats.org/drawingml/2006/main" xmlns:r="http://schemas.openxmlformats.org/officeDocument/2006/relationships" xmlns:p="http://schemas.openxmlformats.org/presentationml/2006/main">
+  <p:cSld>
+    <p:spTree>
+      <p:nvGrpSpPr>
+        <p:cNvPr id="1" name=""/>
+        <p:cNvGrpSpPr/>
+        <p:nvPr/>
+      </p:nvGrpSpPr>
+      <p:grpSpPr>
+        <a:xfrm>
+          <a:off x="0" y="0"/>
+          <a:ext cx="0" cy="0"/>
+          <a:chOff x="0" y="0"/>
+          <a:chExt cx="0" cy="0"/>
+        </a:xfrm>
+      </p:grpSpPr>
+      <p:sp>
+        <p:nvSpPr>
+          <p:cNvPr id="2" name="Title 1"/>
+          <p:cNvSpPr>
+            <a:spLocks noGrp="1"/>
+          </p:cNvSpPr>
+          <p:nvPr>
+            <p:ph type="title"/>
+          </p:nvPr>
+        </p:nvSpPr>
+        <p:spPr/>
+        <p:txBody>
+          <a:bodyPr/>
+          <a:lstStyle/>
+          <a:p>
+            <a:r>
+              <a:rPr lang="en-US" dirty="0" smtClean="0"/>
+              <a:t>IRACE</a:t>
+            </a:r>
+            <a:endParaRPr lang="en-US" dirty="0"/>
+          </a:p>
+        </p:txBody>
+      </p:sp>
+      <p:sp>
+        <p:nvSpPr>
+          <p:cNvPr id="3" name="Content Placeholder 2"/>
+          <p:cNvSpPr>
+            <a:spLocks noGrp="1"/>
+          </p:cNvSpPr>
+          <p:nvPr>
+            <p:ph idx="1"/>
+          </p:nvPr>
+        </p:nvSpPr>
+        <p:spPr/>
+        <p:txBody>
+          <a:bodyPr/>
+          <a:lstStyle/>
+          <a:p>
+            <a:r>
+              <a:rPr lang="en-US" dirty="0" smtClean="0"/>
+              <a:t>Parameter for GDODOSP: length of fitness array</a:t>
+            </a:r>
+          </a:p>
+          <a:p>
+            <a:pPr lvl="1"/>
+            <a:r>
+              <a:rPr lang="en-US" dirty="0" smtClean="0"/>
+              <a:t>Experiments</a:t>
+            </a:r>
+            <a:r>
+              <a:rPr lang="en-US" smtClean="0"/>
+              <a:t>: best between 55 and 65</a:t>
+            </a:r>
+            <a:endParaRPr lang="en-US" dirty="0" smtClean="0"/>
+          </a:p>
+          <a:p>
+            <a:r>
+              <a:rPr lang="en-US" dirty="0" smtClean="0"/>
+              <a:t>Parameter for CDODOSP: size of the </a:t>
+            </a:r>
+            <a:r>
+              <a:rPr lang="en-US" dirty="0" err="1" smtClean="0"/>
+              <a:t>neighbourhood</a:t>
+            </a:r>
+            <a:r>
+              <a:rPr lang="en-US" dirty="0" smtClean="0"/>
+              <a:t> space and the length of the fitness array</a:t>
+            </a:r>
+          </a:p>
+          <a:p>
+            <a:r>
+              <a:rPr lang="en-US" dirty="0" smtClean="0"/>
+              <a:t>Not completed for CDODOSP</a:t>
+            </a:r>
+          </a:p>
+          <a:p>
+            <a:endParaRPr lang="en-US" dirty="0" smtClean="0"/>
+          </a:p>
+        </p:txBody>
+      </p:sp>
+    </p:spTree>
+    <p:extLst>
+      <p:ext uri="{BB962C8B-B14F-4D97-AF65-F5344CB8AC3E}">
+        <p14:creationId xmlns:p14="http://schemas.microsoft.com/office/powerpoint/2010/main" val="594997588"/>
       </p:ext>
     </p:extLst>
   </p:cSld>

--- a/presentation.pptx
+++ b/presentation.pptx
@@ -12,7 +12,8 @@
     <p:sldId id="260" r:id="rId6"/>
     <p:sldId id="261" r:id="rId7"/>
     <p:sldId id="262" r:id="rId8"/>
-    <p:sldId id="263" r:id="rId9"/>
+    <p:sldId id="264" r:id="rId9"/>
+    <p:sldId id="263" r:id="rId10"/>
   </p:sldIdLst>
   <p:sldSz cx="12192000" cy="6858000"/>
   <p:notesSz cx="6858000" cy="9144000"/>
@@ -2301,66 +2302,66 @@
     </dgm:pt>
   </dgm:ptLst>
   <dgm:cxnLst>
+    <dgm:cxn modelId="{46C9CC80-15B4-2F4E-92DC-3806924E7C32}" type="presOf" srcId="{3716F946-96D6-F544-B2B3-6EF1B56F4F68}" destId="{80579EBD-D8F7-064F-9A3F-EFD5144CEC78}" srcOrd="1" destOrd="0" presId="urn:microsoft.com/office/officeart/2005/8/layout/orgChart1"/>
+    <dgm:cxn modelId="{D1CDB45F-59F4-D94A-81DD-C2557EE48157}" type="presOf" srcId="{45E4C7F9-F12D-2B49-9E02-7ABFB0FF3AC1}" destId="{31396A0D-6990-EF4C-90C2-8B2FB39706E1}" srcOrd="1" destOrd="0" presId="urn:microsoft.com/office/officeart/2005/8/layout/orgChart1"/>
+    <dgm:cxn modelId="{1BDDA61E-F065-4E47-8141-D4E4E71DA5A2}" type="presOf" srcId="{1A9FE87E-D2D7-4643-BDB8-476DCEC4B36D}" destId="{A214400D-511F-C84D-A851-F3BC32CD8DBB}" srcOrd="0" destOrd="0" presId="urn:microsoft.com/office/officeart/2005/8/layout/orgChart1"/>
+    <dgm:cxn modelId="{BADEC025-380D-6645-87D5-F8E1F7A06B69}" type="presOf" srcId="{D894F136-8341-E344-8B33-15CBA7D30160}" destId="{2C6D8BDE-D9AD-6B42-B505-782BB73697ED}" srcOrd="1" destOrd="0" presId="urn:microsoft.com/office/officeart/2005/8/layout/orgChart1"/>
+    <dgm:cxn modelId="{CF8BA7E0-DCD4-634C-B442-85CD87C46BBA}" srcId="{CDE6D69E-B278-CB45-A57E-AC4DCF797400}" destId="{3B521A98-FC9F-FE4B-A37D-9EB65295D83A}" srcOrd="0" destOrd="0" parTransId="{1A9FE87E-D2D7-4643-BDB8-476DCEC4B36D}" sibTransId="{0814651E-6DAC-BB4E-BEC2-871B4617EDF1}"/>
+    <dgm:cxn modelId="{895DB9B1-CB4A-2D4A-A8AA-62EA9D97DB0F}" type="presOf" srcId="{C8034C4B-B336-D341-B9A4-C8EC113BE81C}" destId="{F9EEC0E2-9562-804A-A317-534405DDEC70}" srcOrd="0" destOrd="0" presId="urn:microsoft.com/office/officeart/2005/8/layout/orgChart1"/>
+    <dgm:cxn modelId="{31959F89-73D3-F14D-8934-DE8902F7B39A}" type="presOf" srcId="{DF0F7D3B-2D38-2945-BFC8-C31D8776AD58}" destId="{9C83B84C-29C5-464C-B6D1-3385FCE4447A}" srcOrd="1" destOrd="0" presId="urn:microsoft.com/office/officeart/2005/8/layout/orgChart1"/>
+    <dgm:cxn modelId="{A9A82D5C-7E3D-9B46-8906-90D7584030C2}" type="presOf" srcId="{2374F45D-45BE-4243-94BA-7C1C3CE4BD1B}" destId="{D65E18D1-340A-8A45-A209-BED5D6DCA462}" srcOrd="1" destOrd="0" presId="urn:microsoft.com/office/officeart/2005/8/layout/orgChart1"/>
+    <dgm:cxn modelId="{EF82FD78-F27A-7047-850A-33974D796452}" type="presOf" srcId="{3995AC03-DEBD-804E-9410-B8E1A2249815}" destId="{70DA1B39-B43F-E348-A288-3AEB3A46E2DB}" srcOrd="0" destOrd="0" presId="urn:microsoft.com/office/officeart/2005/8/layout/orgChart1"/>
+    <dgm:cxn modelId="{2548F3EC-AD24-2343-8AE2-9FABA83E94EE}" srcId="{D894F136-8341-E344-8B33-15CBA7D30160}" destId="{7A941D53-C83A-4441-87B0-67E16680B03D}" srcOrd="1" destOrd="0" parTransId="{3619400D-614E-2D41-8985-087808581911}" sibTransId="{BEAC14AA-F674-B246-A02B-324F50F3598F}"/>
+    <dgm:cxn modelId="{0C852E21-7C9E-C348-91D3-F660C1238E86}" srcId="{9A72F04F-7BAA-C747-B609-D452DDDA070A}" destId="{2374F45D-45BE-4243-94BA-7C1C3CE4BD1B}" srcOrd="1" destOrd="0" parTransId="{67A6B9DE-D9B2-2A45-A2F8-52990DD85FB7}" sibTransId="{1BD3655F-0E25-EB4F-8949-7C239F9BCD21}"/>
+    <dgm:cxn modelId="{30678543-B39A-8B48-B82D-023AAB66B239}" type="presOf" srcId="{D4CC8CD4-B029-E945-AECB-18A26F09C639}" destId="{FDE5B3E5-A8D3-114C-9981-006B21C61C36}" srcOrd="1" destOrd="0" presId="urn:microsoft.com/office/officeart/2005/8/layout/orgChart1"/>
+    <dgm:cxn modelId="{49973A2A-87B1-B84E-AF3C-136B270B6662}" type="presOf" srcId="{46936D1F-F2CE-EA46-89FD-74D5EEC741E6}" destId="{977BDEFF-CC5A-B94D-814B-C4354D51AA89}" srcOrd="0" destOrd="0" presId="urn:microsoft.com/office/officeart/2005/8/layout/orgChart1"/>
+    <dgm:cxn modelId="{DFEA674B-0EF0-4748-A79F-C0AE18AD88F1}" srcId="{7A941D53-C83A-4441-87B0-67E16680B03D}" destId="{E7C07DBA-7262-FD42-8528-FE33A36545F9}" srcOrd="0" destOrd="0" parTransId="{4F7564C3-549A-FF42-B64D-FB0F83209F4C}" sibTransId="{9391E1BD-E73B-2A48-989A-DC2D6EA50BA7}"/>
+    <dgm:cxn modelId="{C160AE48-BB26-C940-84CF-BDF270751F76}" type="presOf" srcId="{E7C07DBA-7262-FD42-8528-FE33A36545F9}" destId="{7F4F86E2-B39E-C441-9A52-5D62E3A3F065}" srcOrd="0" destOrd="0" presId="urn:microsoft.com/office/officeart/2005/8/layout/orgChart1"/>
+    <dgm:cxn modelId="{DBB6EA75-56EB-0240-87F6-15F5CF168AC6}" srcId="{DF0F7D3B-2D38-2945-BFC8-C31D8776AD58}" destId="{CDE6D69E-B278-CB45-A57E-AC4DCF797400}" srcOrd="1" destOrd="0" parTransId="{F31E602B-392F-AE49-9BD6-0F698E4E6505}" sibTransId="{B6E0127C-A9AD-9C4C-BA42-4C1ABB75425C}"/>
+    <dgm:cxn modelId="{A37077D2-105E-F64C-BD0D-74294E1051F1}" srcId="{D1FB2890-B15A-5240-9233-38D363F9F85E}" destId="{BE661E2D-7B08-4646-B905-EACAC2E869F6}" srcOrd="0" destOrd="0" parTransId="{06FD722F-658C-C040-A8CF-C506C06E0F11}" sibTransId="{0BAD7845-607F-DF43-A42B-82C594D732AD}"/>
+    <dgm:cxn modelId="{3D614DD7-CE9E-5B45-AF72-9A94269C5DFE}" srcId="{BE661E2D-7B08-4646-B905-EACAC2E869F6}" destId="{D894F136-8341-E344-8B33-15CBA7D30160}" srcOrd="0" destOrd="0" parTransId="{2FA61BA0-34ED-FB40-979F-17A4AEEC4016}" sibTransId="{4C2EC860-3FA9-2545-A7A2-0096CB172C07}"/>
+    <dgm:cxn modelId="{4AF6AD22-A891-3F43-868E-7D54668C9E8D}" srcId="{9A72F04F-7BAA-C747-B609-D452DDDA070A}" destId="{66D22F5B-0E45-E344-B511-4057343269F2}" srcOrd="0" destOrd="0" parTransId="{EE7E8D70-CFEC-0940-A202-E3EBB1EFA5C5}" sibTransId="{7E655707-B9A8-5647-B9C4-08A0CCB9E278}"/>
+    <dgm:cxn modelId="{A702D20F-1E92-C646-BBD1-995D2201397A}" srcId="{D894F136-8341-E344-8B33-15CBA7D30160}" destId="{9A72F04F-7BAA-C747-B609-D452DDDA070A}" srcOrd="0" destOrd="0" parTransId="{C8034C4B-B336-D341-B9A4-C8EC113BE81C}" sibTransId="{6F4A839C-0173-8349-999D-48BE5A99D4C7}"/>
+    <dgm:cxn modelId="{60AB683F-F94D-3C4D-A930-7CF8C5656C91}" type="presOf" srcId="{8F03BB4A-AEA8-3C4E-BBB5-1A5BA9506EAB}" destId="{28A339C8-7EA8-924D-BCE4-45982A1C7BB8}" srcOrd="0" destOrd="0" presId="urn:microsoft.com/office/officeart/2005/8/layout/orgChart1"/>
+    <dgm:cxn modelId="{F9B8E180-3CDE-3C4B-94A8-226410E29BC0}" srcId="{7A941D53-C83A-4441-87B0-67E16680B03D}" destId="{45E4C7F9-F12D-2B49-9E02-7ABFB0FF3AC1}" srcOrd="1" destOrd="0" parTransId="{307ABA71-1E54-0D4D-83DA-C7B734D3ACA6}" sibTransId="{C2CDED29-BD53-6542-B680-AA60C7D26471}"/>
+    <dgm:cxn modelId="{A47911DC-E6A7-6F44-907B-B01C1F41099C}" type="presOf" srcId="{8F03BB4A-AEA8-3C4E-BBB5-1A5BA9506EAB}" destId="{C5DDF83F-9529-0745-AFCC-69C1F7DB9214}" srcOrd="1" destOrd="0" presId="urn:microsoft.com/office/officeart/2005/8/layout/orgChart1"/>
+    <dgm:cxn modelId="{37482A2C-5215-EF4C-9FA6-79AD96204219}" type="presOf" srcId="{D894F136-8341-E344-8B33-15CBA7D30160}" destId="{5801197C-BC99-214B-8682-B8134F254D91}" srcOrd="0" destOrd="0" presId="urn:microsoft.com/office/officeart/2005/8/layout/orgChart1"/>
+    <dgm:cxn modelId="{F2CA2F18-7440-C343-AB79-624493504332}" type="presOf" srcId="{3716F946-96D6-F544-B2B3-6EF1B56F4F68}" destId="{B6D86815-5BD8-9D47-8A32-A76F967072E4}" srcOrd="0" destOrd="0" presId="urn:microsoft.com/office/officeart/2005/8/layout/orgChart1"/>
+    <dgm:cxn modelId="{E1C8C998-8231-9843-A352-631DE0C6C05A}" type="presOf" srcId="{5FBAC690-4BBF-9441-9601-1E9E1F0F55F8}" destId="{7E0AA1AA-E8E6-2844-BD0A-5C00C64D1C5F}" srcOrd="1" destOrd="0" presId="urn:microsoft.com/office/officeart/2005/8/layout/orgChart1"/>
+    <dgm:cxn modelId="{EB47749F-6AE1-7D4B-8C97-253A044AC95D}" type="presOf" srcId="{66D22F5B-0E45-E344-B511-4057343269F2}" destId="{95380FE9-C934-1D4F-AA5E-4F54B1E8BA9A}" srcOrd="0" destOrd="0" presId="urn:microsoft.com/office/officeart/2005/8/layout/orgChart1"/>
+    <dgm:cxn modelId="{E4E2A74E-0837-4F4D-BDDE-011F7F4A9D82}" type="presOf" srcId="{24520E86-B339-FA41-B0B0-41F9EE8A2FD5}" destId="{CC7E676F-DC03-4E46-BD75-E2977450D26B}" srcOrd="0" destOrd="0" presId="urn:microsoft.com/office/officeart/2005/8/layout/orgChart1"/>
+    <dgm:cxn modelId="{966547C3-1890-6D45-9346-B3BC88DE94EE}" srcId="{CDE6D69E-B278-CB45-A57E-AC4DCF797400}" destId="{8F03BB4A-AEA8-3C4E-BBB5-1A5BA9506EAB}" srcOrd="1" destOrd="0" parTransId="{0FA25222-AA97-4048-B52C-0D239E827729}" sibTransId="{B869DDEB-F604-164F-95B9-04F5ECA29473}"/>
+    <dgm:cxn modelId="{135DC53D-1DAF-0549-9619-06D0805207EA}" type="presOf" srcId="{5FBAC690-4BBF-9441-9601-1E9E1F0F55F8}" destId="{71D74AC4-BC3D-9E4E-A21C-8EFD75A18074}" srcOrd="0" destOrd="0" presId="urn:microsoft.com/office/officeart/2005/8/layout/orgChart1"/>
+    <dgm:cxn modelId="{32A5D744-E493-4541-8ADF-813134262391}" type="presOf" srcId="{66D22F5B-0E45-E344-B511-4057343269F2}" destId="{6985B0FE-A59A-BB4B-9DB8-A6E73F3BE71C}" srcOrd="1" destOrd="0" presId="urn:microsoft.com/office/officeart/2005/8/layout/orgChart1"/>
+    <dgm:cxn modelId="{6B08E616-CDF3-9F47-A889-2528935EE28E}" type="presOf" srcId="{3619400D-614E-2D41-8985-087808581911}" destId="{AB60A778-05D9-7844-97E2-6D6F1FC36617}" srcOrd="0" destOrd="0" presId="urn:microsoft.com/office/officeart/2005/8/layout/orgChart1"/>
+    <dgm:cxn modelId="{A9D38C94-4C56-F249-AFDF-5E542A9D7477}" type="presOf" srcId="{2FA61BA0-34ED-FB40-979F-17A4AEEC4016}" destId="{C2EF8487-C903-E340-A302-7F09F63B21D3}" srcOrd="0" destOrd="0" presId="urn:microsoft.com/office/officeart/2005/8/layout/orgChart1"/>
+    <dgm:cxn modelId="{0F308529-B059-2144-AE68-D9CBD7F94032}" srcId="{5FBAC690-4BBF-9441-9601-1E9E1F0F55F8}" destId="{3716F946-96D6-F544-B2B3-6EF1B56F4F68}" srcOrd="1" destOrd="0" parTransId="{3995AC03-DEBD-804E-9410-B8E1A2249815}" sibTransId="{F99F9781-D052-FA46-93ED-DDAD54AF8942}"/>
+    <dgm:cxn modelId="{21DA0372-E423-4D4D-AFF5-9BCF4FA406C3}" type="presOf" srcId="{D46D63F9-42C3-D14E-84BD-D84A5EE71305}" destId="{F3738F5C-BCEE-E54D-BFD4-8BA56264A257}" srcOrd="0" destOrd="0" presId="urn:microsoft.com/office/officeart/2005/8/layout/orgChart1"/>
+    <dgm:cxn modelId="{6FA838DA-703A-EC45-9338-177707E2C6B4}" type="presOf" srcId="{9A72F04F-7BAA-C747-B609-D452DDDA070A}" destId="{2C6E31B7-021E-8844-B97C-943F547F2889}" srcOrd="0" destOrd="0" presId="urn:microsoft.com/office/officeart/2005/8/layout/orgChart1"/>
     <dgm:cxn modelId="{0CA91D2C-A73B-A641-824F-C94778B4C23F}" type="presOf" srcId="{DF0F7D3B-2D38-2945-BFC8-C31D8776AD58}" destId="{042C0AA5-B545-294B-ABBB-768548FD46E5}" srcOrd="0" destOrd="0" presId="urn:microsoft.com/office/officeart/2005/8/layout/orgChart1"/>
-    <dgm:cxn modelId="{6FA838DA-703A-EC45-9338-177707E2C6B4}" type="presOf" srcId="{9A72F04F-7BAA-C747-B609-D452DDDA070A}" destId="{2C6E31B7-021E-8844-B97C-943F547F2889}" srcOrd="0" destOrd="0" presId="urn:microsoft.com/office/officeart/2005/8/layout/orgChart1"/>
-    <dgm:cxn modelId="{895DB9B1-CB4A-2D4A-A8AA-62EA9D97DB0F}" type="presOf" srcId="{C8034C4B-B336-D341-B9A4-C8EC113BE81C}" destId="{F9EEC0E2-9562-804A-A317-534405DDEC70}" srcOrd="0" destOrd="0" presId="urn:microsoft.com/office/officeart/2005/8/layout/orgChart1"/>
-    <dgm:cxn modelId="{F2CA2F18-7440-C343-AB79-624493504332}" type="presOf" srcId="{3716F946-96D6-F544-B2B3-6EF1B56F4F68}" destId="{B6D86815-5BD8-9D47-8A32-A76F967072E4}" srcOrd="0" destOrd="0" presId="urn:microsoft.com/office/officeart/2005/8/layout/orgChart1"/>
-    <dgm:cxn modelId="{CE267F07-F051-EB46-9D53-505ACBE39E35}" type="presOf" srcId="{E7C07DBA-7262-FD42-8528-FE33A36545F9}" destId="{DEB39931-02A0-1244-ACCC-FB04B3B71E47}" srcOrd="1" destOrd="0" presId="urn:microsoft.com/office/officeart/2005/8/layout/orgChart1"/>
-    <dgm:cxn modelId="{EB47749F-6AE1-7D4B-8C97-253A044AC95D}" type="presOf" srcId="{66D22F5B-0E45-E344-B511-4057343269F2}" destId="{95380FE9-C934-1D4F-AA5E-4F54B1E8BA9A}" srcOrd="0" destOrd="0" presId="urn:microsoft.com/office/officeart/2005/8/layout/orgChart1"/>
-    <dgm:cxn modelId="{4AF6AD22-A891-3F43-868E-7D54668C9E8D}" srcId="{9A72F04F-7BAA-C747-B609-D452DDDA070A}" destId="{66D22F5B-0E45-E344-B511-4057343269F2}" srcOrd="0" destOrd="0" parTransId="{EE7E8D70-CFEC-0940-A202-E3EBB1EFA5C5}" sibTransId="{7E655707-B9A8-5647-B9C4-08A0CCB9E278}"/>
-    <dgm:cxn modelId="{2548F3EC-AD24-2343-8AE2-9FABA83E94EE}" srcId="{D894F136-8341-E344-8B33-15CBA7D30160}" destId="{7A941D53-C83A-4441-87B0-67E16680B03D}" srcOrd="1" destOrd="0" parTransId="{3619400D-614E-2D41-8985-087808581911}" sibTransId="{BEAC14AA-F674-B246-A02B-324F50F3598F}"/>
-    <dgm:cxn modelId="{46C9CC80-15B4-2F4E-92DC-3806924E7C32}" type="presOf" srcId="{3716F946-96D6-F544-B2B3-6EF1B56F4F68}" destId="{80579EBD-D8F7-064F-9A3F-EFD5144CEC78}" srcOrd="1" destOrd="0" presId="urn:microsoft.com/office/officeart/2005/8/layout/orgChart1"/>
     <dgm:cxn modelId="{B37897D9-77D7-7248-9C18-7AB558AF74AB}" srcId="{5FBAC690-4BBF-9441-9601-1E9E1F0F55F8}" destId="{D4CC8CD4-B029-E945-AECB-18A26F09C639}" srcOrd="0" destOrd="0" parTransId="{24520E86-B339-FA41-B0B0-41F9EE8A2FD5}" sibTransId="{27BC3FE3-B928-B541-947A-9B868FF9C671}"/>
-    <dgm:cxn modelId="{C160AE48-BB26-C940-84CF-BDF270751F76}" type="presOf" srcId="{E7C07DBA-7262-FD42-8528-FE33A36545F9}" destId="{7F4F86E2-B39E-C441-9A52-5D62E3A3F065}" srcOrd="0" destOrd="0" presId="urn:microsoft.com/office/officeart/2005/8/layout/orgChart1"/>
-    <dgm:cxn modelId="{A702D20F-1E92-C646-BBD1-995D2201397A}" srcId="{D894F136-8341-E344-8B33-15CBA7D30160}" destId="{9A72F04F-7BAA-C747-B609-D452DDDA070A}" srcOrd="0" destOrd="0" parTransId="{C8034C4B-B336-D341-B9A4-C8EC113BE81C}" sibTransId="{6F4A839C-0173-8349-999D-48BE5A99D4C7}"/>
-    <dgm:cxn modelId="{D1CDB45F-59F4-D94A-81DD-C2557EE48157}" type="presOf" srcId="{45E4C7F9-F12D-2B49-9E02-7ABFB0FF3AC1}" destId="{31396A0D-6990-EF4C-90C2-8B2FB39706E1}" srcOrd="1" destOrd="0" presId="urn:microsoft.com/office/officeart/2005/8/layout/orgChart1"/>
-    <dgm:cxn modelId="{49973A2A-87B1-B84E-AF3C-136B270B6662}" type="presOf" srcId="{46936D1F-F2CE-EA46-89FD-74D5EEC741E6}" destId="{977BDEFF-CC5A-B94D-814B-C4354D51AA89}" srcOrd="0" destOrd="0" presId="urn:microsoft.com/office/officeart/2005/8/layout/orgChart1"/>
-    <dgm:cxn modelId="{CF8BA7E0-DCD4-634C-B442-85CD87C46BBA}" srcId="{CDE6D69E-B278-CB45-A57E-AC4DCF797400}" destId="{3B521A98-FC9F-FE4B-A37D-9EB65295D83A}" srcOrd="0" destOrd="0" parTransId="{1A9FE87E-D2D7-4643-BDB8-476DCEC4B36D}" sibTransId="{0814651E-6DAC-BB4E-BEC2-871B4617EDF1}"/>
-    <dgm:cxn modelId="{E1C8C998-8231-9843-A352-631DE0C6C05A}" type="presOf" srcId="{5FBAC690-4BBF-9441-9601-1E9E1F0F55F8}" destId="{7E0AA1AA-E8E6-2844-BD0A-5C00C64D1C5F}" srcOrd="1" destOrd="0" presId="urn:microsoft.com/office/officeart/2005/8/layout/orgChart1"/>
-    <dgm:cxn modelId="{21DA0372-E423-4D4D-AFF5-9BCF4FA406C3}" type="presOf" srcId="{D46D63F9-42C3-D14E-84BD-D84A5EE71305}" destId="{F3738F5C-BCEE-E54D-BFD4-8BA56264A257}" srcOrd="0" destOrd="0" presId="urn:microsoft.com/office/officeart/2005/8/layout/orgChart1"/>
-    <dgm:cxn modelId="{A47911DC-E6A7-6F44-907B-B01C1F41099C}" type="presOf" srcId="{8F03BB4A-AEA8-3C4E-BBB5-1A5BA9506EAB}" destId="{C5DDF83F-9529-0745-AFCC-69C1F7DB9214}" srcOrd="1" destOrd="0" presId="urn:microsoft.com/office/officeart/2005/8/layout/orgChart1"/>
-    <dgm:cxn modelId="{60AB683F-F94D-3C4D-A930-7CF8C5656C91}" type="presOf" srcId="{8F03BB4A-AEA8-3C4E-BBB5-1A5BA9506EAB}" destId="{28A339C8-7EA8-924D-BCE4-45982A1C7BB8}" srcOrd="0" destOrd="0" presId="urn:microsoft.com/office/officeart/2005/8/layout/orgChart1"/>
-    <dgm:cxn modelId="{3F169855-0AE5-2F4D-880D-2E49C78696D5}" type="presOf" srcId="{307ABA71-1E54-0D4D-83DA-C7B734D3ACA6}" destId="{98BCD90C-56AE-F04D-AB20-C13498047065}" srcOrd="0" destOrd="0" presId="urn:microsoft.com/office/officeart/2005/8/layout/orgChart1"/>
-    <dgm:cxn modelId="{31959F89-73D3-F14D-8934-DE8902F7B39A}" type="presOf" srcId="{DF0F7D3B-2D38-2945-BFC8-C31D8776AD58}" destId="{9C83B84C-29C5-464C-B6D1-3385FCE4447A}" srcOrd="1" destOrd="0" presId="urn:microsoft.com/office/officeart/2005/8/layout/orgChart1"/>
+    <dgm:cxn modelId="{2AF4165C-6ECD-E64B-8EC8-23BC0DF96B57}" type="presOf" srcId="{45E4C7F9-F12D-2B49-9E02-7ABFB0FF3AC1}" destId="{6825C15C-56EE-F043-980D-776B1E39F1B9}" srcOrd="0" destOrd="0" presId="urn:microsoft.com/office/officeart/2005/8/layout/orgChart1"/>
     <dgm:cxn modelId="{10182B8F-69D3-874F-87C7-9C82D4C9C268}" type="presOf" srcId="{CDE6D69E-B278-CB45-A57E-AC4DCF797400}" destId="{F814CC68-E827-5445-8462-5BC2332BD4D8}" srcOrd="0" destOrd="0" presId="urn:microsoft.com/office/officeart/2005/8/layout/orgChart1"/>
-    <dgm:cxn modelId="{7BF1CB20-E1AC-9441-88E7-22C1ADF3ED1B}" type="presOf" srcId="{F31E602B-392F-AE49-9BD6-0F698E4E6505}" destId="{89045225-1E5E-434E-B02D-890D276D1404}" srcOrd="0" destOrd="0" presId="urn:microsoft.com/office/officeart/2005/8/layout/orgChart1"/>
-    <dgm:cxn modelId="{ECA7293A-B2CB-A145-BF44-5F7E794CE9F0}" type="presOf" srcId="{D4CC8CD4-B029-E945-AECB-18A26F09C639}" destId="{066B489B-9E54-A84F-9D75-836EBAEE58CB}" srcOrd="0" destOrd="0" presId="urn:microsoft.com/office/officeart/2005/8/layout/orgChart1"/>
-    <dgm:cxn modelId="{0C852E21-7C9E-C348-91D3-F660C1238E86}" srcId="{9A72F04F-7BAA-C747-B609-D452DDDA070A}" destId="{2374F45D-45BE-4243-94BA-7C1C3CE4BD1B}" srcOrd="1" destOrd="0" parTransId="{67A6B9DE-D9B2-2A45-A2F8-52990DD85FB7}" sibTransId="{1BD3655F-0E25-EB4F-8949-7C239F9BCD21}"/>
-    <dgm:cxn modelId="{A9A82D5C-7E3D-9B46-8906-90D7584030C2}" type="presOf" srcId="{2374F45D-45BE-4243-94BA-7C1C3CE4BD1B}" destId="{D65E18D1-340A-8A45-A209-BED5D6DCA462}" srcOrd="1" destOrd="0" presId="urn:microsoft.com/office/officeart/2005/8/layout/orgChart1"/>
-    <dgm:cxn modelId="{C0A69BD2-7A83-9147-BF8E-A289397B2500}" type="presOf" srcId="{CDE6D69E-B278-CB45-A57E-AC4DCF797400}" destId="{03668B94-EDB2-2142-9C49-F0629A7501CD}" srcOrd="1" destOrd="0" presId="urn:microsoft.com/office/officeart/2005/8/layout/orgChart1"/>
-    <dgm:cxn modelId="{222DA8E3-D48E-0041-8D4C-0EE8EB8CBCC9}" type="presOf" srcId="{7A941D53-C83A-4441-87B0-67E16680B03D}" destId="{B7D3FF03-8855-8645-B482-03CC79594B53}" srcOrd="0" destOrd="0" presId="urn:microsoft.com/office/officeart/2005/8/layout/orgChart1"/>
-    <dgm:cxn modelId="{35E18986-9FCD-EB4D-9746-EE2E3E93A97C}" type="presOf" srcId="{3B521A98-FC9F-FE4B-A37D-9EB65295D83A}" destId="{9B251D42-3A26-7A4C-B7D4-F89DC4502CA4}" srcOrd="1" destOrd="0" presId="urn:microsoft.com/office/officeart/2005/8/layout/orgChart1"/>
-    <dgm:cxn modelId="{9BC12A88-A67F-1D4F-A3A5-803AA64F472F}" type="presOf" srcId="{7A941D53-C83A-4441-87B0-67E16680B03D}" destId="{8C658670-A080-A24C-80A1-B6815665E2F3}" srcOrd="1" destOrd="0" presId="urn:microsoft.com/office/officeart/2005/8/layout/orgChart1"/>
-    <dgm:cxn modelId="{32A5D744-E493-4541-8ADF-813134262391}" type="presOf" srcId="{66D22F5B-0E45-E344-B511-4057343269F2}" destId="{6985B0FE-A59A-BB4B-9DB8-A6E73F3BE71C}" srcOrd="1" destOrd="0" presId="urn:microsoft.com/office/officeart/2005/8/layout/orgChart1"/>
-    <dgm:cxn modelId="{2342AE86-6653-8A45-BB75-3601044C3B6A}" type="presOf" srcId="{BE661E2D-7B08-4646-B905-EACAC2E869F6}" destId="{F560D28B-6C26-974F-89AD-5F4F1B234609}" srcOrd="1" destOrd="0" presId="urn:microsoft.com/office/officeart/2005/8/layout/orgChart1"/>
-    <dgm:cxn modelId="{E4E2A74E-0837-4F4D-BDDE-011F7F4A9D82}" type="presOf" srcId="{24520E86-B339-FA41-B0B0-41F9EE8A2FD5}" destId="{CC7E676F-DC03-4E46-BD75-E2977450D26B}" srcOrd="0" destOrd="0" presId="urn:microsoft.com/office/officeart/2005/8/layout/orgChart1"/>
-    <dgm:cxn modelId="{BE28C991-405D-564B-A050-62F2FD7E0F88}" type="presOf" srcId="{67A6B9DE-D9B2-2A45-A2F8-52990DD85FB7}" destId="{6D427525-AAC2-D947-BF99-1293E1AA06B4}" srcOrd="0" destOrd="0" presId="urn:microsoft.com/office/officeart/2005/8/layout/orgChart1"/>
-    <dgm:cxn modelId="{966547C3-1890-6D45-9346-B3BC88DE94EE}" srcId="{CDE6D69E-B278-CB45-A57E-AC4DCF797400}" destId="{8F03BB4A-AEA8-3C4E-BBB5-1A5BA9506EAB}" srcOrd="1" destOrd="0" parTransId="{0FA25222-AA97-4048-B52C-0D239E827729}" sibTransId="{B869DDEB-F604-164F-95B9-04F5ECA29473}"/>
-    <dgm:cxn modelId="{6B08E616-CDF3-9F47-A889-2528935EE28E}" type="presOf" srcId="{3619400D-614E-2D41-8985-087808581911}" destId="{AB60A778-05D9-7844-97E2-6D6F1FC36617}" srcOrd="0" destOrd="0" presId="urn:microsoft.com/office/officeart/2005/8/layout/orgChart1"/>
-    <dgm:cxn modelId="{30678543-B39A-8B48-B82D-023AAB66B239}" type="presOf" srcId="{D4CC8CD4-B029-E945-AECB-18A26F09C639}" destId="{FDE5B3E5-A8D3-114C-9981-006B21C61C36}" srcOrd="1" destOrd="0" presId="urn:microsoft.com/office/officeart/2005/8/layout/orgChart1"/>
-    <dgm:cxn modelId="{BADEC025-380D-6645-87D5-F8E1F7A06B69}" type="presOf" srcId="{D894F136-8341-E344-8B33-15CBA7D30160}" destId="{2C6D8BDE-D9AD-6B42-B505-782BB73697ED}" srcOrd="1" destOrd="0" presId="urn:microsoft.com/office/officeart/2005/8/layout/orgChart1"/>
     <dgm:cxn modelId="{5B8ED4D7-E4A7-7049-A7CE-1EF62B828A01}" type="presOf" srcId="{9A72F04F-7BAA-C747-B609-D452DDDA070A}" destId="{131D7EDF-ABD5-A64C-92E6-2766C790EE99}" srcOrd="1" destOrd="0" presId="urn:microsoft.com/office/officeart/2005/8/layout/orgChart1"/>
     <dgm:cxn modelId="{5E1FB6E1-72B0-7E49-9C46-EB0BC343E0F9}" type="presOf" srcId="{D1FB2890-B15A-5240-9233-38D363F9F85E}" destId="{D2237D17-41C8-6B4B-BF4B-236F7438739E}" srcOrd="0" destOrd="0" presId="urn:microsoft.com/office/officeart/2005/8/layout/orgChart1"/>
+    <dgm:cxn modelId="{BE28C991-405D-564B-A050-62F2FD7E0F88}" type="presOf" srcId="{67A6B9DE-D9B2-2A45-A2F8-52990DD85FB7}" destId="{6D427525-AAC2-D947-BF99-1293E1AA06B4}" srcOrd="0" destOrd="0" presId="urn:microsoft.com/office/officeart/2005/8/layout/orgChart1"/>
+    <dgm:cxn modelId="{2762F78F-58E8-7D4A-A47A-320BD07CAF69}" srcId="{DF0F7D3B-2D38-2945-BFC8-C31D8776AD58}" destId="{5FBAC690-4BBF-9441-9601-1E9E1F0F55F8}" srcOrd="0" destOrd="0" parTransId="{D46D63F9-42C3-D14E-84BD-D84A5EE71305}" sibTransId="{F0B9A012-18FD-F64C-852B-9ECC07CF2B84}"/>
+    <dgm:cxn modelId="{35E18986-9FCD-EB4D-9746-EE2E3E93A97C}" type="presOf" srcId="{3B521A98-FC9F-FE4B-A37D-9EB65295D83A}" destId="{9B251D42-3A26-7A4C-B7D4-F89DC4502CA4}" srcOrd="1" destOrd="0" presId="urn:microsoft.com/office/officeart/2005/8/layout/orgChart1"/>
+    <dgm:cxn modelId="{342F0FEF-5D0C-BB43-BBB9-E77689616F32}" type="presOf" srcId="{BE661E2D-7B08-4646-B905-EACAC2E869F6}" destId="{7FEB9243-7480-8543-A0FE-919918F1C78B}" srcOrd="0" destOrd="0" presId="urn:microsoft.com/office/officeart/2005/8/layout/orgChart1"/>
+    <dgm:cxn modelId="{2E7C01E8-D1FE-3A47-8D5C-EBC99566F8BC}" type="presOf" srcId="{EE7E8D70-CFEC-0940-A202-E3EBB1EFA5C5}" destId="{A808BC81-39BE-9B40-8E5E-F598660E2907}" srcOrd="0" destOrd="0" presId="urn:microsoft.com/office/officeart/2005/8/layout/orgChart1"/>
+    <dgm:cxn modelId="{68E520C4-3F6D-464F-8EF1-9F4016C2905D}" type="presOf" srcId="{2374F45D-45BE-4243-94BA-7C1C3CE4BD1B}" destId="{26B5A8C5-809F-304D-853E-8DE78F5D19CF}" srcOrd="0" destOrd="0" presId="urn:microsoft.com/office/officeart/2005/8/layout/orgChart1"/>
+    <dgm:cxn modelId="{C0A69BD2-7A83-9147-BF8E-A289397B2500}" type="presOf" srcId="{CDE6D69E-B278-CB45-A57E-AC4DCF797400}" destId="{03668B94-EDB2-2142-9C49-F0629A7501CD}" srcOrd="1" destOrd="0" presId="urn:microsoft.com/office/officeart/2005/8/layout/orgChart1"/>
+    <dgm:cxn modelId="{CE267F07-F051-EB46-9D53-505ACBE39E35}" type="presOf" srcId="{E7C07DBA-7262-FD42-8528-FE33A36545F9}" destId="{DEB39931-02A0-1244-ACCC-FB04B3B71E47}" srcOrd="1" destOrd="0" presId="urn:microsoft.com/office/officeart/2005/8/layout/orgChart1"/>
+    <dgm:cxn modelId="{222DA8E3-D48E-0041-8D4C-0EE8EB8CBCC9}" type="presOf" srcId="{7A941D53-C83A-4441-87B0-67E16680B03D}" destId="{B7D3FF03-8855-8645-B482-03CC79594B53}" srcOrd="0" destOrd="0" presId="urn:microsoft.com/office/officeart/2005/8/layout/orgChart1"/>
+    <dgm:cxn modelId="{ECA7293A-B2CB-A145-BF44-5F7E794CE9F0}" type="presOf" srcId="{D4CC8CD4-B029-E945-AECB-18A26F09C639}" destId="{066B489B-9E54-A84F-9D75-836EBAEE58CB}" srcOrd="0" destOrd="0" presId="urn:microsoft.com/office/officeart/2005/8/layout/orgChart1"/>
+    <dgm:cxn modelId="{7BF1CB20-E1AC-9441-88E7-22C1ADF3ED1B}" type="presOf" srcId="{F31E602B-392F-AE49-9BD6-0F698E4E6505}" destId="{89045225-1E5E-434E-B02D-890D276D1404}" srcOrd="0" destOrd="0" presId="urn:microsoft.com/office/officeart/2005/8/layout/orgChart1"/>
+    <dgm:cxn modelId="{793A8C6B-9042-FC42-B412-F48E9301A014}" type="presOf" srcId="{3B521A98-FC9F-FE4B-A37D-9EB65295D83A}" destId="{764BD3A7-8FA4-5D4E-B731-FCE111AA504A}" srcOrd="0" destOrd="0" presId="urn:microsoft.com/office/officeart/2005/8/layout/orgChart1"/>
+    <dgm:cxn modelId="{3F169855-0AE5-2F4D-880D-2E49C78696D5}" type="presOf" srcId="{307ABA71-1E54-0D4D-83DA-C7B734D3ACA6}" destId="{98BCD90C-56AE-F04D-AB20-C13498047065}" srcOrd="0" destOrd="0" presId="urn:microsoft.com/office/officeart/2005/8/layout/orgChart1"/>
+    <dgm:cxn modelId="{C2AC5852-2679-6A47-B087-110F737CEE4E}" type="presOf" srcId="{4F7564C3-549A-FF42-B64D-FB0F83209F4C}" destId="{10219ED2-316A-0A4F-B3D4-CB34C339DF91}" srcOrd="0" destOrd="0" presId="urn:microsoft.com/office/officeart/2005/8/layout/orgChart1"/>
+    <dgm:cxn modelId="{7FBB3739-BF46-BD45-B86C-3FAEB4B548EC}" type="presOf" srcId="{0FA25222-AA97-4048-B52C-0D239E827729}" destId="{E561028F-4286-BF49-AE97-73478C0E2FC8}" srcOrd="0" destOrd="0" presId="urn:microsoft.com/office/officeart/2005/8/layout/orgChart1"/>
+    <dgm:cxn modelId="{9BC12A88-A67F-1D4F-A3A5-803AA64F472F}" type="presOf" srcId="{7A941D53-C83A-4441-87B0-67E16680B03D}" destId="{8C658670-A080-A24C-80A1-B6815665E2F3}" srcOrd="1" destOrd="0" presId="urn:microsoft.com/office/officeart/2005/8/layout/orgChart1"/>
+    <dgm:cxn modelId="{2342AE86-6653-8A45-BB75-3601044C3B6A}" type="presOf" srcId="{BE661E2D-7B08-4646-B905-EACAC2E869F6}" destId="{F560D28B-6C26-974F-89AD-5F4F1B234609}" srcOrd="1" destOrd="0" presId="urn:microsoft.com/office/officeart/2005/8/layout/orgChart1"/>
     <dgm:cxn modelId="{A6F1D45C-AD80-8E4B-9E56-59C24BB18404}" srcId="{BE661E2D-7B08-4646-B905-EACAC2E869F6}" destId="{DF0F7D3B-2D38-2945-BFC8-C31D8776AD58}" srcOrd="1" destOrd="0" parTransId="{46936D1F-F2CE-EA46-89FD-74D5EEC741E6}" sibTransId="{90C17F59-762E-884B-8530-D49EC069D512}"/>
-    <dgm:cxn modelId="{68E520C4-3F6D-464F-8EF1-9F4016C2905D}" type="presOf" srcId="{2374F45D-45BE-4243-94BA-7C1C3CE4BD1B}" destId="{26B5A8C5-809F-304D-853E-8DE78F5D19CF}" srcOrd="0" destOrd="0" presId="urn:microsoft.com/office/officeart/2005/8/layout/orgChart1"/>
-    <dgm:cxn modelId="{135DC53D-1DAF-0549-9619-06D0805207EA}" type="presOf" srcId="{5FBAC690-4BBF-9441-9601-1E9E1F0F55F8}" destId="{71D74AC4-BC3D-9E4E-A21C-8EFD75A18074}" srcOrd="0" destOrd="0" presId="urn:microsoft.com/office/officeart/2005/8/layout/orgChart1"/>
-    <dgm:cxn modelId="{A37077D2-105E-F64C-BD0D-74294E1051F1}" srcId="{D1FB2890-B15A-5240-9233-38D363F9F85E}" destId="{BE661E2D-7B08-4646-B905-EACAC2E869F6}" srcOrd="0" destOrd="0" parTransId="{06FD722F-658C-C040-A8CF-C506C06E0F11}" sibTransId="{0BAD7845-607F-DF43-A42B-82C594D732AD}"/>
-    <dgm:cxn modelId="{2E7C01E8-D1FE-3A47-8D5C-EBC99566F8BC}" type="presOf" srcId="{EE7E8D70-CFEC-0940-A202-E3EBB1EFA5C5}" destId="{A808BC81-39BE-9B40-8E5E-F598660E2907}" srcOrd="0" destOrd="0" presId="urn:microsoft.com/office/officeart/2005/8/layout/orgChart1"/>
-    <dgm:cxn modelId="{DFEA674B-0EF0-4748-A79F-C0AE18AD88F1}" srcId="{7A941D53-C83A-4441-87B0-67E16680B03D}" destId="{E7C07DBA-7262-FD42-8528-FE33A36545F9}" srcOrd="0" destOrd="0" parTransId="{4F7564C3-549A-FF42-B64D-FB0F83209F4C}" sibTransId="{9391E1BD-E73B-2A48-989A-DC2D6EA50BA7}"/>
-    <dgm:cxn modelId="{37482A2C-5215-EF4C-9FA6-79AD96204219}" type="presOf" srcId="{D894F136-8341-E344-8B33-15CBA7D30160}" destId="{5801197C-BC99-214B-8682-B8134F254D91}" srcOrd="0" destOrd="0" presId="urn:microsoft.com/office/officeart/2005/8/layout/orgChart1"/>
-    <dgm:cxn modelId="{EF82FD78-F27A-7047-850A-33974D796452}" type="presOf" srcId="{3995AC03-DEBD-804E-9410-B8E1A2249815}" destId="{70DA1B39-B43F-E348-A288-3AEB3A46E2DB}" srcOrd="0" destOrd="0" presId="urn:microsoft.com/office/officeart/2005/8/layout/orgChart1"/>
-    <dgm:cxn modelId="{2AF4165C-6ECD-E64B-8EC8-23BC0DF96B57}" type="presOf" srcId="{45E4C7F9-F12D-2B49-9E02-7ABFB0FF3AC1}" destId="{6825C15C-56EE-F043-980D-776B1E39F1B9}" srcOrd="0" destOrd="0" presId="urn:microsoft.com/office/officeart/2005/8/layout/orgChart1"/>
-    <dgm:cxn modelId="{A9D38C94-4C56-F249-AFDF-5E542A9D7477}" type="presOf" srcId="{2FA61BA0-34ED-FB40-979F-17A4AEEC4016}" destId="{C2EF8487-C903-E340-A302-7F09F63B21D3}" srcOrd="0" destOrd="0" presId="urn:microsoft.com/office/officeart/2005/8/layout/orgChart1"/>
-    <dgm:cxn modelId="{793A8C6B-9042-FC42-B412-F48E9301A014}" type="presOf" srcId="{3B521A98-FC9F-FE4B-A37D-9EB65295D83A}" destId="{764BD3A7-8FA4-5D4E-B731-FCE111AA504A}" srcOrd="0" destOrd="0" presId="urn:microsoft.com/office/officeart/2005/8/layout/orgChart1"/>
-    <dgm:cxn modelId="{2762F78F-58E8-7D4A-A47A-320BD07CAF69}" srcId="{DF0F7D3B-2D38-2945-BFC8-C31D8776AD58}" destId="{5FBAC690-4BBF-9441-9601-1E9E1F0F55F8}" srcOrd="0" destOrd="0" parTransId="{D46D63F9-42C3-D14E-84BD-D84A5EE71305}" sibTransId="{F0B9A012-18FD-F64C-852B-9ECC07CF2B84}"/>
-    <dgm:cxn modelId="{F9B8E180-3CDE-3C4B-94A8-226410E29BC0}" srcId="{7A941D53-C83A-4441-87B0-67E16680B03D}" destId="{45E4C7F9-F12D-2B49-9E02-7ABFB0FF3AC1}" srcOrd="1" destOrd="0" parTransId="{307ABA71-1E54-0D4D-83DA-C7B734D3ACA6}" sibTransId="{C2CDED29-BD53-6542-B680-AA60C7D26471}"/>
-    <dgm:cxn modelId="{3D614DD7-CE9E-5B45-AF72-9A94269C5DFE}" srcId="{BE661E2D-7B08-4646-B905-EACAC2E869F6}" destId="{D894F136-8341-E344-8B33-15CBA7D30160}" srcOrd="0" destOrd="0" parTransId="{2FA61BA0-34ED-FB40-979F-17A4AEEC4016}" sibTransId="{4C2EC860-3FA9-2545-A7A2-0096CB172C07}"/>
-    <dgm:cxn modelId="{7FBB3739-BF46-BD45-B86C-3FAEB4B548EC}" type="presOf" srcId="{0FA25222-AA97-4048-B52C-0D239E827729}" destId="{E561028F-4286-BF49-AE97-73478C0E2FC8}" srcOrd="0" destOrd="0" presId="urn:microsoft.com/office/officeart/2005/8/layout/orgChart1"/>
-    <dgm:cxn modelId="{342F0FEF-5D0C-BB43-BBB9-E77689616F32}" type="presOf" srcId="{BE661E2D-7B08-4646-B905-EACAC2E869F6}" destId="{7FEB9243-7480-8543-A0FE-919918F1C78B}" srcOrd="0" destOrd="0" presId="urn:microsoft.com/office/officeart/2005/8/layout/orgChart1"/>
-    <dgm:cxn modelId="{1BDDA61E-F065-4E47-8141-D4E4E71DA5A2}" type="presOf" srcId="{1A9FE87E-D2D7-4643-BDB8-476DCEC4B36D}" destId="{A214400D-511F-C84D-A851-F3BC32CD8DBB}" srcOrd="0" destOrd="0" presId="urn:microsoft.com/office/officeart/2005/8/layout/orgChart1"/>
-    <dgm:cxn modelId="{0F308529-B059-2144-AE68-D9CBD7F94032}" srcId="{5FBAC690-4BBF-9441-9601-1E9E1F0F55F8}" destId="{3716F946-96D6-F544-B2B3-6EF1B56F4F68}" srcOrd="1" destOrd="0" parTransId="{3995AC03-DEBD-804E-9410-B8E1A2249815}" sibTransId="{F99F9781-D052-FA46-93ED-DDAD54AF8942}"/>
-    <dgm:cxn modelId="{C2AC5852-2679-6A47-B087-110F737CEE4E}" type="presOf" srcId="{4F7564C3-549A-FF42-B64D-FB0F83209F4C}" destId="{10219ED2-316A-0A4F-B3D4-CB34C339DF91}" srcOrd="0" destOrd="0" presId="urn:microsoft.com/office/officeart/2005/8/layout/orgChart1"/>
-    <dgm:cxn modelId="{DBB6EA75-56EB-0240-87F6-15F5CF168AC6}" srcId="{DF0F7D3B-2D38-2945-BFC8-C31D8776AD58}" destId="{CDE6D69E-B278-CB45-A57E-AC4DCF797400}" srcOrd="1" destOrd="0" parTransId="{F31E602B-392F-AE49-9BD6-0F698E4E6505}" sibTransId="{B6E0127C-A9AD-9C4C-BA42-4C1ABB75425C}"/>
     <dgm:cxn modelId="{4F6C9110-264A-B043-9DA9-FE73DDDA6EC6}" type="presParOf" srcId="{D2237D17-41C8-6B4B-BF4B-236F7438739E}" destId="{8CE7171B-FBC8-E247-A8FF-DB2AAB6C3802}" srcOrd="0" destOrd="0" presId="urn:microsoft.com/office/officeart/2005/8/layout/orgChart1"/>
     <dgm:cxn modelId="{5A3D9B83-50F4-BC46-ACAD-351C53E3774E}" type="presParOf" srcId="{8CE7171B-FBC8-E247-A8FF-DB2AAB6C3802}" destId="{FEA89005-CAA2-894F-BCAC-BD604ADA0328}" srcOrd="0" destOrd="0" presId="urn:microsoft.com/office/officeart/2005/8/layout/orgChart1"/>
     <dgm:cxn modelId="{00BD3EC2-124C-F244-8023-B96F02394C86}" type="presParOf" srcId="{FEA89005-CAA2-894F-BCAC-BD604ADA0328}" destId="{7FEB9243-7480-8543-A0FE-919918F1C78B}" srcOrd="0" destOrd="0" presId="urn:microsoft.com/office/officeart/2005/8/layout/orgChart1"/>
@@ -11035,26 +11036,22 @@
           <a:p>
             <a:r>
               <a:rPr lang="en-US" dirty="0" smtClean="0"/>
-              <a:t>Applied</a:t>
+              <a:t>Assignment generation</a:t>
             </a:r>
           </a:p>
           <a:p>
             <a:r>
               <a:rPr lang="en-US" dirty="0" smtClean="0"/>
-              <a:t>Tuning</a:t>
-            </a:r>
+              <a:t>Solution generation</a:t>
+            </a:r>
+            <a:endParaRPr lang="en-US" dirty="0" smtClean="0"/>
           </a:p>
           <a:p>
             <a:r>
               <a:rPr lang="en-US" dirty="0" smtClean="0"/>
-              <a:t>Experiments</a:t>
-            </a:r>
-          </a:p>
-          <a:p>
-            <a:r>
-              <a:rPr lang="en-US" dirty="0" smtClean="0"/>
-              <a:t>Results</a:t>
-            </a:r>
+              <a:t>IRACE</a:t>
+            </a:r>
+            <a:endParaRPr lang="en-US" dirty="0" smtClean="0"/>
           </a:p>
         </p:txBody>
       </p:sp>
@@ -11446,7 +11443,6 @@
               <a:rPr lang="en-US" dirty="0"/>
               <a:t>Demand: array of length time span with integers between 0 and 2 times the time span</a:t>
             </a:r>
-            <a:endParaRPr lang="en-US" dirty="0"/>
           </a:p>
         </p:txBody>
       </p:sp>
@@ -11673,7 +11669,6 @@
               <a:rPr lang="en-US" dirty="0"/>
               <a:t>When a problem appears to be insolvable, a new problem is generated</a:t>
             </a:r>
-            <a:endParaRPr lang="en-US" dirty="0"/>
           </a:p>
         </p:txBody>
       </p:sp>
@@ -12063,14 +12058,27 @@
           <a:p>
             <a:r>
               <a:rPr lang="en-US" dirty="0" smtClean="0"/>
-              <a:t>Cost Function</a:t>
-            </a:r>
+              <a:t>Cost </a:t>
+            </a:r>
+            <a:r>
+              <a:rPr lang="en-US" dirty="0" smtClean="0"/>
+              <a:t>function</a:t>
+            </a:r>
+            <a:endParaRPr lang="en-US" dirty="0" smtClean="0"/>
           </a:p>
           <a:p>
             <a:pPr lvl="1"/>
             <a:r>
               <a:rPr lang="en-US" dirty="0" smtClean="0"/>
-              <a:t>Simple cost function just count the number of ones. </a:t>
+              <a:t>Simple cost </a:t>
+            </a:r>
+            <a:r>
+              <a:rPr lang="en-US" dirty="0" smtClean="0"/>
+              <a:t>function: </a:t>
+            </a:r>
+            <a:r>
+              <a:rPr lang="en-US" dirty="0" smtClean="0"/>
+              <a:t>just count the number of ones. </a:t>
             </a:r>
             <a:endParaRPr lang="en-US" dirty="0"/>
           </a:p>
@@ -12126,7 +12134,7 @@
           <a:p>
             <a:r>
               <a:rPr lang="en-US" dirty="0" smtClean="0"/>
-              <a:t>LAHC </a:t>
+              <a:t>Assignment generation</a:t>
             </a:r>
             <a:endParaRPr lang="en-US" dirty="0"/>
           </a:p>
@@ -12149,46 +12157,38 @@
           <a:p>
             <a:r>
               <a:rPr lang="en-US" dirty="0" smtClean="0"/>
-              <a:t>Candidate solution Generation</a:t>
-            </a:r>
-          </a:p>
-          <a:p>
-            <a:pPr lvl="1"/>
+              <a:t>Build </a:t>
+            </a:r>
             <a:r>
               <a:rPr lang="en-US" dirty="0" smtClean="0"/>
-              <a:t>Build tree like structure by linearly ”walking” through possible assignments </a:t>
-            </a:r>
-          </a:p>
-          <a:p>
-            <a:pPr lvl="1"/>
+              <a:t>tree like structure by linearly ”walking” through possible assignments </a:t>
+            </a:r>
+          </a:p>
+          <a:p>
             <a:r>
               <a:rPr lang="en-US" dirty="0" smtClean="0"/>
               <a:t>Decompose the tree using linked list structure</a:t>
             </a:r>
           </a:p>
           <a:p>
-            <a:pPr lvl="1"/>
             <a:r>
               <a:rPr lang="en-US" dirty="0" smtClean="0"/>
               <a:t>After these steps we have a list of BASIC assignments</a:t>
             </a:r>
           </a:p>
           <a:p>
-            <a:pPr lvl="1"/>
             <a:r>
               <a:rPr lang="en-US" dirty="0" smtClean="0"/>
               <a:t>If GDODOSP: Permute cyclically these results and filter again</a:t>
             </a:r>
           </a:p>
           <a:p>
-            <a:pPr lvl="1"/>
             <a:r>
               <a:rPr lang="en-US" dirty="0" smtClean="0"/>
               <a:t>If CDODOSP: Choose one “BASIC” assignment and permute this one cyclically</a:t>
             </a:r>
           </a:p>
           <a:p>
-            <a:pPr lvl="1"/>
             <a:r>
               <a:rPr lang="en-US" dirty="0" smtClean="0"/>
               <a:t>These are all stored in a dictionary where the key indicates in which position a one can be found</a:t>
@@ -12344,7 +12344,7 @@
           <a:p>
             <a:r>
               <a:rPr lang="en-US" dirty="0" smtClean="0"/>
-              <a:t>IRACE</a:t>
+              <a:t>Solution generation</a:t>
             </a:r>
             <a:endParaRPr lang="en-US" dirty="0"/>
           </a:p>
@@ -12367,42 +12367,287 @@
           <a:p>
             <a:r>
               <a:rPr lang="en-US" dirty="0" smtClean="0"/>
-              <a:t>Parameter for GDODOSP: length of fitness array</a:t>
+              <a:t>GDODOSP:</a:t>
             </a:r>
           </a:p>
           <a:p>
             <a:pPr lvl="1"/>
             <a:r>
               <a:rPr lang="en-US" dirty="0" smtClean="0"/>
-              <a:t>Experiments</a:t>
-            </a:r>
-            <a:r>
-              <a:rPr lang="en-US" smtClean="0"/>
-              <a:t>: best between 55 and 65</a:t>
-            </a:r>
-            <a:endParaRPr lang="en-US" dirty="0" smtClean="0"/>
-          </a:p>
-          <a:p>
+              <a:t>Choose an assignment to satisfy a certain day in the demand</a:t>
+            </a:r>
+          </a:p>
+          <a:p>
+            <a:pPr lvl="1"/>
             <a:r>
               <a:rPr lang="en-US" dirty="0" smtClean="0"/>
-              <a:t>Parameter for CDODOSP: size of the </a:t>
+              <a:t>Keep adding assignments until all demands are satisfied</a:t>
+            </a:r>
+          </a:p>
+          <a:p>
+            <a:r>
+              <a:rPr lang="en-US" dirty="0" smtClean="0"/>
+              <a:t>CDODOSP:</a:t>
+            </a:r>
+          </a:p>
+          <a:p>
+            <a:pPr lvl="1"/>
+            <a:r>
+              <a:rPr lang="en-US" dirty="0" smtClean="0"/>
+              <a:t>Design </a:t>
+            </a:r>
+            <a:r>
+              <a:rPr lang="en-US" dirty="0" err="1" smtClean="0"/>
+              <a:t>neighbourhoods</a:t>
+            </a:r>
+            <a:r>
+              <a:rPr lang="en-US" dirty="0" smtClean="0"/>
+              <a:t>: choose a basic assignment and permute cyclically</a:t>
+            </a:r>
+          </a:p>
+          <a:p>
+            <a:pPr lvl="1"/>
+            <a:r>
+              <a:rPr lang="en-US" dirty="0" smtClean="0"/>
+              <a:t>Try to build solutions from a random </a:t>
             </a:r>
             <a:r>
               <a:rPr lang="en-US" dirty="0" err="1" smtClean="0"/>
               <a:t>neighbourhood</a:t>
             </a:r>
+            <a:endParaRPr lang="en-US" dirty="0" smtClean="0"/>
+          </a:p>
+          <a:p>
+            <a:pPr lvl="1"/>
             <a:r>
               <a:rPr lang="en-US" dirty="0" smtClean="0"/>
-              <a:t> space and the length of the fitness array</a:t>
-            </a:r>
-          </a:p>
-          <a:p>
+              <a:t>When the </a:t>
+            </a:r>
+            <a:r>
+              <a:rPr lang="en-US" dirty="0" err="1" smtClean="0"/>
+              <a:t>neighbourhood</a:t>
+            </a:r>
             <a:r>
               <a:rPr lang="en-US" dirty="0" smtClean="0"/>
-              <a:t>Not completed for CDODOSP</a:t>
-            </a:r>
-          </a:p>
-          <a:p>
+              <a:t> space increases, there are more </a:t>
+            </a:r>
+            <a:r>
+              <a:rPr lang="en-US" dirty="0" err="1" smtClean="0"/>
+              <a:t>neighbourhoods</a:t>
+            </a:r>
+            <a:r>
+              <a:rPr lang="en-US" dirty="0" smtClean="0"/>
+              <a:t> to choose from</a:t>
+            </a:r>
+          </a:p>
+        </p:txBody>
+      </p:sp>
+    </p:spTree>
+    <p:extLst>
+      <p:ext uri="{BB962C8B-B14F-4D97-AF65-F5344CB8AC3E}">
+        <p14:creationId xmlns:p14="http://schemas.microsoft.com/office/powerpoint/2010/main" val="104934071"/>
+      </p:ext>
+    </p:extLst>
+  </p:cSld>
+  <p:clrMapOvr>
+    <a:masterClrMapping/>
+  </p:clrMapOvr>
+</p:sld>
+</file>
+
+<file path=ppt/slides/slide9.xml><?xml version="1.0" encoding="utf-8"?>
+<p:sld xmlns:a="http://schemas.openxmlformats.org/drawingml/2006/main" xmlns:r="http://schemas.openxmlformats.org/officeDocument/2006/relationships" xmlns:p="http://schemas.openxmlformats.org/presentationml/2006/main">
+  <p:cSld>
+    <p:spTree>
+      <p:nvGrpSpPr>
+        <p:cNvPr id="1" name=""/>
+        <p:cNvGrpSpPr/>
+        <p:nvPr/>
+      </p:nvGrpSpPr>
+      <p:grpSpPr>
+        <a:xfrm>
+          <a:off x="0" y="0"/>
+          <a:ext cx="0" cy="0"/>
+          <a:chOff x="0" y="0"/>
+          <a:chExt cx="0" cy="0"/>
+        </a:xfrm>
+      </p:grpSpPr>
+      <p:sp>
+        <p:nvSpPr>
+          <p:cNvPr id="2" name="Title 1"/>
+          <p:cNvSpPr>
+            <a:spLocks noGrp="1"/>
+          </p:cNvSpPr>
+          <p:nvPr>
+            <p:ph type="title"/>
+          </p:nvPr>
+        </p:nvSpPr>
+        <p:spPr/>
+        <p:txBody>
+          <a:bodyPr/>
+          <a:lstStyle/>
+          <a:p>
+            <a:r>
+              <a:rPr lang="en-US" dirty="0" smtClean="0"/>
+              <a:t>IRACE</a:t>
+            </a:r>
+            <a:endParaRPr lang="en-US" dirty="0"/>
+          </a:p>
+        </p:txBody>
+      </p:sp>
+      <p:sp>
+        <p:nvSpPr>
+          <p:cNvPr id="3" name="Content Placeholder 2"/>
+          <p:cNvSpPr>
+            <a:spLocks noGrp="1"/>
+          </p:cNvSpPr>
+          <p:nvPr>
+            <p:ph idx="1"/>
+          </p:nvPr>
+        </p:nvSpPr>
+        <p:spPr/>
+        <p:txBody>
+          <a:bodyPr/>
+          <a:lstStyle/>
+          <a:p>
+            <a:r>
+              <a:rPr lang="en-US" dirty="0" smtClean="0"/>
+              <a:t>Parameter for GDODOSP: </a:t>
+            </a:r>
+            <a:r>
+              <a:rPr lang="en-US" b="1" dirty="0" smtClean="0"/>
+              <a:t>length</a:t>
+            </a:r>
+            <a:r>
+              <a:rPr lang="en-US" dirty="0" smtClean="0"/>
+              <a:t> of fitness array</a:t>
+            </a:r>
+          </a:p>
+          <a:p>
+            <a:pPr lvl="1"/>
+            <a:r>
+              <a:rPr lang="en-US" dirty="0" smtClean="0"/>
+              <a:t>Experiments: </a:t>
+            </a:r>
+            <a:r>
+              <a:rPr lang="en-US" b="1" dirty="0" smtClean="0"/>
+              <a:t>length</a:t>
+            </a:r>
+            <a:r>
+              <a:rPr lang="en-US" dirty="0" smtClean="0"/>
+              <a:t> best </a:t>
+            </a:r>
+            <a:r>
+              <a:rPr lang="en-US" dirty="0" smtClean="0"/>
+              <a:t>between </a:t>
+            </a:r>
+            <a:r>
+              <a:rPr lang="en-US" b="1" dirty="0" smtClean="0"/>
+              <a:t>55</a:t>
+            </a:r>
+            <a:r>
+              <a:rPr lang="en-US" dirty="0" smtClean="0"/>
+              <a:t> and </a:t>
+            </a:r>
+            <a:r>
+              <a:rPr lang="en-US" b="1" dirty="0" smtClean="0"/>
+              <a:t>65</a:t>
+            </a:r>
+          </a:p>
+          <a:p>
+            <a:r>
+              <a:rPr lang="en-US" dirty="0" smtClean="0"/>
+              <a:t>Parameter for CDODOSP: </a:t>
+            </a:r>
+            <a:r>
+              <a:rPr lang="en-US" b="1" dirty="0" smtClean="0"/>
+              <a:t>size</a:t>
+            </a:r>
+            <a:r>
+              <a:rPr lang="en-US" dirty="0" smtClean="0"/>
+              <a:t> of the </a:t>
+            </a:r>
+            <a:r>
+              <a:rPr lang="en-US" dirty="0" err="1" smtClean="0"/>
+              <a:t>neighbourhood</a:t>
+            </a:r>
+            <a:r>
+              <a:rPr lang="en-US" dirty="0" smtClean="0"/>
+              <a:t> space and the </a:t>
+            </a:r>
+            <a:r>
+              <a:rPr lang="en-US" b="1" dirty="0" smtClean="0"/>
+              <a:t>length</a:t>
+            </a:r>
+            <a:r>
+              <a:rPr lang="en-US" dirty="0" smtClean="0"/>
+              <a:t> of the fitness array</a:t>
+            </a:r>
+          </a:p>
+          <a:p>
+            <a:pPr lvl="1"/>
+            <a:r>
+              <a:rPr lang="en-US" dirty="0" smtClean="0"/>
+              <a:t>Experiments: </a:t>
+            </a:r>
+            <a:r>
+              <a:rPr lang="en-US" b="1" dirty="0" smtClean="0"/>
+              <a:t>length</a:t>
+            </a:r>
+            <a:r>
+              <a:rPr lang="en-US" dirty="0" smtClean="0"/>
+              <a:t> best between </a:t>
+            </a:r>
+            <a:r>
+              <a:rPr lang="en-US" b="1" dirty="0" smtClean="0"/>
+              <a:t>40</a:t>
+            </a:r>
+            <a:r>
+              <a:rPr lang="en-US" dirty="0" smtClean="0"/>
+              <a:t> and </a:t>
+            </a:r>
+            <a:r>
+              <a:rPr lang="en-US" b="1" dirty="0" smtClean="0"/>
+              <a:t>79</a:t>
+            </a:r>
+            <a:r>
+              <a:rPr lang="en-US" dirty="0" smtClean="0"/>
+              <a:t>, </a:t>
+            </a:r>
+            <a:r>
+              <a:rPr lang="en-US" b="1" dirty="0" smtClean="0"/>
+              <a:t>size</a:t>
+            </a:r>
+            <a:r>
+              <a:rPr lang="en-US" dirty="0" smtClean="0"/>
+              <a:t> best between </a:t>
+            </a:r>
+            <a:r>
+              <a:rPr lang="en-US" b="1" dirty="0" smtClean="0"/>
+              <a:t>110</a:t>
+            </a:r>
+            <a:r>
+              <a:rPr lang="en-US" dirty="0" smtClean="0"/>
+              <a:t> and </a:t>
+            </a:r>
+            <a:r>
+              <a:rPr lang="en-US" b="1" dirty="0" smtClean="0"/>
+              <a:t>180</a:t>
+            </a:r>
+          </a:p>
+          <a:p>
+            <a:pPr lvl="1"/>
+            <a:r>
+              <a:rPr lang="en-US" dirty="0" smtClean="0"/>
+              <a:t>When best length increases, best size decreases</a:t>
+            </a:r>
+          </a:p>
+          <a:p>
+            <a:pPr lvl="1"/>
+            <a:r>
+              <a:rPr lang="en-US" dirty="0" smtClean="0"/>
+              <a:t>Not efficient: +6u runtime</a:t>
+            </a:r>
             <a:endParaRPr lang="en-US" dirty="0" smtClean="0"/>
           </a:p>
         </p:txBody>

--- a/presentation.pptx
+++ b/presentation.pptx
@@ -14,6 +14,8 @@
     <p:sldId id="262" r:id="rId8"/>
     <p:sldId id="264" r:id="rId9"/>
     <p:sldId id="263" r:id="rId10"/>
+    <p:sldId id="265" r:id="rId11"/>
+    <p:sldId id="266" r:id="rId12"/>
   </p:sldIdLst>
   <p:sldSz cx="12192000" cy="6858000"/>
   <p:notesSz cx="6858000" cy="9144000"/>
@@ -2302,66 +2304,66 @@
     </dgm:pt>
   </dgm:ptLst>
   <dgm:cxnLst>
+    <dgm:cxn modelId="{0CA91D2C-A73B-A641-824F-C94778B4C23F}" type="presOf" srcId="{DF0F7D3B-2D38-2945-BFC8-C31D8776AD58}" destId="{042C0AA5-B545-294B-ABBB-768548FD46E5}" srcOrd="0" destOrd="0" presId="urn:microsoft.com/office/officeart/2005/8/layout/orgChart1"/>
+    <dgm:cxn modelId="{6FA838DA-703A-EC45-9338-177707E2C6B4}" type="presOf" srcId="{9A72F04F-7BAA-C747-B609-D452DDDA070A}" destId="{2C6E31B7-021E-8844-B97C-943F547F2889}" srcOrd="0" destOrd="0" presId="urn:microsoft.com/office/officeart/2005/8/layout/orgChart1"/>
+    <dgm:cxn modelId="{895DB9B1-CB4A-2D4A-A8AA-62EA9D97DB0F}" type="presOf" srcId="{C8034C4B-B336-D341-B9A4-C8EC113BE81C}" destId="{F9EEC0E2-9562-804A-A317-534405DDEC70}" srcOrd="0" destOrd="0" presId="urn:microsoft.com/office/officeart/2005/8/layout/orgChart1"/>
+    <dgm:cxn modelId="{F2CA2F18-7440-C343-AB79-624493504332}" type="presOf" srcId="{3716F946-96D6-F544-B2B3-6EF1B56F4F68}" destId="{B6D86815-5BD8-9D47-8A32-A76F967072E4}" srcOrd="0" destOrd="0" presId="urn:microsoft.com/office/officeart/2005/8/layout/orgChart1"/>
+    <dgm:cxn modelId="{CE267F07-F051-EB46-9D53-505ACBE39E35}" type="presOf" srcId="{E7C07DBA-7262-FD42-8528-FE33A36545F9}" destId="{DEB39931-02A0-1244-ACCC-FB04B3B71E47}" srcOrd="1" destOrd="0" presId="urn:microsoft.com/office/officeart/2005/8/layout/orgChart1"/>
+    <dgm:cxn modelId="{EB47749F-6AE1-7D4B-8C97-253A044AC95D}" type="presOf" srcId="{66D22F5B-0E45-E344-B511-4057343269F2}" destId="{95380FE9-C934-1D4F-AA5E-4F54B1E8BA9A}" srcOrd="0" destOrd="0" presId="urn:microsoft.com/office/officeart/2005/8/layout/orgChart1"/>
+    <dgm:cxn modelId="{4AF6AD22-A891-3F43-868E-7D54668C9E8D}" srcId="{9A72F04F-7BAA-C747-B609-D452DDDA070A}" destId="{66D22F5B-0E45-E344-B511-4057343269F2}" srcOrd="0" destOrd="0" parTransId="{EE7E8D70-CFEC-0940-A202-E3EBB1EFA5C5}" sibTransId="{7E655707-B9A8-5647-B9C4-08A0CCB9E278}"/>
+    <dgm:cxn modelId="{2548F3EC-AD24-2343-8AE2-9FABA83E94EE}" srcId="{D894F136-8341-E344-8B33-15CBA7D30160}" destId="{7A941D53-C83A-4441-87B0-67E16680B03D}" srcOrd="1" destOrd="0" parTransId="{3619400D-614E-2D41-8985-087808581911}" sibTransId="{BEAC14AA-F674-B246-A02B-324F50F3598F}"/>
     <dgm:cxn modelId="{46C9CC80-15B4-2F4E-92DC-3806924E7C32}" type="presOf" srcId="{3716F946-96D6-F544-B2B3-6EF1B56F4F68}" destId="{80579EBD-D8F7-064F-9A3F-EFD5144CEC78}" srcOrd="1" destOrd="0" presId="urn:microsoft.com/office/officeart/2005/8/layout/orgChart1"/>
+    <dgm:cxn modelId="{B37897D9-77D7-7248-9C18-7AB558AF74AB}" srcId="{5FBAC690-4BBF-9441-9601-1E9E1F0F55F8}" destId="{D4CC8CD4-B029-E945-AECB-18A26F09C639}" srcOrd="0" destOrd="0" parTransId="{24520E86-B339-FA41-B0B0-41F9EE8A2FD5}" sibTransId="{27BC3FE3-B928-B541-947A-9B868FF9C671}"/>
+    <dgm:cxn modelId="{C160AE48-BB26-C940-84CF-BDF270751F76}" type="presOf" srcId="{E7C07DBA-7262-FD42-8528-FE33A36545F9}" destId="{7F4F86E2-B39E-C441-9A52-5D62E3A3F065}" srcOrd="0" destOrd="0" presId="urn:microsoft.com/office/officeart/2005/8/layout/orgChart1"/>
+    <dgm:cxn modelId="{A702D20F-1E92-C646-BBD1-995D2201397A}" srcId="{D894F136-8341-E344-8B33-15CBA7D30160}" destId="{9A72F04F-7BAA-C747-B609-D452DDDA070A}" srcOrd="0" destOrd="0" parTransId="{C8034C4B-B336-D341-B9A4-C8EC113BE81C}" sibTransId="{6F4A839C-0173-8349-999D-48BE5A99D4C7}"/>
     <dgm:cxn modelId="{D1CDB45F-59F4-D94A-81DD-C2557EE48157}" type="presOf" srcId="{45E4C7F9-F12D-2B49-9E02-7ABFB0FF3AC1}" destId="{31396A0D-6990-EF4C-90C2-8B2FB39706E1}" srcOrd="1" destOrd="0" presId="urn:microsoft.com/office/officeart/2005/8/layout/orgChart1"/>
-    <dgm:cxn modelId="{1BDDA61E-F065-4E47-8141-D4E4E71DA5A2}" type="presOf" srcId="{1A9FE87E-D2D7-4643-BDB8-476DCEC4B36D}" destId="{A214400D-511F-C84D-A851-F3BC32CD8DBB}" srcOrd="0" destOrd="0" presId="urn:microsoft.com/office/officeart/2005/8/layout/orgChart1"/>
+    <dgm:cxn modelId="{49973A2A-87B1-B84E-AF3C-136B270B6662}" type="presOf" srcId="{46936D1F-F2CE-EA46-89FD-74D5EEC741E6}" destId="{977BDEFF-CC5A-B94D-814B-C4354D51AA89}" srcOrd="0" destOrd="0" presId="urn:microsoft.com/office/officeart/2005/8/layout/orgChart1"/>
+    <dgm:cxn modelId="{CF8BA7E0-DCD4-634C-B442-85CD87C46BBA}" srcId="{CDE6D69E-B278-CB45-A57E-AC4DCF797400}" destId="{3B521A98-FC9F-FE4B-A37D-9EB65295D83A}" srcOrd="0" destOrd="0" parTransId="{1A9FE87E-D2D7-4643-BDB8-476DCEC4B36D}" sibTransId="{0814651E-6DAC-BB4E-BEC2-871B4617EDF1}"/>
+    <dgm:cxn modelId="{E1C8C998-8231-9843-A352-631DE0C6C05A}" type="presOf" srcId="{5FBAC690-4BBF-9441-9601-1E9E1F0F55F8}" destId="{7E0AA1AA-E8E6-2844-BD0A-5C00C64D1C5F}" srcOrd="1" destOrd="0" presId="urn:microsoft.com/office/officeart/2005/8/layout/orgChart1"/>
+    <dgm:cxn modelId="{21DA0372-E423-4D4D-AFF5-9BCF4FA406C3}" type="presOf" srcId="{D46D63F9-42C3-D14E-84BD-D84A5EE71305}" destId="{F3738F5C-BCEE-E54D-BFD4-8BA56264A257}" srcOrd="0" destOrd="0" presId="urn:microsoft.com/office/officeart/2005/8/layout/orgChart1"/>
+    <dgm:cxn modelId="{A47911DC-E6A7-6F44-907B-B01C1F41099C}" type="presOf" srcId="{8F03BB4A-AEA8-3C4E-BBB5-1A5BA9506EAB}" destId="{C5DDF83F-9529-0745-AFCC-69C1F7DB9214}" srcOrd="1" destOrd="0" presId="urn:microsoft.com/office/officeart/2005/8/layout/orgChart1"/>
+    <dgm:cxn modelId="{60AB683F-F94D-3C4D-A930-7CF8C5656C91}" type="presOf" srcId="{8F03BB4A-AEA8-3C4E-BBB5-1A5BA9506EAB}" destId="{28A339C8-7EA8-924D-BCE4-45982A1C7BB8}" srcOrd="0" destOrd="0" presId="urn:microsoft.com/office/officeart/2005/8/layout/orgChart1"/>
+    <dgm:cxn modelId="{3F169855-0AE5-2F4D-880D-2E49C78696D5}" type="presOf" srcId="{307ABA71-1E54-0D4D-83DA-C7B734D3ACA6}" destId="{98BCD90C-56AE-F04D-AB20-C13498047065}" srcOrd="0" destOrd="0" presId="urn:microsoft.com/office/officeart/2005/8/layout/orgChart1"/>
+    <dgm:cxn modelId="{31959F89-73D3-F14D-8934-DE8902F7B39A}" type="presOf" srcId="{DF0F7D3B-2D38-2945-BFC8-C31D8776AD58}" destId="{9C83B84C-29C5-464C-B6D1-3385FCE4447A}" srcOrd="1" destOrd="0" presId="urn:microsoft.com/office/officeart/2005/8/layout/orgChart1"/>
+    <dgm:cxn modelId="{10182B8F-69D3-874F-87C7-9C82D4C9C268}" type="presOf" srcId="{CDE6D69E-B278-CB45-A57E-AC4DCF797400}" destId="{F814CC68-E827-5445-8462-5BC2332BD4D8}" srcOrd="0" destOrd="0" presId="urn:microsoft.com/office/officeart/2005/8/layout/orgChart1"/>
+    <dgm:cxn modelId="{7BF1CB20-E1AC-9441-88E7-22C1ADF3ED1B}" type="presOf" srcId="{F31E602B-392F-AE49-9BD6-0F698E4E6505}" destId="{89045225-1E5E-434E-B02D-890D276D1404}" srcOrd="0" destOrd="0" presId="urn:microsoft.com/office/officeart/2005/8/layout/orgChart1"/>
+    <dgm:cxn modelId="{ECA7293A-B2CB-A145-BF44-5F7E794CE9F0}" type="presOf" srcId="{D4CC8CD4-B029-E945-AECB-18A26F09C639}" destId="{066B489B-9E54-A84F-9D75-836EBAEE58CB}" srcOrd="0" destOrd="0" presId="urn:microsoft.com/office/officeart/2005/8/layout/orgChart1"/>
+    <dgm:cxn modelId="{0C852E21-7C9E-C348-91D3-F660C1238E86}" srcId="{9A72F04F-7BAA-C747-B609-D452DDDA070A}" destId="{2374F45D-45BE-4243-94BA-7C1C3CE4BD1B}" srcOrd="1" destOrd="0" parTransId="{67A6B9DE-D9B2-2A45-A2F8-52990DD85FB7}" sibTransId="{1BD3655F-0E25-EB4F-8949-7C239F9BCD21}"/>
+    <dgm:cxn modelId="{A9A82D5C-7E3D-9B46-8906-90D7584030C2}" type="presOf" srcId="{2374F45D-45BE-4243-94BA-7C1C3CE4BD1B}" destId="{D65E18D1-340A-8A45-A209-BED5D6DCA462}" srcOrd="1" destOrd="0" presId="urn:microsoft.com/office/officeart/2005/8/layout/orgChart1"/>
+    <dgm:cxn modelId="{C0A69BD2-7A83-9147-BF8E-A289397B2500}" type="presOf" srcId="{CDE6D69E-B278-CB45-A57E-AC4DCF797400}" destId="{03668B94-EDB2-2142-9C49-F0629A7501CD}" srcOrd="1" destOrd="0" presId="urn:microsoft.com/office/officeart/2005/8/layout/orgChart1"/>
+    <dgm:cxn modelId="{222DA8E3-D48E-0041-8D4C-0EE8EB8CBCC9}" type="presOf" srcId="{7A941D53-C83A-4441-87B0-67E16680B03D}" destId="{B7D3FF03-8855-8645-B482-03CC79594B53}" srcOrd="0" destOrd="0" presId="urn:microsoft.com/office/officeart/2005/8/layout/orgChart1"/>
+    <dgm:cxn modelId="{35E18986-9FCD-EB4D-9746-EE2E3E93A97C}" type="presOf" srcId="{3B521A98-FC9F-FE4B-A37D-9EB65295D83A}" destId="{9B251D42-3A26-7A4C-B7D4-F89DC4502CA4}" srcOrd="1" destOrd="0" presId="urn:microsoft.com/office/officeart/2005/8/layout/orgChart1"/>
+    <dgm:cxn modelId="{9BC12A88-A67F-1D4F-A3A5-803AA64F472F}" type="presOf" srcId="{7A941D53-C83A-4441-87B0-67E16680B03D}" destId="{8C658670-A080-A24C-80A1-B6815665E2F3}" srcOrd="1" destOrd="0" presId="urn:microsoft.com/office/officeart/2005/8/layout/orgChart1"/>
+    <dgm:cxn modelId="{32A5D744-E493-4541-8ADF-813134262391}" type="presOf" srcId="{66D22F5B-0E45-E344-B511-4057343269F2}" destId="{6985B0FE-A59A-BB4B-9DB8-A6E73F3BE71C}" srcOrd="1" destOrd="0" presId="urn:microsoft.com/office/officeart/2005/8/layout/orgChart1"/>
+    <dgm:cxn modelId="{2342AE86-6653-8A45-BB75-3601044C3B6A}" type="presOf" srcId="{BE661E2D-7B08-4646-B905-EACAC2E869F6}" destId="{F560D28B-6C26-974F-89AD-5F4F1B234609}" srcOrd="1" destOrd="0" presId="urn:microsoft.com/office/officeart/2005/8/layout/orgChart1"/>
+    <dgm:cxn modelId="{E4E2A74E-0837-4F4D-BDDE-011F7F4A9D82}" type="presOf" srcId="{24520E86-B339-FA41-B0B0-41F9EE8A2FD5}" destId="{CC7E676F-DC03-4E46-BD75-E2977450D26B}" srcOrd="0" destOrd="0" presId="urn:microsoft.com/office/officeart/2005/8/layout/orgChart1"/>
+    <dgm:cxn modelId="{BE28C991-405D-564B-A050-62F2FD7E0F88}" type="presOf" srcId="{67A6B9DE-D9B2-2A45-A2F8-52990DD85FB7}" destId="{6D427525-AAC2-D947-BF99-1293E1AA06B4}" srcOrd="0" destOrd="0" presId="urn:microsoft.com/office/officeart/2005/8/layout/orgChart1"/>
+    <dgm:cxn modelId="{966547C3-1890-6D45-9346-B3BC88DE94EE}" srcId="{CDE6D69E-B278-CB45-A57E-AC4DCF797400}" destId="{8F03BB4A-AEA8-3C4E-BBB5-1A5BA9506EAB}" srcOrd="1" destOrd="0" parTransId="{0FA25222-AA97-4048-B52C-0D239E827729}" sibTransId="{B869DDEB-F604-164F-95B9-04F5ECA29473}"/>
+    <dgm:cxn modelId="{6B08E616-CDF3-9F47-A889-2528935EE28E}" type="presOf" srcId="{3619400D-614E-2D41-8985-087808581911}" destId="{AB60A778-05D9-7844-97E2-6D6F1FC36617}" srcOrd="0" destOrd="0" presId="urn:microsoft.com/office/officeart/2005/8/layout/orgChart1"/>
+    <dgm:cxn modelId="{30678543-B39A-8B48-B82D-023AAB66B239}" type="presOf" srcId="{D4CC8CD4-B029-E945-AECB-18A26F09C639}" destId="{FDE5B3E5-A8D3-114C-9981-006B21C61C36}" srcOrd="1" destOrd="0" presId="urn:microsoft.com/office/officeart/2005/8/layout/orgChart1"/>
     <dgm:cxn modelId="{BADEC025-380D-6645-87D5-F8E1F7A06B69}" type="presOf" srcId="{D894F136-8341-E344-8B33-15CBA7D30160}" destId="{2C6D8BDE-D9AD-6B42-B505-782BB73697ED}" srcOrd="1" destOrd="0" presId="urn:microsoft.com/office/officeart/2005/8/layout/orgChart1"/>
-    <dgm:cxn modelId="{CF8BA7E0-DCD4-634C-B442-85CD87C46BBA}" srcId="{CDE6D69E-B278-CB45-A57E-AC4DCF797400}" destId="{3B521A98-FC9F-FE4B-A37D-9EB65295D83A}" srcOrd="0" destOrd="0" parTransId="{1A9FE87E-D2D7-4643-BDB8-476DCEC4B36D}" sibTransId="{0814651E-6DAC-BB4E-BEC2-871B4617EDF1}"/>
-    <dgm:cxn modelId="{895DB9B1-CB4A-2D4A-A8AA-62EA9D97DB0F}" type="presOf" srcId="{C8034C4B-B336-D341-B9A4-C8EC113BE81C}" destId="{F9EEC0E2-9562-804A-A317-534405DDEC70}" srcOrd="0" destOrd="0" presId="urn:microsoft.com/office/officeart/2005/8/layout/orgChart1"/>
-    <dgm:cxn modelId="{31959F89-73D3-F14D-8934-DE8902F7B39A}" type="presOf" srcId="{DF0F7D3B-2D38-2945-BFC8-C31D8776AD58}" destId="{9C83B84C-29C5-464C-B6D1-3385FCE4447A}" srcOrd="1" destOrd="0" presId="urn:microsoft.com/office/officeart/2005/8/layout/orgChart1"/>
-    <dgm:cxn modelId="{A9A82D5C-7E3D-9B46-8906-90D7584030C2}" type="presOf" srcId="{2374F45D-45BE-4243-94BA-7C1C3CE4BD1B}" destId="{D65E18D1-340A-8A45-A209-BED5D6DCA462}" srcOrd="1" destOrd="0" presId="urn:microsoft.com/office/officeart/2005/8/layout/orgChart1"/>
-    <dgm:cxn modelId="{EF82FD78-F27A-7047-850A-33974D796452}" type="presOf" srcId="{3995AC03-DEBD-804E-9410-B8E1A2249815}" destId="{70DA1B39-B43F-E348-A288-3AEB3A46E2DB}" srcOrd="0" destOrd="0" presId="urn:microsoft.com/office/officeart/2005/8/layout/orgChart1"/>
-    <dgm:cxn modelId="{2548F3EC-AD24-2343-8AE2-9FABA83E94EE}" srcId="{D894F136-8341-E344-8B33-15CBA7D30160}" destId="{7A941D53-C83A-4441-87B0-67E16680B03D}" srcOrd="1" destOrd="0" parTransId="{3619400D-614E-2D41-8985-087808581911}" sibTransId="{BEAC14AA-F674-B246-A02B-324F50F3598F}"/>
-    <dgm:cxn modelId="{0C852E21-7C9E-C348-91D3-F660C1238E86}" srcId="{9A72F04F-7BAA-C747-B609-D452DDDA070A}" destId="{2374F45D-45BE-4243-94BA-7C1C3CE4BD1B}" srcOrd="1" destOrd="0" parTransId="{67A6B9DE-D9B2-2A45-A2F8-52990DD85FB7}" sibTransId="{1BD3655F-0E25-EB4F-8949-7C239F9BCD21}"/>
-    <dgm:cxn modelId="{30678543-B39A-8B48-B82D-023AAB66B239}" type="presOf" srcId="{D4CC8CD4-B029-E945-AECB-18A26F09C639}" destId="{FDE5B3E5-A8D3-114C-9981-006B21C61C36}" srcOrd="1" destOrd="0" presId="urn:microsoft.com/office/officeart/2005/8/layout/orgChart1"/>
-    <dgm:cxn modelId="{49973A2A-87B1-B84E-AF3C-136B270B6662}" type="presOf" srcId="{46936D1F-F2CE-EA46-89FD-74D5EEC741E6}" destId="{977BDEFF-CC5A-B94D-814B-C4354D51AA89}" srcOrd="0" destOrd="0" presId="urn:microsoft.com/office/officeart/2005/8/layout/orgChart1"/>
-    <dgm:cxn modelId="{DFEA674B-0EF0-4748-A79F-C0AE18AD88F1}" srcId="{7A941D53-C83A-4441-87B0-67E16680B03D}" destId="{E7C07DBA-7262-FD42-8528-FE33A36545F9}" srcOrd="0" destOrd="0" parTransId="{4F7564C3-549A-FF42-B64D-FB0F83209F4C}" sibTransId="{9391E1BD-E73B-2A48-989A-DC2D6EA50BA7}"/>
-    <dgm:cxn modelId="{C160AE48-BB26-C940-84CF-BDF270751F76}" type="presOf" srcId="{E7C07DBA-7262-FD42-8528-FE33A36545F9}" destId="{7F4F86E2-B39E-C441-9A52-5D62E3A3F065}" srcOrd="0" destOrd="0" presId="urn:microsoft.com/office/officeart/2005/8/layout/orgChart1"/>
-    <dgm:cxn modelId="{DBB6EA75-56EB-0240-87F6-15F5CF168AC6}" srcId="{DF0F7D3B-2D38-2945-BFC8-C31D8776AD58}" destId="{CDE6D69E-B278-CB45-A57E-AC4DCF797400}" srcOrd="1" destOrd="0" parTransId="{F31E602B-392F-AE49-9BD6-0F698E4E6505}" sibTransId="{B6E0127C-A9AD-9C4C-BA42-4C1ABB75425C}"/>
-    <dgm:cxn modelId="{A37077D2-105E-F64C-BD0D-74294E1051F1}" srcId="{D1FB2890-B15A-5240-9233-38D363F9F85E}" destId="{BE661E2D-7B08-4646-B905-EACAC2E869F6}" srcOrd="0" destOrd="0" parTransId="{06FD722F-658C-C040-A8CF-C506C06E0F11}" sibTransId="{0BAD7845-607F-DF43-A42B-82C594D732AD}"/>
-    <dgm:cxn modelId="{3D614DD7-CE9E-5B45-AF72-9A94269C5DFE}" srcId="{BE661E2D-7B08-4646-B905-EACAC2E869F6}" destId="{D894F136-8341-E344-8B33-15CBA7D30160}" srcOrd="0" destOrd="0" parTransId="{2FA61BA0-34ED-FB40-979F-17A4AEEC4016}" sibTransId="{4C2EC860-3FA9-2545-A7A2-0096CB172C07}"/>
-    <dgm:cxn modelId="{4AF6AD22-A891-3F43-868E-7D54668C9E8D}" srcId="{9A72F04F-7BAA-C747-B609-D452DDDA070A}" destId="{66D22F5B-0E45-E344-B511-4057343269F2}" srcOrd="0" destOrd="0" parTransId="{EE7E8D70-CFEC-0940-A202-E3EBB1EFA5C5}" sibTransId="{7E655707-B9A8-5647-B9C4-08A0CCB9E278}"/>
-    <dgm:cxn modelId="{A702D20F-1E92-C646-BBD1-995D2201397A}" srcId="{D894F136-8341-E344-8B33-15CBA7D30160}" destId="{9A72F04F-7BAA-C747-B609-D452DDDA070A}" srcOrd="0" destOrd="0" parTransId="{C8034C4B-B336-D341-B9A4-C8EC113BE81C}" sibTransId="{6F4A839C-0173-8349-999D-48BE5A99D4C7}"/>
-    <dgm:cxn modelId="{60AB683F-F94D-3C4D-A930-7CF8C5656C91}" type="presOf" srcId="{8F03BB4A-AEA8-3C4E-BBB5-1A5BA9506EAB}" destId="{28A339C8-7EA8-924D-BCE4-45982A1C7BB8}" srcOrd="0" destOrd="0" presId="urn:microsoft.com/office/officeart/2005/8/layout/orgChart1"/>
-    <dgm:cxn modelId="{F9B8E180-3CDE-3C4B-94A8-226410E29BC0}" srcId="{7A941D53-C83A-4441-87B0-67E16680B03D}" destId="{45E4C7F9-F12D-2B49-9E02-7ABFB0FF3AC1}" srcOrd="1" destOrd="0" parTransId="{307ABA71-1E54-0D4D-83DA-C7B734D3ACA6}" sibTransId="{C2CDED29-BD53-6542-B680-AA60C7D26471}"/>
-    <dgm:cxn modelId="{A47911DC-E6A7-6F44-907B-B01C1F41099C}" type="presOf" srcId="{8F03BB4A-AEA8-3C4E-BBB5-1A5BA9506EAB}" destId="{C5DDF83F-9529-0745-AFCC-69C1F7DB9214}" srcOrd="1" destOrd="0" presId="urn:microsoft.com/office/officeart/2005/8/layout/orgChart1"/>
-    <dgm:cxn modelId="{37482A2C-5215-EF4C-9FA6-79AD96204219}" type="presOf" srcId="{D894F136-8341-E344-8B33-15CBA7D30160}" destId="{5801197C-BC99-214B-8682-B8134F254D91}" srcOrd="0" destOrd="0" presId="urn:microsoft.com/office/officeart/2005/8/layout/orgChart1"/>
-    <dgm:cxn modelId="{F2CA2F18-7440-C343-AB79-624493504332}" type="presOf" srcId="{3716F946-96D6-F544-B2B3-6EF1B56F4F68}" destId="{B6D86815-5BD8-9D47-8A32-A76F967072E4}" srcOrd="0" destOrd="0" presId="urn:microsoft.com/office/officeart/2005/8/layout/orgChart1"/>
-    <dgm:cxn modelId="{E1C8C998-8231-9843-A352-631DE0C6C05A}" type="presOf" srcId="{5FBAC690-4BBF-9441-9601-1E9E1F0F55F8}" destId="{7E0AA1AA-E8E6-2844-BD0A-5C00C64D1C5F}" srcOrd="1" destOrd="0" presId="urn:microsoft.com/office/officeart/2005/8/layout/orgChart1"/>
-    <dgm:cxn modelId="{EB47749F-6AE1-7D4B-8C97-253A044AC95D}" type="presOf" srcId="{66D22F5B-0E45-E344-B511-4057343269F2}" destId="{95380FE9-C934-1D4F-AA5E-4F54B1E8BA9A}" srcOrd="0" destOrd="0" presId="urn:microsoft.com/office/officeart/2005/8/layout/orgChart1"/>
-    <dgm:cxn modelId="{E4E2A74E-0837-4F4D-BDDE-011F7F4A9D82}" type="presOf" srcId="{24520E86-B339-FA41-B0B0-41F9EE8A2FD5}" destId="{CC7E676F-DC03-4E46-BD75-E2977450D26B}" srcOrd="0" destOrd="0" presId="urn:microsoft.com/office/officeart/2005/8/layout/orgChart1"/>
-    <dgm:cxn modelId="{966547C3-1890-6D45-9346-B3BC88DE94EE}" srcId="{CDE6D69E-B278-CB45-A57E-AC4DCF797400}" destId="{8F03BB4A-AEA8-3C4E-BBB5-1A5BA9506EAB}" srcOrd="1" destOrd="0" parTransId="{0FA25222-AA97-4048-B52C-0D239E827729}" sibTransId="{B869DDEB-F604-164F-95B9-04F5ECA29473}"/>
-    <dgm:cxn modelId="{135DC53D-1DAF-0549-9619-06D0805207EA}" type="presOf" srcId="{5FBAC690-4BBF-9441-9601-1E9E1F0F55F8}" destId="{71D74AC4-BC3D-9E4E-A21C-8EFD75A18074}" srcOrd="0" destOrd="0" presId="urn:microsoft.com/office/officeart/2005/8/layout/orgChart1"/>
-    <dgm:cxn modelId="{32A5D744-E493-4541-8ADF-813134262391}" type="presOf" srcId="{66D22F5B-0E45-E344-B511-4057343269F2}" destId="{6985B0FE-A59A-BB4B-9DB8-A6E73F3BE71C}" srcOrd="1" destOrd="0" presId="urn:microsoft.com/office/officeart/2005/8/layout/orgChart1"/>
-    <dgm:cxn modelId="{6B08E616-CDF3-9F47-A889-2528935EE28E}" type="presOf" srcId="{3619400D-614E-2D41-8985-087808581911}" destId="{AB60A778-05D9-7844-97E2-6D6F1FC36617}" srcOrd="0" destOrd="0" presId="urn:microsoft.com/office/officeart/2005/8/layout/orgChart1"/>
-    <dgm:cxn modelId="{A9D38C94-4C56-F249-AFDF-5E542A9D7477}" type="presOf" srcId="{2FA61BA0-34ED-FB40-979F-17A4AEEC4016}" destId="{C2EF8487-C903-E340-A302-7F09F63B21D3}" srcOrd="0" destOrd="0" presId="urn:microsoft.com/office/officeart/2005/8/layout/orgChart1"/>
-    <dgm:cxn modelId="{0F308529-B059-2144-AE68-D9CBD7F94032}" srcId="{5FBAC690-4BBF-9441-9601-1E9E1F0F55F8}" destId="{3716F946-96D6-F544-B2B3-6EF1B56F4F68}" srcOrd="1" destOrd="0" parTransId="{3995AC03-DEBD-804E-9410-B8E1A2249815}" sibTransId="{F99F9781-D052-FA46-93ED-DDAD54AF8942}"/>
-    <dgm:cxn modelId="{21DA0372-E423-4D4D-AFF5-9BCF4FA406C3}" type="presOf" srcId="{D46D63F9-42C3-D14E-84BD-D84A5EE71305}" destId="{F3738F5C-BCEE-E54D-BFD4-8BA56264A257}" srcOrd="0" destOrd="0" presId="urn:microsoft.com/office/officeart/2005/8/layout/orgChart1"/>
-    <dgm:cxn modelId="{6FA838DA-703A-EC45-9338-177707E2C6B4}" type="presOf" srcId="{9A72F04F-7BAA-C747-B609-D452DDDA070A}" destId="{2C6E31B7-021E-8844-B97C-943F547F2889}" srcOrd="0" destOrd="0" presId="urn:microsoft.com/office/officeart/2005/8/layout/orgChart1"/>
-    <dgm:cxn modelId="{0CA91D2C-A73B-A641-824F-C94778B4C23F}" type="presOf" srcId="{DF0F7D3B-2D38-2945-BFC8-C31D8776AD58}" destId="{042C0AA5-B545-294B-ABBB-768548FD46E5}" srcOrd="0" destOrd="0" presId="urn:microsoft.com/office/officeart/2005/8/layout/orgChart1"/>
-    <dgm:cxn modelId="{B37897D9-77D7-7248-9C18-7AB558AF74AB}" srcId="{5FBAC690-4BBF-9441-9601-1E9E1F0F55F8}" destId="{D4CC8CD4-B029-E945-AECB-18A26F09C639}" srcOrd="0" destOrd="0" parTransId="{24520E86-B339-FA41-B0B0-41F9EE8A2FD5}" sibTransId="{27BC3FE3-B928-B541-947A-9B868FF9C671}"/>
-    <dgm:cxn modelId="{2AF4165C-6ECD-E64B-8EC8-23BC0DF96B57}" type="presOf" srcId="{45E4C7F9-F12D-2B49-9E02-7ABFB0FF3AC1}" destId="{6825C15C-56EE-F043-980D-776B1E39F1B9}" srcOrd="0" destOrd="0" presId="urn:microsoft.com/office/officeart/2005/8/layout/orgChart1"/>
-    <dgm:cxn modelId="{10182B8F-69D3-874F-87C7-9C82D4C9C268}" type="presOf" srcId="{CDE6D69E-B278-CB45-A57E-AC4DCF797400}" destId="{F814CC68-E827-5445-8462-5BC2332BD4D8}" srcOrd="0" destOrd="0" presId="urn:microsoft.com/office/officeart/2005/8/layout/orgChart1"/>
     <dgm:cxn modelId="{5B8ED4D7-E4A7-7049-A7CE-1EF62B828A01}" type="presOf" srcId="{9A72F04F-7BAA-C747-B609-D452DDDA070A}" destId="{131D7EDF-ABD5-A64C-92E6-2766C790EE99}" srcOrd="1" destOrd="0" presId="urn:microsoft.com/office/officeart/2005/8/layout/orgChart1"/>
     <dgm:cxn modelId="{5E1FB6E1-72B0-7E49-9C46-EB0BC343E0F9}" type="presOf" srcId="{D1FB2890-B15A-5240-9233-38D363F9F85E}" destId="{D2237D17-41C8-6B4B-BF4B-236F7438739E}" srcOrd="0" destOrd="0" presId="urn:microsoft.com/office/officeart/2005/8/layout/orgChart1"/>
-    <dgm:cxn modelId="{BE28C991-405D-564B-A050-62F2FD7E0F88}" type="presOf" srcId="{67A6B9DE-D9B2-2A45-A2F8-52990DD85FB7}" destId="{6D427525-AAC2-D947-BF99-1293E1AA06B4}" srcOrd="0" destOrd="0" presId="urn:microsoft.com/office/officeart/2005/8/layout/orgChart1"/>
+    <dgm:cxn modelId="{A6F1D45C-AD80-8E4B-9E56-59C24BB18404}" srcId="{BE661E2D-7B08-4646-B905-EACAC2E869F6}" destId="{DF0F7D3B-2D38-2945-BFC8-C31D8776AD58}" srcOrd="1" destOrd="0" parTransId="{46936D1F-F2CE-EA46-89FD-74D5EEC741E6}" sibTransId="{90C17F59-762E-884B-8530-D49EC069D512}"/>
+    <dgm:cxn modelId="{68E520C4-3F6D-464F-8EF1-9F4016C2905D}" type="presOf" srcId="{2374F45D-45BE-4243-94BA-7C1C3CE4BD1B}" destId="{26B5A8C5-809F-304D-853E-8DE78F5D19CF}" srcOrd="0" destOrd="0" presId="urn:microsoft.com/office/officeart/2005/8/layout/orgChart1"/>
+    <dgm:cxn modelId="{135DC53D-1DAF-0549-9619-06D0805207EA}" type="presOf" srcId="{5FBAC690-4BBF-9441-9601-1E9E1F0F55F8}" destId="{71D74AC4-BC3D-9E4E-A21C-8EFD75A18074}" srcOrd="0" destOrd="0" presId="urn:microsoft.com/office/officeart/2005/8/layout/orgChart1"/>
+    <dgm:cxn modelId="{A37077D2-105E-F64C-BD0D-74294E1051F1}" srcId="{D1FB2890-B15A-5240-9233-38D363F9F85E}" destId="{BE661E2D-7B08-4646-B905-EACAC2E869F6}" srcOrd="0" destOrd="0" parTransId="{06FD722F-658C-C040-A8CF-C506C06E0F11}" sibTransId="{0BAD7845-607F-DF43-A42B-82C594D732AD}"/>
+    <dgm:cxn modelId="{2E7C01E8-D1FE-3A47-8D5C-EBC99566F8BC}" type="presOf" srcId="{EE7E8D70-CFEC-0940-A202-E3EBB1EFA5C5}" destId="{A808BC81-39BE-9B40-8E5E-F598660E2907}" srcOrd="0" destOrd="0" presId="urn:microsoft.com/office/officeart/2005/8/layout/orgChart1"/>
+    <dgm:cxn modelId="{DFEA674B-0EF0-4748-A79F-C0AE18AD88F1}" srcId="{7A941D53-C83A-4441-87B0-67E16680B03D}" destId="{E7C07DBA-7262-FD42-8528-FE33A36545F9}" srcOrd="0" destOrd="0" parTransId="{4F7564C3-549A-FF42-B64D-FB0F83209F4C}" sibTransId="{9391E1BD-E73B-2A48-989A-DC2D6EA50BA7}"/>
+    <dgm:cxn modelId="{37482A2C-5215-EF4C-9FA6-79AD96204219}" type="presOf" srcId="{D894F136-8341-E344-8B33-15CBA7D30160}" destId="{5801197C-BC99-214B-8682-B8134F254D91}" srcOrd="0" destOrd="0" presId="urn:microsoft.com/office/officeart/2005/8/layout/orgChart1"/>
+    <dgm:cxn modelId="{EF82FD78-F27A-7047-850A-33974D796452}" type="presOf" srcId="{3995AC03-DEBD-804E-9410-B8E1A2249815}" destId="{70DA1B39-B43F-E348-A288-3AEB3A46E2DB}" srcOrd="0" destOrd="0" presId="urn:microsoft.com/office/officeart/2005/8/layout/orgChart1"/>
+    <dgm:cxn modelId="{2AF4165C-6ECD-E64B-8EC8-23BC0DF96B57}" type="presOf" srcId="{45E4C7F9-F12D-2B49-9E02-7ABFB0FF3AC1}" destId="{6825C15C-56EE-F043-980D-776B1E39F1B9}" srcOrd="0" destOrd="0" presId="urn:microsoft.com/office/officeart/2005/8/layout/orgChart1"/>
+    <dgm:cxn modelId="{A9D38C94-4C56-F249-AFDF-5E542A9D7477}" type="presOf" srcId="{2FA61BA0-34ED-FB40-979F-17A4AEEC4016}" destId="{C2EF8487-C903-E340-A302-7F09F63B21D3}" srcOrd="0" destOrd="0" presId="urn:microsoft.com/office/officeart/2005/8/layout/orgChart1"/>
+    <dgm:cxn modelId="{793A8C6B-9042-FC42-B412-F48E9301A014}" type="presOf" srcId="{3B521A98-FC9F-FE4B-A37D-9EB65295D83A}" destId="{764BD3A7-8FA4-5D4E-B731-FCE111AA504A}" srcOrd="0" destOrd="0" presId="urn:microsoft.com/office/officeart/2005/8/layout/orgChart1"/>
     <dgm:cxn modelId="{2762F78F-58E8-7D4A-A47A-320BD07CAF69}" srcId="{DF0F7D3B-2D38-2945-BFC8-C31D8776AD58}" destId="{5FBAC690-4BBF-9441-9601-1E9E1F0F55F8}" srcOrd="0" destOrd="0" parTransId="{D46D63F9-42C3-D14E-84BD-D84A5EE71305}" sibTransId="{F0B9A012-18FD-F64C-852B-9ECC07CF2B84}"/>
-    <dgm:cxn modelId="{35E18986-9FCD-EB4D-9746-EE2E3E93A97C}" type="presOf" srcId="{3B521A98-FC9F-FE4B-A37D-9EB65295D83A}" destId="{9B251D42-3A26-7A4C-B7D4-F89DC4502CA4}" srcOrd="1" destOrd="0" presId="urn:microsoft.com/office/officeart/2005/8/layout/orgChart1"/>
+    <dgm:cxn modelId="{F9B8E180-3CDE-3C4B-94A8-226410E29BC0}" srcId="{7A941D53-C83A-4441-87B0-67E16680B03D}" destId="{45E4C7F9-F12D-2B49-9E02-7ABFB0FF3AC1}" srcOrd="1" destOrd="0" parTransId="{307ABA71-1E54-0D4D-83DA-C7B734D3ACA6}" sibTransId="{C2CDED29-BD53-6542-B680-AA60C7D26471}"/>
+    <dgm:cxn modelId="{3D614DD7-CE9E-5B45-AF72-9A94269C5DFE}" srcId="{BE661E2D-7B08-4646-B905-EACAC2E869F6}" destId="{D894F136-8341-E344-8B33-15CBA7D30160}" srcOrd="0" destOrd="0" parTransId="{2FA61BA0-34ED-FB40-979F-17A4AEEC4016}" sibTransId="{4C2EC860-3FA9-2545-A7A2-0096CB172C07}"/>
+    <dgm:cxn modelId="{7FBB3739-BF46-BD45-B86C-3FAEB4B548EC}" type="presOf" srcId="{0FA25222-AA97-4048-B52C-0D239E827729}" destId="{E561028F-4286-BF49-AE97-73478C0E2FC8}" srcOrd="0" destOrd="0" presId="urn:microsoft.com/office/officeart/2005/8/layout/orgChart1"/>
     <dgm:cxn modelId="{342F0FEF-5D0C-BB43-BBB9-E77689616F32}" type="presOf" srcId="{BE661E2D-7B08-4646-B905-EACAC2E869F6}" destId="{7FEB9243-7480-8543-A0FE-919918F1C78B}" srcOrd="0" destOrd="0" presId="urn:microsoft.com/office/officeart/2005/8/layout/orgChart1"/>
-    <dgm:cxn modelId="{2E7C01E8-D1FE-3A47-8D5C-EBC99566F8BC}" type="presOf" srcId="{EE7E8D70-CFEC-0940-A202-E3EBB1EFA5C5}" destId="{A808BC81-39BE-9B40-8E5E-F598660E2907}" srcOrd="0" destOrd="0" presId="urn:microsoft.com/office/officeart/2005/8/layout/orgChart1"/>
-    <dgm:cxn modelId="{68E520C4-3F6D-464F-8EF1-9F4016C2905D}" type="presOf" srcId="{2374F45D-45BE-4243-94BA-7C1C3CE4BD1B}" destId="{26B5A8C5-809F-304D-853E-8DE78F5D19CF}" srcOrd="0" destOrd="0" presId="urn:microsoft.com/office/officeart/2005/8/layout/orgChart1"/>
-    <dgm:cxn modelId="{C0A69BD2-7A83-9147-BF8E-A289397B2500}" type="presOf" srcId="{CDE6D69E-B278-CB45-A57E-AC4DCF797400}" destId="{03668B94-EDB2-2142-9C49-F0629A7501CD}" srcOrd="1" destOrd="0" presId="urn:microsoft.com/office/officeart/2005/8/layout/orgChart1"/>
-    <dgm:cxn modelId="{CE267F07-F051-EB46-9D53-505ACBE39E35}" type="presOf" srcId="{E7C07DBA-7262-FD42-8528-FE33A36545F9}" destId="{DEB39931-02A0-1244-ACCC-FB04B3B71E47}" srcOrd="1" destOrd="0" presId="urn:microsoft.com/office/officeart/2005/8/layout/orgChart1"/>
-    <dgm:cxn modelId="{222DA8E3-D48E-0041-8D4C-0EE8EB8CBCC9}" type="presOf" srcId="{7A941D53-C83A-4441-87B0-67E16680B03D}" destId="{B7D3FF03-8855-8645-B482-03CC79594B53}" srcOrd="0" destOrd="0" presId="urn:microsoft.com/office/officeart/2005/8/layout/orgChart1"/>
-    <dgm:cxn modelId="{ECA7293A-B2CB-A145-BF44-5F7E794CE9F0}" type="presOf" srcId="{D4CC8CD4-B029-E945-AECB-18A26F09C639}" destId="{066B489B-9E54-A84F-9D75-836EBAEE58CB}" srcOrd="0" destOrd="0" presId="urn:microsoft.com/office/officeart/2005/8/layout/orgChart1"/>
-    <dgm:cxn modelId="{7BF1CB20-E1AC-9441-88E7-22C1ADF3ED1B}" type="presOf" srcId="{F31E602B-392F-AE49-9BD6-0F698E4E6505}" destId="{89045225-1E5E-434E-B02D-890D276D1404}" srcOrd="0" destOrd="0" presId="urn:microsoft.com/office/officeart/2005/8/layout/orgChart1"/>
-    <dgm:cxn modelId="{793A8C6B-9042-FC42-B412-F48E9301A014}" type="presOf" srcId="{3B521A98-FC9F-FE4B-A37D-9EB65295D83A}" destId="{764BD3A7-8FA4-5D4E-B731-FCE111AA504A}" srcOrd="0" destOrd="0" presId="urn:microsoft.com/office/officeart/2005/8/layout/orgChart1"/>
-    <dgm:cxn modelId="{3F169855-0AE5-2F4D-880D-2E49C78696D5}" type="presOf" srcId="{307ABA71-1E54-0D4D-83DA-C7B734D3ACA6}" destId="{98BCD90C-56AE-F04D-AB20-C13498047065}" srcOrd="0" destOrd="0" presId="urn:microsoft.com/office/officeart/2005/8/layout/orgChart1"/>
+    <dgm:cxn modelId="{1BDDA61E-F065-4E47-8141-D4E4E71DA5A2}" type="presOf" srcId="{1A9FE87E-D2D7-4643-BDB8-476DCEC4B36D}" destId="{A214400D-511F-C84D-A851-F3BC32CD8DBB}" srcOrd="0" destOrd="0" presId="urn:microsoft.com/office/officeart/2005/8/layout/orgChart1"/>
+    <dgm:cxn modelId="{0F308529-B059-2144-AE68-D9CBD7F94032}" srcId="{5FBAC690-4BBF-9441-9601-1E9E1F0F55F8}" destId="{3716F946-96D6-F544-B2B3-6EF1B56F4F68}" srcOrd="1" destOrd="0" parTransId="{3995AC03-DEBD-804E-9410-B8E1A2249815}" sibTransId="{F99F9781-D052-FA46-93ED-DDAD54AF8942}"/>
     <dgm:cxn modelId="{C2AC5852-2679-6A47-B087-110F737CEE4E}" type="presOf" srcId="{4F7564C3-549A-FF42-B64D-FB0F83209F4C}" destId="{10219ED2-316A-0A4F-B3D4-CB34C339DF91}" srcOrd="0" destOrd="0" presId="urn:microsoft.com/office/officeart/2005/8/layout/orgChart1"/>
-    <dgm:cxn modelId="{7FBB3739-BF46-BD45-B86C-3FAEB4B548EC}" type="presOf" srcId="{0FA25222-AA97-4048-B52C-0D239E827729}" destId="{E561028F-4286-BF49-AE97-73478C0E2FC8}" srcOrd="0" destOrd="0" presId="urn:microsoft.com/office/officeart/2005/8/layout/orgChart1"/>
-    <dgm:cxn modelId="{9BC12A88-A67F-1D4F-A3A5-803AA64F472F}" type="presOf" srcId="{7A941D53-C83A-4441-87B0-67E16680B03D}" destId="{8C658670-A080-A24C-80A1-B6815665E2F3}" srcOrd="1" destOrd="0" presId="urn:microsoft.com/office/officeart/2005/8/layout/orgChart1"/>
-    <dgm:cxn modelId="{2342AE86-6653-8A45-BB75-3601044C3B6A}" type="presOf" srcId="{BE661E2D-7B08-4646-B905-EACAC2E869F6}" destId="{F560D28B-6C26-974F-89AD-5F4F1B234609}" srcOrd="1" destOrd="0" presId="urn:microsoft.com/office/officeart/2005/8/layout/orgChart1"/>
-    <dgm:cxn modelId="{A6F1D45C-AD80-8E4B-9E56-59C24BB18404}" srcId="{BE661E2D-7B08-4646-B905-EACAC2E869F6}" destId="{DF0F7D3B-2D38-2945-BFC8-C31D8776AD58}" srcOrd="1" destOrd="0" parTransId="{46936D1F-F2CE-EA46-89FD-74D5EEC741E6}" sibTransId="{90C17F59-762E-884B-8530-D49EC069D512}"/>
+    <dgm:cxn modelId="{DBB6EA75-56EB-0240-87F6-15F5CF168AC6}" srcId="{DF0F7D3B-2D38-2945-BFC8-C31D8776AD58}" destId="{CDE6D69E-B278-CB45-A57E-AC4DCF797400}" srcOrd="1" destOrd="0" parTransId="{F31E602B-392F-AE49-9BD6-0F698E4E6505}" sibTransId="{B6E0127C-A9AD-9C4C-BA42-4C1ABB75425C}"/>
     <dgm:cxn modelId="{4F6C9110-264A-B043-9DA9-FE73DDDA6EC6}" type="presParOf" srcId="{D2237D17-41C8-6B4B-BF4B-236F7438739E}" destId="{8CE7171B-FBC8-E247-A8FF-DB2AAB6C3802}" srcOrd="0" destOrd="0" presId="urn:microsoft.com/office/officeart/2005/8/layout/orgChart1"/>
     <dgm:cxn modelId="{5A3D9B83-50F4-BC46-ACAD-351C53E3774E}" type="presParOf" srcId="{8CE7171B-FBC8-E247-A8FF-DB2AAB6C3802}" destId="{FEA89005-CAA2-894F-BCAC-BD604ADA0328}" srcOrd="0" destOrd="0" presId="urn:microsoft.com/office/officeart/2005/8/layout/orgChart1"/>
     <dgm:cxn modelId="{00BD3EC2-124C-F244-8023-B96F02394C86}" type="presParOf" srcId="{FEA89005-CAA2-894F-BCAC-BD604ADA0328}" destId="{7FEB9243-7480-8543-A0FE-919918F1C78B}" srcOrd="0" destOrd="0" presId="urn:microsoft.com/office/officeart/2005/8/layout/orgChart1"/>
@@ -10967,6 +10969,207 @@
 </p:sld>
 </file>
 
+<file path=ppt/slides/slide10.xml><?xml version="1.0" encoding="utf-8"?>
+<p:sld xmlns:a="http://schemas.openxmlformats.org/drawingml/2006/main" xmlns:r="http://schemas.openxmlformats.org/officeDocument/2006/relationships" xmlns:p="http://schemas.openxmlformats.org/presentationml/2006/main">
+  <p:cSld>
+    <p:spTree>
+      <p:nvGrpSpPr>
+        <p:cNvPr id="1" name=""/>
+        <p:cNvGrpSpPr/>
+        <p:nvPr/>
+      </p:nvGrpSpPr>
+      <p:grpSpPr>
+        <a:xfrm>
+          <a:off x="0" y="0"/>
+          <a:ext cx="0" cy="0"/>
+          <a:chOff x="0" y="0"/>
+          <a:chExt cx="0" cy="0"/>
+        </a:xfrm>
+      </p:grpSpPr>
+      <p:sp>
+        <p:nvSpPr>
+          <p:cNvPr id="2" name="Title 1"/>
+          <p:cNvSpPr>
+            <a:spLocks noGrp="1"/>
+          </p:cNvSpPr>
+          <p:nvPr>
+            <p:ph type="title"/>
+          </p:nvPr>
+        </p:nvSpPr>
+        <p:spPr/>
+        <p:txBody>
+          <a:bodyPr/>
+          <a:lstStyle/>
+          <a:p>
+            <a:r>
+              <a:rPr lang="en-US" dirty="0" smtClean="0"/>
+              <a:t>Conclusion</a:t>
+            </a:r>
+            <a:endParaRPr lang="en-US" dirty="0"/>
+          </a:p>
+        </p:txBody>
+      </p:sp>
+      <p:sp>
+        <p:nvSpPr>
+          <p:cNvPr id="3" name="Content Placeholder 2"/>
+          <p:cNvSpPr>
+            <a:spLocks noGrp="1"/>
+          </p:cNvSpPr>
+          <p:nvPr>
+            <p:ph idx="1"/>
+          </p:nvPr>
+        </p:nvSpPr>
+        <p:spPr/>
+        <p:txBody>
+          <a:bodyPr/>
+          <a:lstStyle/>
+          <a:p>
+            <a:r>
+              <a:rPr lang="en-US" dirty="0" smtClean="0"/>
+              <a:t>New interesting algorithm but our candidate generation is not as optimal as we wished for</a:t>
+            </a:r>
+          </a:p>
+          <a:p>
+            <a:r>
+              <a:rPr lang="en-US" dirty="0" err="1" smtClean="0"/>
+              <a:t>Irace</a:t>
+            </a:r>
+            <a:r>
+              <a:rPr lang="en-US" dirty="0" smtClean="0"/>
+              <a:t> ran into some difficulties. Partly because of the way we deal with unsolvable problems</a:t>
+            </a:r>
+          </a:p>
+          <a:p>
+            <a:r>
+              <a:rPr lang="en-US" dirty="0" smtClean="0"/>
+              <a:t>Difficulty discovering </a:t>
+            </a:r>
+            <a:r>
+              <a:rPr lang="en-US" dirty="0" err="1" smtClean="0"/>
+              <a:t>neighbourhoods</a:t>
+            </a:r>
+            <a:r>
+              <a:rPr lang="en-US" dirty="0" smtClean="0"/>
+              <a:t> so we chose a suboptimal random method</a:t>
+            </a:r>
+          </a:p>
+          <a:p>
+            <a:pPr lvl="1"/>
+            <a:r>
+              <a:rPr lang="en-US" dirty="0" smtClean="0"/>
+              <a:t>This mostly applies to GDODOSP. CDODOSP had more well </a:t>
+            </a:r>
+            <a:r>
+              <a:rPr lang="en-US" smtClean="0"/>
+              <a:t>defined </a:t>
+            </a:r>
+            <a:r>
+              <a:rPr lang="en-GB" dirty="0" smtClean="0"/>
+              <a:t>neighbours</a:t>
+            </a:r>
+            <a:endParaRPr lang="en-GB" dirty="0"/>
+          </a:p>
+        </p:txBody>
+      </p:sp>
+    </p:spTree>
+    <p:extLst>
+      <p:ext uri="{BB962C8B-B14F-4D97-AF65-F5344CB8AC3E}">
+        <p14:creationId xmlns:p14="http://schemas.microsoft.com/office/powerpoint/2010/main" val="384532843"/>
+      </p:ext>
+    </p:extLst>
+  </p:cSld>
+  <p:clrMapOvr>
+    <a:masterClrMapping/>
+  </p:clrMapOvr>
+</p:sld>
+</file>
+
+<file path=ppt/slides/slide11.xml><?xml version="1.0" encoding="utf-8"?>
+<p:sld xmlns:a="http://schemas.openxmlformats.org/drawingml/2006/main" xmlns:r="http://schemas.openxmlformats.org/officeDocument/2006/relationships" xmlns:p="http://schemas.openxmlformats.org/presentationml/2006/main">
+  <p:cSld>
+    <p:spTree>
+      <p:nvGrpSpPr>
+        <p:cNvPr id="1" name=""/>
+        <p:cNvGrpSpPr/>
+        <p:nvPr/>
+      </p:nvGrpSpPr>
+      <p:grpSpPr>
+        <a:xfrm>
+          <a:off x="0" y="0"/>
+          <a:ext cx="0" cy="0"/>
+          <a:chOff x="0" y="0"/>
+          <a:chExt cx="0" cy="0"/>
+        </a:xfrm>
+      </p:grpSpPr>
+      <p:sp>
+        <p:nvSpPr>
+          <p:cNvPr id="2" name="Title 1"/>
+          <p:cNvSpPr>
+            <a:spLocks noGrp="1"/>
+          </p:cNvSpPr>
+          <p:nvPr>
+            <p:ph type="title"/>
+          </p:nvPr>
+        </p:nvSpPr>
+        <p:spPr/>
+        <p:txBody>
+          <a:bodyPr/>
+          <a:lstStyle/>
+          <a:p>
+            <a:r>
+              <a:rPr lang="en-US" dirty="0" smtClean="0"/>
+              <a:t>Questions </a:t>
+            </a:r>
+            <a:endParaRPr lang="en-US" dirty="0"/>
+          </a:p>
+        </p:txBody>
+      </p:sp>
+      <p:sp>
+        <p:nvSpPr>
+          <p:cNvPr id="3" name="Content Placeholder 2"/>
+          <p:cNvSpPr>
+            <a:spLocks noGrp="1"/>
+          </p:cNvSpPr>
+          <p:nvPr>
+            <p:ph idx="1"/>
+          </p:nvPr>
+        </p:nvSpPr>
+        <p:spPr>
+          <a:xfrm>
+            <a:off x="1371600" y="880946"/>
+            <a:ext cx="9601200" cy="3501483"/>
+          </a:xfrm>
+        </p:spPr>
+        <p:txBody>
+          <a:bodyPr>
+            <a:noAutofit/>
+          </a:bodyPr>
+          <a:lstStyle/>
+          <a:p>
+            <a:pPr marL="0" indent="0" algn="ctr">
+              <a:buNone/>
+            </a:pPr>
+            <a:r>
+              <a:rPr lang="en-US" sz="41300" dirty="0" smtClean="0"/>
+              <a:t>?</a:t>
+            </a:r>
+            <a:endParaRPr lang="en-US" sz="41300" dirty="0"/>
+          </a:p>
+        </p:txBody>
+      </p:sp>
+    </p:spTree>
+    <p:extLst>
+      <p:ext uri="{BB962C8B-B14F-4D97-AF65-F5344CB8AC3E}">
+        <p14:creationId xmlns:p14="http://schemas.microsoft.com/office/powerpoint/2010/main" val="1146254166"/>
+      </p:ext>
+    </p:extLst>
+  </p:cSld>
+  <p:clrMapOvr>
+    <a:masterClrMapping/>
+  </p:clrMapOvr>
+</p:sld>
+</file>
+
 <file path=ppt/slides/slide2.xml><?xml version="1.0" encoding="utf-8"?>
 <p:sld xmlns:a="http://schemas.openxmlformats.org/drawingml/2006/main" xmlns:r="http://schemas.openxmlformats.org/officeDocument/2006/relationships" xmlns:p="http://schemas.openxmlformats.org/presentationml/2006/main">
   <p:cSld>
@@ -11044,14 +11247,12 @@
               <a:rPr lang="en-US" dirty="0" smtClean="0"/>
               <a:t>Solution generation</a:t>
             </a:r>
-            <a:endParaRPr lang="en-US" dirty="0" smtClean="0"/>
           </a:p>
           <a:p>
             <a:r>
               <a:rPr lang="en-US" dirty="0" smtClean="0"/>
               <a:t>IRACE</a:t>
             </a:r>
-            <a:endParaRPr lang="en-US" dirty="0" smtClean="0"/>
           </a:p>
         </p:txBody>
       </p:sp>
@@ -12058,27 +12259,14 @@
           <a:p>
             <a:r>
               <a:rPr lang="en-US" dirty="0" smtClean="0"/>
-              <a:t>Cost </a:t>
-            </a:r>
+              <a:t>Cost function</a:t>
+            </a:r>
+          </a:p>
+          <a:p>
+            <a:pPr lvl="1"/>
             <a:r>
               <a:rPr lang="en-US" dirty="0" smtClean="0"/>
-              <a:t>function</a:t>
-            </a:r>
-            <a:endParaRPr lang="en-US" dirty="0" smtClean="0"/>
-          </a:p>
-          <a:p>
-            <a:pPr lvl="1"/>
-            <a:r>
-              <a:rPr lang="en-US" dirty="0" smtClean="0"/>
-              <a:t>Simple cost </a:t>
-            </a:r>
-            <a:r>
-              <a:rPr lang="en-US" dirty="0" smtClean="0"/>
-              <a:t>function: </a:t>
-            </a:r>
-            <a:r>
-              <a:rPr lang="en-US" dirty="0" smtClean="0"/>
-              <a:t>just count the number of ones. </a:t>
+              <a:t>Simple cost function: just count the number of ones. </a:t>
             </a:r>
             <a:endParaRPr lang="en-US" dirty="0"/>
           </a:p>
@@ -12157,11 +12345,7 @@
           <a:p>
             <a:r>
               <a:rPr lang="en-US" dirty="0" smtClean="0"/>
-              <a:t>Build </a:t>
-            </a:r>
-            <a:r>
-              <a:rPr lang="en-US" dirty="0" smtClean="0"/>
-              <a:t>tree like structure by linearly ”walking” through possible assignments </a:t>
+              <a:t>Build tree like structure by linearly ”walking” through possible assignments </a:t>
             </a:r>
           </a:p>
           <a:p>
@@ -12535,11 +12719,7 @@
             </a:r>
             <a:r>
               <a:rPr lang="en-US" dirty="0" smtClean="0"/>
-              <a:t> best </a:t>
-            </a:r>
-            <a:r>
-              <a:rPr lang="en-US" dirty="0" smtClean="0"/>
-              <a:t>between </a:t>
+              <a:t> best between </a:t>
             </a:r>
             <a:r>
               <a:rPr lang="en-US" b="1" dirty="0" smtClean="0"/>
@@ -12648,7 +12828,6 @@
               <a:rPr lang="en-US" dirty="0" smtClean="0"/>
               <a:t>Not efficient: +6u runtime</a:t>
             </a:r>
-            <a:endParaRPr lang="en-US" dirty="0" smtClean="0"/>
           </a:p>
         </p:txBody>
       </p:sp>

--- a/presentation.pptx
+++ b/presentation.pptx
@@ -2304,66 +2304,66 @@
     </dgm:pt>
   </dgm:ptLst>
   <dgm:cxnLst>
+    <dgm:cxn modelId="{46C9CC80-15B4-2F4E-92DC-3806924E7C32}" type="presOf" srcId="{3716F946-96D6-F544-B2B3-6EF1B56F4F68}" destId="{80579EBD-D8F7-064F-9A3F-EFD5144CEC78}" srcOrd="1" destOrd="0" presId="urn:microsoft.com/office/officeart/2005/8/layout/orgChart1"/>
+    <dgm:cxn modelId="{D1CDB45F-59F4-D94A-81DD-C2557EE48157}" type="presOf" srcId="{45E4C7F9-F12D-2B49-9E02-7ABFB0FF3AC1}" destId="{31396A0D-6990-EF4C-90C2-8B2FB39706E1}" srcOrd="1" destOrd="0" presId="urn:microsoft.com/office/officeart/2005/8/layout/orgChart1"/>
+    <dgm:cxn modelId="{1BDDA61E-F065-4E47-8141-D4E4E71DA5A2}" type="presOf" srcId="{1A9FE87E-D2D7-4643-BDB8-476DCEC4B36D}" destId="{A214400D-511F-C84D-A851-F3BC32CD8DBB}" srcOrd="0" destOrd="0" presId="urn:microsoft.com/office/officeart/2005/8/layout/orgChart1"/>
+    <dgm:cxn modelId="{BADEC025-380D-6645-87D5-F8E1F7A06B69}" type="presOf" srcId="{D894F136-8341-E344-8B33-15CBA7D30160}" destId="{2C6D8BDE-D9AD-6B42-B505-782BB73697ED}" srcOrd="1" destOrd="0" presId="urn:microsoft.com/office/officeart/2005/8/layout/orgChart1"/>
+    <dgm:cxn modelId="{CF8BA7E0-DCD4-634C-B442-85CD87C46BBA}" srcId="{CDE6D69E-B278-CB45-A57E-AC4DCF797400}" destId="{3B521A98-FC9F-FE4B-A37D-9EB65295D83A}" srcOrd="0" destOrd="0" parTransId="{1A9FE87E-D2D7-4643-BDB8-476DCEC4B36D}" sibTransId="{0814651E-6DAC-BB4E-BEC2-871B4617EDF1}"/>
+    <dgm:cxn modelId="{895DB9B1-CB4A-2D4A-A8AA-62EA9D97DB0F}" type="presOf" srcId="{C8034C4B-B336-D341-B9A4-C8EC113BE81C}" destId="{F9EEC0E2-9562-804A-A317-534405DDEC70}" srcOrd="0" destOrd="0" presId="urn:microsoft.com/office/officeart/2005/8/layout/orgChart1"/>
+    <dgm:cxn modelId="{31959F89-73D3-F14D-8934-DE8902F7B39A}" type="presOf" srcId="{DF0F7D3B-2D38-2945-BFC8-C31D8776AD58}" destId="{9C83B84C-29C5-464C-B6D1-3385FCE4447A}" srcOrd="1" destOrd="0" presId="urn:microsoft.com/office/officeart/2005/8/layout/orgChart1"/>
+    <dgm:cxn modelId="{A9A82D5C-7E3D-9B46-8906-90D7584030C2}" type="presOf" srcId="{2374F45D-45BE-4243-94BA-7C1C3CE4BD1B}" destId="{D65E18D1-340A-8A45-A209-BED5D6DCA462}" srcOrd="1" destOrd="0" presId="urn:microsoft.com/office/officeart/2005/8/layout/orgChart1"/>
+    <dgm:cxn modelId="{EF82FD78-F27A-7047-850A-33974D796452}" type="presOf" srcId="{3995AC03-DEBD-804E-9410-B8E1A2249815}" destId="{70DA1B39-B43F-E348-A288-3AEB3A46E2DB}" srcOrd="0" destOrd="0" presId="urn:microsoft.com/office/officeart/2005/8/layout/orgChart1"/>
+    <dgm:cxn modelId="{2548F3EC-AD24-2343-8AE2-9FABA83E94EE}" srcId="{D894F136-8341-E344-8B33-15CBA7D30160}" destId="{7A941D53-C83A-4441-87B0-67E16680B03D}" srcOrd="1" destOrd="0" parTransId="{3619400D-614E-2D41-8985-087808581911}" sibTransId="{BEAC14AA-F674-B246-A02B-324F50F3598F}"/>
+    <dgm:cxn modelId="{0C852E21-7C9E-C348-91D3-F660C1238E86}" srcId="{9A72F04F-7BAA-C747-B609-D452DDDA070A}" destId="{2374F45D-45BE-4243-94BA-7C1C3CE4BD1B}" srcOrd="1" destOrd="0" parTransId="{67A6B9DE-D9B2-2A45-A2F8-52990DD85FB7}" sibTransId="{1BD3655F-0E25-EB4F-8949-7C239F9BCD21}"/>
+    <dgm:cxn modelId="{30678543-B39A-8B48-B82D-023AAB66B239}" type="presOf" srcId="{D4CC8CD4-B029-E945-AECB-18A26F09C639}" destId="{FDE5B3E5-A8D3-114C-9981-006B21C61C36}" srcOrd="1" destOrd="0" presId="urn:microsoft.com/office/officeart/2005/8/layout/orgChart1"/>
+    <dgm:cxn modelId="{49973A2A-87B1-B84E-AF3C-136B270B6662}" type="presOf" srcId="{46936D1F-F2CE-EA46-89FD-74D5EEC741E6}" destId="{977BDEFF-CC5A-B94D-814B-C4354D51AA89}" srcOrd="0" destOrd="0" presId="urn:microsoft.com/office/officeart/2005/8/layout/orgChart1"/>
+    <dgm:cxn modelId="{DFEA674B-0EF0-4748-A79F-C0AE18AD88F1}" srcId="{7A941D53-C83A-4441-87B0-67E16680B03D}" destId="{E7C07DBA-7262-FD42-8528-FE33A36545F9}" srcOrd="0" destOrd="0" parTransId="{4F7564C3-549A-FF42-B64D-FB0F83209F4C}" sibTransId="{9391E1BD-E73B-2A48-989A-DC2D6EA50BA7}"/>
+    <dgm:cxn modelId="{C160AE48-BB26-C940-84CF-BDF270751F76}" type="presOf" srcId="{E7C07DBA-7262-FD42-8528-FE33A36545F9}" destId="{7F4F86E2-B39E-C441-9A52-5D62E3A3F065}" srcOrd="0" destOrd="0" presId="urn:microsoft.com/office/officeart/2005/8/layout/orgChart1"/>
+    <dgm:cxn modelId="{DBB6EA75-56EB-0240-87F6-15F5CF168AC6}" srcId="{DF0F7D3B-2D38-2945-BFC8-C31D8776AD58}" destId="{CDE6D69E-B278-CB45-A57E-AC4DCF797400}" srcOrd="1" destOrd="0" parTransId="{F31E602B-392F-AE49-9BD6-0F698E4E6505}" sibTransId="{B6E0127C-A9AD-9C4C-BA42-4C1ABB75425C}"/>
+    <dgm:cxn modelId="{A37077D2-105E-F64C-BD0D-74294E1051F1}" srcId="{D1FB2890-B15A-5240-9233-38D363F9F85E}" destId="{BE661E2D-7B08-4646-B905-EACAC2E869F6}" srcOrd="0" destOrd="0" parTransId="{06FD722F-658C-C040-A8CF-C506C06E0F11}" sibTransId="{0BAD7845-607F-DF43-A42B-82C594D732AD}"/>
+    <dgm:cxn modelId="{3D614DD7-CE9E-5B45-AF72-9A94269C5DFE}" srcId="{BE661E2D-7B08-4646-B905-EACAC2E869F6}" destId="{D894F136-8341-E344-8B33-15CBA7D30160}" srcOrd="0" destOrd="0" parTransId="{2FA61BA0-34ED-FB40-979F-17A4AEEC4016}" sibTransId="{4C2EC860-3FA9-2545-A7A2-0096CB172C07}"/>
+    <dgm:cxn modelId="{4AF6AD22-A891-3F43-868E-7D54668C9E8D}" srcId="{9A72F04F-7BAA-C747-B609-D452DDDA070A}" destId="{66D22F5B-0E45-E344-B511-4057343269F2}" srcOrd="0" destOrd="0" parTransId="{EE7E8D70-CFEC-0940-A202-E3EBB1EFA5C5}" sibTransId="{7E655707-B9A8-5647-B9C4-08A0CCB9E278}"/>
+    <dgm:cxn modelId="{A702D20F-1E92-C646-BBD1-995D2201397A}" srcId="{D894F136-8341-E344-8B33-15CBA7D30160}" destId="{9A72F04F-7BAA-C747-B609-D452DDDA070A}" srcOrd="0" destOrd="0" parTransId="{C8034C4B-B336-D341-B9A4-C8EC113BE81C}" sibTransId="{6F4A839C-0173-8349-999D-48BE5A99D4C7}"/>
+    <dgm:cxn modelId="{60AB683F-F94D-3C4D-A930-7CF8C5656C91}" type="presOf" srcId="{8F03BB4A-AEA8-3C4E-BBB5-1A5BA9506EAB}" destId="{28A339C8-7EA8-924D-BCE4-45982A1C7BB8}" srcOrd="0" destOrd="0" presId="urn:microsoft.com/office/officeart/2005/8/layout/orgChart1"/>
+    <dgm:cxn modelId="{F9B8E180-3CDE-3C4B-94A8-226410E29BC0}" srcId="{7A941D53-C83A-4441-87B0-67E16680B03D}" destId="{45E4C7F9-F12D-2B49-9E02-7ABFB0FF3AC1}" srcOrd="1" destOrd="0" parTransId="{307ABA71-1E54-0D4D-83DA-C7B734D3ACA6}" sibTransId="{C2CDED29-BD53-6542-B680-AA60C7D26471}"/>
+    <dgm:cxn modelId="{A47911DC-E6A7-6F44-907B-B01C1F41099C}" type="presOf" srcId="{8F03BB4A-AEA8-3C4E-BBB5-1A5BA9506EAB}" destId="{C5DDF83F-9529-0745-AFCC-69C1F7DB9214}" srcOrd="1" destOrd="0" presId="urn:microsoft.com/office/officeart/2005/8/layout/orgChart1"/>
+    <dgm:cxn modelId="{37482A2C-5215-EF4C-9FA6-79AD96204219}" type="presOf" srcId="{D894F136-8341-E344-8B33-15CBA7D30160}" destId="{5801197C-BC99-214B-8682-B8134F254D91}" srcOrd="0" destOrd="0" presId="urn:microsoft.com/office/officeart/2005/8/layout/orgChart1"/>
+    <dgm:cxn modelId="{F2CA2F18-7440-C343-AB79-624493504332}" type="presOf" srcId="{3716F946-96D6-F544-B2B3-6EF1B56F4F68}" destId="{B6D86815-5BD8-9D47-8A32-A76F967072E4}" srcOrd="0" destOrd="0" presId="urn:microsoft.com/office/officeart/2005/8/layout/orgChart1"/>
+    <dgm:cxn modelId="{E1C8C998-8231-9843-A352-631DE0C6C05A}" type="presOf" srcId="{5FBAC690-4BBF-9441-9601-1E9E1F0F55F8}" destId="{7E0AA1AA-E8E6-2844-BD0A-5C00C64D1C5F}" srcOrd="1" destOrd="0" presId="urn:microsoft.com/office/officeart/2005/8/layout/orgChart1"/>
+    <dgm:cxn modelId="{EB47749F-6AE1-7D4B-8C97-253A044AC95D}" type="presOf" srcId="{66D22F5B-0E45-E344-B511-4057343269F2}" destId="{95380FE9-C934-1D4F-AA5E-4F54B1E8BA9A}" srcOrd="0" destOrd="0" presId="urn:microsoft.com/office/officeart/2005/8/layout/orgChart1"/>
+    <dgm:cxn modelId="{E4E2A74E-0837-4F4D-BDDE-011F7F4A9D82}" type="presOf" srcId="{24520E86-B339-FA41-B0B0-41F9EE8A2FD5}" destId="{CC7E676F-DC03-4E46-BD75-E2977450D26B}" srcOrd="0" destOrd="0" presId="urn:microsoft.com/office/officeart/2005/8/layout/orgChart1"/>
+    <dgm:cxn modelId="{966547C3-1890-6D45-9346-B3BC88DE94EE}" srcId="{CDE6D69E-B278-CB45-A57E-AC4DCF797400}" destId="{8F03BB4A-AEA8-3C4E-BBB5-1A5BA9506EAB}" srcOrd="1" destOrd="0" parTransId="{0FA25222-AA97-4048-B52C-0D239E827729}" sibTransId="{B869DDEB-F604-164F-95B9-04F5ECA29473}"/>
+    <dgm:cxn modelId="{135DC53D-1DAF-0549-9619-06D0805207EA}" type="presOf" srcId="{5FBAC690-4BBF-9441-9601-1E9E1F0F55F8}" destId="{71D74AC4-BC3D-9E4E-A21C-8EFD75A18074}" srcOrd="0" destOrd="0" presId="urn:microsoft.com/office/officeart/2005/8/layout/orgChart1"/>
+    <dgm:cxn modelId="{32A5D744-E493-4541-8ADF-813134262391}" type="presOf" srcId="{66D22F5B-0E45-E344-B511-4057343269F2}" destId="{6985B0FE-A59A-BB4B-9DB8-A6E73F3BE71C}" srcOrd="1" destOrd="0" presId="urn:microsoft.com/office/officeart/2005/8/layout/orgChart1"/>
+    <dgm:cxn modelId="{6B08E616-CDF3-9F47-A889-2528935EE28E}" type="presOf" srcId="{3619400D-614E-2D41-8985-087808581911}" destId="{AB60A778-05D9-7844-97E2-6D6F1FC36617}" srcOrd="0" destOrd="0" presId="urn:microsoft.com/office/officeart/2005/8/layout/orgChart1"/>
+    <dgm:cxn modelId="{A9D38C94-4C56-F249-AFDF-5E542A9D7477}" type="presOf" srcId="{2FA61BA0-34ED-FB40-979F-17A4AEEC4016}" destId="{C2EF8487-C903-E340-A302-7F09F63B21D3}" srcOrd="0" destOrd="0" presId="urn:microsoft.com/office/officeart/2005/8/layout/orgChart1"/>
+    <dgm:cxn modelId="{0F308529-B059-2144-AE68-D9CBD7F94032}" srcId="{5FBAC690-4BBF-9441-9601-1E9E1F0F55F8}" destId="{3716F946-96D6-F544-B2B3-6EF1B56F4F68}" srcOrd="1" destOrd="0" parTransId="{3995AC03-DEBD-804E-9410-B8E1A2249815}" sibTransId="{F99F9781-D052-FA46-93ED-DDAD54AF8942}"/>
+    <dgm:cxn modelId="{21DA0372-E423-4D4D-AFF5-9BCF4FA406C3}" type="presOf" srcId="{D46D63F9-42C3-D14E-84BD-D84A5EE71305}" destId="{F3738F5C-BCEE-E54D-BFD4-8BA56264A257}" srcOrd="0" destOrd="0" presId="urn:microsoft.com/office/officeart/2005/8/layout/orgChart1"/>
+    <dgm:cxn modelId="{6FA838DA-703A-EC45-9338-177707E2C6B4}" type="presOf" srcId="{9A72F04F-7BAA-C747-B609-D452DDDA070A}" destId="{2C6E31B7-021E-8844-B97C-943F547F2889}" srcOrd="0" destOrd="0" presId="urn:microsoft.com/office/officeart/2005/8/layout/orgChart1"/>
     <dgm:cxn modelId="{0CA91D2C-A73B-A641-824F-C94778B4C23F}" type="presOf" srcId="{DF0F7D3B-2D38-2945-BFC8-C31D8776AD58}" destId="{042C0AA5-B545-294B-ABBB-768548FD46E5}" srcOrd="0" destOrd="0" presId="urn:microsoft.com/office/officeart/2005/8/layout/orgChart1"/>
-    <dgm:cxn modelId="{6FA838DA-703A-EC45-9338-177707E2C6B4}" type="presOf" srcId="{9A72F04F-7BAA-C747-B609-D452DDDA070A}" destId="{2C6E31B7-021E-8844-B97C-943F547F2889}" srcOrd="0" destOrd="0" presId="urn:microsoft.com/office/officeart/2005/8/layout/orgChart1"/>
-    <dgm:cxn modelId="{895DB9B1-CB4A-2D4A-A8AA-62EA9D97DB0F}" type="presOf" srcId="{C8034C4B-B336-D341-B9A4-C8EC113BE81C}" destId="{F9EEC0E2-9562-804A-A317-534405DDEC70}" srcOrd="0" destOrd="0" presId="urn:microsoft.com/office/officeart/2005/8/layout/orgChart1"/>
-    <dgm:cxn modelId="{F2CA2F18-7440-C343-AB79-624493504332}" type="presOf" srcId="{3716F946-96D6-F544-B2B3-6EF1B56F4F68}" destId="{B6D86815-5BD8-9D47-8A32-A76F967072E4}" srcOrd="0" destOrd="0" presId="urn:microsoft.com/office/officeart/2005/8/layout/orgChart1"/>
-    <dgm:cxn modelId="{CE267F07-F051-EB46-9D53-505ACBE39E35}" type="presOf" srcId="{E7C07DBA-7262-FD42-8528-FE33A36545F9}" destId="{DEB39931-02A0-1244-ACCC-FB04B3B71E47}" srcOrd="1" destOrd="0" presId="urn:microsoft.com/office/officeart/2005/8/layout/orgChart1"/>
-    <dgm:cxn modelId="{EB47749F-6AE1-7D4B-8C97-253A044AC95D}" type="presOf" srcId="{66D22F5B-0E45-E344-B511-4057343269F2}" destId="{95380FE9-C934-1D4F-AA5E-4F54B1E8BA9A}" srcOrd="0" destOrd="0" presId="urn:microsoft.com/office/officeart/2005/8/layout/orgChart1"/>
-    <dgm:cxn modelId="{4AF6AD22-A891-3F43-868E-7D54668C9E8D}" srcId="{9A72F04F-7BAA-C747-B609-D452DDDA070A}" destId="{66D22F5B-0E45-E344-B511-4057343269F2}" srcOrd="0" destOrd="0" parTransId="{EE7E8D70-CFEC-0940-A202-E3EBB1EFA5C5}" sibTransId="{7E655707-B9A8-5647-B9C4-08A0CCB9E278}"/>
-    <dgm:cxn modelId="{2548F3EC-AD24-2343-8AE2-9FABA83E94EE}" srcId="{D894F136-8341-E344-8B33-15CBA7D30160}" destId="{7A941D53-C83A-4441-87B0-67E16680B03D}" srcOrd="1" destOrd="0" parTransId="{3619400D-614E-2D41-8985-087808581911}" sibTransId="{BEAC14AA-F674-B246-A02B-324F50F3598F}"/>
-    <dgm:cxn modelId="{46C9CC80-15B4-2F4E-92DC-3806924E7C32}" type="presOf" srcId="{3716F946-96D6-F544-B2B3-6EF1B56F4F68}" destId="{80579EBD-D8F7-064F-9A3F-EFD5144CEC78}" srcOrd="1" destOrd="0" presId="urn:microsoft.com/office/officeart/2005/8/layout/orgChart1"/>
     <dgm:cxn modelId="{B37897D9-77D7-7248-9C18-7AB558AF74AB}" srcId="{5FBAC690-4BBF-9441-9601-1E9E1F0F55F8}" destId="{D4CC8CD4-B029-E945-AECB-18A26F09C639}" srcOrd="0" destOrd="0" parTransId="{24520E86-B339-FA41-B0B0-41F9EE8A2FD5}" sibTransId="{27BC3FE3-B928-B541-947A-9B868FF9C671}"/>
-    <dgm:cxn modelId="{C160AE48-BB26-C940-84CF-BDF270751F76}" type="presOf" srcId="{E7C07DBA-7262-FD42-8528-FE33A36545F9}" destId="{7F4F86E2-B39E-C441-9A52-5D62E3A3F065}" srcOrd="0" destOrd="0" presId="urn:microsoft.com/office/officeart/2005/8/layout/orgChart1"/>
-    <dgm:cxn modelId="{A702D20F-1E92-C646-BBD1-995D2201397A}" srcId="{D894F136-8341-E344-8B33-15CBA7D30160}" destId="{9A72F04F-7BAA-C747-B609-D452DDDA070A}" srcOrd="0" destOrd="0" parTransId="{C8034C4B-B336-D341-B9A4-C8EC113BE81C}" sibTransId="{6F4A839C-0173-8349-999D-48BE5A99D4C7}"/>
-    <dgm:cxn modelId="{D1CDB45F-59F4-D94A-81DD-C2557EE48157}" type="presOf" srcId="{45E4C7F9-F12D-2B49-9E02-7ABFB0FF3AC1}" destId="{31396A0D-6990-EF4C-90C2-8B2FB39706E1}" srcOrd="1" destOrd="0" presId="urn:microsoft.com/office/officeart/2005/8/layout/orgChart1"/>
-    <dgm:cxn modelId="{49973A2A-87B1-B84E-AF3C-136B270B6662}" type="presOf" srcId="{46936D1F-F2CE-EA46-89FD-74D5EEC741E6}" destId="{977BDEFF-CC5A-B94D-814B-C4354D51AA89}" srcOrd="0" destOrd="0" presId="urn:microsoft.com/office/officeart/2005/8/layout/orgChart1"/>
-    <dgm:cxn modelId="{CF8BA7E0-DCD4-634C-B442-85CD87C46BBA}" srcId="{CDE6D69E-B278-CB45-A57E-AC4DCF797400}" destId="{3B521A98-FC9F-FE4B-A37D-9EB65295D83A}" srcOrd="0" destOrd="0" parTransId="{1A9FE87E-D2D7-4643-BDB8-476DCEC4B36D}" sibTransId="{0814651E-6DAC-BB4E-BEC2-871B4617EDF1}"/>
-    <dgm:cxn modelId="{E1C8C998-8231-9843-A352-631DE0C6C05A}" type="presOf" srcId="{5FBAC690-4BBF-9441-9601-1E9E1F0F55F8}" destId="{7E0AA1AA-E8E6-2844-BD0A-5C00C64D1C5F}" srcOrd="1" destOrd="0" presId="urn:microsoft.com/office/officeart/2005/8/layout/orgChart1"/>
-    <dgm:cxn modelId="{21DA0372-E423-4D4D-AFF5-9BCF4FA406C3}" type="presOf" srcId="{D46D63F9-42C3-D14E-84BD-D84A5EE71305}" destId="{F3738F5C-BCEE-E54D-BFD4-8BA56264A257}" srcOrd="0" destOrd="0" presId="urn:microsoft.com/office/officeart/2005/8/layout/orgChart1"/>
-    <dgm:cxn modelId="{A47911DC-E6A7-6F44-907B-B01C1F41099C}" type="presOf" srcId="{8F03BB4A-AEA8-3C4E-BBB5-1A5BA9506EAB}" destId="{C5DDF83F-9529-0745-AFCC-69C1F7DB9214}" srcOrd="1" destOrd="0" presId="urn:microsoft.com/office/officeart/2005/8/layout/orgChart1"/>
-    <dgm:cxn modelId="{60AB683F-F94D-3C4D-A930-7CF8C5656C91}" type="presOf" srcId="{8F03BB4A-AEA8-3C4E-BBB5-1A5BA9506EAB}" destId="{28A339C8-7EA8-924D-BCE4-45982A1C7BB8}" srcOrd="0" destOrd="0" presId="urn:microsoft.com/office/officeart/2005/8/layout/orgChart1"/>
-    <dgm:cxn modelId="{3F169855-0AE5-2F4D-880D-2E49C78696D5}" type="presOf" srcId="{307ABA71-1E54-0D4D-83DA-C7B734D3ACA6}" destId="{98BCD90C-56AE-F04D-AB20-C13498047065}" srcOrd="0" destOrd="0" presId="urn:microsoft.com/office/officeart/2005/8/layout/orgChart1"/>
-    <dgm:cxn modelId="{31959F89-73D3-F14D-8934-DE8902F7B39A}" type="presOf" srcId="{DF0F7D3B-2D38-2945-BFC8-C31D8776AD58}" destId="{9C83B84C-29C5-464C-B6D1-3385FCE4447A}" srcOrd="1" destOrd="0" presId="urn:microsoft.com/office/officeart/2005/8/layout/orgChart1"/>
+    <dgm:cxn modelId="{2AF4165C-6ECD-E64B-8EC8-23BC0DF96B57}" type="presOf" srcId="{45E4C7F9-F12D-2B49-9E02-7ABFB0FF3AC1}" destId="{6825C15C-56EE-F043-980D-776B1E39F1B9}" srcOrd="0" destOrd="0" presId="urn:microsoft.com/office/officeart/2005/8/layout/orgChart1"/>
     <dgm:cxn modelId="{10182B8F-69D3-874F-87C7-9C82D4C9C268}" type="presOf" srcId="{CDE6D69E-B278-CB45-A57E-AC4DCF797400}" destId="{F814CC68-E827-5445-8462-5BC2332BD4D8}" srcOrd="0" destOrd="0" presId="urn:microsoft.com/office/officeart/2005/8/layout/orgChart1"/>
-    <dgm:cxn modelId="{7BF1CB20-E1AC-9441-88E7-22C1ADF3ED1B}" type="presOf" srcId="{F31E602B-392F-AE49-9BD6-0F698E4E6505}" destId="{89045225-1E5E-434E-B02D-890D276D1404}" srcOrd="0" destOrd="0" presId="urn:microsoft.com/office/officeart/2005/8/layout/orgChart1"/>
-    <dgm:cxn modelId="{ECA7293A-B2CB-A145-BF44-5F7E794CE9F0}" type="presOf" srcId="{D4CC8CD4-B029-E945-AECB-18A26F09C639}" destId="{066B489B-9E54-A84F-9D75-836EBAEE58CB}" srcOrd="0" destOrd="0" presId="urn:microsoft.com/office/officeart/2005/8/layout/orgChart1"/>
-    <dgm:cxn modelId="{0C852E21-7C9E-C348-91D3-F660C1238E86}" srcId="{9A72F04F-7BAA-C747-B609-D452DDDA070A}" destId="{2374F45D-45BE-4243-94BA-7C1C3CE4BD1B}" srcOrd="1" destOrd="0" parTransId="{67A6B9DE-D9B2-2A45-A2F8-52990DD85FB7}" sibTransId="{1BD3655F-0E25-EB4F-8949-7C239F9BCD21}"/>
-    <dgm:cxn modelId="{A9A82D5C-7E3D-9B46-8906-90D7584030C2}" type="presOf" srcId="{2374F45D-45BE-4243-94BA-7C1C3CE4BD1B}" destId="{D65E18D1-340A-8A45-A209-BED5D6DCA462}" srcOrd="1" destOrd="0" presId="urn:microsoft.com/office/officeart/2005/8/layout/orgChart1"/>
-    <dgm:cxn modelId="{C0A69BD2-7A83-9147-BF8E-A289397B2500}" type="presOf" srcId="{CDE6D69E-B278-CB45-A57E-AC4DCF797400}" destId="{03668B94-EDB2-2142-9C49-F0629A7501CD}" srcOrd="1" destOrd="0" presId="urn:microsoft.com/office/officeart/2005/8/layout/orgChart1"/>
-    <dgm:cxn modelId="{222DA8E3-D48E-0041-8D4C-0EE8EB8CBCC9}" type="presOf" srcId="{7A941D53-C83A-4441-87B0-67E16680B03D}" destId="{B7D3FF03-8855-8645-B482-03CC79594B53}" srcOrd="0" destOrd="0" presId="urn:microsoft.com/office/officeart/2005/8/layout/orgChart1"/>
-    <dgm:cxn modelId="{35E18986-9FCD-EB4D-9746-EE2E3E93A97C}" type="presOf" srcId="{3B521A98-FC9F-FE4B-A37D-9EB65295D83A}" destId="{9B251D42-3A26-7A4C-B7D4-F89DC4502CA4}" srcOrd="1" destOrd="0" presId="urn:microsoft.com/office/officeart/2005/8/layout/orgChart1"/>
-    <dgm:cxn modelId="{9BC12A88-A67F-1D4F-A3A5-803AA64F472F}" type="presOf" srcId="{7A941D53-C83A-4441-87B0-67E16680B03D}" destId="{8C658670-A080-A24C-80A1-B6815665E2F3}" srcOrd="1" destOrd="0" presId="urn:microsoft.com/office/officeart/2005/8/layout/orgChart1"/>
-    <dgm:cxn modelId="{32A5D744-E493-4541-8ADF-813134262391}" type="presOf" srcId="{66D22F5B-0E45-E344-B511-4057343269F2}" destId="{6985B0FE-A59A-BB4B-9DB8-A6E73F3BE71C}" srcOrd="1" destOrd="0" presId="urn:microsoft.com/office/officeart/2005/8/layout/orgChart1"/>
-    <dgm:cxn modelId="{2342AE86-6653-8A45-BB75-3601044C3B6A}" type="presOf" srcId="{BE661E2D-7B08-4646-B905-EACAC2E869F6}" destId="{F560D28B-6C26-974F-89AD-5F4F1B234609}" srcOrd="1" destOrd="0" presId="urn:microsoft.com/office/officeart/2005/8/layout/orgChart1"/>
-    <dgm:cxn modelId="{E4E2A74E-0837-4F4D-BDDE-011F7F4A9D82}" type="presOf" srcId="{24520E86-B339-FA41-B0B0-41F9EE8A2FD5}" destId="{CC7E676F-DC03-4E46-BD75-E2977450D26B}" srcOrd="0" destOrd="0" presId="urn:microsoft.com/office/officeart/2005/8/layout/orgChart1"/>
-    <dgm:cxn modelId="{BE28C991-405D-564B-A050-62F2FD7E0F88}" type="presOf" srcId="{67A6B9DE-D9B2-2A45-A2F8-52990DD85FB7}" destId="{6D427525-AAC2-D947-BF99-1293E1AA06B4}" srcOrd="0" destOrd="0" presId="urn:microsoft.com/office/officeart/2005/8/layout/orgChart1"/>
-    <dgm:cxn modelId="{966547C3-1890-6D45-9346-B3BC88DE94EE}" srcId="{CDE6D69E-B278-CB45-A57E-AC4DCF797400}" destId="{8F03BB4A-AEA8-3C4E-BBB5-1A5BA9506EAB}" srcOrd="1" destOrd="0" parTransId="{0FA25222-AA97-4048-B52C-0D239E827729}" sibTransId="{B869DDEB-F604-164F-95B9-04F5ECA29473}"/>
-    <dgm:cxn modelId="{6B08E616-CDF3-9F47-A889-2528935EE28E}" type="presOf" srcId="{3619400D-614E-2D41-8985-087808581911}" destId="{AB60A778-05D9-7844-97E2-6D6F1FC36617}" srcOrd="0" destOrd="0" presId="urn:microsoft.com/office/officeart/2005/8/layout/orgChart1"/>
-    <dgm:cxn modelId="{30678543-B39A-8B48-B82D-023AAB66B239}" type="presOf" srcId="{D4CC8CD4-B029-E945-AECB-18A26F09C639}" destId="{FDE5B3E5-A8D3-114C-9981-006B21C61C36}" srcOrd="1" destOrd="0" presId="urn:microsoft.com/office/officeart/2005/8/layout/orgChart1"/>
-    <dgm:cxn modelId="{BADEC025-380D-6645-87D5-F8E1F7A06B69}" type="presOf" srcId="{D894F136-8341-E344-8B33-15CBA7D30160}" destId="{2C6D8BDE-D9AD-6B42-B505-782BB73697ED}" srcOrd="1" destOrd="0" presId="urn:microsoft.com/office/officeart/2005/8/layout/orgChart1"/>
     <dgm:cxn modelId="{5B8ED4D7-E4A7-7049-A7CE-1EF62B828A01}" type="presOf" srcId="{9A72F04F-7BAA-C747-B609-D452DDDA070A}" destId="{131D7EDF-ABD5-A64C-92E6-2766C790EE99}" srcOrd="1" destOrd="0" presId="urn:microsoft.com/office/officeart/2005/8/layout/orgChart1"/>
     <dgm:cxn modelId="{5E1FB6E1-72B0-7E49-9C46-EB0BC343E0F9}" type="presOf" srcId="{D1FB2890-B15A-5240-9233-38D363F9F85E}" destId="{D2237D17-41C8-6B4B-BF4B-236F7438739E}" srcOrd="0" destOrd="0" presId="urn:microsoft.com/office/officeart/2005/8/layout/orgChart1"/>
+    <dgm:cxn modelId="{BE28C991-405D-564B-A050-62F2FD7E0F88}" type="presOf" srcId="{67A6B9DE-D9B2-2A45-A2F8-52990DD85FB7}" destId="{6D427525-AAC2-D947-BF99-1293E1AA06B4}" srcOrd="0" destOrd="0" presId="urn:microsoft.com/office/officeart/2005/8/layout/orgChart1"/>
+    <dgm:cxn modelId="{2762F78F-58E8-7D4A-A47A-320BD07CAF69}" srcId="{DF0F7D3B-2D38-2945-BFC8-C31D8776AD58}" destId="{5FBAC690-4BBF-9441-9601-1E9E1F0F55F8}" srcOrd="0" destOrd="0" parTransId="{D46D63F9-42C3-D14E-84BD-D84A5EE71305}" sibTransId="{F0B9A012-18FD-F64C-852B-9ECC07CF2B84}"/>
+    <dgm:cxn modelId="{35E18986-9FCD-EB4D-9746-EE2E3E93A97C}" type="presOf" srcId="{3B521A98-FC9F-FE4B-A37D-9EB65295D83A}" destId="{9B251D42-3A26-7A4C-B7D4-F89DC4502CA4}" srcOrd="1" destOrd="0" presId="urn:microsoft.com/office/officeart/2005/8/layout/orgChart1"/>
+    <dgm:cxn modelId="{342F0FEF-5D0C-BB43-BBB9-E77689616F32}" type="presOf" srcId="{BE661E2D-7B08-4646-B905-EACAC2E869F6}" destId="{7FEB9243-7480-8543-A0FE-919918F1C78B}" srcOrd="0" destOrd="0" presId="urn:microsoft.com/office/officeart/2005/8/layout/orgChart1"/>
+    <dgm:cxn modelId="{2E7C01E8-D1FE-3A47-8D5C-EBC99566F8BC}" type="presOf" srcId="{EE7E8D70-CFEC-0940-A202-E3EBB1EFA5C5}" destId="{A808BC81-39BE-9B40-8E5E-F598660E2907}" srcOrd="0" destOrd="0" presId="urn:microsoft.com/office/officeart/2005/8/layout/orgChart1"/>
+    <dgm:cxn modelId="{68E520C4-3F6D-464F-8EF1-9F4016C2905D}" type="presOf" srcId="{2374F45D-45BE-4243-94BA-7C1C3CE4BD1B}" destId="{26B5A8C5-809F-304D-853E-8DE78F5D19CF}" srcOrd="0" destOrd="0" presId="urn:microsoft.com/office/officeart/2005/8/layout/orgChart1"/>
+    <dgm:cxn modelId="{C0A69BD2-7A83-9147-BF8E-A289397B2500}" type="presOf" srcId="{CDE6D69E-B278-CB45-A57E-AC4DCF797400}" destId="{03668B94-EDB2-2142-9C49-F0629A7501CD}" srcOrd="1" destOrd="0" presId="urn:microsoft.com/office/officeart/2005/8/layout/orgChart1"/>
+    <dgm:cxn modelId="{CE267F07-F051-EB46-9D53-505ACBE39E35}" type="presOf" srcId="{E7C07DBA-7262-FD42-8528-FE33A36545F9}" destId="{DEB39931-02A0-1244-ACCC-FB04B3B71E47}" srcOrd="1" destOrd="0" presId="urn:microsoft.com/office/officeart/2005/8/layout/orgChart1"/>
+    <dgm:cxn modelId="{222DA8E3-D48E-0041-8D4C-0EE8EB8CBCC9}" type="presOf" srcId="{7A941D53-C83A-4441-87B0-67E16680B03D}" destId="{B7D3FF03-8855-8645-B482-03CC79594B53}" srcOrd="0" destOrd="0" presId="urn:microsoft.com/office/officeart/2005/8/layout/orgChart1"/>
+    <dgm:cxn modelId="{ECA7293A-B2CB-A145-BF44-5F7E794CE9F0}" type="presOf" srcId="{D4CC8CD4-B029-E945-AECB-18A26F09C639}" destId="{066B489B-9E54-A84F-9D75-836EBAEE58CB}" srcOrd="0" destOrd="0" presId="urn:microsoft.com/office/officeart/2005/8/layout/orgChart1"/>
+    <dgm:cxn modelId="{7BF1CB20-E1AC-9441-88E7-22C1ADF3ED1B}" type="presOf" srcId="{F31E602B-392F-AE49-9BD6-0F698E4E6505}" destId="{89045225-1E5E-434E-B02D-890D276D1404}" srcOrd="0" destOrd="0" presId="urn:microsoft.com/office/officeart/2005/8/layout/orgChart1"/>
+    <dgm:cxn modelId="{793A8C6B-9042-FC42-B412-F48E9301A014}" type="presOf" srcId="{3B521A98-FC9F-FE4B-A37D-9EB65295D83A}" destId="{764BD3A7-8FA4-5D4E-B731-FCE111AA504A}" srcOrd="0" destOrd="0" presId="urn:microsoft.com/office/officeart/2005/8/layout/orgChart1"/>
+    <dgm:cxn modelId="{3F169855-0AE5-2F4D-880D-2E49C78696D5}" type="presOf" srcId="{307ABA71-1E54-0D4D-83DA-C7B734D3ACA6}" destId="{98BCD90C-56AE-F04D-AB20-C13498047065}" srcOrd="0" destOrd="0" presId="urn:microsoft.com/office/officeart/2005/8/layout/orgChart1"/>
+    <dgm:cxn modelId="{C2AC5852-2679-6A47-B087-110F737CEE4E}" type="presOf" srcId="{4F7564C3-549A-FF42-B64D-FB0F83209F4C}" destId="{10219ED2-316A-0A4F-B3D4-CB34C339DF91}" srcOrd="0" destOrd="0" presId="urn:microsoft.com/office/officeart/2005/8/layout/orgChart1"/>
+    <dgm:cxn modelId="{7FBB3739-BF46-BD45-B86C-3FAEB4B548EC}" type="presOf" srcId="{0FA25222-AA97-4048-B52C-0D239E827729}" destId="{E561028F-4286-BF49-AE97-73478C0E2FC8}" srcOrd="0" destOrd="0" presId="urn:microsoft.com/office/officeart/2005/8/layout/orgChart1"/>
+    <dgm:cxn modelId="{9BC12A88-A67F-1D4F-A3A5-803AA64F472F}" type="presOf" srcId="{7A941D53-C83A-4441-87B0-67E16680B03D}" destId="{8C658670-A080-A24C-80A1-B6815665E2F3}" srcOrd="1" destOrd="0" presId="urn:microsoft.com/office/officeart/2005/8/layout/orgChart1"/>
+    <dgm:cxn modelId="{2342AE86-6653-8A45-BB75-3601044C3B6A}" type="presOf" srcId="{BE661E2D-7B08-4646-B905-EACAC2E869F6}" destId="{F560D28B-6C26-974F-89AD-5F4F1B234609}" srcOrd="1" destOrd="0" presId="urn:microsoft.com/office/officeart/2005/8/layout/orgChart1"/>
     <dgm:cxn modelId="{A6F1D45C-AD80-8E4B-9E56-59C24BB18404}" srcId="{BE661E2D-7B08-4646-B905-EACAC2E869F6}" destId="{DF0F7D3B-2D38-2945-BFC8-C31D8776AD58}" srcOrd="1" destOrd="0" parTransId="{46936D1F-F2CE-EA46-89FD-74D5EEC741E6}" sibTransId="{90C17F59-762E-884B-8530-D49EC069D512}"/>
-    <dgm:cxn modelId="{68E520C4-3F6D-464F-8EF1-9F4016C2905D}" type="presOf" srcId="{2374F45D-45BE-4243-94BA-7C1C3CE4BD1B}" destId="{26B5A8C5-809F-304D-853E-8DE78F5D19CF}" srcOrd="0" destOrd="0" presId="urn:microsoft.com/office/officeart/2005/8/layout/orgChart1"/>
-    <dgm:cxn modelId="{135DC53D-1DAF-0549-9619-06D0805207EA}" type="presOf" srcId="{5FBAC690-4BBF-9441-9601-1E9E1F0F55F8}" destId="{71D74AC4-BC3D-9E4E-A21C-8EFD75A18074}" srcOrd="0" destOrd="0" presId="urn:microsoft.com/office/officeart/2005/8/layout/orgChart1"/>
-    <dgm:cxn modelId="{A37077D2-105E-F64C-BD0D-74294E1051F1}" srcId="{D1FB2890-B15A-5240-9233-38D363F9F85E}" destId="{BE661E2D-7B08-4646-B905-EACAC2E869F6}" srcOrd="0" destOrd="0" parTransId="{06FD722F-658C-C040-A8CF-C506C06E0F11}" sibTransId="{0BAD7845-607F-DF43-A42B-82C594D732AD}"/>
-    <dgm:cxn modelId="{2E7C01E8-D1FE-3A47-8D5C-EBC99566F8BC}" type="presOf" srcId="{EE7E8D70-CFEC-0940-A202-E3EBB1EFA5C5}" destId="{A808BC81-39BE-9B40-8E5E-F598660E2907}" srcOrd="0" destOrd="0" presId="urn:microsoft.com/office/officeart/2005/8/layout/orgChart1"/>
-    <dgm:cxn modelId="{DFEA674B-0EF0-4748-A79F-C0AE18AD88F1}" srcId="{7A941D53-C83A-4441-87B0-67E16680B03D}" destId="{E7C07DBA-7262-FD42-8528-FE33A36545F9}" srcOrd="0" destOrd="0" parTransId="{4F7564C3-549A-FF42-B64D-FB0F83209F4C}" sibTransId="{9391E1BD-E73B-2A48-989A-DC2D6EA50BA7}"/>
-    <dgm:cxn modelId="{37482A2C-5215-EF4C-9FA6-79AD96204219}" type="presOf" srcId="{D894F136-8341-E344-8B33-15CBA7D30160}" destId="{5801197C-BC99-214B-8682-B8134F254D91}" srcOrd="0" destOrd="0" presId="urn:microsoft.com/office/officeart/2005/8/layout/orgChart1"/>
-    <dgm:cxn modelId="{EF82FD78-F27A-7047-850A-33974D796452}" type="presOf" srcId="{3995AC03-DEBD-804E-9410-B8E1A2249815}" destId="{70DA1B39-B43F-E348-A288-3AEB3A46E2DB}" srcOrd="0" destOrd="0" presId="urn:microsoft.com/office/officeart/2005/8/layout/orgChart1"/>
-    <dgm:cxn modelId="{2AF4165C-6ECD-E64B-8EC8-23BC0DF96B57}" type="presOf" srcId="{45E4C7F9-F12D-2B49-9E02-7ABFB0FF3AC1}" destId="{6825C15C-56EE-F043-980D-776B1E39F1B9}" srcOrd="0" destOrd="0" presId="urn:microsoft.com/office/officeart/2005/8/layout/orgChart1"/>
-    <dgm:cxn modelId="{A9D38C94-4C56-F249-AFDF-5E542A9D7477}" type="presOf" srcId="{2FA61BA0-34ED-FB40-979F-17A4AEEC4016}" destId="{C2EF8487-C903-E340-A302-7F09F63B21D3}" srcOrd="0" destOrd="0" presId="urn:microsoft.com/office/officeart/2005/8/layout/orgChart1"/>
-    <dgm:cxn modelId="{793A8C6B-9042-FC42-B412-F48E9301A014}" type="presOf" srcId="{3B521A98-FC9F-FE4B-A37D-9EB65295D83A}" destId="{764BD3A7-8FA4-5D4E-B731-FCE111AA504A}" srcOrd="0" destOrd="0" presId="urn:microsoft.com/office/officeart/2005/8/layout/orgChart1"/>
-    <dgm:cxn modelId="{2762F78F-58E8-7D4A-A47A-320BD07CAF69}" srcId="{DF0F7D3B-2D38-2945-BFC8-C31D8776AD58}" destId="{5FBAC690-4BBF-9441-9601-1E9E1F0F55F8}" srcOrd="0" destOrd="0" parTransId="{D46D63F9-42C3-D14E-84BD-D84A5EE71305}" sibTransId="{F0B9A012-18FD-F64C-852B-9ECC07CF2B84}"/>
-    <dgm:cxn modelId="{F9B8E180-3CDE-3C4B-94A8-226410E29BC0}" srcId="{7A941D53-C83A-4441-87B0-67E16680B03D}" destId="{45E4C7F9-F12D-2B49-9E02-7ABFB0FF3AC1}" srcOrd="1" destOrd="0" parTransId="{307ABA71-1E54-0D4D-83DA-C7B734D3ACA6}" sibTransId="{C2CDED29-BD53-6542-B680-AA60C7D26471}"/>
-    <dgm:cxn modelId="{3D614DD7-CE9E-5B45-AF72-9A94269C5DFE}" srcId="{BE661E2D-7B08-4646-B905-EACAC2E869F6}" destId="{D894F136-8341-E344-8B33-15CBA7D30160}" srcOrd="0" destOrd="0" parTransId="{2FA61BA0-34ED-FB40-979F-17A4AEEC4016}" sibTransId="{4C2EC860-3FA9-2545-A7A2-0096CB172C07}"/>
-    <dgm:cxn modelId="{7FBB3739-BF46-BD45-B86C-3FAEB4B548EC}" type="presOf" srcId="{0FA25222-AA97-4048-B52C-0D239E827729}" destId="{E561028F-4286-BF49-AE97-73478C0E2FC8}" srcOrd="0" destOrd="0" presId="urn:microsoft.com/office/officeart/2005/8/layout/orgChart1"/>
-    <dgm:cxn modelId="{342F0FEF-5D0C-BB43-BBB9-E77689616F32}" type="presOf" srcId="{BE661E2D-7B08-4646-B905-EACAC2E869F6}" destId="{7FEB9243-7480-8543-A0FE-919918F1C78B}" srcOrd="0" destOrd="0" presId="urn:microsoft.com/office/officeart/2005/8/layout/orgChart1"/>
-    <dgm:cxn modelId="{1BDDA61E-F065-4E47-8141-D4E4E71DA5A2}" type="presOf" srcId="{1A9FE87E-D2D7-4643-BDB8-476DCEC4B36D}" destId="{A214400D-511F-C84D-A851-F3BC32CD8DBB}" srcOrd="0" destOrd="0" presId="urn:microsoft.com/office/officeart/2005/8/layout/orgChart1"/>
-    <dgm:cxn modelId="{0F308529-B059-2144-AE68-D9CBD7F94032}" srcId="{5FBAC690-4BBF-9441-9601-1E9E1F0F55F8}" destId="{3716F946-96D6-F544-B2B3-6EF1B56F4F68}" srcOrd="1" destOrd="0" parTransId="{3995AC03-DEBD-804E-9410-B8E1A2249815}" sibTransId="{F99F9781-D052-FA46-93ED-DDAD54AF8942}"/>
-    <dgm:cxn modelId="{C2AC5852-2679-6A47-B087-110F737CEE4E}" type="presOf" srcId="{4F7564C3-549A-FF42-B64D-FB0F83209F4C}" destId="{10219ED2-316A-0A4F-B3D4-CB34C339DF91}" srcOrd="0" destOrd="0" presId="urn:microsoft.com/office/officeart/2005/8/layout/orgChart1"/>
-    <dgm:cxn modelId="{DBB6EA75-56EB-0240-87F6-15F5CF168AC6}" srcId="{DF0F7D3B-2D38-2945-BFC8-C31D8776AD58}" destId="{CDE6D69E-B278-CB45-A57E-AC4DCF797400}" srcOrd="1" destOrd="0" parTransId="{F31E602B-392F-AE49-9BD6-0F698E4E6505}" sibTransId="{B6E0127C-A9AD-9C4C-BA42-4C1ABB75425C}"/>
     <dgm:cxn modelId="{4F6C9110-264A-B043-9DA9-FE73DDDA6EC6}" type="presParOf" srcId="{D2237D17-41C8-6B4B-BF4B-236F7438739E}" destId="{8CE7171B-FBC8-E247-A8FF-DB2AAB6C3802}" srcOrd="0" destOrd="0" presId="urn:microsoft.com/office/officeart/2005/8/layout/orgChart1"/>
     <dgm:cxn modelId="{5A3D9B83-50F4-BC46-ACAD-351C53E3774E}" type="presParOf" srcId="{8CE7171B-FBC8-E247-A8FF-DB2AAB6C3802}" destId="{FEA89005-CAA2-894F-BCAC-BD604ADA0328}" srcOrd="0" destOrd="0" presId="urn:microsoft.com/office/officeart/2005/8/layout/orgChart1"/>
     <dgm:cxn modelId="{00BD3EC2-124C-F244-8023-B96F02394C86}" type="presParOf" srcId="{FEA89005-CAA2-894F-BCAC-BD604ADA0328}" destId="{7FEB9243-7480-8543-A0FE-919918F1C78B}" srcOrd="0" destOrd="0" presId="urn:microsoft.com/office/officeart/2005/8/layout/orgChart1"/>
@@ -7286,7 +7286,7 @@
           <a:p>
             <a:fld id="{50A85378-AF6B-C84D-81C3-A6C1233532EB}" type="datetimeFigureOut">
               <a:rPr lang="en-US" smtClean="0"/>
-              <a:t>4/26/16</a:t>
+              <a:t>4/27/16</a:t>
             </a:fld>
             <a:endParaRPr lang="en-US"/>
           </a:p>
@@ -7621,7 +7621,7 @@
           <a:p>
             <a:fld id="{50A85378-AF6B-C84D-81C3-A6C1233532EB}" type="datetimeFigureOut">
               <a:rPr lang="en-US" smtClean="0"/>
-              <a:t>4/26/16</a:t>
+              <a:t>4/27/16</a:t>
             </a:fld>
             <a:endParaRPr lang="en-US"/>
           </a:p>
@@ -7801,7 +7801,7 @@
           <a:p>
             <a:fld id="{50A85378-AF6B-C84D-81C3-A6C1233532EB}" type="datetimeFigureOut">
               <a:rPr lang="en-US" smtClean="0"/>
-              <a:t>4/26/16</a:t>
+              <a:t>4/27/16</a:t>
             </a:fld>
             <a:endParaRPr lang="en-US"/>
           </a:p>
@@ -7976,7 +7976,7 @@
           <a:p>
             <a:fld id="{50A85378-AF6B-C84D-81C3-A6C1233532EB}" type="datetimeFigureOut">
               <a:rPr lang="en-US" smtClean="0"/>
-              <a:t>4/26/16</a:t>
+              <a:t>4/27/16</a:t>
             </a:fld>
             <a:endParaRPr lang="en-US"/>
           </a:p>
@@ -8253,7 +8253,7 @@
           <a:p>
             <a:fld id="{50A85378-AF6B-C84D-81C3-A6C1233532EB}" type="datetimeFigureOut">
               <a:rPr lang="en-US" smtClean="0"/>
-              <a:t>4/26/16</a:t>
+              <a:t>4/27/16</a:t>
             </a:fld>
             <a:endParaRPr lang="en-US"/>
           </a:p>
@@ -8652,7 +8652,7 @@
           <a:p>
             <a:fld id="{50A85378-AF6B-C84D-81C3-A6C1233532EB}" type="datetimeFigureOut">
               <a:rPr lang="en-US" smtClean="0"/>
-              <a:t>4/26/16</a:t>
+              <a:t>4/27/16</a:t>
             </a:fld>
             <a:endParaRPr lang="en-US"/>
           </a:p>
@@ -9134,7 +9134,7 @@
           <a:p>
             <a:fld id="{50A85378-AF6B-C84D-81C3-A6C1233532EB}" type="datetimeFigureOut">
               <a:rPr lang="en-US" smtClean="0"/>
-              <a:t>4/26/16</a:t>
+              <a:t>4/27/16</a:t>
             </a:fld>
             <a:endParaRPr lang="en-US"/>
           </a:p>
@@ -9257,7 +9257,7 @@
           <a:p>
             <a:fld id="{50A85378-AF6B-C84D-81C3-A6C1233532EB}" type="datetimeFigureOut">
               <a:rPr lang="en-US" smtClean="0"/>
-              <a:t>4/26/16</a:t>
+              <a:t>4/27/16</a:t>
             </a:fld>
             <a:endParaRPr lang="en-US"/>
           </a:p>
@@ -9352,7 +9352,7 @@
           <a:p>
             <a:fld id="{50A85378-AF6B-C84D-81C3-A6C1233532EB}" type="datetimeFigureOut">
               <a:rPr lang="en-US" smtClean="0"/>
-              <a:t>4/26/16</a:t>
+              <a:t>4/27/16</a:t>
             </a:fld>
             <a:endParaRPr lang="en-US"/>
           </a:p>
@@ -9703,7 +9703,7 @@
           <a:p>
             <a:fld id="{50A85378-AF6B-C84D-81C3-A6C1233532EB}" type="datetimeFigureOut">
               <a:rPr lang="en-US" smtClean="0"/>
-              <a:t>4/26/16</a:t>
+              <a:t>4/27/16</a:t>
             </a:fld>
             <a:endParaRPr lang="en-US"/>
           </a:p>
@@ -10096,7 +10096,7 @@
           <a:p>
             <a:fld id="{50A85378-AF6B-C84D-81C3-A6C1233532EB}" type="datetimeFigureOut">
               <a:rPr lang="en-US" smtClean="0"/>
-              <a:t>4/26/16</a:t>
+              <a:t>4/27/16</a:t>
             </a:fld>
             <a:endParaRPr lang="en-US"/>
           </a:p>
@@ -10374,7 +10374,7 @@
           <a:p>
             <a:fld id="{50A85378-AF6B-C84D-81C3-A6C1233532EB}" type="datetimeFigureOut">
               <a:rPr lang="en-US" smtClean="0"/>
-              <a:t>4/26/16</a:t>
+              <a:t>4/27/16</a:t>
             </a:fld>
             <a:endParaRPr lang="en-US"/>
           </a:p>
@@ -12268,10 +12268,34 @@
               <a:rPr lang="en-US" dirty="0" smtClean="0"/>
               <a:t>Simple cost function: just count the number of ones. </a:t>
             </a:r>
+            <a:endParaRPr lang="en-US" dirty="0" smtClean="0"/>
+          </a:p>
+          <a:p>
+            <a:r>
+              <a:rPr lang="en-US" dirty="0" err="1" smtClean="0"/>
+              <a:t>Neighbourhoods</a:t>
+            </a:r>
+            <a:endParaRPr lang="en-US" dirty="0" smtClean="0"/>
+          </a:p>
+          <a:p>
+            <a:pPr lvl="1"/>
+            <a:r>
+              <a:rPr lang="en-US" dirty="0" smtClean="0"/>
+              <a:t>When generating solution the decision to fulfil a certain demand.</a:t>
+            </a:r>
             <a:endParaRPr lang="en-US" dirty="0"/>
           </a:p>
           <a:p>
-            <a:endParaRPr lang="en-US" dirty="0"/>
+            <a:pPr lvl="1"/>
+            <a:r>
+              <a:rPr lang="en-US" dirty="0" smtClean="0"/>
+              <a:t>For CDODOSP adding extra basic assignment represents a </a:t>
+            </a:r>
+            <a:r>
+              <a:rPr lang="en-US" smtClean="0"/>
+              <a:t>neighbourhood</a:t>
+            </a:r>
+            <a:endParaRPr lang="en-US" dirty="0" smtClean="0"/>
           </a:p>
         </p:txBody>
       </p:sp>

--- a/presentation.pptx
+++ b/presentation.pptx
@@ -12292,7 +12292,7 @@
               <a:t>For CDODOSP adding extra basic assignment represents a </a:t>
             </a:r>
             <a:r>
-              <a:rPr lang="en-US" smtClean="0"/>
+              <a:rPr lang="en-US" dirty="0" err="1" smtClean="0"/>
               <a:t>neighbourhood</a:t>
             </a:r>
             <a:endParaRPr lang="en-US" dirty="0" smtClean="0"/>
